--- a/cert_c.pptx
+++ b/cert_c.pptx
@@ -15,6 +15,8 @@
     <p:sldId id="263" r:id="rId9"/>
     <p:sldId id="264" r:id="rId10"/>
     <p:sldId id="265" r:id="rId11"/>
+    <p:sldId id="266" r:id="rId12"/>
+    <p:sldId id="267" r:id="rId13"/>
   </p:sldIdLst>
   <p:sldSz cx="12192000" cy="6858000"/>
   <p:notesSz cx="6858000" cy="9144000"/>
@@ -5556,6 +5558,4056 @@
     <p:extLst>
       <p:ext uri="{BB962C8B-B14F-4D97-AF65-F5344CB8AC3E}">
         <p14:creationId xmlns:p14="http://schemas.microsoft.com/office/powerpoint/2010/main" val="258628158"/>
+      </p:ext>
+    </p:extLst>
+  </p:cSld>
+  <p:clrMapOvr>
+    <a:masterClrMapping/>
+  </p:clrMapOvr>
+</p:sld>
+</file>
+
+<file path=ppt/slides/slide11.xml><?xml version="1.0" encoding="utf-8"?>
+<p:sld xmlns:a="http://schemas.openxmlformats.org/drawingml/2006/main" xmlns:r="http://schemas.openxmlformats.org/officeDocument/2006/relationships" xmlns:p="http://schemas.openxmlformats.org/presentationml/2006/main">
+  <p:cSld>
+    <p:spTree>
+      <p:nvGrpSpPr>
+        <p:cNvPr id="1" name=""/>
+        <p:cNvGrpSpPr/>
+        <p:nvPr/>
+      </p:nvGrpSpPr>
+      <p:grpSpPr>
+        <a:xfrm>
+          <a:off x="0" y="0"/>
+          <a:ext cx="0" cy="0"/>
+          <a:chOff x="0" y="0"/>
+          <a:chExt cx="0" cy="0"/>
+        </a:xfrm>
+      </p:grpSpPr>
+      <p:sp>
+        <p:nvSpPr>
+          <p:cNvPr id="5" name="TextBox 4">
+            <a:extLst>
+              <a:ext uri="{FF2B5EF4-FFF2-40B4-BE49-F238E27FC236}">
+                <a16:creationId xmlns:a16="http://schemas.microsoft.com/office/drawing/2014/main" id="{A18D5C6C-1F64-D0FE-83A3-95F9E3E7EB79}"/>
+              </a:ext>
+            </a:extLst>
+          </p:cNvPr>
+          <p:cNvSpPr txBox="1"/>
+          <p:nvPr/>
+        </p:nvSpPr>
+        <p:spPr>
+          <a:xfrm>
+            <a:off x="414728" y="176694"/>
+            <a:ext cx="4007370" cy="2462213"/>
+          </a:xfrm>
+          <a:prstGeom prst="rect">
+            <a:avLst/>
+          </a:prstGeom>
+          <a:noFill/>
+        </p:spPr>
+        <p:txBody>
+          <a:bodyPr wrap="square">
+            <a:spAutoFit/>
+          </a:bodyPr>
+          <a:lstStyle/>
+          <a:p>
+            <a:r>
+              <a:rPr lang="ko-Kore-KR" altLang="en-US" sz="1400" dirty="0">
+                <a:solidFill>
+                  <a:srgbClr val="FF0000"/>
+                </a:solidFill>
+                <a:latin typeface="DM Mono" panose="020B0509040201040103" pitchFamily="49" charset="0"/>
+              </a:rPr>
+              <a:t>struct AAA {</a:t>
+            </a:r>
+          </a:p>
+          <a:p>
+            <a:r>
+              <a:rPr lang="ko-Kore-KR" altLang="en-US" sz="1400" dirty="0">
+                <a:solidFill>
+                  <a:srgbClr val="FF0000"/>
+                </a:solidFill>
+                <a:latin typeface="DM Mono" panose="020B0509040201040103" pitchFamily="49" charset="0"/>
+              </a:rPr>
+              <a:t>    int n;</a:t>
+            </a:r>
+          </a:p>
+          <a:p>
+            <a:r>
+              <a:rPr lang="ko-Kore-KR" altLang="en-US" sz="1400" dirty="0">
+                <a:solidFill>
+                  <a:srgbClr val="FF0000"/>
+                </a:solidFill>
+                <a:latin typeface="DM Mono" panose="020B0509040201040103" pitchFamily="49" charset="0"/>
+              </a:rPr>
+              <a:t>    double d;</a:t>
+            </a:r>
+          </a:p>
+          <a:p>
+            <a:r>
+              <a:rPr lang="ko-Kore-KR" altLang="en-US" sz="1400" dirty="0">
+                <a:solidFill>
+                  <a:srgbClr val="FF0000"/>
+                </a:solidFill>
+                <a:latin typeface="DM Mono" panose="020B0509040201040103" pitchFamily="49" charset="0"/>
+              </a:rPr>
+              <a:t>    char c;</a:t>
+            </a:r>
+          </a:p>
+          <a:p>
+            <a:r>
+              <a:rPr lang="ko-Kore-KR" altLang="en-US" sz="1400" dirty="0">
+                <a:solidFill>
+                  <a:srgbClr val="FF0000"/>
+                </a:solidFill>
+                <a:latin typeface="DM Mono" panose="020B0509040201040103" pitchFamily="49" charset="0"/>
+              </a:rPr>
+              <a:t>};</a:t>
+            </a:r>
+          </a:p>
+          <a:p>
+            <a:endParaRPr lang="ko-Kore-KR" altLang="en-US" sz="1400" dirty="0">
+              <a:latin typeface="DM Mono" panose="020B0509040201040103" pitchFamily="49" charset="0"/>
+            </a:endParaRPr>
+          </a:p>
+          <a:p>
+            <a:r>
+              <a:rPr lang="ko-Kore-KR" altLang="en-US" sz="1400" dirty="0">
+                <a:latin typeface="DM Mono" panose="020B0509040201040103" pitchFamily="49" charset="0"/>
+              </a:rPr>
+              <a:t>struct BBB {</a:t>
+            </a:r>
+          </a:p>
+          <a:p>
+            <a:r>
+              <a:rPr lang="ko-Kore-KR" altLang="en-US" sz="1400" dirty="0">
+                <a:latin typeface="DM Mono" panose="020B0509040201040103" pitchFamily="49" charset="0"/>
+              </a:rPr>
+              <a:t>    int n;</a:t>
+            </a:r>
+          </a:p>
+          <a:p>
+            <a:r>
+              <a:rPr lang="ko-Kore-KR" altLang="en-US" sz="1400" dirty="0">
+                <a:latin typeface="DM Mono" panose="020B0509040201040103" pitchFamily="49" charset="0"/>
+              </a:rPr>
+              <a:t>    char c;</a:t>
+            </a:r>
+          </a:p>
+          <a:p>
+            <a:r>
+              <a:rPr lang="ko-Kore-KR" altLang="en-US" sz="1400" dirty="0">
+                <a:latin typeface="DM Mono" panose="020B0509040201040103" pitchFamily="49" charset="0"/>
+              </a:rPr>
+              <a:t>    double d;</a:t>
+            </a:r>
+          </a:p>
+          <a:p>
+            <a:r>
+              <a:rPr lang="ko-Kore-KR" altLang="en-US" sz="1400" dirty="0">
+                <a:latin typeface="DM Mono" panose="020B0509040201040103" pitchFamily="49" charset="0"/>
+              </a:rPr>
+              <a:t>};</a:t>
+            </a:r>
+          </a:p>
+        </p:txBody>
+      </p:sp>
+      <p:sp>
+        <p:nvSpPr>
+          <p:cNvPr id="6" name="직사각형 5">
+            <a:extLst>
+              <a:ext uri="{FF2B5EF4-FFF2-40B4-BE49-F238E27FC236}">
+                <a16:creationId xmlns:a16="http://schemas.microsoft.com/office/drawing/2014/main" id="{357A6B25-8106-8DE6-2D44-44A4EED7BC82}"/>
+              </a:ext>
+            </a:extLst>
+          </p:cNvPr>
+          <p:cNvSpPr/>
+          <p:nvPr/>
+        </p:nvSpPr>
+        <p:spPr>
+          <a:xfrm>
+            <a:off x="979357" y="3429000"/>
+            <a:ext cx="239844" cy="553388"/>
+          </a:xfrm>
+          <a:prstGeom prst="rect">
+            <a:avLst/>
+          </a:prstGeom>
+          <a:solidFill>
+            <a:srgbClr val="00B050"/>
+          </a:solidFill>
+        </p:spPr>
+        <p:style>
+          <a:lnRef idx="2">
+            <a:schemeClr val="accent4">
+              <a:shade val="15000"/>
+            </a:schemeClr>
+          </a:lnRef>
+          <a:fillRef idx="1">
+            <a:schemeClr val="accent4"/>
+          </a:fillRef>
+          <a:effectRef idx="0">
+            <a:schemeClr val="accent4"/>
+          </a:effectRef>
+          <a:fontRef idx="minor">
+            <a:schemeClr val="lt1"/>
+          </a:fontRef>
+        </p:style>
+        <p:txBody>
+          <a:bodyPr rtlCol="0" anchor="ctr"/>
+          <a:lstStyle/>
+          <a:p>
+            <a:pPr algn="ctr"/>
+            <a:endParaRPr kumimoji="1" lang="ko-Kore-KR" altLang="en-US" dirty="0">
+              <a:solidFill>
+                <a:schemeClr val="tx1"/>
+              </a:solidFill>
+              <a:latin typeface="DM Mono" panose="020B0509040201040103" pitchFamily="49" charset="0"/>
+            </a:endParaRPr>
+          </a:p>
+        </p:txBody>
+      </p:sp>
+      <p:sp>
+        <p:nvSpPr>
+          <p:cNvPr id="7" name="직사각형 6">
+            <a:extLst>
+              <a:ext uri="{FF2B5EF4-FFF2-40B4-BE49-F238E27FC236}">
+                <a16:creationId xmlns:a16="http://schemas.microsoft.com/office/drawing/2014/main" id="{2775B10C-998B-F80A-F5A8-E7493397976F}"/>
+              </a:ext>
+            </a:extLst>
+          </p:cNvPr>
+          <p:cNvSpPr/>
+          <p:nvPr/>
+        </p:nvSpPr>
+        <p:spPr>
+          <a:xfrm>
+            <a:off x="1219201" y="3429000"/>
+            <a:ext cx="239844" cy="553388"/>
+          </a:xfrm>
+          <a:prstGeom prst="rect">
+            <a:avLst/>
+          </a:prstGeom>
+          <a:solidFill>
+            <a:srgbClr val="00B050"/>
+          </a:solidFill>
+        </p:spPr>
+        <p:style>
+          <a:lnRef idx="2">
+            <a:schemeClr val="accent4">
+              <a:shade val="15000"/>
+            </a:schemeClr>
+          </a:lnRef>
+          <a:fillRef idx="1">
+            <a:schemeClr val="accent4"/>
+          </a:fillRef>
+          <a:effectRef idx="0">
+            <a:schemeClr val="accent4"/>
+          </a:effectRef>
+          <a:fontRef idx="minor">
+            <a:schemeClr val="lt1"/>
+          </a:fontRef>
+        </p:style>
+        <p:txBody>
+          <a:bodyPr rtlCol="0" anchor="ctr"/>
+          <a:lstStyle/>
+          <a:p>
+            <a:pPr algn="ctr"/>
+            <a:endParaRPr kumimoji="1" lang="ko-Kore-KR" altLang="en-US" dirty="0">
+              <a:solidFill>
+                <a:schemeClr val="tx1"/>
+              </a:solidFill>
+              <a:latin typeface="DM Mono" panose="020B0509040201040103" pitchFamily="49" charset="0"/>
+            </a:endParaRPr>
+          </a:p>
+        </p:txBody>
+      </p:sp>
+      <p:sp>
+        <p:nvSpPr>
+          <p:cNvPr id="8" name="직사각형 7">
+            <a:extLst>
+              <a:ext uri="{FF2B5EF4-FFF2-40B4-BE49-F238E27FC236}">
+                <a16:creationId xmlns:a16="http://schemas.microsoft.com/office/drawing/2014/main" id="{71ECCF59-9F3D-B94B-04C3-E5EB621BF529}"/>
+              </a:ext>
+            </a:extLst>
+          </p:cNvPr>
+          <p:cNvSpPr/>
+          <p:nvPr/>
+        </p:nvSpPr>
+        <p:spPr>
+          <a:xfrm>
+            <a:off x="1459045" y="3429000"/>
+            <a:ext cx="239844" cy="553388"/>
+          </a:xfrm>
+          <a:prstGeom prst="rect">
+            <a:avLst/>
+          </a:prstGeom>
+          <a:solidFill>
+            <a:srgbClr val="00B050"/>
+          </a:solidFill>
+        </p:spPr>
+        <p:style>
+          <a:lnRef idx="2">
+            <a:schemeClr val="accent4">
+              <a:shade val="15000"/>
+            </a:schemeClr>
+          </a:lnRef>
+          <a:fillRef idx="1">
+            <a:schemeClr val="accent4"/>
+          </a:fillRef>
+          <a:effectRef idx="0">
+            <a:schemeClr val="accent4"/>
+          </a:effectRef>
+          <a:fontRef idx="minor">
+            <a:schemeClr val="lt1"/>
+          </a:fontRef>
+        </p:style>
+        <p:txBody>
+          <a:bodyPr rtlCol="0" anchor="ctr"/>
+          <a:lstStyle/>
+          <a:p>
+            <a:pPr algn="ctr"/>
+            <a:endParaRPr kumimoji="1" lang="ko-Kore-KR" altLang="en-US" dirty="0">
+              <a:solidFill>
+                <a:schemeClr val="tx1"/>
+              </a:solidFill>
+              <a:latin typeface="DM Mono" panose="020B0509040201040103" pitchFamily="49" charset="0"/>
+            </a:endParaRPr>
+          </a:p>
+        </p:txBody>
+      </p:sp>
+      <p:sp>
+        <p:nvSpPr>
+          <p:cNvPr id="9" name="직사각형 8">
+            <a:extLst>
+              <a:ext uri="{FF2B5EF4-FFF2-40B4-BE49-F238E27FC236}">
+                <a16:creationId xmlns:a16="http://schemas.microsoft.com/office/drawing/2014/main" id="{ECFB933C-0B1A-A9C6-6F09-354EF71CB33C}"/>
+              </a:ext>
+            </a:extLst>
+          </p:cNvPr>
+          <p:cNvSpPr/>
+          <p:nvPr/>
+        </p:nvSpPr>
+        <p:spPr>
+          <a:xfrm>
+            <a:off x="1698889" y="3429000"/>
+            <a:ext cx="239844" cy="553388"/>
+          </a:xfrm>
+          <a:prstGeom prst="rect">
+            <a:avLst/>
+          </a:prstGeom>
+          <a:solidFill>
+            <a:srgbClr val="00B050"/>
+          </a:solidFill>
+        </p:spPr>
+        <p:style>
+          <a:lnRef idx="2">
+            <a:schemeClr val="accent4">
+              <a:shade val="15000"/>
+            </a:schemeClr>
+          </a:lnRef>
+          <a:fillRef idx="1">
+            <a:schemeClr val="accent4"/>
+          </a:fillRef>
+          <a:effectRef idx="0">
+            <a:schemeClr val="accent4"/>
+          </a:effectRef>
+          <a:fontRef idx="minor">
+            <a:schemeClr val="lt1"/>
+          </a:fontRef>
+        </p:style>
+        <p:txBody>
+          <a:bodyPr rtlCol="0" anchor="ctr"/>
+          <a:lstStyle/>
+          <a:p>
+            <a:pPr algn="ctr"/>
+            <a:endParaRPr kumimoji="1" lang="ko-Kore-KR" altLang="en-US" dirty="0">
+              <a:solidFill>
+                <a:schemeClr val="tx1"/>
+              </a:solidFill>
+              <a:latin typeface="DM Mono" panose="020B0509040201040103" pitchFamily="49" charset="0"/>
+            </a:endParaRPr>
+          </a:p>
+        </p:txBody>
+      </p:sp>
+      <p:sp>
+        <p:nvSpPr>
+          <p:cNvPr id="10" name="직사각형 9">
+            <a:extLst>
+              <a:ext uri="{FF2B5EF4-FFF2-40B4-BE49-F238E27FC236}">
+                <a16:creationId xmlns:a16="http://schemas.microsoft.com/office/drawing/2014/main" id="{FEA6FE13-DCDA-E476-E0C3-CE02EE6D692C}"/>
+              </a:ext>
+            </a:extLst>
+          </p:cNvPr>
+          <p:cNvSpPr/>
+          <p:nvPr/>
+        </p:nvSpPr>
+        <p:spPr>
+          <a:xfrm>
+            <a:off x="1938733" y="3429000"/>
+            <a:ext cx="239844" cy="553388"/>
+          </a:xfrm>
+          <a:prstGeom prst="rect">
+            <a:avLst/>
+          </a:prstGeom>
+          <a:solidFill>
+            <a:srgbClr val="FF0000"/>
+          </a:solidFill>
+        </p:spPr>
+        <p:style>
+          <a:lnRef idx="2">
+            <a:schemeClr val="accent4">
+              <a:shade val="15000"/>
+            </a:schemeClr>
+          </a:lnRef>
+          <a:fillRef idx="1">
+            <a:schemeClr val="accent4"/>
+          </a:fillRef>
+          <a:effectRef idx="0">
+            <a:schemeClr val="accent4"/>
+          </a:effectRef>
+          <a:fontRef idx="minor">
+            <a:schemeClr val="lt1"/>
+          </a:fontRef>
+        </p:style>
+        <p:txBody>
+          <a:bodyPr rtlCol="0" anchor="ctr"/>
+          <a:lstStyle/>
+          <a:p>
+            <a:pPr algn="ctr"/>
+            <a:endParaRPr kumimoji="1" lang="ko-Kore-KR" altLang="en-US" dirty="0">
+              <a:solidFill>
+                <a:schemeClr val="tx1"/>
+              </a:solidFill>
+              <a:latin typeface="DM Mono" panose="020B0509040201040103" pitchFamily="49" charset="0"/>
+            </a:endParaRPr>
+          </a:p>
+        </p:txBody>
+      </p:sp>
+      <p:sp>
+        <p:nvSpPr>
+          <p:cNvPr id="11" name="직사각형 10">
+            <a:extLst>
+              <a:ext uri="{FF2B5EF4-FFF2-40B4-BE49-F238E27FC236}">
+                <a16:creationId xmlns:a16="http://schemas.microsoft.com/office/drawing/2014/main" id="{A5C144D7-DE66-725D-7538-4385B2EEB2D3}"/>
+              </a:ext>
+            </a:extLst>
+          </p:cNvPr>
+          <p:cNvSpPr/>
+          <p:nvPr/>
+        </p:nvSpPr>
+        <p:spPr>
+          <a:xfrm>
+            <a:off x="2178577" y="3429000"/>
+            <a:ext cx="239844" cy="553388"/>
+          </a:xfrm>
+          <a:prstGeom prst="rect">
+            <a:avLst/>
+          </a:prstGeom>
+          <a:solidFill>
+            <a:srgbClr val="FF0000"/>
+          </a:solidFill>
+        </p:spPr>
+        <p:style>
+          <a:lnRef idx="2">
+            <a:schemeClr val="accent4">
+              <a:shade val="15000"/>
+            </a:schemeClr>
+          </a:lnRef>
+          <a:fillRef idx="1">
+            <a:schemeClr val="accent4"/>
+          </a:fillRef>
+          <a:effectRef idx="0">
+            <a:schemeClr val="accent4"/>
+          </a:effectRef>
+          <a:fontRef idx="minor">
+            <a:schemeClr val="lt1"/>
+          </a:fontRef>
+        </p:style>
+        <p:txBody>
+          <a:bodyPr rtlCol="0" anchor="ctr"/>
+          <a:lstStyle/>
+          <a:p>
+            <a:pPr algn="ctr"/>
+            <a:endParaRPr kumimoji="1" lang="ko-Kore-KR" altLang="en-US" dirty="0">
+              <a:solidFill>
+                <a:schemeClr val="tx1"/>
+              </a:solidFill>
+              <a:latin typeface="DM Mono" panose="020B0509040201040103" pitchFamily="49" charset="0"/>
+            </a:endParaRPr>
+          </a:p>
+        </p:txBody>
+      </p:sp>
+      <p:sp>
+        <p:nvSpPr>
+          <p:cNvPr id="12" name="직사각형 11">
+            <a:extLst>
+              <a:ext uri="{FF2B5EF4-FFF2-40B4-BE49-F238E27FC236}">
+                <a16:creationId xmlns:a16="http://schemas.microsoft.com/office/drawing/2014/main" id="{C480832A-7511-0335-3B12-EA6BE07C379D}"/>
+              </a:ext>
+            </a:extLst>
+          </p:cNvPr>
+          <p:cNvSpPr/>
+          <p:nvPr/>
+        </p:nvSpPr>
+        <p:spPr>
+          <a:xfrm>
+            <a:off x="2418421" y="3429000"/>
+            <a:ext cx="239844" cy="553388"/>
+          </a:xfrm>
+          <a:prstGeom prst="rect">
+            <a:avLst/>
+          </a:prstGeom>
+          <a:solidFill>
+            <a:srgbClr val="FF0000"/>
+          </a:solidFill>
+        </p:spPr>
+        <p:style>
+          <a:lnRef idx="2">
+            <a:schemeClr val="accent4">
+              <a:shade val="15000"/>
+            </a:schemeClr>
+          </a:lnRef>
+          <a:fillRef idx="1">
+            <a:schemeClr val="accent4"/>
+          </a:fillRef>
+          <a:effectRef idx="0">
+            <a:schemeClr val="accent4"/>
+          </a:effectRef>
+          <a:fontRef idx="minor">
+            <a:schemeClr val="lt1"/>
+          </a:fontRef>
+        </p:style>
+        <p:txBody>
+          <a:bodyPr rtlCol="0" anchor="ctr"/>
+          <a:lstStyle/>
+          <a:p>
+            <a:pPr algn="ctr"/>
+            <a:endParaRPr kumimoji="1" lang="ko-Kore-KR" altLang="en-US" dirty="0">
+              <a:solidFill>
+                <a:schemeClr val="tx1"/>
+              </a:solidFill>
+              <a:latin typeface="DM Mono" panose="020B0509040201040103" pitchFamily="49" charset="0"/>
+            </a:endParaRPr>
+          </a:p>
+        </p:txBody>
+      </p:sp>
+      <p:sp>
+        <p:nvSpPr>
+          <p:cNvPr id="13" name="직사각형 12">
+            <a:extLst>
+              <a:ext uri="{FF2B5EF4-FFF2-40B4-BE49-F238E27FC236}">
+                <a16:creationId xmlns:a16="http://schemas.microsoft.com/office/drawing/2014/main" id="{C2043AF5-1ADB-7A67-034F-A194C6D5ED21}"/>
+              </a:ext>
+            </a:extLst>
+          </p:cNvPr>
+          <p:cNvSpPr/>
+          <p:nvPr/>
+        </p:nvSpPr>
+        <p:spPr>
+          <a:xfrm>
+            <a:off x="2658265" y="3429000"/>
+            <a:ext cx="239844" cy="553388"/>
+          </a:xfrm>
+          <a:prstGeom prst="rect">
+            <a:avLst/>
+          </a:prstGeom>
+          <a:solidFill>
+            <a:srgbClr val="FF0000"/>
+          </a:solidFill>
+        </p:spPr>
+        <p:style>
+          <a:lnRef idx="2">
+            <a:schemeClr val="accent4">
+              <a:shade val="15000"/>
+            </a:schemeClr>
+          </a:lnRef>
+          <a:fillRef idx="1">
+            <a:schemeClr val="accent4"/>
+          </a:fillRef>
+          <a:effectRef idx="0">
+            <a:schemeClr val="accent4"/>
+          </a:effectRef>
+          <a:fontRef idx="minor">
+            <a:schemeClr val="lt1"/>
+          </a:fontRef>
+        </p:style>
+        <p:txBody>
+          <a:bodyPr rtlCol="0" anchor="ctr"/>
+          <a:lstStyle/>
+          <a:p>
+            <a:pPr algn="ctr"/>
+            <a:endParaRPr kumimoji="1" lang="ko-Kore-KR" altLang="en-US" dirty="0">
+              <a:solidFill>
+                <a:schemeClr val="tx1"/>
+              </a:solidFill>
+              <a:latin typeface="DM Mono" panose="020B0509040201040103" pitchFamily="49" charset="0"/>
+            </a:endParaRPr>
+          </a:p>
+        </p:txBody>
+      </p:sp>
+      <p:sp>
+        <p:nvSpPr>
+          <p:cNvPr id="14" name="직사각형 13">
+            <a:extLst>
+              <a:ext uri="{FF2B5EF4-FFF2-40B4-BE49-F238E27FC236}">
+                <a16:creationId xmlns:a16="http://schemas.microsoft.com/office/drawing/2014/main" id="{CA40D424-79E7-DF93-1766-CC7F4CB4CB1B}"/>
+              </a:ext>
+            </a:extLst>
+          </p:cNvPr>
+          <p:cNvSpPr/>
+          <p:nvPr/>
+        </p:nvSpPr>
+        <p:spPr>
+          <a:xfrm>
+            <a:off x="2913110" y="3429000"/>
+            <a:ext cx="239844" cy="553388"/>
+          </a:xfrm>
+          <a:prstGeom prst="rect">
+            <a:avLst/>
+          </a:prstGeom>
+          <a:solidFill>
+            <a:schemeClr val="accent5">
+              <a:lumMod val="20000"/>
+              <a:lumOff val="80000"/>
+            </a:schemeClr>
+          </a:solidFill>
+        </p:spPr>
+        <p:style>
+          <a:lnRef idx="2">
+            <a:schemeClr val="accent4">
+              <a:shade val="15000"/>
+            </a:schemeClr>
+          </a:lnRef>
+          <a:fillRef idx="1">
+            <a:schemeClr val="accent4"/>
+          </a:fillRef>
+          <a:effectRef idx="0">
+            <a:schemeClr val="accent4"/>
+          </a:effectRef>
+          <a:fontRef idx="minor">
+            <a:schemeClr val="lt1"/>
+          </a:fontRef>
+        </p:style>
+        <p:txBody>
+          <a:bodyPr rtlCol="0" anchor="ctr"/>
+          <a:lstStyle/>
+          <a:p>
+            <a:pPr algn="ctr"/>
+            <a:endParaRPr kumimoji="1" lang="ko-Kore-KR" altLang="en-US" dirty="0">
+              <a:solidFill>
+                <a:schemeClr val="tx1"/>
+              </a:solidFill>
+              <a:latin typeface="DM Mono" panose="020B0509040201040103" pitchFamily="49" charset="0"/>
+            </a:endParaRPr>
+          </a:p>
+        </p:txBody>
+      </p:sp>
+      <p:sp>
+        <p:nvSpPr>
+          <p:cNvPr id="15" name="직사각형 14">
+            <a:extLst>
+              <a:ext uri="{FF2B5EF4-FFF2-40B4-BE49-F238E27FC236}">
+                <a16:creationId xmlns:a16="http://schemas.microsoft.com/office/drawing/2014/main" id="{119264F4-0A3F-13C4-583A-9E5924678613}"/>
+              </a:ext>
+            </a:extLst>
+          </p:cNvPr>
+          <p:cNvSpPr/>
+          <p:nvPr/>
+        </p:nvSpPr>
+        <p:spPr>
+          <a:xfrm>
+            <a:off x="3152954" y="3429000"/>
+            <a:ext cx="239844" cy="553388"/>
+          </a:xfrm>
+          <a:prstGeom prst="rect">
+            <a:avLst/>
+          </a:prstGeom>
+          <a:solidFill>
+            <a:schemeClr val="accent5">
+              <a:lumMod val="20000"/>
+              <a:lumOff val="80000"/>
+            </a:schemeClr>
+          </a:solidFill>
+        </p:spPr>
+        <p:style>
+          <a:lnRef idx="2">
+            <a:schemeClr val="accent4">
+              <a:shade val="15000"/>
+            </a:schemeClr>
+          </a:lnRef>
+          <a:fillRef idx="1">
+            <a:schemeClr val="accent4"/>
+          </a:fillRef>
+          <a:effectRef idx="0">
+            <a:schemeClr val="accent4"/>
+          </a:effectRef>
+          <a:fontRef idx="minor">
+            <a:schemeClr val="lt1"/>
+          </a:fontRef>
+        </p:style>
+        <p:txBody>
+          <a:bodyPr rtlCol="0" anchor="ctr"/>
+          <a:lstStyle/>
+          <a:p>
+            <a:pPr algn="ctr"/>
+            <a:endParaRPr kumimoji="1" lang="ko-Kore-KR" altLang="en-US" dirty="0">
+              <a:solidFill>
+                <a:schemeClr val="tx1"/>
+              </a:solidFill>
+              <a:latin typeface="DM Mono" panose="020B0509040201040103" pitchFamily="49" charset="0"/>
+            </a:endParaRPr>
+          </a:p>
+        </p:txBody>
+      </p:sp>
+      <p:sp>
+        <p:nvSpPr>
+          <p:cNvPr id="16" name="직사각형 15">
+            <a:extLst>
+              <a:ext uri="{FF2B5EF4-FFF2-40B4-BE49-F238E27FC236}">
+                <a16:creationId xmlns:a16="http://schemas.microsoft.com/office/drawing/2014/main" id="{F7D7243A-C52F-1C2E-84B1-FE1D1695F27E}"/>
+              </a:ext>
+            </a:extLst>
+          </p:cNvPr>
+          <p:cNvSpPr/>
+          <p:nvPr/>
+        </p:nvSpPr>
+        <p:spPr>
+          <a:xfrm>
+            <a:off x="3392798" y="3429000"/>
+            <a:ext cx="239844" cy="553388"/>
+          </a:xfrm>
+          <a:prstGeom prst="rect">
+            <a:avLst/>
+          </a:prstGeom>
+          <a:solidFill>
+            <a:schemeClr val="accent5">
+              <a:lumMod val="20000"/>
+              <a:lumOff val="80000"/>
+            </a:schemeClr>
+          </a:solidFill>
+        </p:spPr>
+        <p:style>
+          <a:lnRef idx="2">
+            <a:schemeClr val="accent4">
+              <a:shade val="15000"/>
+            </a:schemeClr>
+          </a:lnRef>
+          <a:fillRef idx="1">
+            <a:schemeClr val="accent4"/>
+          </a:fillRef>
+          <a:effectRef idx="0">
+            <a:schemeClr val="accent4"/>
+          </a:effectRef>
+          <a:fontRef idx="minor">
+            <a:schemeClr val="lt1"/>
+          </a:fontRef>
+        </p:style>
+        <p:txBody>
+          <a:bodyPr rtlCol="0" anchor="ctr"/>
+          <a:lstStyle/>
+          <a:p>
+            <a:pPr algn="ctr"/>
+            <a:endParaRPr kumimoji="1" lang="ko-Kore-KR" altLang="en-US" dirty="0">
+              <a:solidFill>
+                <a:schemeClr val="tx1"/>
+              </a:solidFill>
+              <a:latin typeface="DM Mono" panose="020B0509040201040103" pitchFamily="49" charset="0"/>
+            </a:endParaRPr>
+          </a:p>
+        </p:txBody>
+      </p:sp>
+      <p:sp>
+        <p:nvSpPr>
+          <p:cNvPr id="17" name="직사각형 16">
+            <a:extLst>
+              <a:ext uri="{FF2B5EF4-FFF2-40B4-BE49-F238E27FC236}">
+                <a16:creationId xmlns:a16="http://schemas.microsoft.com/office/drawing/2014/main" id="{A99D9C0D-948A-612F-B963-D06EF576ED8F}"/>
+              </a:ext>
+            </a:extLst>
+          </p:cNvPr>
+          <p:cNvSpPr/>
+          <p:nvPr/>
+        </p:nvSpPr>
+        <p:spPr>
+          <a:xfrm>
+            <a:off x="3632642" y="3429000"/>
+            <a:ext cx="239844" cy="553388"/>
+          </a:xfrm>
+          <a:prstGeom prst="rect">
+            <a:avLst/>
+          </a:prstGeom>
+          <a:solidFill>
+            <a:schemeClr val="accent5">
+              <a:lumMod val="20000"/>
+              <a:lumOff val="80000"/>
+            </a:schemeClr>
+          </a:solidFill>
+        </p:spPr>
+        <p:style>
+          <a:lnRef idx="2">
+            <a:schemeClr val="accent4">
+              <a:shade val="15000"/>
+            </a:schemeClr>
+          </a:lnRef>
+          <a:fillRef idx="1">
+            <a:schemeClr val="accent4"/>
+          </a:fillRef>
+          <a:effectRef idx="0">
+            <a:schemeClr val="accent4"/>
+          </a:effectRef>
+          <a:fontRef idx="minor">
+            <a:schemeClr val="lt1"/>
+          </a:fontRef>
+        </p:style>
+        <p:txBody>
+          <a:bodyPr rtlCol="0" anchor="ctr"/>
+          <a:lstStyle/>
+          <a:p>
+            <a:pPr algn="ctr"/>
+            <a:endParaRPr kumimoji="1" lang="ko-Kore-KR" altLang="en-US" dirty="0">
+              <a:solidFill>
+                <a:schemeClr val="tx1"/>
+              </a:solidFill>
+              <a:latin typeface="DM Mono" panose="020B0509040201040103" pitchFamily="49" charset="0"/>
+            </a:endParaRPr>
+          </a:p>
+        </p:txBody>
+      </p:sp>
+      <p:sp>
+        <p:nvSpPr>
+          <p:cNvPr id="18" name="직사각형 17">
+            <a:extLst>
+              <a:ext uri="{FF2B5EF4-FFF2-40B4-BE49-F238E27FC236}">
+                <a16:creationId xmlns:a16="http://schemas.microsoft.com/office/drawing/2014/main" id="{FD448013-25F8-9F8D-B2CA-D04B6B5ACAD3}"/>
+              </a:ext>
+            </a:extLst>
+          </p:cNvPr>
+          <p:cNvSpPr/>
+          <p:nvPr/>
+        </p:nvSpPr>
+        <p:spPr>
+          <a:xfrm>
+            <a:off x="3872486" y="3429000"/>
+            <a:ext cx="239844" cy="553388"/>
+          </a:xfrm>
+          <a:prstGeom prst="rect">
+            <a:avLst/>
+          </a:prstGeom>
+          <a:solidFill>
+            <a:schemeClr val="accent5">
+              <a:lumMod val="20000"/>
+              <a:lumOff val="80000"/>
+            </a:schemeClr>
+          </a:solidFill>
+        </p:spPr>
+        <p:style>
+          <a:lnRef idx="2">
+            <a:schemeClr val="accent4">
+              <a:shade val="15000"/>
+            </a:schemeClr>
+          </a:lnRef>
+          <a:fillRef idx="1">
+            <a:schemeClr val="accent4"/>
+          </a:fillRef>
+          <a:effectRef idx="0">
+            <a:schemeClr val="accent4"/>
+          </a:effectRef>
+          <a:fontRef idx="minor">
+            <a:schemeClr val="lt1"/>
+          </a:fontRef>
+        </p:style>
+        <p:txBody>
+          <a:bodyPr rtlCol="0" anchor="ctr"/>
+          <a:lstStyle/>
+          <a:p>
+            <a:pPr algn="ctr"/>
+            <a:endParaRPr kumimoji="1" lang="ko-Kore-KR" altLang="en-US" dirty="0">
+              <a:solidFill>
+                <a:schemeClr val="tx1"/>
+              </a:solidFill>
+              <a:latin typeface="DM Mono" panose="020B0509040201040103" pitchFamily="49" charset="0"/>
+            </a:endParaRPr>
+          </a:p>
+        </p:txBody>
+      </p:sp>
+      <p:sp>
+        <p:nvSpPr>
+          <p:cNvPr id="19" name="직사각형 18">
+            <a:extLst>
+              <a:ext uri="{FF2B5EF4-FFF2-40B4-BE49-F238E27FC236}">
+                <a16:creationId xmlns:a16="http://schemas.microsoft.com/office/drawing/2014/main" id="{D674D57F-F71A-6E2D-B80D-08353BAEFA9F}"/>
+              </a:ext>
+            </a:extLst>
+          </p:cNvPr>
+          <p:cNvSpPr/>
+          <p:nvPr/>
+        </p:nvSpPr>
+        <p:spPr>
+          <a:xfrm>
+            <a:off x="4112330" y="3429000"/>
+            <a:ext cx="239844" cy="553388"/>
+          </a:xfrm>
+          <a:prstGeom prst="rect">
+            <a:avLst/>
+          </a:prstGeom>
+          <a:solidFill>
+            <a:schemeClr val="accent5">
+              <a:lumMod val="20000"/>
+              <a:lumOff val="80000"/>
+            </a:schemeClr>
+          </a:solidFill>
+        </p:spPr>
+        <p:style>
+          <a:lnRef idx="2">
+            <a:schemeClr val="accent4">
+              <a:shade val="15000"/>
+            </a:schemeClr>
+          </a:lnRef>
+          <a:fillRef idx="1">
+            <a:schemeClr val="accent4"/>
+          </a:fillRef>
+          <a:effectRef idx="0">
+            <a:schemeClr val="accent4"/>
+          </a:effectRef>
+          <a:fontRef idx="minor">
+            <a:schemeClr val="lt1"/>
+          </a:fontRef>
+        </p:style>
+        <p:txBody>
+          <a:bodyPr rtlCol="0" anchor="ctr"/>
+          <a:lstStyle/>
+          <a:p>
+            <a:pPr algn="ctr"/>
+            <a:endParaRPr kumimoji="1" lang="ko-Kore-KR" altLang="en-US" dirty="0">
+              <a:solidFill>
+                <a:schemeClr val="tx1"/>
+              </a:solidFill>
+              <a:latin typeface="DM Mono" panose="020B0509040201040103" pitchFamily="49" charset="0"/>
+            </a:endParaRPr>
+          </a:p>
+        </p:txBody>
+      </p:sp>
+      <p:sp>
+        <p:nvSpPr>
+          <p:cNvPr id="20" name="직사각형 19">
+            <a:extLst>
+              <a:ext uri="{FF2B5EF4-FFF2-40B4-BE49-F238E27FC236}">
+                <a16:creationId xmlns:a16="http://schemas.microsoft.com/office/drawing/2014/main" id="{0BED1304-9AAD-FA26-0E91-6E91896B06CD}"/>
+              </a:ext>
+            </a:extLst>
+          </p:cNvPr>
+          <p:cNvSpPr/>
+          <p:nvPr/>
+        </p:nvSpPr>
+        <p:spPr>
+          <a:xfrm>
+            <a:off x="4352174" y="3429000"/>
+            <a:ext cx="239844" cy="553388"/>
+          </a:xfrm>
+          <a:prstGeom prst="rect">
+            <a:avLst/>
+          </a:prstGeom>
+          <a:solidFill>
+            <a:schemeClr val="accent5">
+              <a:lumMod val="20000"/>
+              <a:lumOff val="80000"/>
+            </a:schemeClr>
+          </a:solidFill>
+        </p:spPr>
+        <p:style>
+          <a:lnRef idx="2">
+            <a:schemeClr val="accent4">
+              <a:shade val="15000"/>
+            </a:schemeClr>
+          </a:lnRef>
+          <a:fillRef idx="1">
+            <a:schemeClr val="accent4"/>
+          </a:fillRef>
+          <a:effectRef idx="0">
+            <a:schemeClr val="accent4"/>
+          </a:effectRef>
+          <a:fontRef idx="minor">
+            <a:schemeClr val="lt1"/>
+          </a:fontRef>
+        </p:style>
+        <p:txBody>
+          <a:bodyPr rtlCol="0" anchor="ctr"/>
+          <a:lstStyle/>
+          <a:p>
+            <a:pPr algn="ctr"/>
+            <a:endParaRPr kumimoji="1" lang="ko-Kore-KR" altLang="en-US" dirty="0">
+              <a:solidFill>
+                <a:schemeClr val="tx1"/>
+              </a:solidFill>
+              <a:latin typeface="DM Mono" panose="020B0509040201040103" pitchFamily="49" charset="0"/>
+            </a:endParaRPr>
+          </a:p>
+        </p:txBody>
+      </p:sp>
+      <p:sp>
+        <p:nvSpPr>
+          <p:cNvPr id="21" name="직사각형 20">
+            <a:extLst>
+              <a:ext uri="{FF2B5EF4-FFF2-40B4-BE49-F238E27FC236}">
+                <a16:creationId xmlns:a16="http://schemas.microsoft.com/office/drawing/2014/main" id="{9D25D7D3-429C-5B2B-2320-04612BAC4A8D}"/>
+              </a:ext>
+            </a:extLst>
+          </p:cNvPr>
+          <p:cNvSpPr/>
+          <p:nvPr/>
+        </p:nvSpPr>
+        <p:spPr>
+          <a:xfrm>
+            <a:off x="4592018" y="3429000"/>
+            <a:ext cx="239844" cy="553388"/>
+          </a:xfrm>
+          <a:prstGeom prst="rect">
+            <a:avLst/>
+          </a:prstGeom>
+          <a:solidFill>
+            <a:schemeClr val="accent5">
+              <a:lumMod val="20000"/>
+              <a:lumOff val="80000"/>
+            </a:schemeClr>
+          </a:solidFill>
+        </p:spPr>
+        <p:style>
+          <a:lnRef idx="2">
+            <a:schemeClr val="accent4">
+              <a:shade val="15000"/>
+            </a:schemeClr>
+          </a:lnRef>
+          <a:fillRef idx="1">
+            <a:schemeClr val="accent4"/>
+          </a:fillRef>
+          <a:effectRef idx="0">
+            <a:schemeClr val="accent4"/>
+          </a:effectRef>
+          <a:fontRef idx="minor">
+            <a:schemeClr val="lt1"/>
+          </a:fontRef>
+        </p:style>
+        <p:txBody>
+          <a:bodyPr rtlCol="0" anchor="ctr"/>
+          <a:lstStyle/>
+          <a:p>
+            <a:pPr algn="ctr"/>
+            <a:endParaRPr kumimoji="1" lang="ko-Kore-KR" altLang="en-US" dirty="0">
+              <a:solidFill>
+                <a:schemeClr val="tx1"/>
+              </a:solidFill>
+              <a:latin typeface="DM Mono" panose="020B0509040201040103" pitchFamily="49" charset="0"/>
+            </a:endParaRPr>
+          </a:p>
+        </p:txBody>
+      </p:sp>
+      <p:sp>
+        <p:nvSpPr>
+          <p:cNvPr id="22" name="직사각형 21">
+            <a:extLst>
+              <a:ext uri="{FF2B5EF4-FFF2-40B4-BE49-F238E27FC236}">
+                <a16:creationId xmlns:a16="http://schemas.microsoft.com/office/drawing/2014/main" id="{DDD83EB6-F9D6-5379-545E-6118952B1B6E}"/>
+              </a:ext>
+            </a:extLst>
+          </p:cNvPr>
+          <p:cNvSpPr/>
+          <p:nvPr/>
+        </p:nvSpPr>
+        <p:spPr>
+          <a:xfrm>
+            <a:off x="4846863" y="3429000"/>
+            <a:ext cx="239844" cy="553388"/>
+          </a:xfrm>
+          <a:prstGeom prst="rect">
+            <a:avLst/>
+          </a:prstGeom>
+          <a:solidFill>
+            <a:srgbClr val="0070C0"/>
+          </a:solidFill>
+        </p:spPr>
+        <p:style>
+          <a:lnRef idx="2">
+            <a:schemeClr val="accent4">
+              <a:shade val="15000"/>
+            </a:schemeClr>
+          </a:lnRef>
+          <a:fillRef idx="1">
+            <a:schemeClr val="accent4"/>
+          </a:fillRef>
+          <a:effectRef idx="0">
+            <a:schemeClr val="accent4"/>
+          </a:effectRef>
+          <a:fontRef idx="minor">
+            <a:schemeClr val="lt1"/>
+          </a:fontRef>
+        </p:style>
+        <p:txBody>
+          <a:bodyPr rtlCol="0" anchor="ctr"/>
+          <a:lstStyle/>
+          <a:p>
+            <a:pPr algn="ctr"/>
+            <a:endParaRPr kumimoji="1" lang="ko-Kore-KR" altLang="en-US" dirty="0">
+              <a:solidFill>
+                <a:schemeClr val="tx1"/>
+              </a:solidFill>
+              <a:latin typeface="DM Mono" panose="020B0509040201040103" pitchFamily="49" charset="0"/>
+            </a:endParaRPr>
+          </a:p>
+        </p:txBody>
+      </p:sp>
+      <p:sp>
+        <p:nvSpPr>
+          <p:cNvPr id="23" name="직사각형 22">
+            <a:extLst>
+              <a:ext uri="{FF2B5EF4-FFF2-40B4-BE49-F238E27FC236}">
+                <a16:creationId xmlns:a16="http://schemas.microsoft.com/office/drawing/2014/main" id="{2421EB7F-9D69-9B23-DEB2-D5DEB3DC670E}"/>
+              </a:ext>
+            </a:extLst>
+          </p:cNvPr>
+          <p:cNvSpPr/>
+          <p:nvPr/>
+        </p:nvSpPr>
+        <p:spPr>
+          <a:xfrm>
+            <a:off x="5086707" y="3429000"/>
+            <a:ext cx="239844" cy="553388"/>
+          </a:xfrm>
+          <a:prstGeom prst="rect">
+            <a:avLst/>
+          </a:prstGeom>
+          <a:solidFill>
+            <a:srgbClr val="FF0000"/>
+          </a:solidFill>
+        </p:spPr>
+        <p:style>
+          <a:lnRef idx="2">
+            <a:schemeClr val="accent4">
+              <a:shade val="15000"/>
+            </a:schemeClr>
+          </a:lnRef>
+          <a:fillRef idx="1">
+            <a:schemeClr val="accent4"/>
+          </a:fillRef>
+          <a:effectRef idx="0">
+            <a:schemeClr val="accent4"/>
+          </a:effectRef>
+          <a:fontRef idx="minor">
+            <a:schemeClr val="lt1"/>
+          </a:fontRef>
+        </p:style>
+        <p:txBody>
+          <a:bodyPr rtlCol="0" anchor="ctr"/>
+          <a:lstStyle/>
+          <a:p>
+            <a:pPr algn="ctr"/>
+            <a:endParaRPr kumimoji="1" lang="ko-Kore-KR" altLang="en-US" dirty="0">
+              <a:solidFill>
+                <a:schemeClr val="tx1"/>
+              </a:solidFill>
+              <a:latin typeface="DM Mono" panose="020B0509040201040103" pitchFamily="49" charset="0"/>
+            </a:endParaRPr>
+          </a:p>
+        </p:txBody>
+      </p:sp>
+      <p:sp>
+        <p:nvSpPr>
+          <p:cNvPr id="24" name="직사각형 23">
+            <a:extLst>
+              <a:ext uri="{FF2B5EF4-FFF2-40B4-BE49-F238E27FC236}">
+                <a16:creationId xmlns:a16="http://schemas.microsoft.com/office/drawing/2014/main" id="{A8118856-A9A6-1812-F39D-EAE835C91D0C}"/>
+              </a:ext>
+            </a:extLst>
+          </p:cNvPr>
+          <p:cNvSpPr/>
+          <p:nvPr/>
+        </p:nvSpPr>
+        <p:spPr>
+          <a:xfrm>
+            <a:off x="5326551" y="3429000"/>
+            <a:ext cx="239844" cy="553388"/>
+          </a:xfrm>
+          <a:prstGeom prst="rect">
+            <a:avLst/>
+          </a:prstGeom>
+          <a:solidFill>
+            <a:srgbClr val="FF0000"/>
+          </a:solidFill>
+        </p:spPr>
+        <p:style>
+          <a:lnRef idx="2">
+            <a:schemeClr val="accent4">
+              <a:shade val="15000"/>
+            </a:schemeClr>
+          </a:lnRef>
+          <a:fillRef idx="1">
+            <a:schemeClr val="accent4"/>
+          </a:fillRef>
+          <a:effectRef idx="0">
+            <a:schemeClr val="accent4"/>
+          </a:effectRef>
+          <a:fontRef idx="minor">
+            <a:schemeClr val="lt1"/>
+          </a:fontRef>
+        </p:style>
+        <p:txBody>
+          <a:bodyPr rtlCol="0" anchor="ctr"/>
+          <a:lstStyle/>
+          <a:p>
+            <a:pPr algn="ctr"/>
+            <a:endParaRPr kumimoji="1" lang="ko-Kore-KR" altLang="en-US" dirty="0">
+              <a:solidFill>
+                <a:schemeClr val="tx1"/>
+              </a:solidFill>
+              <a:latin typeface="DM Mono" panose="020B0509040201040103" pitchFamily="49" charset="0"/>
+            </a:endParaRPr>
+          </a:p>
+        </p:txBody>
+      </p:sp>
+      <p:sp>
+        <p:nvSpPr>
+          <p:cNvPr id="25" name="직사각형 24">
+            <a:extLst>
+              <a:ext uri="{FF2B5EF4-FFF2-40B4-BE49-F238E27FC236}">
+                <a16:creationId xmlns:a16="http://schemas.microsoft.com/office/drawing/2014/main" id="{5F627237-3858-EFFC-5CD2-A7EED4E63221}"/>
+              </a:ext>
+            </a:extLst>
+          </p:cNvPr>
+          <p:cNvSpPr/>
+          <p:nvPr/>
+        </p:nvSpPr>
+        <p:spPr>
+          <a:xfrm>
+            <a:off x="5566395" y="3429000"/>
+            <a:ext cx="239844" cy="553388"/>
+          </a:xfrm>
+          <a:prstGeom prst="rect">
+            <a:avLst/>
+          </a:prstGeom>
+          <a:solidFill>
+            <a:srgbClr val="FF0000"/>
+          </a:solidFill>
+        </p:spPr>
+        <p:style>
+          <a:lnRef idx="2">
+            <a:schemeClr val="accent4">
+              <a:shade val="15000"/>
+            </a:schemeClr>
+          </a:lnRef>
+          <a:fillRef idx="1">
+            <a:schemeClr val="accent4"/>
+          </a:fillRef>
+          <a:effectRef idx="0">
+            <a:schemeClr val="accent4"/>
+          </a:effectRef>
+          <a:fontRef idx="minor">
+            <a:schemeClr val="lt1"/>
+          </a:fontRef>
+        </p:style>
+        <p:txBody>
+          <a:bodyPr rtlCol="0" anchor="ctr"/>
+          <a:lstStyle/>
+          <a:p>
+            <a:pPr algn="ctr"/>
+            <a:endParaRPr kumimoji="1" lang="ko-Kore-KR" altLang="en-US" dirty="0">
+              <a:solidFill>
+                <a:schemeClr val="tx1"/>
+              </a:solidFill>
+              <a:latin typeface="DM Mono" panose="020B0509040201040103" pitchFamily="49" charset="0"/>
+            </a:endParaRPr>
+          </a:p>
+        </p:txBody>
+      </p:sp>
+      <p:sp>
+        <p:nvSpPr>
+          <p:cNvPr id="26" name="직사각형 25">
+            <a:extLst>
+              <a:ext uri="{FF2B5EF4-FFF2-40B4-BE49-F238E27FC236}">
+                <a16:creationId xmlns:a16="http://schemas.microsoft.com/office/drawing/2014/main" id="{E12F54D3-DAB8-9A09-A269-A293E4DA869C}"/>
+              </a:ext>
+            </a:extLst>
+          </p:cNvPr>
+          <p:cNvSpPr/>
+          <p:nvPr/>
+        </p:nvSpPr>
+        <p:spPr>
+          <a:xfrm>
+            <a:off x="5806239" y="3429000"/>
+            <a:ext cx="239844" cy="553388"/>
+          </a:xfrm>
+          <a:prstGeom prst="rect">
+            <a:avLst/>
+          </a:prstGeom>
+          <a:solidFill>
+            <a:srgbClr val="FF0000"/>
+          </a:solidFill>
+        </p:spPr>
+        <p:style>
+          <a:lnRef idx="2">
+            <a:schemeClr val="accent4">
+              <a:shade val="15000"/>
+            </a:schemeClr>
+          </a:lnRef>
+          <a:fillRef idx="1">
+            <a:schemeClr val="accent4"/>
+          </a:fillRef>
+          <a:effectRef idx="0">
+            <a:schemeClr val="accent4"/>
+          </a:effectRef>
+          <a:fontRef idx="minor">
+            <a:schemeClr val="lt1"/>
+          </a:fontRef>
+        </p:style>
+        <p:txBody>
+          <a:bodyPr rtlCol="0" anchor="ctr"/>
+          <a:lstStyle/>
+          <a:p>
+            <a:pPr algn="ctr"/>
+            <a:endParaRPr kumimoji="1" lang="ko-Kore-KR" altLang="en-US" dirty="0">
+              <a:solidFill>
+                <a:schemeClr val="tx1"/>
+              </a:solidFill>
+              <a:latin typeface="DM Mono" panose="020B0509040201040103" pitchFamily="49" charset="0"/>
+            </a:endParaRPr>
+          </a:p>
+        </p:txBody>
+      </p:sp>
+      <p:sp>
+        <p:nvSpPr>
+          <p:cNvPr id="27" name="직사각형 26">
+            <a:extLst>
+              <a:ext uri="{FF2B5EF4-FFF2-40B4-BE49-F238E27FC236}">
+                <a16:creationId xmlns:a16="http://schemas.microsoft.com/office/drawing/2014/main" id="{2DCF7C63-F809-CA43-8C51-EBB62B69E01D}"/>
+              </a:ext>
+            </a:extLst>
+          </p:cNvPr>
+          <p:cNvSpPr/>
+          <p:nvPr/>
+        </p:nvSpPr>
+        <p:spPr>
+          <a:xfrm>
+            <a:off x="6046083" y="3429000"/>
+            <a:ext cx="239844" cy="553388"/>
+          </a:xfrm>
+          <a:prstGeom prst="rect">
+            <a:avLst/>
+          </a:prstGeom>
+          <a:solidFill>
+            <a:srgbClr val="FF0000"/>
+          </a:solidFill>
+        </p:spPr>
+        <p:style>
+          <a:lnRef idx="2">
+            <a:schemeClr val="accent4">
+              <a:shade val="15000"/>
+            </a:schemeClr>
+          </a:lnRef>
+          <a:fillRef idx="1">
+            <a:schemeClr val="accent4"/>
+          </a:fillRef>
+          <a:effectRef idx="0">
+            <a:schemeClr val="accent4"/>
+          </a:effectRef>
+          <a:fontRef idx="minor">
+            <a:schemeClr val="lt1"/>
+          </a:fontRef>
+        </p:style>
+        <p:txBody>
+          <a:bodyPr rtlCol="0" anchor="ctr"/>
+          <a:lstStyle/>
+          <a:p>
+            <a:pPr algn="ctr"/>
+            <a:endParaRPr kumimoji="1" lang="ko-Kore-KR" altLang="en-US" dirty="0">
+              <a:solidFill>
+                <a:schemeClr val="tx1"/>
+              </a:solidFill>
+              <a:latin typeface="DM Mono" panose="020B0509040201040103" pitchFamily="49" charset="0"/>
+            </a:endParaRPr>
+          </a:p>
+        </p:txBody>
+      </p:sp>
+      <p:sp>
+        <p:nvSpPr>
+          <p:cNvPr id="28" name="직사각형 27">
+            <a:extLst>
+              <a:ext uri="{FF2B5EF4-FFF2-40B4-BE49-F238E27FC236}">
+                <a16:creationId xmlns:a16="http://schemas.microsoft.com/office/drawing/2014/main" id="{86BC351F-A270-4A31-A7A6-A0757C6BB227}"/>
+              </a:ext>
+            </a:extLst>
+          </p:cNvPr>
+          <p:cNvSpPr/>
+          <p:nvPr/>
+        </p:nvSpPr>
+        <p:spPr>
+          <a:xfrm>
+            <a:off x="6285927" y="3429000"/>
+            <a:ext cx="239844" cy="553388"/>
+          </a:xfrm>
+          <a:prstGeom prst="rect">
+            <a:avLst/>
+          </a:prstGeom>
+          <a:solidFill>
+            <a:srgbClr val="FF0000"/>
+          </a:solidFill>
+        </p:spPr>
+        <p:style>
+          <a:lnRef idx="2">
+            <a:schemeClr val="accent4">
+              <a:shade val="15000"/>
+            </a:schemeClr>
+          </a:lnRef>
+          <a:fillRef idx="1">
+            <a:schemeClr val="accent4"/>
+          </a:fillRef>
+          <a:effectRef idx="0">
+            <a:schemeClr val="accent4"/>
+          </a:effectRef>
+          <a:fontRef idx="minor">
+            <a:schemeClr val="lt1"/>
+          </a:fontRef>
+        </p:style>
+        <p:txBody>
+          <a:bodyPr rtlCol="0" anchor="ctr"/>
+          <a:lstStyle/>
+          <a:p>
+            <a:pPr algn="ctr"/>
+            <a:endParaRPr kumimoji="1" lang="ko-Kore-KR" altLang="en-US" dirty="0">
+              <a:solidFill>
+                <a:schemeClr val="tx1"/>
+              </a:solidFill>
+              <a:latin typeface="DM Mono" panose="020B0509040201040103" pitchFamily="49" charset="0"/>
+            </a:endParaRPr>
+          </a:p>
+        </p:txBody>
+      </p:sp>
+      <p:sp>
+        <p:nvSpPr>
+          <p:cNvPr id="29" name="직사각형 28">
+            <a:extLst>
+              <a:ext uri="{FF2B5EF4-FFF2-40B4-BE49-F238E27FC236}">
+                <a16:creationId xmlns:a16="http://schemas.microsoft.com/office/drawing/2014/main" id="{491CF86A-C580-6A6B-556B-87FC7FE03FDD}"/>
+              </a:ext>
+            </a:extLst>
+          </p:cNvPr>
+          <p:cNvSpPr/>
+          <p:nvPr/>
+        </p:nvSpPr>
+        <p:spPr>
+          <a:xfrm>
+            <a:off x="6525771" y="3429000"/>
+            <a:ext cx="239844" cy="553388"/>
+          </a:xfrm>
+          <a:prstGeom prst="rect">
+            <a:avLst/>
+          </a:prstGeom>
+          <a:solidFill>
+            <a:srgbClr val="FF0000"/>
+          </a:solidFill>
+        </p:spPr>
+        <p:style>
+          <a:lnRef idx="2">
+            <a:schemeClr val="accent4">
+              <a:shade val="15000"/>
+            </a:schemeClr>
+          </a:lnRef>
+          <a:fillRef idx="1">
+            <a:schemeClr val="accent4"/>
+          </a:fillRef>
+          <a:effectRef idx="0">
+            <a:schemeClr val="accent4"/>
+          </a:effectRef>
+          <a:fontRef idx="minor">
+            <a:schemeClr val="lt1"/>
+          </a:fontRef>
+        </p:style>
+        <p:txBody>
+          <a:bodyPr rtlCol="0" anchor="ctr"/>
+          <a:lstStyle/>
+          <a:p>
+            <a:pPr algn="ctr"/>
+            <a:endParaRPr kumimoji="1" lang="ko-Kore-KR" altLang="en-US" dirty="0">
+              <a:solidFill>
+                <a:schemeClr val="tx1"/>
+              </a:solidFill>
+              <a:latin typeface="DM Mono" panose="020B0509040201040103" pitchFamily="49" charset="0"/>
+            </a:endParaRPr>
+          </a:p>
+        </p:txBody>
+      </p:sp>
+      <p:sp>
+        <p:nvSpPr>
+          <p:cNvPr id="30" name="직사각형 29">
+            <a:extLst>
+              <a:ext uri="{FF2B5EF4-FFF2-40B4-BE49-F238E27FC236}">
+                <a16:creationId xmlns:a16="http://schemas.microsoft.com/office/drawing/2014/main" id="{3E7E0B41-D49F-708E-3A6B-6968A666B2F1}"/>
+              </a:ext>
+            </a:extLst>
+          </p:cNvPr>
+          <p:cNvSpPr/>
+          <p:nvPr/>
+        </p:nvSpPr>
+        <p:spPr>
+          <a:xfrm>
+            <a:off x="6780616" y="3429000"/>
+            <a:ext cx="239844" cy="553388"/>
+          </a:xfrm>
+          <a:prstGeom prst="rect">
+            <a:avLst/>
+          </a:prstGeom>
+        </p:spPr>
+        <p:style>
+          <a:lnRef idx="2">
+            <a:schemeClr val="accent4">
+              <a:shade val="15000"/>
+            </a:schemeClr>
+          </a:lnRef>
+          <a:fillRef idx="1">
+            <a:schemeClr val="accent4"/>
+          </a:fillRef>
+          <a:effectRef idx="0">
+            <a:schemeClr val="accent4"/>
+          </a:effectRef>
+          <a:fontRef idx="minor">
+            <a:schemeClr val="lt1"/>
+          </a:fontRef>
+        </p:style>
+        <p:txBody>
+          <a:bodyPr rtlCol="0" anchor="ctr"/>
+          <a:lstStyle/>
+          <a:p>
+            <a:pPr algn="ctr"/>
+            <a:endParaRPr kumimoji="1" lang="ko-Kore-KR" altLang="en-US" dirty="0">
+              <a:solidFill>
+                <a:schemeClr val="tx1"/>
+              </a:solidFill>
+              <a:latin typeface="DM Mono" panose="020B0509040201040103" pitchFamily="49" charset="0"/>
+            </a:endParaRPr>
+          </a:p>
+        </p:txBody>
+      </p:sp>
+      <p:sp>
+        <p:nvSpPr>
+          <p:cNvPr id="31" name="직사각형 30">
+            <a:extLst>
+              <a:ext uri="{FF2B5EF4-FFF2-40B4-BE49-F238E27FC236}">
+                <a16:creationId xmlns:a16="http://schemas.microsoft.com/office/drawing/2014/main" id="{1D717AF6-7A50-8569-E88C-03ED105E7E3B}"/>
+              </a:ext>
+            </a:extLst>
+          </p:cNvPr>
+          <p:cNvSpPr/>
+          <p:nvPr/>
+        </p:nvSpPr>
+        <p:spPr>
+          <a:xfrm>
+            <a:off x="7020460" y="3429000"/>
+            <a:ext cx="239844" cy="553388"/>
+          </a:xfrm>
+          <a:prstGeom prst="rect">
+            <a:avLst/>
+          </a:prstGeom>
+        </p:spPr>
+        <p:style>
+          <a:lnRef idx="2">
+            <a:schemeClr val="accent4">
+              <a:shade val="15000"/>
+            </a:schemeClr>
+          </a:lnRef>
+          <a:fillRef idx="1">
+            <a:schemeClr val="accent4"/>
+          </a:fillRef>
+          <a:effectRef idx="0">
+            <a:schemeClr val="accent4"/>
+          </a:effectRef>
+          <a:fontRef idx="minor">
+            <a:schemeClr val="lt1"/>
+          </a:fontRef>
+        </p:style>
+        <p:txBody>
+          <a:bodyPr rtlCol="0" anchor="ctr"/>
+          <a:lstStyle/>
+          <a:p>
+            <a:pPr algn="ctr"/>
+            <a:endParaRPr kumimoji="1" lang="ko-Kore-KR" altLang="en-US" dirty="0">
+              <a:solidFill>
+                <a:schemeClr val="tx1"/>
+              </a:solidFill>
+              <a:latin typeface="DM Mono" panose="020B0509040201040103" pitchFamily="49" charset="0"/>
+            </a:endParaRPr>
+          </a:p>
+        </p:txBody>
+      </p:sp>
+      <p:sp>
+        <p:nvSpPr>
+          <p:cNvPr id="32" name="직사각형 31">
+            <a:extLst>
+              <a:ext uri="{FF2B5EF4-FFF2-40B4-BE49-F238E27FC236}">
+                <a16:creationId xmlns:a16="http://schemas.microsoft.com/office/drawing/2014/main" id="{5B51302E-B40D-9FA5-02F0-951064226417}"/>
+              </a:ext>
+            </a:extLst>
+          </p:cNvPr>
+          <p:cNvSpPr/>
+          <p:nvPr/>
+        </p:nvSpPr>
+        <p:spPr>
+          <a:xfrm>
+            <a:off x="7260304" y="3429000"/>
+            <a:ext cx="239844" cy="553388"/>
+          </a:xfrm>
+          <a:prstGeom prst="rect">
+            <a:avLst/>
+          </a:prstGeom>
+        </p:spPr>
+        <p:style>
+          <a:lnRef idx="2">
+            <a:schemeClr val="accent4">
+              <a:shade val="15000"/>
+            </a:schemeClr>
+          </a:lnRef>
+          <a:fillRef idx="1">
+            <a:schemeClr val="accent4"/>
+          </a:fillRef>
+          <a:effectRef idx="0">
+            <a:schemeClr val="accent4"/>
+          </a:effectRef>
+          <a:fontRef idx="minor">
+            <a:schemeClr val="lt1"/>
+          </a:fontRef>
+        </p:style>
+        <p:txBody>
+          <a:bodyPr rtlCol="0" anchor="ctr"/>
+          <a:lstStyle/>
+          <a:p>
+            <a:pPr algn="ctr"/>
+            <a:endParaRPr kumimoji="1" lang="ko-Kore-KR" altLang="en-US" dirty="0">
+              <a:solidFill>
+                <a:schemeClr val="tx1"/>
+              </a:solidFill>
+              <a:latin typeface="DM Mono" panose="020B0509040201040103" pitchFamily="49" charset="0"/>
+            </a:endParaRPr>
+          </a:p>
+        </p:txBody>
+      </p:sp>
+      <p:sp>
+        <p:nvSpPr>
+          <p:cNvPr id="33" name="직사각형 32">
+            <a:extLst>
+              <a:ext uri="{FF2B5EF4-FFF2-40B4-BE49-F238E27FC236}">
+                <a16:creationId xmlns:a16="http://schemas.microsoft.com/office/drawing/2014/main" id="{0369DFAB-3993-9C17-8364-4FBABD0E0730}"/>
+              </a:ext>
+            </a:extLst>
+          </p:cNvPr>
+          <p:cNvSpPr/>
+          <p:nvPr/>
+        </p:nvSpPr>
+        <p:spPr>
+          <a:xfrm>
+            <a:off x="7500148" y="3429000"/>
+            <a:ext cx="239844" cy="553388"/>
+          </a:xfrm>
+          <a:prstGeom prst="rect">
+            <a:avLst/>
+          </a:prstGeom>
+        </p:spPr>
+        <p:style>
+          <a:lnRef idx="2">
+            <a:schemeClr val="accent4">
+              <a:shade val="15000"/>
+            </a:schemeClr>
+          </a:lnRef>
+          <a:fillRef idx="1">
+            <a:schemeClr val="accent4"/>
+          </a:fillRef>
+          <a:effectRef idx="0">
+            <a:schemeClr val="accent4"/>
+          </a:effectRef>
+          <a:fontRef idx="minor">
+            <a:schemeClr val="lt1"/>
+          </a:fontRef>
+        </p:style>
+        <p:txBody>
+          <a:bodyPr rtlCol="0" anchor="ctr"/>
+          <a:lstStyle/>
+          <a:p>
+            <a:pPr algn="ctr"/>
+            <a:endParaRPr kumimoji="1" lang="ko-Kore-KR" altLang="en-US" dirty="0">
+              <a:solidFill>
+                <a:schemeClr val="tx1"/>
+              </a:solidFill>
+              <a:latin typeface="DM Mono" panose="020B0509040201040103" pitchFamily="49" charset="0"/>
+            </a:endParaRPr>
+          </a:p>
+        </p:txBody>
+      </p:sp>
+      <p:sp>
+        <p:nvSpPr>
+          <p:cNvPr id="34" name="직사각형 33">
+            <a:extLst>
+              <a:ext uri="{FF2B5EF4-FFF2-40B4-BE49-F238E27FC236}">
+                <a16:creationId xmlns:a16="http://schemas.microsoft.com/office/drawing/2014/main" id="{2B76059C-BF7D-FD24-AD85-7B759F39C0BC}"/>
+              </a:ext>
+            </a:extLst>
+          </p:cNvPr>
+          <p:cNvSpPr/>
+          <p:nvPr/>
+        </p:nvSpPr>
+        <p:spPr>
+          <a:xfrm>
+            <a:off x="7739992" y="3429000"/>
+            <a:ext cx="239844" cy="553388"/>
+          </a:xfrm>
+          <a:prstGeom prst="rect">
+            <a:avLst/>
+          </a:prstGeom>
+        </p:spPr>
+        <p:style>
+          <a:lnRef idx="2">
+            <a:schemeClr val="accent4">
+              <a:shade val="15000"/>
+            </a:schemeClr>
+          </a:lnRef>
+          <a:fillRef idx="1">
+            <a:schemeClr val="accent4"/>
+          </a:fillRef>
+          <a:effectRef idx="0">
+            <a:schemeClr val="accent4"/>
+          </a:effectRef>
+          <a:fontRef idx="minor">
+            <a:schemeClr val="lt1"/>
+          </a:fontRef>
+        </p:style>
+        <p:txBody>
+          <a:bodyPr rtlCol="0" anchor="ctr"/>
+          <a:lstStyle/>
+          <a:p>
+            <a:pPr algn="ctr"/>
+            <a:endParaRPr kumimoji="1" lang="ko-Kore-KR" altLang="en-US" dirty="0">
+              <a:solidFill>
+                <a:schemeClr val="tx1"/>
+              </a:solidFill>
+              <a:latin typeface="DM Mono" panose="020B0509040201040103" pitchFamily="49" charset="0"/>
+            </a:endParaRPr>
+          </a:p>
+        </p:txBody>
+      </p:sp>
+      <p:sp>
+        <p:nvSpPr>
+          <p:cNvPr id="35" name="직사각형 34">
+            <a:extLst>
+              <a:ext uri="{FF2B5EF4-FFF2-40B4-BE49-F238E27FC236}">
+                <a16:creationId xmlns:a16="http://schemas.microsoft.com/office/drawing/2014/main" id="{02C6531C-F932-62E8-E581-4FE7270CF8A3}"/>
+              </a:ext>
+            </a:extLst>
+          </p:cNvPr>
+          <p:cNvSpPr/>
+          <p:nvPr/>
+        </p:nvSpPr>
+        <p:spPr>
+          <a:xfrm>
+            <a:off x="7979836" y="3429000"/>
+            <a:ext cx="239844" cy="553388"/>
+          </a:xfrm>
+          <a:prstGeom prst="rect">
+            <a:avLst/>
+          </a:prstGeom>
+        </p:spPr>
+        <p:style>
+          <a:lnRef idx="2">
+            <a:schemeClr val="accent4">
+              <a:shade val="15000"/>
+            </a:schemeClr>
+          </a:lnRef>
+          <a:fillRef idx="1">
+            <a:schemeClr val="accent4"/>
+          </a:fillRef>
+          <a:effectRef idx="0">
+            <a:schemeClr val="accent4"/>
+          </a:effectRef>
+          <a:fontRef idx="minor">
+            <a:schemeClr val="lt1"/>
+          </a:fontRef>
+        </p:style>
+        <p:txBody>
+          <a:bodyPr rtlCol="0" anchor="ctr"/>
+          <a:lstStyle/>
+          <a:p>
+            <a:pPr algn="ctr"/>
+            <a:endParaRPr kumimoji="1" lang="ko-Kore-KR" altLang="en-US" dirty="0">
+              <a:solidFill>
+                <a:schemeClr val="tx1"/>
+              </a:solidFill>
+              <a:latin typeface="DM Mono" panose="020B0509040201040103" pitchFamily="49" charset="0"/>
+            </a:endParaRPr>
+          </a:p>
+        </p:txBody>
+      </p:sp>
+      <p:sp>
+        <p:nvSpPr>
+          <p:cNvPr id="36" name="직사각형 35">
+            <a:extLst>
+              <a:ext uri="{FF2B5EF4-FFF2-40B4-BE49-F238E27FC236}">
+                <a16:creationId xmlns:a16="http://schemas.microsoft.com/office/drawing/2014/main" id="{0C3CC547-3DC9-02E8-163C-DEAF23B91C55}"/>
+              </a:ext>
+            </a:extLst>
+          </p:cNvPr>
+          <p:cNvSpPr/>
+          <p:nvPr/>
+        </p:nvSpPr>
+        <p:spPr>
+          <a:xfrm>
+            <a:off x="8219680" y="3429000"/>
+            <a:ext cx="239844" cy="553388"/>
+          </a:xfrm>
+          <a:prstGeom prst="rect">
+            <a:avLst/>
+          </a:prstGeom>
+        </p:spPr>
+        <p:style>
+          <a:lnRef idx="2">
+            <a:schemeClr val="accent4">
+              <a:shade val="15000"/>
+            </a:schemeClr>
+          </a:lnRef>
+          <a:fillRef idx="1">
+            <a:schemeClr val="accent4"/>
+          </a:fillRef>
+          <a:effectRef idx="0">
+            <a:schemeClr val="accent4"/>
+          </a:effectRef>
+          <a:fontRef idx="minor">
+            <a:schemeClr val="lt1"/>
+          </a:fontRef>
+        </p:style>
+        <p:txBody>
+          <a:bodyPr rtlCol="0" anchor="ctr"/>
+          <a:lstStyle/>
+          <a:p>
+            <a:pPr algn="ctr"/>
+            <a:endParaRPr kumimoji="1" lang="ko-Kore-KR" altLang="en-US" dirty="0">
+              <a:solidFill>
+                <a:schemeClr val="tx1"/>
+              </a:solidFill>
+              <a:latin typeface="DM Mono" panose="020B0509040201040103" pitchFamily="49" charset="0"/>
+            </a:endParaRPr>
+          </a:p>
+        </p:txBody>
+      </p:sp>
+      <p:sp>
+        <p:nvSpPr>
+          <p:cNvPr id="37" name="직사각형 36">
+            <a:extLst>
+              <a:ext uri="{FF2B5EF4-FFF2-40B4-BE49-F238E27FC236}">
+                <a16:creationId xmlns:a16="http://schemas.microsoft.com/office/drawing/2014/main" id="{45863F0A-B0F8-B9ED-443F-5548AA3839FB}"/>
+              </a:ext>
+            </a:extLst>
+          </p:cNvPr>
+          <p:cNvSpPr/>
+          <p:nvPr/>
+        </p:nvSpPr>
+        <p:spPr>
+          <a:xfrm>
+            <a:off x="8459524" y="3429000"/>
+            <a:ext cx="239844" cy="553388"/>
+          </a:xfrm>
+          <a:prstGeom prst="rect">
+            <a:avLst/>
+          </a:prstGeom>
+        </p:spPr>
+        <p:style>
+          <a:lnRef idx="2">
+            <a:schemeClr val="accent4">
+              <a:shade val="15000"/>
+            </a:schemeClr>
+          </a:lnRef>
+          <a:fillRef idx="1">
+            <a:schemeClr val="accent4"/>
+          </a:fillRef>
+          <a:effectRef idx="0">
+            <a:schemeClr val="accent4"/>
+          </a:effectRef>
+          <a:fontRef idx="minor">
+            <a:schemeClr val="lt1"/>
+          </a:fontRef>
+        </p:style>
+        <p:txBody>
+          <a:bodyPr rtlCol="0" anchor="ctr"/>
+          <a:lstStyle/>
+          <a:p>
+            <a:pPr algn="ctr"/>
+            <a:endParaRPr kumimoji="1" lang="ko-Kore-KR" altLang="en-US" dirty="0">
+              <a:solidFill>
+                <a:schemeClr val="tx1"/>
+              </a:solidFill>
+              <a:latin typeface="DM Mono" panose="020B0509040201040103" pitchFamily="49" charset="0"/>
+            </a:endParaRPr>
+          </a:p>
+        </p:txBody>
+      </p:sp>
+      <p:sp>
+        <p:nvSpPr>
+          <p:cNvPr id="39" name="TextBox 38">
+            <a:extLst>
+              <a:ext uri="{FF2B5EF4-FFF2-40B4-BE49-F238E27FC236}">
+                <a16:creationId xmlns:a16="http://schemas.microsoft.com/office/drawing/2014/main" id="{66C8D571-CF32-2496-BFFC-58EC1D225FDE}"/>
+              </a:ext>
+            </a:extLst>
+          </p:cNvPr>
+          <p:cNvSpPr txBox="1"/>
+          <p:nvPr/>
+        </p:nvSpPr>
+        <p:spPr>
+          <a:xfrm>
+            <a:off x="734489" y="3175084"/>
+            <a:ext cx="784503" cy="253916"/>
+          </a:xfrm>
+          <a:prstGeom prst="rect">
+            <a:avLst/>
+          </a:prstGeom>
+          <a:noFill/>
+        </p:spPr>
+        <p:txBody>
+          <a:bodyPr wrap="square">
+            <a:spAutoFit/>
+          </a:bodyPr>
+          <a:lstStyle/>
+          <a:p>
+            <a:r>
+              <a:rPr lang="en-US" altLang="ko-Kore-KR" sz="1050" dirty="0">
+                <a:latin typeface="DM Mono" panose="020B0509040201040103" pitchFamily="49" charset="0"/>
+              </a:rPr>
+              <a:t>1</a:t>
+            </a:r>
+            <a:r>
+              <a:rPr lang="en-US" altLang="ko-KR" sz="1050" dirty="0">
+                <a:latin typeface="DM Mono" panose="020B0509040201040103" pitchFamily="49" charset="0"/>
+              </a:rPr>
+              <a:t>00</a:t>
+            </a:r>
+            <a:endParaRPr lang="ko-Kore-KR" altLang="en-US" sz="1050" dirty="0"/>
+          </a:p>
+        </p:txBody>
+      </p:sp>
+      <p:sp>
+        <p:nvSpPr>
+          <p:cNvPr id="40" name="TextBox 39">
+            <a:extLst>
+              <a:ext uri="{FF2B5EF4-FFF2-40B4-BE49-F238E27FC236}">
+                <a16:creationId xmlns:a16="http://schemas.microsoft.com/office/drawing/2014/main" id="{127883E3-235F-8922-85DD-DA527D4C5979}"/>
+              </a:ext>
+            </a:extLst>
+          </p:cNvPr>
+          <p:cNvSpPr txBox="1"/>
+          <p:nvPr/>
+        </p:nvSpPr>
+        <p:spPr>
+          <a:xfrm>
+            <a:off x="2688231" y="3175084"/>
+            <a:ext cx="784503" cy="253916"/>
+          </a:xfrm>
+          <a:prstGeom prst="rect">
+            <a:avLst/>
+          </a:prstGeom>
+          <a:noFill/>
+        </p:spPr>
+        <p:txBody>
+          <a:bodyPr wrap="square">
+            <a:spAutoFit/>
+          </a:bodyPr>
+          <a:lstStyle/>
+          <a:p>
+            <a:r>
+              <a:rPr lang="en-US" altLang="ko-Kore-KR" sz="1050" dirty="0">
+                <a:latin typeface="DM Mono" panose="020B0509040201040103" pitchFamily="49" charset="0"/>
+              </a:rPr>
+              <a:t>1</a:t>
+            </a:r>
+            <a:r>
+              <a:rPr lang="en-US" altLang="ko-KR" sz="1050" dirty="0">
+                <a:latin typeface="DM Mono" panose="020B0509040201040103" pitchFamily="49" charset="0"/>
+              </a:rPr>
+              <a:t>08</a:t>
+            </a:r>
+            <a:endParaRPr lang="ko-Kore-KR" altLang="en-US" sz="1050" dirty="0"/>
+          </a:p>
+        </p:txBody>
+      </p:sp>
+      <p:sp>
+        <p:nvSpPr>
+          <p:cNvPr id="41" name="TextBox 40">
+            <a:extLst>
+              <a:ext uri="{FF2B5EF4-FFF2-40B4-BE49-F238E27FC236}">
+                <a16:creationId xmlns:a16="http://schemas.microsoft.com/office/drawing/2014/main" id="{988FAB5B-94C5-1CEA-B189-8CD19DDE78DA}"/>
+              </a:ext>
+            </a:extLst>
+          </p:cNvPr>
+          <p:cNvSpPr txBox="1"/>
+          <p:nvPr/>
+        </p:nvSpPr>
+        <p:spPr>
+          <a:xfrm>
+            <a:off x="4621984" y="3175084"/>
+            <a:ext cx="784503" cy="253916"/>
+          </a:xfrm>
+          <a:prstGeom prst="rect">
+            <a:avLst/>
+          </a:prstGeom>
+          <a:noFill/>
+        </p:spPr>
+        <p:txBody>
+          <a:bodyPr wrap="square">
+            <a:spAutoFit/>
+          </a:bodyPr>
+          <a:lstStyle/>
+          <a:p>
+            <a:r>
+              <a:rPr lang="en-US" altLang="ko-KR" sz="1050" dirty="0">
+                <a:latin typeface="DM Mono" panose="020B0509040201040103" pitchFamily="49" charset="0"/>
+              </a:rPr>
+              <a:t>116</a:t>
+            </a:r>
+            <a:endParaRPr lang="ko-Kore-KR" altLang="en-US" sz="1050" dirty="0"/>
+          </a:p>
+        </p:txBody>
+      </p:sp>
+    </p:spTree>
+    <p:extLst>
+      <p:ext uri="{BB962C8B-B14F-4D97-AF65-F5344CB8AC3E}">
+        <p14:creationId xmlns:p14="http://schemas.microsoft.com/office/powerpoint/2010/main" val="1751914665"/>
+      </p:ext>
+    </p:extLst>
+  </p:cSld>
+  <p:clrMapOvr>
+    <a:masterClrMapping/>
+  </p:clrMapOvr>
+</p:sld>
+</file>
+
+<file path=ppt/slides/slide12.xml><?xml version="1.0" encoding="utf-8"?>
+<p:sld xmlns:a="http://schemas.openxmlformats.org/drawingml/2006/main" xmlns:r="http://schemas.openxmlformats.org/officeDocument/2006/relationships" xmlns:p="http://schemas.openxmlformats.org/presentationml/2006/main">
+  <p:cSld>
+    <p:spTree>
+      <p:nvGrpSpPr>
+        <p:cNvPr id="1" name=""/>
+        <p:cNvGrpSpPr/>
+        <p:nvPr/>
+      </p:nvGrpSpPr>
+      <p:grpSpPr>
+        <a:xfrm>
+          <a:off x="0" y="0"/>
+          <a:ext cx="0" cy="0"/>
+          <a:chOff x="0" y="0"/>
+          <a:chExt cx="0" cy="0"/>
+        </a:xfrm>
+      </p:grpSpPr>
+      <p:sp>
+        <p:nvSpPr>
+          <p:cNvPr id="5" name="TextBox 4">
+            <a:extLst>
+              <a:ext uri="{FF2B5EF4-FFF2-40B4-BE49-F238E27FC236}">
+                <a16:creationId xmlns:a16="http://schemas.microsoft.com/office/drawing/2014/main" id="{A18D5C6C-1F64-D0FE-83A3-95F9E3E7EB79}"/>
+              </a:ext>
+            </a:extLst>
+          </p:cNvPr>
+          <p:cNvSpPr txBox="1"/>
+          <p:nvPr/>
+        </p:nvSpPr>
+        <p:spPr>
+          <a:xfrm>
+            <a:off x="414728" y="176694"/>
+            <a:ext cx="4007370" cy="2462213"/>
+          </a:xfrm>
+          <a:prstGeom prst="rect">
+            <a:avLst/>
+          </a:prstGeom>
+          <a:noFill/>
+        </p:spPr>
+        <p:txBody>
+          <a:bodyPr wrap="square">
+            <a:spAutoFit/>
+          </a:bodyPr>
+          <a:lstStyle/>
+          <a:p>
+            <a:r>
+              <a:rPr lang="ko-Kore-KR" altLang="en-US" sz="1400" dirty="0">
+                <a:latin typeface="DM Mono" panose="020B0509040201040103" pitchFamily="49" charset="0"/>
+              </a:rPr>
+              <a:t>struct AAA {</a:t>
+            </a:r>
+          </a:p>
+          <a:p>
+            <a:r>
+              <a:rPr lang="ko-Kore-KR" altLang="en-US" sz="1400" dirty="0">
+                <a:latin typeface="DM Mono" panose="020B0509040201040103" pitchFamily="49" charset="0"/>
+              </a:rPr>
+              <a:t>    int n;</a:t>
+            </a:r>
+          </a:p>
+          <a:p>
+            <a:r>
+              <a:rPr lang="ko-Kore-KR" altLang="en-US" sz="1400" dirty="0">
+                <a:latin typeface="DM Mono" panose="020B0509040201040103" pitchFamily="49" charset="0"/>
+              </a:rPr>
+              <a:t>    double d;</a:t>
+            </a:r>
+          </a:p>
+          <a:p>
+            <a:r>
+              <a:rPr lang="ko-Kore-KR" altLang="en-US" sz="1400" dirty="0">
+                <a:latin typeface="DM Mono" panose="020B0509040201040103" pitchFamily="49" charset="0"/>
+              </a:rPr>
+              <a:t>    char c;</a:t>
+            </a:r>
+          </a:p>
+          <a:p>
+            <a:r>
+              <a:rPr lang="ko-Kore-KR" altLang="en-US" sz="1400" dirty="0">
+                <a:latin typeface="DM Mono" panose="020B0509040201040103" pitchFamily="49" charset="0"/>
+              </a:rPr>
+              <a:t>};</a:t>
+            </a:r>
+          </a:p>
+          <a:p>
+            <a:endParaRPr lang="ko-Kore-KR" altLang="en-US" sz="1400" dirty="0">
+              <a:latin typeface="DM Mono" panose="020B0509040201040103" pitchFamily="49" charset="0"/>
+            </a:endParaRPr>
+          </a:p>
+          <a:p>
+            <a:r>
+              <a:rPr lang="ko-Kore-KR" altLang="en-US" sz="1400" dirty="0">
+                <a:solidFill>
+                  <a:srgbClr val="FF0000"/>
+                </a:solidFill>
+                <a:latin typeface="DM Mono" panose="020B0509040201040103" pitchFamily="49" charset="0"/>
+              </a:rPr>
+              <a:t>struct BBB {</a:t>
+            </a:r>
+          </a:p>
+          <a:p>
+            <a:r>
+              <a:rPr lang="ko-Kore-KR" altLang="en-US" sz="1400" dirty="0">
+                <a:solidFill>
+                  <a:srgbClr val="FF0000"/>
+                </a:solidFill>
+                <a:latin typeface="DM Mono" panose="020B0509040201040103" pitchFamily="49" charset="0"/>
+              </a:rPr>
+              <a:t>    int n;</a:t>
+            </a:r>
+          </a:p>
+          <a:p>
+            <a:r>
+              <a:rPr lang="ko-Kore-KR" altLang="en-US" sz="1400" dirty="0">
+                <a:solidFill>
+                  <a:srgbClr val="FF0000"/>
+                </a:solidFill>
+                <a:latin typeface="DM Mono" panose="020B0509040201040103" pitchFamily="49" charset="0"/>
+              </a:rPr>
+              <a:t>    char c;</a:t>
+            </a:r>
+          </a:p>
+          <a:p>
+            <a:r>
+              <a:rPr lang="ko-Kore-KR" altLang="en-US" sz="1400" dirty="0">
+                <a:solidFill>
+                  <a:srgbClr val="FF0000"/>
+                </a:solidFill>
+                <a:latin typeface="DM Mono" panose="020B0509040201040103" pitchFamily="49" charset="0"/>
+              </a:rPr>
+              <a:t>    double d;</a:t>
+            </a:r>
+          </a:p>
+          <a:p>
+            <a:r>
+              <a:rPr lang="ko-Kore-KR" altLang="en-US" sz="1400" dirty="0">
+                <a:solidFill>
+                  <a:srgbClr val="FF0000"/>
+                </a:solidFill>
+                <a:latin typeface="DM Mono" panose="020B0509040201040103" pitchFamily="49" charset="0"/>
+              </a:rPr>
+              <a:t>};</a:t>
+            </a:r>
+          </a:p>
+        </p:txBody>
+      </p:sp>
+      <p:sp>
+        <p:nvSpPr>
+          <p:cNvPr id="6" name="직사각형 5">
+            <a:extLst>
+              <a:ext uri="{FF2B5EF4-FFF2-40B4-BE49-F238E27FC236}">
+                <a16:creationId xmlns:a16="http://schemas.microsoft.com/office/drawing/2014/main" id="{357A6B25-8106-8DE6-2D44-44A4EED7BC82}"/>
+              </a:ext>
+            </a:extLst>
+          </p:cNvPr>
+          <p:cNvSpPr/>
+          <p:nvPr/>
+        </p:nvSpPr>
+        <p:spPr>
+          <a:xfrm>
+            <a:off x="979357" y="3429000"/>
+            <a:ext cx="239844" cy="553388"/>
+          </a:xfrm>
+          <a:prstGeom prst="rect">
+            <a:avLst/>
+          </a:prstGeom>
+          <a:solidFill>
+            <a:srgbClr val="00B050"/>
+          </a:solidFill>
+        </p:spPr>
+        <p:style>
+          <a:lnRef idx="2">
+            <a:schemeClr val="accent4">
+              <a:shade val="15000"/>
+            </a:schemeClr>
+          </a:lnRef>
+          <a:fillRef idx="1">
+            <a:schemeClr val="accent4"/>
+          </a:fillRef>
+          <a:effectRef idx="0">
+            <a:schemeClr val="accent4"/>
+          </a:effectRef>
+          <a:fontRef idx="minor">
+            <a:schemeClr val="lt1"/>
+          </a:fontRef>
+        </p:style>
+        <p:txBody>
+          <a:bodyPr rtlCol="0" anchor="ctr"/>
+          <a:lstStyle/>
+          <a:p>
+            <a:pPr algn="ctr"/>
+            <a:endParaRPr kumimoji="1" lang="ko-Kore-KR" altLang="en-US" dirty="0">
+              <a:solidFill>
+                <a:schemeClr val="tx1"/>
+              </a:solidFill>
+              <a:latin typeface="DM Mono" panose="020B0509040201040103" pitchFamily="49" charset="0"/>
+            </a:endParaRPr>
+          </a:p>
+        </p:txBody>
+      </p:sp>
+      <p:sp>
+        <p:nvSpPr>
+          <p:cNvPr id="7" name="직사각형 6">
+            <a:extLst>
+              <a:ext uri="{FF2B5EF4-FFF2-40B4-BE49-F238E27FC236}">
+                <a16:creationId xmlns:a16="http://schemas.microsoft.com/office/drawing/2014/main" id="{2775B10C-998B-F80A-F5A8-E7493397976F}"/>
+              </a:ext>
+            </a:extLst>
+          </p:cNvPr>
+          <p:cNvSpPr/>
+          <p:nvPr/>
+        </p:nvSpPr>
+        <p:spPr>
+          <a:xfrm>
+            <a:off x="1219201" y="3429000"/>
+            <a:ext cx="239844" cy="553388"/>
+          </a:xfrm>
+          <a:prstGeom prst="rect">
+            <a:avLst/>
+          </a:prstGeom>
+          <a:solidFill>
+            <a:srgbClr val="00B050"/>
+          </a:solidFill>
+        </p:spPr>
+        <p:style>
+          <a:lnRef idx="2">
+            <a:schemeClr val="accent4">
+              <a:shade val="15000"/>
+            </a:schemeClr>
+          </a:lnRef>
+          <a:fillRef idx="1">
+            <a:schemeClr val="accent4"/>
+          </a:fillRef>
+          <a:effectRef idx="0">
+            <a:schemeClr val="accent4"/>
+          </a:effectRef>
+          <a:fontRef idx="minor">
+            <a:schemeClr val="lt1"/>
+          </a:fontRef>
+        </p:style>
+        <p:txBody>
+          <a:bodyPr rtlCol="0" anchor="ctr"/>
+          <a:lstStyle/>
+          <a:p>
+            <a:pPr algn="ctr"/>
+            <a:endParaRPr kumimoji="1" lang="ko-Kore-KR" altLang="en-US" dirty="0">
+              <a:solidFill>
+                <a:schemeClr val="tx1"/>
+              </a:solidFill>
+              <a:latin typeface="DM Mono" panose="020B0509040201040103" pitchFamily="49" charset="0"/>
+            </a:endParaRPr>
+          </a:p>
+        </p:txBody>
+      </p:sp>
+      <p:sp>
+        <p:nvSpPr>
+          <p:cNvPr id="8" name="직사각형 7">
+            <a:extLst>
+              <a:ext uri="{FF2B5EF4-FFF2-40B4-BE49-F238E27FC236}">
+                <a16:creationId xmlns:a16="http://schemas.microsoft.com/office/drawing/2014/main" id="{71ECCF59-9F3D-B94B-04C3-E5EB621BF529}"/>
+              </a:ext>
+            </a:extLst>
+          </p:cNvPr>
+          <p:cNvSpPr/>
+          <p:nvPr/>
+        </p:nvSpPr>
+        <p:spPr>
+          <a:xfrm>
+            <a:off x="1459045" y="3429000"/>
+            <a:ext cx="239844" cy="553388"/>
+          </a:xfrm>
+          <a:prstGeom prst="rect">
+            <a:avLst/>
+          </a:prstGeom>
+          <a:solidFill>
+            <a:srgbClr val="00B050"/>
+          </a:solidFill>
+        </p:spPr>
+        <p:style>
+          <a:lnRef idx="2">
+            <a:schemeClr val="accent4">
+              <a:shade val="15000"/>
+            </a:schemeClr>
+          </a:lnRef>
+          <a:fillRef idx="1">
+            <a:schemeClr val="accent4"/>
+          </a:fillRef>
+          <a:effectRef idx="0">
+            <a:schemeClr val="accent4"/>
+          </a:effectRef>
+          <a:fontRef idx="minor">
+            <a:schemeClr val="lt1"/>
+          </a:fontRef>
+        </p:style>
+        <p:txBody>
+          <a:bodyPr rtlCol="0" anchor="ctr"/>
+          <a:lstStyle/>
+          <a:p>
+            <a:pPr algn="ctr"/>
+            <a:endParaRPr kumimoji="1" lang="ko-Kore-KR" altLang="en-US" dirty="0">
+              <a:solidFill>
+                <a:schemeClr val="tx1"/>
+              </a:solidFill>
+              <a:latin typeface="DM Mono" panose="020B0509040201040103" pitchFamily="49" charset="0"/>
+            </a:endParaRPr>
+          </a:p>
+        </p:txBody>
+      </p:sp>
+      <p:sp>
+        <p:nvSpPr>
+          <p:cNvPr id="9" name="직사각형 8">
+            <a:extLst>
+              <a:ext uri="{FF2B5EF4-FFF2-40B4-BE49-F238E27FC236}">
+                <a16:creationId xmlns:a16="http://schemas.microsoft.com/office/drawing/2014/main" id="{ECFB933C-0B1A-A9C6-6F09-354EF71CB33C}"/>
+              </a:ext>
+            </a:extLst>
+          </p:cNvPr>
+          <p:cNvSpPr/>
+          <p:nvPr/>
+        </p:nvSpPr>
+        <p:spPr>
+          <a:xfrm>
+            <a:off x="1698889" y="3429000"/>
+            <a:ext cx="239844" cy="553388"/>
+          </a:xfrm>
+          <a:prstGeom prst="rect">
+            <a:avLst/>
+          </a:prstGeom>
+          <a:solidFill>
+            <a:srgbClr val="00B050"/>
+          </a:solidFill>
+        </p:spPr>
+        <p:style>
+          <a:lnRef idx="2">
+            <a:schemeClr val="accent4">
+              <a:shade val="15000"/>
+            </a:schemeClr>
+          </a:lnRef>
+          <a:fillRef idx="1">
+            <a:schemeClr val="accent4"/>
+          </a:fillRef>
+          <a:effectRef idx="0">
+            <a:schemeClr val="accent4"/>
+          </a:effectRef>
+          <a:fontRef idx="minor">
+            <a:schemeClr val="lt1"/>
+          </a:fontRef>
+        </p:style>
+        <p:txBody>
+          <a:bodyPr rtlCol="0" anchor="ctr"/>
+          <a:lstStyle/>
+          <a:p>
+            <a:pPr algn="ctr"/>
+            <a:endParaRPr kumimoji="1" lang="ko-Kore-KR" altLang="en-US" dirty="0">
+              <a:solidFill>
+                <a:schemeClr val="tx1"/>
+              </a:solidFill>
+              <a:latin typeface="DM Mono" panose="020B0509040201040103" pitchFamily="49" charset="0"/>
+            </a:endParaRPr>
+          </a:p>
+        </p:txBody>
+      </p:sp>
+      <p:sp>
+        <p:nvSpPr>
+          <p:cNvPr id="10" name="직사각형 9">
+            <a:extLst>
+              <a:ext uri="{FF2B5EF4-FFF2-40B4-BE49-F238E27FC236}">
+                <a16:creationId xmlns:a16="http://schemas.microsoft.com/office/drawing/2014/main" id="{FEA6FE13-DCDA-E476-E0C3-CE02EE6D692C}"/>
+              </a:ext>
+            </a:extLst>
+          </p:cNvPr>
+          <p:cNvSpPr/>
+          <p:nvPr/>
+        </p:nvSpPr>
+        <p:spPr>
+          <a:xfrm>
+            <a:off x="1938733" y="3429000"/>
+            <a:ext cx="239844" cy="553388"/>
+          </a:xfrm>
+          <a:prstGeom prst="rect">
+            <a:avLst/>
+          </a:prstGeom>
+          <a:solidFill>
+            <a:srgbClr val="0070C0"/>
+          </a:solidFill>
+        </p:spPr>
+        <p:style>
+          <a:lnRef idx="2">
+            <a:schemeClr val="accent4">
+              <a:shade val="15000"/>
+            </a:schemeClr>
+          </a:lnRef>
+          <a:fillRef idx="1">
+            <a:schemeClr val="accent4"/>
+          </a:fillRef>
+          <a:effectRef idx="0">
+            <a:schemeClr val="accent4"/>
+          </a:effectRef>
+          <a:fontRef idx="minor">
+            <a:schemeClr val="lt1"/>
+          </a:fontRef>
+        </p:style>
+        <p:txBody>
+          <a:bodyPr rtlCol="0" anchor="ctr"/>
+          <a:lstStyle/>
+          <a:p>
+            <a:pPr algn="ctr"/>
+            <a:endParaRPr kumimoji="1" lang="ko-Kore-KR" altLang="en-US" dirty="0">
+              <a:solidFill>
+                <a:schemeClr val="tx1"/>
+              </a:solidFill>
+              <a:latin typeface="DM Mono" panose="020B0509040201040103" pitchFamily="49" charset="0"/>
+            </a:endParaRPr>
+          </a:p>
+        </p:txBody>
+      </p:sp>
+      <p:sp>
+        <p:nvSpPr>
+          <p:cNvPr id="11" name="직사각형 10">
+            <a:extLst>
+              <a:ext uri="{FF2B5EF4-FFF2-40B4-BE49-F238E27FC236}">
+                <a16:creationId xmlns:a16="http://schemas.microsoft.com/office/drawing/2014/main" id="{A5C144D7-DE66-725D-7538-4385B2EEB2D3}"/>
+              </a:ext>
+            </a:extLst>
+          </p:cNvPr>
+          <p:cNvSpPr/>
+          <p:nvPr/>
+        </p:nvSpPr>
+        <p:spPr>
+          <a:xfrm>
+            <a:off x="2178577" y="3429000"/>
+            <a:ext cx="239844" cy="553388"/>
+          </a:xfrm>
+          <a:prstGeom prst="rect">
+            <a:avLst/>
+          </a:prstGeom>
+          <a:solidFill>
+            <a:srgbClr val="FF0000"/>
+          </a:solidFill>
+        </p:spPr>
+        <p:style>
+          <a:lnRef idx="2">
+            <a:schemeClr val="accent4">
+              <a:shade val="15000"/>
+            </a:schemeClr>
+          </a:lnRef>
+          <a:fillRef idx="1">
+            <a:schemeClr val="accent4"/>
+          </a:fillRef>
+          <a:effectRef idx="0">
+            <a:schemeClr val="accent4"/>
+          </a:effectRef>
+          <a:fontRef idx="minor">
+            <a:schemeClr val="lt1"/>
+          </a:fontRef>
+        </p:style>
+        <p:txBody>
+          <a:bodyPr rtlCol="0" anchor="ctr"/>
+          <a:lstStyle/>
+          <a:p>
+            <a:pPr algn="ctr"/>
+            <a:endParaRPr kumimoji="1" lang="ko-Kore-KR" altLang="en-US" dirty="0">
+              <a:solidFill>
+                <a:schemeClr val="tx1"/>
+              </a:solidFill>
+              <a:latin typeface="DM Mono" panose="020B0509040201040103" pitchFamily="49" charset="0"/>
+            </a:endParaRPr>
+          </a:p>
+        </p:txBody>
+      </p:sp>
+      <p:sp>
+        <p:nvSpPr>
+          <p:cNvPr id="12" name="직사각형 11">
+            <a:extLst>
+              <a:ext uri="{FF2B5EF4-FFF2-40B4-BE49-F238E27FC236}">
+                <a16:creationId xmlns:a16="http://schemas.microsoft.com/office/drawing/2014/main" id="{C480832A-7511-0335-3B12-EA6BE07C379D}"/>
+              </a:ext>
+            </a:extLst>
+          </p:cNvPr>
+          <p:cNvSpPr/>
+          <p:nvPr/>
+        </p:nvSpPr>
+        <p:spPr>
+          <a:xfrm>
+            <a:off x="2418421" y="3429000"/>
+            <a:ext cx="239844" cy="553388"/>
+          </a:xfrm>
+          <a:prstGeom prst="rect">
+            <a:avLst/>
+          </a:prstGeom>
+          <a:solidFill>
+            <a:srgbClr val="FF0000"/>
+          </a:solidFill>
+        </p:spPr>
+        <p:style>
+          <a:lnRef idx="2">
+            <a:schemeClr val="accent4">
+              <a:shade val="15000"/>
+            </a:schemeClr>
+          </a:lnRef>
+          <a:fillRef idx="1">
+            <a:schemeClr val="accent4"/>
+          </a:fillRef>
+          <a:effectRef idx="0">
+            <a:schemeClr val="accent4"/>
+          </a:effectRef>
+          <a:fontRef idx="minor">
+            <a:schemeClr val="lt1"/>
+          </a:fontRef>
+        </p:style>
+        <p:txBody>
+          <a:bodyPr rtlCol="0" anchor="ctr"/>
+          <a:lstStyle/>
+          <a:p>
+            <a:pPr algn="ctr"/>
+            <a:endParaRPr kumimoji="1" lang="ko-Kore-KR" altLang="en-US" dirty="0">
+              <a:solidFill>
+                <a:schemeClr val="tx1"/>
+              </a:solidFill>
+              <a:latin typeface="DM Mono" panose="020B0509040201040103" pitchFamily="49" charset="0"/>
+            </a:endParaRPr>
+          </a:p>
+        </p:txBody>
+      </p:sp>
+      <p:sp>
+        <p:nvSpPr>
+          <p:cNvPr id="13" name="직사각형 12">
+            <a:extLst>
+              <a:ext uri="{FF2B5EF4-FFF2-40B4-BE49-F238E27FC236}">
+                <a16:creationId xmlns:a16="http://schemas.microsoft.com/office/drawing/2014/main" id="{C2043AF5-1ADB-7A67-034F-A194C6D5ED21}"/>
+              </a:ext>
+            </a:extLst>
+          </p:cNvPr>
+          <p:cNvSpPr/>
+          <p:nvPr/>
+        </p:nvSpPr>
+        <p:spPr>
+          <a:xfrm>
+            <a:off x="2658265" y="3429000"/>
+            <a:ext cx="239844" cy="553388"/>
+          </a:xfrm>
+          <a:prstGeom prst="rect">
+            <a:avLst/>
+          </a:prstGeom>
+          <a:solidFill>
+            <a:srgbClr val="FF0000"/>
+          </a:solidFill>
+        </p:spPr>
+        <p:style>
+          <a:lnRef idx="2">
+            <a:schemeClr val="accent4">
+              <a:shade val="15000"/>
+            </a:schemeClr>
+          </a:lnRef>
+          <a:fillRef idx="1">
+            <a:schemeClr val="accent4"/>
+          </a:fillRef>
+          <a:effectRef idx="0">
+            <a:schemeClr val="accent4"/>
+          </a:effectRef>
+          <a:fontRef idx="minor">
+            <a:schemeClr val="lt1"/>
+          </a:fontRef>
+        </p:style>
+        <p:txBody>
+          <a:bodyPr rtlCol="0" anchor="ctr"/>
+          <a:lstStyle/>
+          <a:p>
+            <a:pPr algn="ctr"/>
+            <a:endParaRPr kumimoji="1" lang="ko-Kore-KR" altLang="en-US" dirty="0">
+              <a:solidFill>
+                <a:schemeClr val="tx1"/>
+              </a:solidFill>
+              <a:latin typeface="DM Mono" panose="020B0509040201040103" pitchFamily="49" charset="0"/>
+            </a:endParaRPr>
+          </a:p>
+        </p:txBody>
+      </p:sp>
+      <p:sp>
+        <p:nvSpPr>
+          <p:cNvPr id="14" name="직사각형 13">
+            <a:extLst>
+              <a:ext uri="{FF2B5EF4-FFF2-40B4-BE49-F238E27FC236}">
+                <a16:creationId xmlns:a16="http://schemas.microsoft.com/office/drawing/2014/main" id="{CA40D424-79E7-DF93-1766-CC7F4CB4CB1B}"/>
+              </a:ext>
+            </a:extLst>
+          </p:cNvPr>
+          <p:cNvSpPr/>
+          <p:nvPr/>
+        </p:nvSpPr>
+        <p:spPr>
+          <a:xfrm>
+            <a:off x="2913110" y="3429000"/>
+            <a:ext cx="239844" cy="553388"/>
+          </a:xfrm>
+          <a:prstGeom prst="rect">
+            <a:avLst/>
+          </a:prstGeom>
+          <a:solidFill>
+            <a:schemeClr val="accent3">
+              <a:lumMod val="20000"/>
+              <a:lumOff val="80000"/>
+            </a:schemeClr>
+          </a:solidFill>
+        </p:spPr>
+        <p:style>
+          <a:lnRef idx="2">
+            <a:schemeClr val="accent4">
+              <a:shade val="15000"/>
+            </a:schemeClr>
+          </a:lnRef>
+          <a:fillRef idx="1">
+            <a:schemeClr val="accent4"/>
+          </a:fillRef>
+          <a:effectRef idx="0">
+            <a:schemeClr val="accent4"/>
+          </a:effectRef>
+          <a:fontRef idx="minor">
+            <a:schemeClr val="lt1"/>
+          </a:fontRef>
+        </p:style>
+        <p:txBody>
+          <a:bodyPr rtlCol="0" anchor="ctr"/>
+          <a:lstStyle/>
+          <a:p>
+            <a:pPr algn="ctr"/>
+            <a:endParaRPr kumimoji="1" lang="ko-Kore-KR" altLang="en-US" dirty="0">
+              <a:solidFill>
+                <a:schemeClr val="tx1"/>
+              </a:solidFill>
+              <a:latin typeface="DM Mono" panose="020B0509040201040103" pitchFamily="49" charset="0"/>
+            </a:endParaRPr>
+          </a:p>
+        </p:txBody>
+      </p:sp>
+      <p:sp>
+        <p:nvSpPr>
+          <p:cNvPr id="15" name="직사각형 14">
+            <a:extLst>
+              <a:ext uri="{FF2B5EF4-FFF2-40B4-BE49-F238E27FC236}">
+                <a16:creationId xmlns:a16="http://schemas.microsoft.com/office/drawing/2014/main" id="{119264F4-0A3F-13C4-583A-9E5924678613}"/>
+              </a:ext>
+            </a:extLst>
+          </p:cNvPr>
+          <p:cNvSpPr/>
+          <p:nvPr/>
+        </p:nvSpPr>
+        <p:spPr>
+          <a:xfrm>
+            <a:off x="3152954" y="3429000"/>
+            <a:ext cx="239844" cy="553388"/>
+          </a:xfrm>
+          <a:prstGeom prst="rect">
+            <a:avLst/>
+          </a:prstGeom>
+          <a:solidFill>
+            <a:schemeClr val="accent3">
+              <a:lumMod val="20000"/>
+              <a:lumOff val="80000"/>
+            </a:schemeClr>
+          </a:solidFill>
+        </p:spPr>
+        <p:style>
+          <a:lnRef idx="2">
+            <a:schemeClr val="accent4">
+              <a:shade val="15000"/>
+            </a:schemeClr>
+          </a:lnRef>
+          <a:fillRef idx="1">
+            <a:schemeClr val="accent4"/>
+          </a:fillRef>
+          <a:effectRef idx="0">
+            <a:schemeClr val="accent4"/>
+          </a:effectRef>
+          <a:fontRef idx="minor">
+            <a:schemeClr val="lt1"/>
+          </a:fontRef>
+        </p:style>
+        <p:txBody>
+          <a:bodyPr rtlCol="0" anchor="ctr"/>
+          <a:lstStyle/>
+          <a:p>
+            <a:pPr algn="ctr"/>
+            <a:endParaRPr kumimoji="1" lang="ko-Kore-KR" altLang="en-US" dirty="0">
+              <a:solidFill>
+                <a:schemeClr val="tx1"/>
+              </a:solidFill>
+              <a:latin typeface="DM Mono" panose="020B0509040201040103" pitchFamily="49" charset="0"/>
+            </a:endParaRPr>
+          </a:p>
+        </p:txBody>
+      </p:sp>
+      <p:sp>
+        <p:nvSpPr>
+          <p:cNvPr id="16" name="직사각형 15">
+            <a:extLst>
+              <a:ext uri="{FF2B5EF4-FFF2-40B4-BE49-F238E27FC236}">
+                <a16:creationId xmlns:a16="http://schemas.microsoft.com/office/drawing/2014/main" id="{F7D7243A-C52F-1C2E-84B1-FE1D1695F27E}"/>
+              </a:ext>
+            </a:extLst>
+          </p:cNvPr>
+          <p:cNvSpPr/>
+          <p:nvPr/>
+        </p:nvSpPr>
+        <p:spPr>
+          <a:xfrm>
+            <a:off x="3392798" y="3429000"/>
+            <a:ext cx="239844" cy="553388"/>
+          </a:xfrm>
+          <a:prstGeom prst="rect">
+            <a:avLst/>
+          </a:prstGeom>
+          <a:solidFill>
+            <a:schemeClr val="accent3">
+              <a:lumMod val="20000"/>
+              <a:lumOff val="80000"/>
+            </a:schemeClr>
+          </a:solidFill>
+        </p:spPr>
+        <p:style>
+          <a:lnRef idx="2">
+            <a:schemeClr val="accent4">
+              <a:shade val="15000"/>
+            </a:schemeClr>
+          </a:lnRef>
+          <a:fillRef idx="1">
+            <a:schemeClr val="accent4"/>
+          </a:fillRef>
+          <a:effectRef idx="0">
+            <a:schemeClr val="accent4"/>
+          </a:effectRef>
+          <a:fontRef idx="minor">
+            <a:schemeClr val="lt1"/>
+          </a:fontRef>
+        </p:style>
+        <p:txBody>
+          <a:bodyPr rtlCol="0" anchor="ctr"/>
+          <a:lstStyle/>
+          <a:p>
+            <a:pPr algn="ctr"/>
+            <a:endParaRPr kumimoji="1" lang="ko-Kore-KR" altLang="en-US" dirty="0">
+              <a:solidFill>
+                <a:schemeClr val="tx1"/>
+              </a:solidFill>
+              <a:latin typeface="DM Mono" panose="020B0509040201040103" pitchFamily="49" charset="0"/>
+            </a:endParaRPr>
+          </a:p>
+        </p:txBody>
+      </p:sp>
+      <p:sp>
+        <p:nvSpPr>
+          <p:cNvPr id="17" name="직사각형 16">
+            <a:extLst>
+              <a:ext uri="{FF2B5EF4-FFF2-40B4-BE49-F238E27FC236}">
+                <a16:creationId xmlns:a16="http://schemas.microsoft.com/office/drawing/2014/main" id="{A99D9C0D-948A-612F-B963-D06EF576ED8F}"/>
+              </a:ext>
+            </a:extLst>
+          </p:cNvPr>
+          <p:cNvSpPr/>
+          <p:nvPr/>
+        </p:nvSpPr>
+        <p:spPr>
+          <a:xfrm>
+            <a:off x="3632642" y="3429000"/>
+            <a:ext cx="239844" cy="553388"/>
+          </a:xfrm>
+          <a:prstGeom prst="rect">
+            <a:avLst/>
+          </a:prstGeom>
+          <a:solidFill>
+            <a:schemeClr val="accent3">
+              <a:lumMod val="20000"/>
+              <a:lumOff val="80000"/>
+            </a:schemeClr>
+          </a:solidFill>
+        </p:spPr>
+        <p:style>
+          <a:lnRef idx="2">
+            <a:schemeClr val="accent4">
+              <a:shade val="15000"/>
+            </a:schemeClr>
+          </a:lnRef>
+          <a:fillRef idx="1">
+            <a:schemeClr val="accent4"/>
+          </a:fillRef>
+          <a:effectRef idx="0">
+            <a:schemeClr val="accent4"/>
+          </a:effectRef>
+          <a:fontRef idx="minor">
+            <a:schemeClr val="lt1"/>
+          </a:fontRef>
+        </p:style>
+        <p:txBody>
+          <a:bodyPr rtlCol="0" anchor="ctr"/>
+          <a:lstStyle/>
+          <a:p>
+            <a:pPr algn="ctr"/>
+            <a:endParaRPr kumimoji="1" lang="ko-Kore-KR" altLang="en-US" dirty="0">
+              <a:solidFill>
+                <a:schemeClr val="tx1"/>
+              </a:solidFill>
+              <a:latin typeface="DM Mono" panose="020B0509040201040103" pitchFamily="49" charset="0"/>
+            </a:endParaRPr>
+          </a:p>
+        </p:txBody>
+      </p:sp>
+      <p:sp>
+        <p:nvSpPr>
+          <p:cNvPr id="18" name="직사각형 17">
+            <a:extLst>
+              <a:ext uri="{FF2B5EF4-FFF2-40B4-BE49-F238E27FC236}">
+                <a16:creationId xmlns:a16="http://schemas.microsoft.com/office/drawing/2014/main" id="{FD448013-25F8-9F8D-B2CA-D04B6B5ACAD3}"/>
+              </a:ext>
+            </a:extLst>
+          </p:cNvPr>
+          <p:cNvSpPr/>
+          <p:nvPr/>
+        </p:nvSpPr>
+        <p:spPr>
+          <a:xfrm>
+            <a:off x="3872486" y="3429000"/>
+            <a:ext cx="239844" cy="553388"/>
+          </a:xfrm>
+          <a:prstGeom prst="rect">
+            <a:avLst/>
+          </a:prstGeom>
+          <a:solidFill>
+            <a:schemeClr val="accent3">
+              <a:lumMod val="20000"/>
+              <a:lumOff val="80000"/>
+            </a:schemeClr>
+          </a:solidFill>
+        </p:spPr>
+        <p:style>
+          <a:lnRef idx="2">
+            <a:schemeClr val="accent4">
+              <a:shade val="15000"/>
+            </a:schemeClr>
+          </a:lnRef>
+          <a:fillRef idx="1">
+            <a:schemeClr val="accent4"/>
+          </a:fillRef>
+          <a:effectRef idx="0">
+            <a:schemeClr val="accent4"/>
+          </a:effectRef>
+          <a:fontRef idx="minor">
+            <a:schemeClr val="lt1"/>
+          </a:fontRef>
+        </p:style>
+        <p:txBody>
+          <a:bodyPr rtlCol="0" anchor="ctr"/>
+          <a:lstStyle/>
+          <a:p>
+            <a:pPr algn="ctr"/>
+            <a:endParaRPr kumimoji="1" lang="ko-Kore-KR" altLang="en-US" dirty="0">
+              <a:solidFill>
+                <a:schemeClr val="tx1"/>
+              </a:solidFill>
+              <a:latin typeface="DM Mono" panose="020B0509040201040103" pitchFamily="49" charset="0"/>
+            </a:endParaRPr>
+          </a:p>
+        </p:txBody>
+      </p:sp>
+      <p:sp>
+        <p:nvSpPr>
+          <p:cNvPr id="19" name="직사각형 18">
+            <a:extLst>
+              <a:ext uri="{FF2B5EF4-FFF2-40B4-BE49-F238E27FC236}">
+                <a16:creationId xmlns:a16="http://schemas.microsoft.com/office/drawing/2014/main" id="{D674D57F-F71A-6E2D-B80D-08353BAEFA9F}"/>
+              </a:ext>
+            </a:extLst>
+          </p:cNvPr>
+          <p:cNvSpPr/>
+          <p:nvPr/>
+        </p:nvSpPr>
+        <p:spPr>
+          <a:xfrm>
+            <a:off x="4112330" y="3429000"/>
+            <a:ext cx="239844" cy="553388"/>
+          </a:xfrm>
+          <a:prstGeom prst="rect">
+            <a:avLst/>
+          </a:prstGeom>
+          <a:solidFill>
+            <a:schemeClr val="accent3">
+              <a:lumMod val="20000"/>
+              <a:lumOff val="80000"/>
+            </a:schemeClr>
+          </a:solidFill>
+        </p:spPr>
+        <p:style>
+          <a:lnRef idx="2">
+            <a:schemeClr val="accent4">
+              <a:shade val="15000"/>
+            </a:schemeClr>
+          </a:lnRef>
+          <a:fillRef idx="1">
+            <a:schemeClr val="accent4"/>
+          </a:fillRef>
+          <a:effectRef idx="0">
+            <a:schemeClr val="accent4"/>
+          </a:effectRef>
+          <a:fontRef idx="minor">
+            <a:schemeClr val="lt1"/>
+          </a:fontRef>
+        </p:style>
+        <p:txBody>
+          <a:bodyPr rtlCol="0" anchor="ctr"/>
+          <a:lstStyle/>
+          <a:p>
+            <a:pPr algn="ctr"/>
+            <a:endParaRPr kumimoji="1" lang="ko-Kore-KR" altLang="en-US" dirty="0">
+              <a:solidFill>
+                <a:schemeClr val="tx1"/>
+              </a:solidFill>
+              <a:latin typeface="DM Mono" panose="020B0509040201040103" pitchFamily="49" charset="0"/>
+            </a:endParaRPr>
+          </a:p>
+        </p:txBody>
+      </p:sp>
+      <p:sp>
+        <p:nvSpPr>
+          <p:cNvPr id="20" name="직사각형 19">
+            <a:extLst>
+              <a:ext uri="{FF2B5EF4-FFF2-40B4-BE49-F238E27FC236}">
+                <a16:creationId xmlns:a16="http://schemas.microsoft.com/office/drawing/2014/main" id="{0BED1304-9AAD-FA26-0E91-6E91896B06CD}"/>
+              </a:ext>
+            </a:extLst>
+          </p:cNvPr>
+          <p:cNvSpPr/>
+          <p:nvPr/>
+        </p:nvSpPr>
+        <p:spPr>
+          <a:xfrm>
+            <a:off x="4352174" y="3429000"/>
+            <a:ext cx="239844" cy="553388"/>
+          </a:xfrm>
+          <a:prstGeom prst="rect">
+            <a:avLst/>
+          </a:prstGeom>
+          <a:solidFill>
+            <a:schemeClr val="accent3">
+              <a:lumMod val="20000"/>
+              <a:lumOff val="80000"/>
+            </a:schemeClr>
+          </a:solidFill>
+        </p:spPr>
+        <p:style>
+          <a:lnRef idx="2">
+            <a:schemeClr val="accent4">
+              <a:shade val="15000"/>
+            </a:schemeClr>
+          </a:lnRef>
+          <a:fillRef idx="1">
+            <a:schemeClr val="accent4"/>
+          </a:fillRef>
+          <a:effectRef idx="0">
+            <a:schemeClr val="accent4"/>
+          </a:effectRef>
+          <a:fontRef idx="minor">
+            <a:schemeClr val="lt1"/>
+          </a:fontRef>
+        </p:style>
+        <p:txBody>
+          <a:bodyPr rtlCol="0" anchor="ctr"/>
+          <a:lstStyle/>
+          <a:p>
+            <a:pPr algn="ctr"/>
+            <a:endParaRPr kumimoji="1" lang="ko-Kore-KR" altLang="en-US" dirty="0">
+              <a:solidFill>
+                <a:schemeClr val="tx1"/>
+              </a:solidFill>
+              <a:latin typeface="DM Mono" panose="020B0509040201040103" pitchFamily="49" charset="0"/>
+            </a:endParaRPr>
+          </a:p>
+        </p:txBody>
+      </p:sp>
+      <p:sp>
+        <p:nvSpPr>
+          <p:cNvPr id="21" name="직사각형 20">
+            <a:extLst>
+              <a:ext uri="{FF2B5EF4-FFF2-40B4-BE49-F238E27FC236}">
+                <a16:creationId xmlns:a16="http://schemas.microsoft.com/office/drawing/2014/main" id="{9D25D7D3-429C-5B2B-2320-04612BAC4A8D}"/>
+              </a:ext>
+            </a:extLst>
+          </p:cNvPr>
+          <p:cNvSpPr/>
+          <p:nvPr/>
+        </p:nvSpPr>
+        <p:spPr>
+          <a:xfrm>
+            <a:off x="4592018" y="3429000"/>
+            <a:ext cx="239844" cy="553388"/>
+          </a:xfrm>
+          <a:prstGeom prst="rect">
+            <a:avLst/>
+          </a:prstGeom>
+          <a:solidFill>
+            <a:schemeClr val="accent3">
+              <a:lumMod val="20000"/>
+              <a:lumOff val="80000"/>
+            </a:schemeClr>
+          </a:solidFill>
+        </p:spPr>
+        <p:style>
+          <a:lnRef idx="2">
+            <a:schemeClr val="accent4">
+              <a:shade val="15000"/>
+            </a:schemeClr>
+          </a:lnRef>
+          <a:fillRef idx="1">
+            <a:schemeClr val="accent4"/>
+          </a:fillRef>
+          <a:effectRef idx="0">
+            <a:schemeClr val="accent4"/>
+          </a:effectRef>
+          <a:fontRef idx="minor">
+            <a:schemeClr val="lt1"/>
+          </a:fontRef>
+        </p:style>
+        <p:txBody>
+          <a:bodyPr rtlCol="0" anchor="ctr"/>
+          <a:lstStyle/>
+          <a:p>
+            <a:pPr algn="ctr"/>
+            <a:endParaRPr kumimoji="1" lang="ko-Kore-KR" altLang="en-US" dirty="0">
+              <a:solidFill>
+                <a:schemeClr val="tx1"/>
+              </a:solidFill>
+              <a:latin typeface="DM Mono" panose="020B0509040201040103" pitchFamily="49" charset="0"/>
+            </a:endParaRPr>
+          </a:p>
+        </p:txBody>
+      </p:sp>
+      <p:sp>
+        <p:nvSpPr>
+          <p:cNvPr id="22" name="직사각형 21">
+            <a:extLst>
+              <a:ext uri="{FF2B5EF4-FFF2-40B4-BE49-F238E27FC236}">
+                <a16:creationId xmlns:a16="http://schemas.microsoft.com/office/drawing/2014/main" id="{DDD83EB6-F9D6-5379-545E-6118952B1B6E}"/>
+              </a:ext>
+            </a:extLst>
+          </p:cNvPr>
+          <p:cNvSpPr/>
+          <p:nvPr/>
+        </p:nvSpPr>
+        <p:spPr>
+          <a:xfrm>
+            <a:off x="4846863" y="3429000"/>
+            <a:ext cx="239844" cy="553388"/>
+          </a:xfrm>
+          <a:prstGeom prst="rect">
+            <a:avLst/>
+          </a:prstGeom>
+          <a:solidFill>
+            <a:srgbClr val="FFFF00"/>
+          </a:solidFill>
+        </p:spPr>
+        <p:style>
+          <a:lnRef idx="2">
+            <a:schemeClr val="accent4">
+              <a:shade val="15000"/>
+            </a:schemeClr>
+          </a:lnRef>
+          <a:fillRef idx="1">
+            <a:schemeClr val="accent4"/>
+          </a:fillRef>
+          <a:effectRef idx="0">
+            <a:schemeClr val="accent4"/>
+          </a:effectRef>
+          <a:fontRef idx="minor">
+            <a:schemeClr val="lt1"/>
+          </a:fontRef>
+        </p:style>
+        <p:txBody>
+          <a:bodyPr rtlCol="0" anchor="ctr"/>
+          <a:lstStyle/>
+          <a:p>
+            <a:pPr algn="ctr"/>
+            <a:endParaRPr kumimoji="1" lang="ko-Kore-KR" altLang="en-US" dirty="0">
+              <a:solidFill>
+                <a:schemeClr val="tx1"/>
+              </a:solidFill>
+              <a:latin typeface="DM Mono" panose="020B0509040201040103" pitchFamily="49" charset="0"/>
+            </a:endParaRPr>
+          </a:p>
+        </p:txBody>
+      </p:sp>
+      <p:sp>
+        <p:nvSpPr>
+          <p:cNvPr id="23" name="직사각형 22">
+            <a:extLst>
+              <a:ext uri="{FF2B5EF4-FFF2-40B4-BE49-F238E27FC236}">
+                <a16:creationId xmlns:a16="http://schemas.microsoft.com/office/drawing/2014/main" id="{2421EB7F-9D69-9B23-DEB2-D5DEB3DC670E}"/>
+              </a:ext>
+            </a:extLst>
+          </p:cNvPr>
+          <p:cNvSpPr/>
+          <p:nvPr/>
+        </p:nvSpPr>
+        <p:spPr>
+          <a:xfrm>
+            <a:off x="5086707" y="3429000"/>
+            <a:ext cx="239844" cy="553388"/>
+          </a:xfrm>
+          <a:prstGeom prst="rect">
+            <a:avLst/>
+          </a:prstGeom>
+          <a:solidFill>
+            <a:srgbClr val="FFFF00"/>
+          </a:solidFill>
+        </p:spPr>
+        <p:style>
+          <a:lnRef idx="2">
+            <a:schemeClr val="accent4">
+              <a:shade val="15000"/>
+            </a:schemeClr>
+          </a:lnRef>
+          <a:fillRef idx="1">
+            <a:schemeClr val="accent4"/>
+          </a:fillRef>
+          <a:effectRef idx="0">
+            <a:schemeClr val="accent4"/>
+          </a:effectRef>
+          <a:fontRef idx="minor">
+            <a:schemeClr val="lt1"/>
+          </a:fontRef>
+        </p:style>
+        <p:txBody>
+          <a:bodyPr rtlCol="0" anchor="ctr"/>
+          <a:lstStyle/>
+          <a:p>
+            <a:pPr algn="ctr"/>
+            <a:endParaRPr kumimoji="1" lang="ko-Kore-KR" altLang="en-US" dirty="0">
+              <a:solidFill>
+                <a:schemeClr val="tx1"/>
+              </a:solidFill>
+              <a:latin typeface="DM Mono" panose="020B0509040201040103" pitchFamily="49" charset="0"/>
+            </a:endParaRPr>
+          </a:p>
+        </p:txBody>
+      </p:sp>
+      <p:sp>
+        <p:nvSpPr>
+          <p:cNvPr id="24" name="직사각형 23">
+            <a:extLst>
+              <a:ext uri="{FF2B5EF4-FFF2-40B4-BE49-F238E27FC236}">
+                <a16:creationId xmlns:a16="http://schemas.microsoft.com/office/drawing/2014/main" id="{A8118856-A9A6-1812-F39D-EAE835C91D0C}"/>
+              </a:ext>
+            </a:extLst>
+          </p:cNvPr>
+          <p:cNvSpPr/>
+          <p:nvPr/>
+        </p:nvSpPr>
+        <p:spPr>
+          <a:xfrm>
+            <a:off x="5326551" y="3429000"/>
+            <a:ext cx="239844" cy="553388"/>
+          </a:xfrm>
+          <a:prstGeom prst="rect">
+            <a:avLst/>
+          </a:prstGeom>
+          <a:solidFill>
+            <a:srgbClr val="FFFF00"/>
+          </a:solidFill>
+        </p:spPr>
+        <p:style>
+          <a:lnRef idx="2">
+            <a:schemeClr val="accent4">
+              <a:shade val="15000"/>
+            </a:schemeClr>
+          </a:lnRef>
+          <a:fillRef idx="1">
+            <a:schemeClr val="accent4"/>
+          </a:fillRef>
+          <a:effectRef idx="0">
+            <a:schemeClr val="accent4"/>
+          </a:effectRef>
+          <a:fontRef idx="minor">
+            <a:schemeClr val="lt1"/>
+          </a:fontRef>
+        </p:style>
+        <p:txBody>
+          <a:bodyPr rtlCol="0" anchor="ctr"/>
+          <a:lstStyle/>
+          <a:p>
+            <a:pPr algn="ctr"/>
+            <a:endParaRPr kumimoji="1" lang="ko-Kore-KR" altLang="en-US" dirty="0">
+              <a:solidFill>
+                <a:schemeClr val="tx1"/>
+              </a:solidFill>
+              <a:latin typeface="DM Mono" panose="020B0509040201040103" pitchFamily="49" charset="0"/>
+            </a:endParaRPr>
+          </a:p>
+        </p:txBody>
+      </p:sp>
+      <p:sp>
+        <p:nvSpPr>
+          <p:cNvPr id="25" name="직사각형 24">
+            <a:extLst>
+              <a:ext uri="{FF2B5EF4-FFF2-40B4-BE49-F238E27FC236}">
+                <a16:creationId xmlns:a16="http://schemas.microsoft.com/office/drawing/2014/main" id="{5F627237-3858-EFFC-5CD2-A7EED4E63221}"/>
+              </a:ext>
+            </a:extLst>
+          </p:cNvPr>
+          <p:cNvSpPr/>
+          <p:nvPr/>
+        </p:nvSpPr>
+        <p:spPr>
+          <a:xfrm>
+            <a:off x="5566395" y="3429000"/>
+            <a:ext cx="239844" cy="553388"/>
+          </a:xfrm>
+          <a:prstGeom prst="rect">
+            <a:avLst/>
+          </a:prstGeom>
+          <a:solidFill>
+            <a:srgbClr val="FFFF00"/>
+          </a:solidFill>
+        </p:spPr>
+        <p:style>
+          <a:lnRef idx="2">
+            <a:schemeClr val="accent4">
+              <a:shade val="15000"/>
+            </a:schemeClr>
+          </a:lnRef>
+          <a:fillRef idx="1">
+            <a:schemeClr val="accent4"/>
+          </a:fillRef>
+          <a:effectRef idx="0">
+            <a:schemeClr val="accent4"/>
+          </a:effectRef>
+          <a:fontRef idx="minor">
+            <a:schemeClr val="lt1"/>
+          </a:fontRef>
+        </p:style>
+        <p:txBody>
+          <a:bodyPr rtlCol="0" anchor="ctr"/>
+          <a:lstStyle/>
+          <a:p>
+            <a:pPr algn="ctr"/>
+            <a:endParaRPr kumimoji="1" lang="ko-Kore-KR" altLang="en-US" dirty="0">
+              <a:solidFill>
+                <a:schemeClr val="tx1"/>
+              </a:solidFill>
+              <a:latin typeface="DM Mono" panose="020B0509040201040103" pitchFamily="49" charset="0"/>
+            </a:endParaRPr>
+          </a:p>
+        </p:txBody>
+      </p:sp>
+      <p:sp>
+        <p:nvSpPr>
+          <p:cNvPr id="26" name="직사각형 25">
+            <a:extLst>
+              <a:ext uri="{FF2B5EF4-FFF2-40B4-BE49-F238E27FC236}">
+                <a16:creationId xmlns:a16="http://schemas.microsoft.com/office/drawing/2014/main" id="{E12F54D3-DAB8-9A09-A269-A293E4DA869C}"/>
+              </a:ext>
+            </a:extLst>
+          </p:cNvPr>
+          <p:cNvSpPr/>
+          <p:nvPr/>
+        </p:nvSpPr>
+        <p:spPr>
+          <a:xfrm>
+            <a:off x="5806239" y="3429000"/>
+            <a:ext cx="239844" cy="553388"/>
+          </a:xfrm>
+          <a:prstGeom prst="rect">
+            <a:avLst/>
+          </a:prstGeom>
+          <a:solidFill>
+            <a:srgbClr val="FFFF00"/>
+          </a:solidFill>
+        </p:spPr>
+        <p:style>
+          <a:lnRef idx="2">
+            <a:schemeClr val="accent4">
+              <a:shade val="15000"/>
+            </a:schemeClr>
+          </a:lnRef>
+          <a:fillRef idx="1">
+            <a:schemeClr val="accent4"/>
+          </a:fillRef>
+          <a:effectRef idx="0">
+            <a:schemeClr val="accent4"/>
+          </a:effectRef>
+          <a:fontRef idx="minor">
+            <a:schemeClr val="lt1"/>
+          </a:fontRef>
+        </p:style>
+        <p:txBody>
+          <a:bodyPr rtlCol="0" anchor="ctr"/>
+          <a:lstStyle/>
+          <a:p>
+            <a:pPr algn="ctr"/>
+            <a:endParaRPr kumimoji="1" lang="ko-Kore-KR" altLang="en-US" dirty="0">
+              <a:solidFill>
+                <a:schemeClr val="tx1"/>
+              </a:solidFill>
+              <a:latin typeface="DM Mono" panose="020B0509040201040103" pitchFamily="49" charset="0"/>
+            </a:endParaRPr>
+          </a:p>
+        </p:txBody>
+      </p:sp>
+      <p:sp>
+        <p:nvSpPr>
+          <p:cNvPr id="27" name="직사각형 26">
+            <a:extLst>
+              <a:ext uri="{FF2B5EF4-FFF2-40B4-BE49-F238E27FC236}">
+                <a16:creationId xmlns:a16="http://schemas.microsoft.com/office/drawing/2014/main" id="{2DCF7C63-F809-CA43-8C51-EBB62B69E01D}"/>
+              </a:ext>
+            </a:extLst>
+          </p:cNvPr>
+          <p:cNvSpPr/>
+          <p:nvPr/>
+        </p:nvSpPr>
+        <p:spPr>
+          <a:xfrm>
+            <a:off x="6046083" y="3429000"/>
+            <a:ext cx="239844" cy="553388"/>
+          </a:xfrm>
+          <a:prstGeom prst="rect">
+            <a:avLst/>
+          </a:prstGeom>
+          <a:solidFill>
+            <a:srgbClr val="FFFF00"/>
+          </a:solidFill>
+        </p:spPr>
+        <p:style>
+          <a:lnRef idx="2">
+            <a:schemeClr val="accent4">
+              <a:shade val="15000"/>
+            </a:schemeClr>
+          </a:lnRef>
+          <a:fillRef idx="1">
+            <a:schemeClr val="accent4"/>
+          </a:fillRef>
+          <a:effectRef idx="0">
+            <a:schemeClr val="accent4"/>
+          </a:effectRef>
+          <a:fontRef idx="minor">
+            <a:schemeClr val="lt1"/>
+          </a:fontRef>
+        </p:style>
+        <p:txBody>
+          <a:bodyPr rtlCol="0" anchor="ctr"/>
+          <a:lstStyle/>
+          <a:p>
+            <a:pPr algn="ctr"/>
+            <a:endParaRPr kumimoji="1" lang="ko-Kore-KR" altLang="en-US" dirty="0">
+              <a:solidFill>
+                <a:schemeClr val="tx1"/>
+              </a:solidFill>
+              <a:latin typeface="DM Mono" panose="020B0509040201040103" pitchFamily="49" charset="0"/>
+            </a:endParaRPr>
+          </a:p>
+        </p:txBody>
+      </p:sp>
+      <p:sp>
+        <p:nvSpPr>
+          <p:cNvPr id="28" name="직사각형 27">
+            <a:extLst>
+              <a:ext uri="{FF2B5EF4-FFF2-40B4-BE49-F238E27FC236}">
+                <a16:creationId xmlns:a16="http://schemas.microsoft.com/office/drawing/2014/main" id="{86BC351F-A270-4A31-A7A6-A0757C6BB227}"/>
+              </a:ext>
+            </a:extLst>
+          </p:cNvPr>
+          <p:cNvSpPr/>
+          <p:nvPr/>
+        </p:nvSpPr>
+        <p:spPr>
+          <a:xfrm>
+            <a:off x="6285927" y="3429000"/>
+            <a:ext cx="239844" cy="553388"/>
+          </a:xfrm>
+          <a:prstGeom prst="rect">
+            <a:avLst/>
+          </a:prstGeom>
+          <a:solidFill>
+            <a:srgbClr val="FFFF00"/>
+          </a:solidFill>
+        </p:spPr>
+        <p:style>
+          <a:lnRef idx="2">
+            <a:schemeClr val="accent4">
+              <a:shade val="15000"/>
+            </a:schemeClr>
+          </a:lnRef>
+          <a:fillRef idx="1">
+            <a:schemeClr val="accent4"/>
+          </a:fillRef>
+          <a:effectRef idx="0">
+            <a:schemeClr val="accent4"/>
+          </a:effectRef>
+          <a:fontRef idx="minor">
+            <a:schemeClr val="lt1"/>
+          </a:fontRef>
+        </p:style>
+        <p:txBody>
+          <a:bodyPr rtlCol="0" anchor="ctr"/>
+          <a:lstStyle/>
+          <a:p>
+            <a:pPr algn="ctr"/>
+            <a:endParaRPr kumimoji="1" lang="ko-Kore-KR" altLang="en-US" dirty="0">
+              <a:solidFill>
+                <a:schemeClr val="tx1"/>
+              </a:solidFill>
+              <a:latin typeface="DM Mono" panose="020B0509040201040103" pitchFamily="49" charset="0"/>
+            </a:endParaRPr>
+          </a:p>
+        </p:txBody>
+      </p:sp>
+      <p:sp>
+        <p:nvSpPr>
+          <p:cNvPr id="29" name="직사각형 28">
+            <a:extLst>
+              <a:ext uri="{FF2B5EF4-FFF2-40B4-BE49-F238E27FC236}">
+                <a16:creationId xmlns:a16="http://schemas.microsoft.com/office/drawing/2014/main" id="{491CF86A-C580-6A6B-556B-87FC7FE03FDD}"/>
+              </a:ext>
+            </a:extLst>
+          </p:cNvPr>
+          <p:cNvSpPr/>
+          <p:nvPr/>
+        </p:nvSpPr>
+        <p:spPr>
+          <a:xfrm>
+            <a:off x="6525771" y="3429000"/>
+            <a:ext cx="239844" cy="553388"/>
+          </a:xfrm>
+          <a:prstGeom prst="rect">
+            <a:avLst/>
+          </a:prstGeom>
+          <a:solidFill>
+            <a:srgbClr val="FFFF00"/>
+          </a:solidFill>
+        </p:spPr>
+        <p:style>
+          <a:lnRef idx="2">
+            <a:schemeClr val="accent4">
+              <a:shade val="15000"/>
+            </a:schemeClr>
+          </a:lnRef>
+          <a:fillRef idx="1">
+            <a:schemeClr val="accent4"/>
+          </a:fillRef>
+          <a:effectRef idx="0">
+            <a:schemeClr val="accent4"/>
+          </a:effectRef>
+          <a:fontRef idx="minor">
+            <a:schemeClr val="lt1"/>
+          </a:fontRef>
+        </p:style>
+        <p:txBody>
+          <a:bodyPr rtlCol="0" anchor="ctr"/>
+          <a:lstStyle/>
+          <a:p>
+            <a:pPr algn="ctr"/>
+            <a:endParaRPr kumimoji="1" lang="ko-Kore-KR" altLang="en-US" dirty="0">
+              <a:solidFill>
+                <a:schemeClr val="tx1"/>
+              </a:solidFill>
+              <a:latin typeface="DM Mono" panose="020B0509040201040103" pitchFamily="49" charset="0"/>
+            </a:endParaRPr>
+          </a:p>
+        </p:txBody>
+      </p:sp>
+      <p:sp>
+        <p:nvSpPr>
+          <p:cNvPr id="30" name="직사각형 29">
+            <a:extLst>
+              <a:ext uri="{FF2B5EF4-FFF2-40B4-BE49-F238E27FC236}">
+                <a16:creationId xmlns:a16="http://schemas.microsoft.com/office/drawing/2014/main" id="{3E7E0B41-D49F-708E-3A6B-6968A666B2F1}"/>
+              </a:ext>
+            </a:extLst>
+          </p:cNvPr>
+          <p:cNvSpPr/>
+          <p:nvPr/>
+        </p:nvSpPr>
+        <p:spPr>
+          <a:xfrm>
+            <a:off x="6780616" y="3429000"/>
+            <a:ext cx="239844" cy="553388"/>
+          </a:xfrm>
+          <a:prstGeom prst="rect">
+            <a:avLst/>
+          </a:prstGeom>
+          <a:solidFill>
+            <a:srgbClr val="FFFF00"/>
+          </a:solidFill>
+        </p:spPr>
+        <p:style>
+          <a:lnRef idx="2">
+            <a:schemeClr val="accent4">
+              <a:shade val="15000"/>
+            </a:schemeClr>
+          </a:lnRef>
+          <a:fillRef idx="1">
+            <a:schemeClr val="accent4"/>
+          </a:fillRef>
+          <a:effectRef idx="0">
+            <a:schemeClr val="accent4"/>
+          </a:effectRef>
+          <a:fontRef idx="minor">
+            <a:schemeClr val="lt1"/>
+          </a:fontRef>
+        </p:style>
+        <p:txBody>
+          <a:bodyPr rtlCol="0" anchor="ctr"/>
+          <a:lstStyle/>
+          <a:p>
+            <a:pPr algn="ctr"/>
+            <a:endParaRPr kumimoji="1" lang="ko-Kore-KR" altLang="en-US" dirty="0">
+              <a:solidFill>
+                <a:schemeClr val="tx1"/>
+              </a:solidFill>
+              <a:latin typeface="DM Mono" panose="020B0509040201040103" pitchFamily="49" charset="0"/>
+            </a:endParaRPr>
+          </a:p>
+        </p:txBody>
+      </p:sp>
+      <p:sp>
+        <p:nvSpPr>
+          <p:cNvPr id="31" name="직사각형 30">
+            <a:extLst>
+              <a:ext uri="{FF2B5EF4-FFF2-40B4-BE49-F238E27FC236}">
+                <a16:creationId xmlns:a16="http://schemas.microsoft.com/office/drawing/2014/main" id="{1D717AF6-7A50-8569-E88C-03ED105E7E3B}"/>
+              </a:ext>
+            </a:extLst>
+          </p:cNvPr>
+          <p:cNvSpPr/>
+          <p:nvPr/>
+        </p:nvSpPr>
+        <p:spPr>
+          <a:xfrm>
+            <a:off x="7020460" y="3429000"/>
+            <a:ext cx="239844" cy="553388"/>
+          </a:xfrm>
+          <a:prstGeom prst="rect">
+            <a:avLst/>
+          </a:prstGeom>
+          <a:solidFill>
+            <a:srgbClr val="FFFF00"/>
+          </a:solidFill>
+        </p:spPr>
+        <p:style>
+          <a:lnRef idx="2">
+            <a:schemeClr val="accent4">
+              <a:shade val="15000"/>
+            </a:schemeClr>
+          </a:lnRef>
+          <a:fillRef idx="1">
+            <a:schemeClr val="accent4"/>
+          </a:fillRef>
+          <a:effectRef idx="0">
+            <a:schemeClr val="accent4"/>
+          </a:effectRef>
+          <a:fontRef idx="minor">
+            <a:schemeClr val="lt1"/>
+          </a:fontRef>
+        </p:style>
+        <p:txBody>
+          <a:bodyPr rtlCol="0" anchor="ctr"/>
+          <a:lstStyle/>
+          <a:p>
+            <a:pPr algn="ctr"/>
+            <a:endParaRPr kumimoji="1" lang="ko-Kore-KR" altLang="en-US" dirty="0">
+              <a:solidFill>
+                <a:schemeClr val="tx1"/>
+              </a:solidFill>
+              <a:latin typeface="DM Mono" panose="020B0509040201040103" pitchFamily="49" charset="0"/>
+            </a:endParaRPr>
+          </a:p>
+        </p:txBody>
+      </p:sp>
+      <p:sp>
+        <p:nvSpPr>
+          <p:cNvPr id="32" name="직사각형 31">
+            <a:extLst>
+              <a:ext uri="{FF2B5EF4-FFF2-40B4-BE49-F238E27FC236}">
+                <a16:creationId xmlns:a16="http://schemas.microsoft.com/office/drawing/2014/main" id="{5B51302E-B40D-9FA5-02F0-951064226417}"/>
+              </a:ext>
+            </a:extLst>
+          </p:cNvPr>
+          <p:cNvSpPr/>
+          <p:nvPr/>
+        </p:nvSpPr>
+        <p:spPr>
+          <a:xfrm>
+            <a:off x="7260304" y="3429000"/>
+            <a:ext cx="239844" cy="553388"/>
+          </a:xfrm>
+          <a:prstGeom prst="rect">
+            <a:avLst/>
+          </a:prstGeom>
+          <a:solidFill>
+            <a:srgbClr val="FFFF00"/>
+          </a:solidFill>
+        </p:spPr>
+        <p:style>
+          <a:lnRef idx="2">
+            <a:schemeClr val="accent4">
+              <a:shade val="15000"/>
+            </a:schemeClr>
+          </a:lnRef>
+          <a:fillRef idx="1">
+            <a:schemeClr val="accent4"/>
+          </a:fillRef>
+          <a:effectRef idx="0">
+            <a:schemeClr val="accent4"/>
+          </a:effectRef>
+          <a:fontRef idx="minor">
+            <a:schemeClr val="lt1"/>
+          </a:fontRef>
+        </p:style>
+        <p:txBody>
+          <a:bodyPr rtlCol="0" anchor="ctr"/>
+          <a:lstStyle/>
+          <a:p>
+            <a:pPr algn="ctr"/>
+            <a:endParaRPr kumimoji="1" lang="ko-Kore-KR" altLang="en-US" dirty="0">
+              <a:solidFill>
+                <a:schemeClr val="tx1"/>
+              </a:solidFill>
+              <a:latin typeface="DM Mono" panose="020B0509040201040103" pitchFamily="49" charset="0"/>
+            </a:endParaRPr>
+          </a:p>
+        </p:txBody>
+      </p:sp>
+      <p:sp>
+        <p:nvSpPr>
+          <p:cNvPr id="33" name="직사각형 32">
+            <a:extLst>
+              <a:ext uri="{FF2B5EF4-FFF2-40B4-BE49-F238E27FC236}">
+                <a16:creationId xmlns:a16="http://schemas.microsoft.com/office/drawing/2014/main" id="{0369DFAB-3993-9C17-8364-4FBABD0E0730}"/>
+              </a:ext>
+            </a:extLst>
+          </p:cNvPr>
+          <p:cNvSpPr/>
+          <p:nvPr/>
+        </p:nvSpPr>
+        <p:spPr>
+          <a:xfrm>
+            <a:off x="7500148" y="3429000"/>
+            <a:ext cx="239844" cy="553388"/>
+          </a:xfrm>
+          <a:prstGeom prst="rect">
+            <a:avLst/>
+          </a:prstGeom>
+          <a:solidFill>
+            <a:srgbClr val="FFFF00"/>
+          </a:solidFill>
+        </p:spPr>
+        <p:style>
+          <a:lnRef idx="2">
+            <a:schemeClr val="accent4">
+              <a:shade val="15000"/>
+            </a:schemeClr>
+          </a:lnRef>
+          <a:fillRef idx="1">
+            <a:schemeClr val="accent4"/>
+          </a:fillRef>
+          <a:effectRef idx="0">
+            <a:schemeClr val="accent4"/>
+          </a:effectRef>
+          <a:fontRef idx="minor">
+            <a:schemeClr val="lt1"/>
+          </a:fontRef>
+        </p:style>
+        <p:txBody>
+          <a:bodyPr rtlCol="0" anchor="ctr"/>
+          <a:lstStyle/>
+          <a:p>
+            <a:pPr algn="ctr"/>
+            <a:endParaRPr kumimoji="1" lang="ko-Kore-KR" altLang="en-US" dirty="0">
+              <a:solidFill>
+                <a:schemeClr val="tx1"/>
+              </a:solidFill>
+              <a:latin typeface="DM Mono" panose="020B0509040201040103" pitchFamily="49" charset="0"/>
+            </a:endParaRPr>
+          </a:p>
+        </p:txBody>
+      </p:sp>
+      <p:sp>
+        <p:nvSpPr>
+          <p:cNvPr id="34" name="직사각형 33">
+            <a:extLst>
+              <a:ext uri="{FF2B5EF4-FFF2-40B4-BE49-F238E27FC236}">
+                <a16:creationId xmlns:a16="http://schemas.microsoft.com/office/drawing/2014/main" id="{2B76059C-BF7D-FD24-AD85-7B759F39C0BC}"/>
+              </a:ext>
+            </a:extLst>
+          </p:cNvPr>
+          <p:cNvSpPr/>
+          <p:nvPr/>
+        </p:nvSpPr>
+        <p:spPr>
+          <a:xfrm>
+            <a:off x="7739992" y="3429000"/>
+            <a:ext cx="239844" cy="553388"/>
+          </a:xfrm>
+          <a:prstGeom prst="rect">
+            <a:avLst/>
+          </a:prstGeom>
+          <a:solidFill>
+            <a:srgbClr val="FFFF00"/>
+          </a:solidFill>
+        </p:spPr>
+        <p:style>
+          <a:lnRef idx="2">
+            <a:schemeClr val="accent4">
+              <a:shade val="15000"/>
+            </a:schemeClr>
+          </a:lnRef>
+          <a:fillRef idx="1">
+            <a:schemeClr val="accent4"/>
+          </a:fillRef>
+          <a:effectRef idx="0">
+            <a:schemeClr val="accent4"/>
+          </a:effectRef>
+          <a:fontRef idx="minor">
+            <a:schemeClr val="lt1"/>
+          </a:fontRef>
+        </p:style>
+        <p:txBody>
+          <a:bodyPr rtlCol="0" anchor="ctr"/>
+          <a:lstStyle/>
+          <a:p>
+            <a:pPr algn="ctr"/>
+            <a:endParaRPr kumimoji="1" lang="ko-Kore-KR" altLang="en-US" dirty="0">
+              <a:solidFill>
+                <a:schemeClr val="tx1"/>
+              </a:solidFill>
+              <a:latin typeface="DM Mono" panose="020B0509040201040103" pitchFamily="49" charset="0"/>
+            </a:endParaRPr>
+          </a:p>
+        </p:txBody>
+      </p:sp>
+      <p:sp>
+        <p:nvSpPr>
+          <p:cNvPr id="35" name="직사각형 34">
+            <a:extLst>
+              <a:ext uri="{FF2B5EF4-FFF2-40B4-BE49-F238E27FC236}">
+                <a16:creationId xmlns:a16="http://schemas.microsoft.com/office/drawing/2014/main" id="{02C6531C-F932-62E8-E581-4FE7270CF8A3}"/>
+              </a:ext>
+            </a:extLst>
+          </p:cNvPr>
+          <p:cNvSpPr/>
+          <p:nvPr/>
+        </p:nvSpPr>
+        <p:spPr>
+          <a:xfrm>
+            <a:off x="7979836" y="3429000"/>
+            <a:ext cx="239844" cy="553388"/>
+          </a:xfrm>
+          <a:prstGeom prst="rect">
+            <a:avLst/>
+          </a:prstGeom>
+          <a:solidFill>
+            <a:srgbClr val="FFFF00"/>
+          </a:solidFill>
+        </p:spPr>
+        <p:style>
+          <a:lnRef idx="2">
+            <a:schemeClr val="accent4">
+              <a:shade val="15000"/>
+            </a:schemeClr>
+          </a:lnRef>
+          <a:fillRef idx="1">
+            <a:schemeClr val="accent4"/>
+          </a:fillRef>
+          <a:effectRef idx="0">
+            <a:schemeClr val="accent4"/>
+          </a:effectRef>
+          <a:fontRef idx="minor">
+            <a:schemeClr val="lt1"/>
+          </a:fontRef>
+        </p:style>
+        <p:txBody>
+          <a:bodyPr rtlCol="0" anchor="ctr"/>
+          <a:lstStyle/>
+          <a:p>
+            <a:pPr algn="ctr"/>
+            <a:endParaRPr kumimoji="1" lang="ko-Kore-KR" altLang="en-US" dirty="0">
+              <a:solidFill>
+                <a:schemeClr val="tx1"/>
+              </a:solidFill>
+              <a:latin typeface="DM Mono" panose="020B0509040201040103" pitchFamily="49" charset="0"/>
+            </a:endParaRPr>
+          </a:p>
+        </p:txBody>
+      </p:sp>
+      <p:sp>
+        <p:nvSpPr>
+          <p:cNvPr id="36" name="직사각형 35">
+            <a:extLst>
+              <a:ext uri="{FF2B5EF4-FFF2-40B4-BE49-F238E27FC236}">
+                <a16:creationId xmlns:a16="http://schemas.microsoft.com/office/drawing/2014/main" id="{0C3CC547-3DC9-02E8-163C-DEAF23B91C55}"/>
+              </a:ext>
+            </a:extLst>
+          </p:cNvPr>
+          <p:cNvSpPr/>
+          <p:nvPr/>
+        </p:nvSpPr>
+        <p:spPr>
+          <a:xfrm>
+            <a:off x="8219680" y="3429000"/>
+            <a:ext cx="239844" cy="553388"/>
+          </a:xfrm>
+          <a:prstGeom prst="rect">
+            <a:avLst/>
+          </a:prstGeom>
+          <a:solidFill>
+            <a:srgbClr val="FFFF00"/>
+          </a:solidFill>
+        </p:spPr>
+        <p:style>
+          <a:lnRef idx="2">
+            <a:schemeClr val="accent4">
+              <a:shade val="15000"/>
+            </a:schemeClr>
+          </a:lnRef>
+          <a:fillRef idx="1">
+            <a:schemeClr val="accent4"/>
+          </a:fillRef>
+          <a:effectRef idx="0">
+            <a:schemeClr val="accent4"/>
+          </a:effectRef>
+          <a:fontRef idx="minor">
+            <a:schemeClr val="lt1"/>
+          </a:fontRef>
+        </p:style>
+        <p:txBody>
+          <a:bodyPr rtlCol="0" anchor="ctr"/>
+          <a:lstStyle/>
+          <a:p>
+            <a:pPr algn="ctr"/>
+            <a:endParaRPr kumimoji="1" lang="ko-Kore-KR" altLang="en-US" dirty="0">
+              <a:solidFill>
+                <a:schemeClr val="tx1"/>
+              </a:solidFill>
+              <a:latin typeface="DM Mono" panose="020B0509040201040103" pitchFamily="49" charset="0"/>
+            </a:endParaRPr>
+          </a:p>
+        </p:txBody>
+      </p:sp>
+      <p:sp>
+        <p:nvSpPr>
+          <p:cNvPr id="37" name="직사각형 36">
+            <a:extLst>
+              <a:ext uri="{FF2B5EF4-FFF2-40B4-BE49-F238E27FC236}">
+                <a16:creationId xmlns:a16="http://schemas.microsoft.com/office/drawing/2014/main" id="{45863F0A-B0F8-B9ED-443F-5548AA3839FB}"/>
+              </a:ext>
+            </a:extLst>
+          </p:cNvPr>
+          <p:cNvSpPr/>
+          <p:nvPr/>
+        </p:nvSpPr>
+        <p:spPr>
+          <a:xfrm>
+            <a:off x="8459524" y="3429000"/>
+            <a:ext cx="239844" cy="553388"/>
+          </a:xfrm>
+          <a:prstGeom prst="rect">
+            <a:avLst/>
+          </a:prstGeom>
+          <a:solidFill>
+            <a:srgbClr val="FFFF00"/>
+          </a:solidFill>
+        </p:spPr>
+        <p:style>
+          <a:lnRef idx="2">
+            <a:schemeClr val="accent4">
+              <a:shade val="15000"/>
+            </a:schemeClr>
+          </a:lnRef>
+          <a:fillRef idx="1">
+            <a:schemeClr val="accent4"/>
+          </a:fillRef>
+          <a:effectRef idx="0">
+            <a:schemeClr val="accent4"/>
+          </a:effectRef>
+          <a:fontRef idx="minor">
+            <a:schemeClr val="lt1"/>
+          </a:fontRef>
+        </p:style>
+        <p:txBody>
+          <a:bodyPr rtlCol="0" anchor="ctr"/>
+          <a:lstStyle/>
+          <a:p>
+            <a:pPr algn="ctr"/>
+            <a:endParaRPr kumimoji="1" lang="ko-Kore-KR" altLang="en-US" dirty="0">
+              <a:solidFill>
+                <a:schemeClr val="tx1"/>
+              </a:solidFill>
+              <a:latin typeface="DM Mono" panose="020B0509040201040103" pitchFamily="49" charset="0"/>
+            </a:endParaRPr>
+          </a:p>
+        </p:txBody>
+      </p:sp>
+      <p:sp>
+        <p:nvSpPr>
+          <p:cNvPr id="39" name="TextBox 38">
+            <a:extLst>
+              <a:ext uri="{FF2B5EF4-FFF2-40B4-BE49-F238E27FC236}">
+                <a16:creationId xmlns:a16="http://schemas.microsoft.com/office/drawing/2014/main" id="{66C8D571-CF32-2496-BFFC-58EC1D225FDE}"/>
+              </a:ext>
+            </a:extLst>
+          </p:cNvPr>
+          <p:cNvSpPr txBox="1"/>
+          <p:nvPr/>
+        </p:nvSpPr>
+        <p:spPr>
+          <a:xfrm>
+            <a:off x="734489" y="3175084"/>
+            <a:ext cx="784503" cy="253916"/>
+          </a:xfrm>
+          <a:prstGeom prst="rect">
+            <a:avLst/>
+          </a:prstGeom>
+          <a:noFill/>
+        </p:spPr>
+        <p:txBody>
+          <a:bodyPr wrap="square">
+            <a:spAutoFit/>
+          </a:bodyPr>
+          <a:lstStyle/>
+          <a:p>
+            <a:r>
+              <a:rPr lang="en-US" altLang="ko-Kore-KR" sz="1050" dirty="0">
+                <a:latin typeface="DM Mono" panose="020B0509040201040103" pitchFamily="49" charset="0"/>
+              </a:rPr>
+              <a:t>1</a:t>
+            </a:r>
+            <a:r>
+              <a:rPr lang="en-US" altLang="ko-KR" sz="1050" dirty="0">
+                <a:latin typeface="DM Mono" panose="020B0509040201040103" pitchFamily="49" charset="0"/>
+              </a:rPr>
+              <a:t>00</a:t>
+            </a:r>
+            <a:endParaRPr lang="ko-Kore-KR" altLang="en-US" sz="1050" dirty="0"/>
+          </a:p>
+        </p:txBody>
+      </p:sp>
+      <p:sp>
+        <p:nvSpPr>
+          <p:cNvPr id="40" name="TextBox 39">
+            <a:extLst>
+              <a:ext uri="{FF2B5EF4-FFF2-40B4-BE49-F238E27FC236}">
+                <a16:creationId xmlns:a16="http://schemas.microsoft.com/office/drawing/2014/main" id="{127883E3-235F-8922-85DD-DA527D4C5979}"/>
+              </a:ext>
+            </a:extLst>
+          </p:cNvPr>
+          <p:cNvSpPr txBox="1"/>
+          <p:nvPr/>
+        </p:nvSpPr>
+        <p:spPr>
+          <a:xfrm>
+            <a:off x="2688231" y="3175084"/>
+            <a:ext cx="784503" cy="253916"/>
+          </a:xfrm>
+          <a:prstGeom prst="rect">
+            <a:avLst/>
+          </a:prstGeom>
+          <a:noFill/>
+        </p:spPr>
+        <p:txBody>
+          <a:bodyPr wrap="square">
+            <a:spAutoFit/>
+          </a:bodyPr>
+          <a:lstStyle/>
+          <a:p>
+            <a:r>
+              <a:rPr lang="en-US" altLang="ko-Kore-KR" sz="1050" dirty="0">
+                <a:latin typeface="DM Mono" panose="020B0509040201040103" pitchFamily="49" charset="0"/>
+              </a:rPr>
+              <a:t>1</a:t>
+            </a:r>
+            <a:r>
+              <a:rPr lang="en-US" altLang="ko-KR" sz="1050" dirty="0">
+                <a:latin typeface="DM Mono" panose="020B0509040201040103" pitchFamily="49" charset="0"/>
+              </a:rPr>
+              <a:t>08</a:t>
+            </a:r>
+            <a:endParaRPr lang="ko-Kore-KR" altLang="en-US" sz="1050" dirty="0"/>
+          </a:p>
+        </p:txBody>
+      </p:sp>
+      <p:sp>
+        <p:nvSpPr>
+          <p:cNvPr id="41" name="TextBox 40">
+            <a:extLst>
+              <a:ext uri="{FF2B5EF4-FFF2-40B4-BE49-F238E27FC236}">
+                <a16:creationId xmlns:a16="http://schemas.microsoft.com/office/drawing/2014/main" id="{988FAB5B-94C5-1CEA-B189-8CD19DDE78DA}"/>
+              </a:ext>
+            </a:extLst>
+          </p:cNvPr>
+          <p:cNvSpPr txBox="1"/>
+          <p:nvPr/>
+        </p:nvSpPr>
+        <p:spPr>
+          <a:xfrm>
+            <a:off x="4621984" y="3175084"/>
+            <a:ext cx="784503" cy="253916"/>
+          </a:xfrm>
+          <a:prstGeom prst="rect">
+            <a:avLst/>
+          </a:prstGeom>
+          <a:noFill/>
+        </p:spPr>
+        <p:txBody>
+          <a:bodyPr wrap="square">
+            <a:spAutoFit/>
+          </a:bodyPr>
+          <a:lstStyle/>
+          <a:p>
+            <a:r>
+              <a:rPr lang="en-US" altLang="ko-KR" sz="1050" dirty="0">
+                <a:latin typeface="DM Mono" panose="020B0509040201040103" pitchFamily="49" charset="0"/>
+              </a:rPr>
+              <a:t>116</a:t>
+            </a:r>
+            <a:endParaRPr lang="ko-Kore-KR" altLang="en-US" sz="1050" dirty="0"/>
+          </a:p>
+        </p:txBody>
+      </p:sp>
+    </p:spTree>
+    <p:extLst>
+      <p:ext uri="{BB962C8B-B14F-4D97-AF65-F5344CB8AC3E}">
+        <p14:creationId xmlns:p14="http://schemas.microsoft.com/office/powerpoint/2010/main" val="2535060480"/>
       </p:ext>
     </p:extLst>
   </p:cSld>

--- a/cert_c.pptx
+++ b/cert_c.pptx
@@ -4,6 +4,9 @@
   <p:sldMasterIdLst>
     <p:sldMasterId id="2147483648" r:id="rId1"/>
   </p:sldMasterIdLst>
+  <p:notesMasterIdLst>
+    <p:notesMasterId r:id="rId18"/>
+  </p:notesMasterIdLst>
   <p:sldIdLst>
     <p:sldId id="256" r:id="rId2"/>
     <p:sldId id="257" r:id="rId3"/>
@@ -17,6 +20,10 @@
     <p:sldId id="265" r:id="rId11"/>
     <p:sldId id="266" r:id="rId12"/>
     <p:sldId id="267" r:id="rId13"/>
+    <p:sldId id="268" r:id="rId14"/>
+    <p:sldId id="269" r:id="rId15"/>
+    <p:sldId id="270" r:id="rId16"/>
+    <p:sldId id="271" r:id="rId17"/>
   </p:sldIdLst>
   <p:sldSz cx="12192000" cy="6858000"/>
   <p:notesSz cx="6858000" cy="9144000"/>
@@ -115,7 +122,446 @@
       </a:defRPr>
     </a:lvl9pPr>
   </p:defaultTextStyle>
+  <p:extLst>
+    <p:ext uri="{EFAFB233-063F-42B5-8137-9DF3F51BA10A}">
+      <p15:sldGuideLst xmlns:p15="http://schemas.microsoft.com/office/powerpoint/2012/main"/>
+    </p:ext>
+  </p:extLst>
 </p:presentation>
+</file>
+
+<file path=ppt/notesMasters/notesMaster1.xml><?xml version="1.0" encoding="utf-8"?>
+<p:notesMaster xmlns:a="http://schemas.openxmlformats.org/drawingml/2006/main" xmlns:r="http://schemas.openxmlformats.org/officeDocument/2006/relationships" xmlns:p="http://schemas.openxmlformats.org/presentationml/2006/main">
+  <p:cSld>
+    <p:bg>
+      <p:bgRef idx="1001">
+        <a:schemeClr val="bg1"/>
+      </p:bgRef>
+    </p:bg>
+    <p:spTree>
+      <p:nvGrpSpPr>
+        <p:cNvPr id="1" name=""/>
+        <p:cNvGrpSpPr/>
+        <p:nvPr/>
+      </p:nvGrpSpPr>
+      <p:grpSpPr>
+        <a:xfrm>
+          <a:off x="0" y="0"/>
+          <a:ext cx="0" cy="0"/>
+          <a:chOff x="0" y="0"/>
+          <a:chExt cx="0" cy="0"/>
+        </a:xfrm>
+      </p:grpSpPr>
+      <p:sp>
+        <p:nvSpPr>
+          <p:cNvPr id="2" name="머리글 개체 틀 1"/>
+          <p:cNvSpPr>
+            <a:spLocks noGrp="1"/>
+          </p:cNvSpPr>
+          <p:nvPr>
+            <p:ph type="hdr" sz="quarter"/>
+          </p:nvPr>
+        </p:nvSpPr>
+        <p:spPr>
+          <a:xfrm>
+            <a:off x="0" y="0"/>
+            <a:ext cx="2971800" cy="458788"/>
+          </a:xfrm>
+          <a:prstGeom prst="rect">
+            <a:avLst/>
+          </a:prstGeom>
+        </p:spPr>
+        <p:txBody>
+          <a:bodyPr vert="horz" lIns="91440" tIns="45720" rIns="91440" bIns="45720" rtlCol="0"/>
+          <a:lstStyle>
+            <a:lvl1pPr algn="l">
+              <a:defRPr sz="1200"/>
+            </a:lvl1pPr>
+          </a:lstStyle>
+          <a:p>
+            <a:endParaRPr kumimoji="1" lang="ko-Kore-KR" altLang="en-US"/>
+          </a:p>
+        </p:txBody>
+      </p:sp>
+      <p:sp>
+        <p:nvSpPr>
+          <p:cNvPr id="3" name="날짜 개체 틀 2"/>
+          <p:cNvSpPr>
+            <a:spLocks noGrp="1"/>
+          </p:cNvSpPr>
+          <p:nvPr>
+            <p:ph type="dt" idx="1"/>
+          </p:nvPr>
+        </p:nvSpPr>
+        <p:spPr>
+          <a:xfrm>
+            <a:off x="3884613" y="0"/>
+            <a:ext cx="2971800" cy="458788"/>
+          </a:xfrm>
+          <a:prstGeom prst="rect">
+            <a:avLst/>
+          </a:prstGeom>
+        </p:spPr>
+        <p:txBody>
+          <a:bodyPr vert="horz" lIns="91440" tIns="45720" rIns="91440" bIns="45720" rtlCol="0"/>
+          <a:lstStyle>
+            <a:lvl1pPr algn="r">
+              <a:defRPr sz="1200"/>
+            </a:lvl1pPr>
+          </a:lstStyle>
+          <a:p>
+            <a:fld id="{5C0B0A32-463F-EB44-B7A8-479C53E18F71}" type="datetimeFigureOut">
+              <a:rPr kumimoji="1" lang="ko-Kore-KR" altLang="en-US" smtClean="0"/>
+              <a:t>2023. 7. 27.</a:t>
+            </a:fld>
+            <a:endParaRPr kumimoji="1" lang="ko-Kore-KR" altLang="en-US"/>
+          </a:p>
+        </p:txBody>
+      </p:sp>
+      <p:sp>
+        <p:nvSpPr>
+          <p:cNvPr id="4" name="슬라이드 이미지 개체 틀 3"/>
+          <p:cNvSpPr>
+            <a:spLocks noGrp="1" noRot="1" noChangeAspect="1"/>
+          </p:cNvSpPr>
+          <p:nvPr>
+            <p:ph type="sldImg" idx="2"/>
+          </p:nvPr>
+        </p:nvSpPr>
+        <p:spPr>
+          <a:xfrm>
+            <a:off x="685800" y="1143000"/>
+            <a:ext cx="5486400" cy="3086100"/>
+          </a:xfrm>
+          <a:prstGeom prst="rect">
+            <a:avLst/>
+          </a:prstGeom>
+          <a:noFill/>
+          <a:ln w="12700">
+            <a:solidFill>
+              <a:prstClr val="black"/>
+            </a:solidFill>
+          </a:ln>
+        </p:spPr>
+        <p:txBody>
+          <a:bodyPr vert="horz" lIns="91440" tIns="45720" rIns="91440" bIns="45720" rtlCol="0" anchor="ctr"/>
+          <a:lstStyle/>
+          <a:p>
+            <a:endParaRPr lang="ko-Kore-KR" altLang="en-US"/>
+          </a:p>
+        </p:txBody>
+      </p:sp>
+      <p:sp>
+        <p:nvSpPr>
+          <p:cNvPr id="5" name="슬라이드 노트 개체 틀 4"/>
+          <p:cNvSpPr>
+            <a:spLocks noGrp="1"/>
+          </p:cNvSpPr>
+          <p:nvPr>
+            <p:ph type="body" sz="quarter" idx="3"/>
+          </p:nvPr>
+        </p:nvSpPr>
+        <p:spPr>
+          <a:xfrm>
+            <a:off x="685800" y="4400550"/>
+            <a:ext cx="5486400" cy="3600450"/>
+          </a:xfrm>
+          <a:prstGeom prst="rect">
+            <a:avLst/>
+          </a:prstGeom>
+        </p:spPr>
+        <p:txBody>
+          <a:bodyPr vert="horz" lIns="91440" tIns="45720" rIns="91440" bIns="45720" rtlCol="0"/>
+          <a:lstStyle/>
+          <a:p>
+            <a:pPr lvl="0"/>
+            <a:r>
+              <a:rPr kumimoji="1" lang="ko-KR" altLang="en-US"/>
+              <a:t>마스터 텍스트 스타일을 편집하려면 클릭</a:t>
+            </a:r>
+          </a:p>
+          <a:p>
+            <a:pPr lvl="1"/>
+            <a:r>
+              <a:rPr kumimoji="1" lang="ko-KR" altLang="en-US"/>
+              <a:t>두 번째 수준</a:t>
+            </a:r>
+          </a:p>
+          <a:p>
+            <a:pPr lvl="2"/>
+            <a:r>
+              <a:rPr kumimoji="1" lang="ko-KR" altLang="en-US"/>
+              <a:t>세 번째 수준</a:t>
+            </a:r>
+          </a:p>
+          <a:p>
+            <a:pPr lvl="3"/>
+            <a:r>
+              <a:rPr kumimoji="1" lang="ko-KR" altLang="en-US"/>
+              <a:t>네 번째 수준</a:t>
+            </a:r>
+          </a:p>
+          <a:p>
+            <a:pPr lvl="4"/>
+            <a:r>
+              <a:rPr kumimoji="1" lang="ko-KR" altLang="en-US"/>
+              <a:t>다섯 번째 수준</a:t>
+            </a:r>
+            <a:endParaRPr kumimoji="1" lang="ko-Kore-KR" altLang="en-US"/>
+          </a:p>
+        </p:txBody>
+      </p:sp>
+      <p:sp>
+        <p:nvSpPr>
+          <p:cNvPr id="6" name="바닥글 개체 틀 5"/>
+          <p:cNvSpPr>
+            <a:spLocks noGrp="1"/>
+          </p:cNvSpPr>
+          <p:nvPr>
+            <p:ph type="ftr" sz="quarter" idx="4"/>
+          </p:nvPr>
+        </p:nvSpPr>
+        <p:spPr>
+          <a:xfrm>
+            <a:off x="0" y="8685213"/>
+            <a:ext cx="2971800" cy="458787"/>
+          </a:xfrm>
+          <a:prstGeom prst="rect">
+            <a:avLst/>
+          </a:prstGeom>
+        </p:spPr>
+        <p:txBody>
+          <a:bodyPr vert="horz" lIns="91440" tIns="45720" rIns="91440" bIns="45720" rtlCol="0" anchor="b"/>
+          <a:lstStyle>
+            <a:lvl1pPr algn="l">
+              <a:defRPr sz="1200"/>
+            </a:lvl1pPr>
+          </a:lstStyle>
+          <a:p>
+            <a:endParaRPr kumimoji="1" lang="ko-Kore-KR" altLang="en-US"/>
+          </a:p>
+        </p:txBody>
+      </p:sp>
+      <p:sp>
+        <p:nvSpPr>
+          <p:cNvPr id="7" name="슬라이드 번호 개체 틀 6"/>
+          <p:cNvSpPr>
+            <a:spLocks noGrp="1"/>
+          </p:cNvSpPr>
+          <p:nvPr>
+            <p:ph type="sldNum" sz="quarter" idx="5"/>
+          </p:nvPr>
+        </p:nvSpPr>
+        <p:spPr>
+          <a:xfrm>
+            <a:off x="3884613" y="8685213"/>
+            <a:ext cx="2971800" cy="458787"/>
+          </a:xfrm>
+          <a:prstGeom prst="rect">
+            <a:avLst/>
+          </a:prstGeom>
+        </p:spPr>
+        <p:txBody>
+          <a:bodyPr vert="horz" lIns="91440" tIns="45720" rIns="91440" bIns="45720" rtlCol="0" anchor="b"/>
+          <a:lstStyle>
+            <a:lvl1pPr algn="r">
+              <a:defRPr sz="1200"/>
+            </a:lvl1pPr>
+          </a:lstStyle>
+          <a:p>
+            <a:fld id="{7618C109-AD95-2A4D-B221-0FF00302FC68}" type="slidenum">
+              <a:rPr kumimoji="1" lang="ko-Kore-KR" altLang="en-US" smtClean="0"/>
+              <a:t>‹#›</a:t>
+            </a:fld>
+            <a:endParaRPr kumimoji="1" lang="ko-Kore-KR" altLang="en-US"/>
+          </a:p>
+        </p:txBody>
+      </p:sp>
+    </p:spTree>
+    <p:extLst>
+      <p:ext uri="{BB962C8B-B14F-4D97-AF65-F5344CB8AC3E}">
+        <p14:creationId xmlns:p14="http://schemas.microsoft.com/office/powerpoint/2010/main" val="4166313922"/>
+      </p:ext>
+    </p:extLst>
+  </p:cSld>
+  <p:clrMap bg1="lt1" tx1="dk1" bg2="lt2" tx2="dk2" accent1="accent1" accent2="accent2" accent3="accent3" accent4="accent4" accent5="accent5" accent6="accent6" hlink="hlink" folHlink="folHlink"/>
+  <p:notesStyle>
+    <a:lvl1pPr marL="0" algn="l" defTabSz="914400" rtl="0" eaLnBrk="1" latinLnBrk="0" hangingPunct="1">
+      <a:defRPr sz="1200" kern="1200">
+        <a:solidFill>
+          <a:schemeClr val="tx1"/>
+        </a:solidFill>
+        <a:latin typeface="+mn-lt"/>
+        <a:ea typeface="+mn-ea"/>
+        <a:cs typeface="+mn-cs"/>
+      </a:defRPr>
+    </a:lvl1pPr>
+    <a:lvl2pPr marL="457200" algn="l" defTabSz="914400" rtl="0" eaLnBrk="1" latinLnBrk="0" hangingPunct="1">
+      <a:defRPr sz="1200" kern="1200">
+        <a:solidFill>
+          <a:schemeClr val="tx1"/>
+        </a:solidFill>
+        <a:latin typeface="+mn-lt"/>
+        <a:ea typeface="+mn-ea"/>
+        <a:cs typeface="+mn-cs"/>
+      </a:defRPr>
+    </a:lvl2pPr>
+    <a:lvl3pPr marL="914400" algn="l" defTabSz="914400" rtl="0" eaLnBrk="1" latinLnBrk="0" hangingPunct="1">
+      <a:defRPr sz="1200" kern="1200">
+        <a:solidFill>
+          <a:schemeClr val="tx1"/>
+        </a:solidFill>
+        <a:latin typeface="+mn-lt"/>
+        <a:ea typeface="+mn-ea"/>
+        <a:cs typeface="+mn-cs"/>
+      </a:defRPr>
+    </a:lvl3pPr>
+    <a:lvl4pPr marL="1371600" algn="l" defTabSz="914400" rtl="0" eaLnBrk="1" latinLnBrk="0" hangingPunct="1">
+      <a:defRPr sz="1200" kern="1200">
+        <a:solidFill>
+          <a:schemeClr val="tx1"/>
+        </a:solidFill>
+        <a:latin typeface="+mn-lt"/>
+        <a:ea typeface="+mn-ea"/>
+        <a:cs typeface="+mn-cs"/>
+      </a:defRPr>
+    </a:lvl4pPr>
+    <a:lvl5pPr marL="1828800" algn="l" defTabSz="914400" rtl="0" eaLnBrk="1" latinLnBrk="0" hangingPunct="1">
+      <a:defRPr sz="1200" kern="1200">
+        <a:solidFill>
+          <a:schemeClr val="tx1"/>
+        </a:solidFill>
+        <a:latin typeface="+mn-lt"/>
+        <a:ea typeface="+mn-ea"/>
+        <a:cs typeface="+mn-cs"/>
+      </a:defRPr>
+    </a:lvl5pPr>
+    <a:lvl6pPr marL="2286000" algn="l" defTabSz="914400" rtl="0" eaLnBrk="1" latinLnBrk="0" hangingPunct="1">
+      <a:defRPr sz="1200" kern="1200">
+        <a:solidFill>
+          <a:schemeClr val="tx1"/>
+        </a:solidFill>
+        <a:latin typeface="+mn-lt"/>
+        <a:ea typeface="+mn-ea"/>
+        <a:cs typeface="+mn-cs"/>
+      </a:defRPr>
+    </a:lvl6pPr>
+    <a:lvl7pPr marL="2743200" algn="l" defTabSz="914400" rtl="0" eaLnBrk="1" latinLnBrk="0" hangingPunct="1">
+      <a:defRPr sz="1200" kern="1200">
+        <a:solidFill>
+          <a:schemeClr val="tx1"/>
+        </a:solidFill>
+        <a:latin typeface="+mn-lt"/>
+        <a:ea typeface="+mn-ea"/>
+        <a:cs typeface="+mn-cs"/>
+      </a:defRPr>
+    </a:lvl7pPr>
+    <a:lvl8pPr marL="3200400" algn="l" defTabSz="914400" rtl="0" eaLnBrk="1" latinLnBrk="0" hangingPunct="1">
+      <a:defRPr sz="1200" kern="1200">
+        <a:solidFill>
+          <a:schemeClr val="tx1"/>
+        </a:solidFill>
+        <a:latin typeface="+mn-lt"/>
+        <a:ea typeface="+mn-ea"/>
+        <a:cs typeface="+mn-cs"/>
+      </a:defRPr>
+    </a:lvl8pPr>
+    <a:lvl9pPr marL="3657600" algn="l" defTabSz="914400" rtl="0" eaLnBrk="1" latinLnBrk="0" hangingPunct="1">
+      <a:defRPr sz="1200" kern="1200">
+        <a:solidFill>
+          <a:schemeClr val="tx1"/>
+        </a:solidFill>
+        <a:latin typeface="+mn-lt"/>
+        <a:ea typeface="+mn-ea"/>
+        <a:cs typeface="+mn-cs"/>
+      </a:defRPr>
+    </a:lvl9pPr>
+  </p:notesStyle>
+</p:notesMaster>
+</file>
+
+<file path=ppt/notesSlides/notesSlide1.xml><?xml version="1.0" encoding="utf-8"?>
+<p:notes xmlns:a="http://schemas.openxmlformats.org/drawingml/2006/main" xmlns:r="http://schemas.openxmlformats.org/officeDocument/2006/relationships" xmlns:p="http://schemas.openxmlformats.org/presentationml/2006/main">
+  <p:cSld>
+    <p:spTree>
+      <p:nvGrpSpPr>
+        <p:cNvPr id="1" name=""/>
+        <p:cNvGrpSpPr/>
+        <p:nvPr/>
+      </p:nvGrpSpPr>
+      <p:grpSpPr>
+        <a:xfrm>
+          <a:off x="0" y="0"/>
+          <a:ext cx="0" cy="0"/>
+          <a:chOff x="0" y="0"/>
+          <a:chExt cx="0" cy="0"/>
+        </a:xfrm>
+      </p:grpSpPr>
+      <p:sp>
+        <p:nvSpPr>
+          <p:cNvPr id="2" name="슬라이드 이미지 개체 틀 1"/>
+          <p:cNvSpPr>
+            <a:spLocks noGrp="1" noRot="1" noChangeAspect="1"/>
+          </p:cNvSpPr>
+          <p:nvPr>
+            <p:ph type="sldImg"/>
+          </p:nvPr>
+        </p:nvSpPr>
+        <p:spPr/>
+      </p:sp>
+      <p:sp>
+        <p:nvSpPr>
+          <p:cNvPr id="3" name="슬라이드 노트 개체 틀 2"/>
+          <p:cNvSpPr>
+            <a:spLocks noGrp="1"/>
+          </p:cNvSpPr>
+          <p:nvPr>
+            <p:ph type="body" idx="1"/>
+          </p:nvPr>
+        </p:nvSpPr>
+        <p:spPr/>
+        <p:txBody>
+          <a:bodyPr/>
+          <a:lstStyle/>
+          <a:p>
+            <a:endParaRPr kumimoji="1" lang="ko-Kore-KR" altLang="en-US" dirty="0"/>
+          </a:p>
+        </p:txBody>
+      </p:sp>
+      <p:sp>
+        <p:nvSpPr>
+          <p:cNvPr id="4" name="슬라이드 번호 개체 틀 3"/>
+          <p:cNvSpPr>
+            <a:spLocks noGrp="1"/>
+          </p:cNvSpPr>
+          <p:nvPr>
+            <p:ph type="sldNum" sz="quarter" idx="5"/>
+          </p:nvPr>
+        </p:nvSpPr>
+        <p:spPr/>
+        <p:txBody>
+          <a:bodyPr/>
+          <a:lstStyle/>
+          <a:p>
+            <a:fld id="{7618C109-AD95-2A4D-B221-0FF00302FC68}" type="slidenum">
+              <a:rPr kumimoji="1" lang="ko-Kore-KR" altLang="en-US" smtClean="0"/>
+              <a:t>1</a:t>
+            </a:fld>
+            <a:endParaRPr kumimoji="1" lang="ko-Kore-KR" altLang="en-US"/>
+          </a:p>
+        </p:txBody>
+      </p:sp>
+    </p:spTree>
+    <p:extLst>
+      <p:ext uri="{BB962C8B-B14F-4D97-AF65-F5344CB8AC3E}">
+        <p14:creationId xmlns:p14="http://schemas.microsoft.com/office/powerpoint/2010/main" val="1695112397"/>
+      </p:ext>
+    </p:extLst>
+  </p:cSld>
+  <p:clrMapOvr>
+    <a:masterClrMapping/>
+  </p:clrMapOvr>
+</p:notes>
 </file>
 
 <file path=ppt/slideLayouts/slideLayout1.xml><?xml version="1.0" encoding="utf-8"?>
@@ -267,7 +713,7 @@
           <a:p>
             <a:fld id="{0793EE22-6819-6240-9E24-EAF88CC20399}" type="datetimeFigureOut">
               <a:rPr kumimoji="1" lang="ko-Kore-KR" altLang="en-US" smtClean="0"/>
-              <a:t>2023. 7. 26.</a:t>
+              <a:t>2023. 7. 27.</a:t>
             </a:fld>
             <a:endParaRPr kumimoji="1" lang="ko-Kore-KR" altLang="en-US"/>
           </a:p>
@@ -467,7 +913,7 @@
           <a:p>
             <a:fld id="{0793EE22-6819-6240-9E24-EAF88CC20399}" type="datetimeFigureOut">
               <a:rPr kumimoji="1" lang="ko-Kore-KR" altLang="en-US" smtClean="0"/>
-              <a:t>2023. 7. 26.</a:t>
+              <a:t>2023. 7. 27.</a:t>
             </a:fld>
             <a:endParaRPr kumimoji="1" lang="ko-Kore-KR" altLang="en-US"/>
           </a:p>
@@ -677,7 +1123,7 @@
           <a:p>
             <a:fld id="{0793EE22-6819-6240-9E24-EAF88CC20399}" type="datetimeFigureOut">
               <a:rPr kumimoji="1" lang="ko-Kore-KR" altLang="en-US" smtClean="0"/>
-              <a:t>2023. 7. 26.</a:t>
+              <a:t>2023. 7. 27.</a:t>
             </a:fld>
             <a:endParaRPr kumimoji="1" lang="ko-Kore-KR" altLang="en-US"/>
           </a:p>
@@ -877,7 +1323,7 @@
           <a:p>
             <a:fld id="{0793EE22-6819-6240-9E24-EAF88CC20399}" type="datetimeFigureOut">
               <a:rPr kumimoji="1" lang="ko-Kore-KR" altLang="en-US" smtClean="0"/>
-              <a:t>2023. 7. 26.</a:t>
+              <a:t>2023. 7. 27.</a:t>
             </a:fld>
             <a:endParaRPr kumimoji="1" lang="ko-Kore-KR" altLang="en-US"/>
           </a:p>
@@ -1153,7 +1599,7 @@
           <a:p>
             <a:fld id="{0793EE22-6819-6240-9E24-EAF88CC20399}" type="datetimeFigureOut">
               <a:rPr kumimoji="1" lang="ko-Kore-KR" altLang="en-US" smtClean="0"/>
-              <a:t>2023. 7. 26.</a:t>
+              <a:t>2023. 7. 27.</a:t>
             </a:fld>
             <a:endParaRPr kumimoji="1" lang="ko-Kore-KR" altLang="en-US"/>
           </a:p>
@@ -1421,7 +1867,7 @@
           <a:p>
             <a:fld id="{0793EE22-6819-6240-9E24-EAF88CC20399}" type="datetimeFigureOut">
               <a:rPr kumimoji="1" lang="ko-Kore-KR" altLang="en-US" smtClean="0"/>
-              <a:t>2023. 7. 26.</a:t>
+              <a:t>2023. 7. 27.</a:t>
             </a:fld>
             <a:endParaRPr kumimoji="1" lang="ko-Kore-KR" altLang="en-US"/>
           </a:p>
@@ -1836,7 +2282,7 @@
           <a:p>
             <a:fld id="{0793EE22-6819-6240-9E24-EAF88CC20399}" type="datetimeFigureOut">
               <a:rPr kumimoji="1" lang="ko-Kore-KR" altLang="en-US" smtClean="0"/>
-              <a:t>2023. 7. 26.</a:t>
+              <a:t>2023. 7. 27.</a:t>
             </a:fld>
             <a:endParaRPr kumimoji="1" lang="ko-Kore-KR" altLang="en-US"/>
           </a:p>
@@ -1978,7 +2424,7 @@
           <a:p>
             <a:fld id="{0793EE22-6819-6240-9E24-EAF88CC20399}" type="datetimeFigureOut">
               <a:rPr kumimoji="1" lang="ko-Kore-KR" altLang="en-US" smtClean="0"/>
-              <a:t>2023. 7. 26.</a:t>
+              <a:t>2023. 7. 27.</a:t>
             </a:fld>
             <a:endParaRPr kumimoji="1" lang="ko-Kore-KR" altLang="en-US"/>
           </a:p>
@@ -2091,7 +2537,7 @@
           <a:p>
             <a:fld id="{0793EE22-6819-6240-9E24-EAF88CC20399}" type="datetimeFigureOut">
               <a:rPr kumimoji="1" lang="ko-Kore-KR" altLang="en-US" smtClean="0"/>
-              <a:t>2023. 7. 26.</a:t>
+              <a:t>2023. 7. 27.</a:t>
             </a:fld>
             <a:endParaRPr kumimoji="1" lang="ko-Kore-KR" altLang="en-US"/>
           </a:p>
@@ -2404,7 +2850,7 @@
           <a:p>
             <a:fld id="{0793EE22-6819-6240-9E24-EAF88CC20399}" type="datetimeFigureOut">
               <a:rPr kumimoji="1" lang="ko-Kore-KR" altLang="en-US" smtClean="0"/>
-              <a:t>2023. 7. 26.</a:t>
+              <a:t>2023. 7. 27.</a:t>
             </a:fld>
             <a:endParaRPr kumimoji="1" lang="ko-Kore-KR" altLang="en-US"/>
           </a:p>
@@ -2693,7 +3139,7 @@
           <a:p>
             <a:fld id="{0793EE22-6819-6240-9E24-EAF88CC20399}" type="datetimeFigureOut">
               <a:rPr kumimoji="1" lang="ko-Kore-KR" altLang="en-US" smtClean="0"/>
-              <a:t>2023. 7. 26.</a:t>
+              <a:t>2023. 7. 27.</a:t>
             </a:fld>
             <a:endParaRPr kumimoji="1" lang="ko-Kore-KR" altLang="en-US"/>
           </a:p>
@@ -2936,7 +3382,7 @@
           <a:p>
             <a:fld id="{0793EE22-6819-6240-9E24-EAF88CC20399}" type="datetimeFigureOut">
               <a:rPr kumimoji="1" lang="ko-Kore-KR" altLang="en-US" smtClean="0"/>
-              <a:t>2023. 7. 26.</a:t>
+              <a:t>2023. 7. 27.</a:t>
             </a:fld>
             <a:endParaRPr kumimoji="1" lang="ko-Kore-KR" altLang="en-US"/>
           </a:p>
@@ -9608,6 +10054,4724 @@
     <p:extLst>
       <p:ext uri="{BB962C8B-B14F-4D97-AF65-F5344CB8AC3E}">
         <p14:creationId xmlns:p14="http://schemas.microsoft.com/office/powerpoint/2010/main" val="2535060480"/>
+      </p:ext>
+    </p:extLst>
+  </p:cSld>
+  <p:clrMapOvr>
+    <a:masterClrMapping/>
+  </p:clrMapOvr>
+</p:sld>
+</file>
+
+<file path=ppt/slides/slide13.xml><?xml version="1.0" encoding="utf-8"?>
+<p:sld xmlns:a="http://schemas.openxmlformats.org/drawingml/2006/main" xmlns:r="http://schemas.openxmlformats.org/officeDocument/2006/relationships" xmlns:p="http://schemas.openxmlformats.org/presentationml/2006/main">
+  <p:cSld>
+    <p:spTree>
+      <p:nvGrpSpPr>
+        <p:cNvPr id="1" name=""/>
+        <p:cNvGrpSpPr/>
+        <p:nvPr/>
+      </p:nvGrpSpPr>
+      <p:grpSpPr>
+        <a:xfrm>
+          <a:off x="0" y="0"/>
+          <a:ext cx="0" cy="0"/>
+          <a:chOff x="0" y="0"/>
+          <a:chExt cx="0" cy="0"/>
+        </a:xfrm>
+      </p:grpSpPr>
+      <p:sp>
+        <p:nvSpPr>
+          <p:cNvPr id="5" name="TextBox 4">
+            <a:extLst>
+              <a:ext uri="{FF2B5EF4-FFF2-40B4-BE49-F238E27FC236}">
+                <a16:creationId xmlns:a16="http://schemas.microsoft.com/office/drawing/2014/main" id="{8FE4E9FE-0B80-B448-241C-3974A1BF3D5A}"/>
+              </a:ext>
+            </a:extLst>
+          </p:cNvPr>
+          <p:cNvSpPr txBox="1"/>
+          <p:nvPr/>
+        </p:nvSpPr>
+        <p:spPr>
+          <a:xfrm>
+            <a:off x="579620" y="256004"/>
+            <a:ext cx="3642610" cy="3785652"/>
+          </a:xfrm>
+          <a:prstGeom prst="rect">
+            <a:avLst/>
+          </a:prstGeom>
+          <a:noFill/>
+        </p:spPr>
+        <p:txBody>
+          <a:bodyPr wrap="square">
+            <a:spAutoFit/>
+          </a:bodyPr>
+          <a:lstStyle/>
+          <a:p>
+            <a:r>
+              <a:rPr lang="ko-Kore-KR" altLang="en-US" sz="1200" dirty="0">
+                <a:latin typeface="DM Mono" panose="020B0509040201040103" pitchFamily="49" charset="0"/>
+              </a:rPr>
+              <a:t>struct user {</a:t>
+            </a:r>
+          </a:p>
+          <a:p>
+            <a:r>
+              <a:rPr lang="ko-Kore-KR" altLang="en-US" sz="1200" dirty="0">
+                <a:latin typeface="DM Mono" panose="020B0509040201040103" pitchFamily="49" charset="0"/>
+              </a:rPr>
+              <a:t>    char name[32];</a:t>
+            </a:r>
+          </a:p>
+          <a:p>
+            <a:r>
+              <a:rPr lang="ko-Kore-KR" altLang="en-US" sz="1200" dirty="0">
+                <a:latin typeface="DM Mono" panose="020B0509040201040103" pitchFamily="49" charset="0"/>
+              </a:rPr>
+              <a:t>    int age;</a:t>
+            </a:r>
+          </a:p>
+          <a:p>
+            <a:r>
+              <a:rPr lang="ko-Kore-KR" altLang="en-US" sz="1200" dirty="0">
+                <a:latin typeface="DM Mono" panose="020B0509040201040103" pitchFamily="49" charset="0"/>
+              </a:rPr>
+              <a:t>    // ...</a:t>
+            </a:r>
+          </a:p>
+          <a:p>
+            <a:endParaRPr lang="ko-Kore-KR" altLang="en-US" sz="1200" dirty="0">
+              <a:latin typeface="DM Mono" panose="020B0509040201040103" pitchFamily="49" charset="0"/>
+            </a:endParaRPr>
+          </a:p>
+          <a:p>
+            <a:r>
+              <a:rPr lang="ko-Kore-KR" altLang="en-US" sz="1200" dirty="0">
+                <a:latin typeface="DM Mono" panose="020B0509040201040103" pitchFamily="49" charset="0"/>
+              </a:rPr>
+              <a:t>    struct list_head link;</a:t>
+            </a:r>
+          </a:p>
+          <a:p>
+            <a:r>
+              <a:rPr lang="ko-Kore-KR" altLang="en-US" sz="1200" dirty="0">
+                <a:latin typeface="DM Mono" panose="020B0509040201040103" pitchFamily="49" charset="0"/>
+              </a:rPr>
+              <a:t>};</a:t>
+            </a:r>
+            <a:endParaRPr lang="en-US" altLang="ko-Kore-KR" sz="1200" dirty="0">
+              <a:latin typeface="DM Mono" panose="020B0509040201040103" pitchFamily="49" charset="0"/>
+            </a:endParaRPr>
+          </a:p>
+          <a:p>
+            <a:endParaRPr lang="en-US" altLang="ko-Kore-KR" sz="1200" dirty="0">
+              <a:latin typeface="DM Mono" panose="020B0509040201040103" pitchFamily="49" charset="0"/>
+            </a:endParaRPr>
+          </a:p>
+          <a:p>
+            <a:r>
+              <a:rPr lang="en" altLang="ko-Kore-KR" sz="1200" dirty="0">
+                <a:solidFill>
+                  <a:srgbClr val="FF0000"/>
+                </a:solidFill>
+                <a:latin typeface="DM Mono" panose="020B0509040201040103" pitchFamily="49" charset="0"/>
+              </a:rPr>
+              <a:t> struct user user1 = {</a:t>
+            </a:r>
+          </a:p>
+          <a:p>
+            <a:r>
+              <a:rPr lang="en" altLang="ko-Kore-KR" sz="1200" dirty="0">
+                <a:solidFill>
+                  <a:srgbClr val="FF0000"/>
+                </a:solidFill>
+                <a:latin typeface="DM Mono" panose="020B0509040201040103" pitchFamily="49" charset="0"/>
+              </a:rPr>
+              <a:t>    .name = "Tom", .age = 42</a:t>
+            </a:r>
+          </a:p>
+          <a:p>
+            <a:r>
+              <a:rPr lang="en" altLang="ko-Kore-KR" sz="1200" dirty="0">
+                <a:solidFill>
+                  <a:srgbClr val="FF0000"/>
+                </a:solidFill>
+                <a:latin typeface="DM Mono" panose="020B0509040201040103" pitchFamily="49" charset="0"/>
+              </a:rPr>
+              <a:t> };</a:t>
+            </a:r>
+          </a:p>
+          <a:p>
+            <a:r>
+              <a:rPr lang="en" altLang="ko-Kore-KR" sz="1200" dirty="0">
+                <a:solidFill>
+                  <a:srgbClr val="FF0000"/>
+                </a:solidFill>
+                <a:latin typeface="DM Mono" panose="020B0509040201040103" pitchFamily="49" charset="0"/>
+              </a:rPr>
+              <a:t> struct user user2 = {</a:t>
+            </a:r>
+          </a:p>
+          <a:p>
+            <a:r>
+              <a:rPr lang="en" altLang="ko-Kore-KR" sz="1200" dirty="0">
+                <a:solidFill>
+                  <a:srgbClr val="FF0000"/>
+                </a:solidFill>
+                <a:latin typeface="DM Mono" panose="020B0509040201040103" pitchFamily="49" charset="0"/>
+              </a:rPr>
+              <a:t>    .name = "Bob", .age = 30</a:t>
+            </a:r>
+          </a:p>
+          <a:p>
+            <a:r>
+              <a:rPr lang="en" altLang="ko-Kore-KR" sz="1200" dirty="0">
+                <a:solidFill>
+                  <a:srgbClr val="FF0000"/>
+                </a:solidFill>
+                <a:latin typeface="DM Mono" panose="020B0509040201040103" pitchFamily="49" charset="0"/>
+              </a:rPr>
+              <a:t> };</a:t>
+            </a:r>
+          </a:p>
+          <a:p>
+            <a:r>
+              <a:rPr lang="en" altLang="ko-Kore-KR" sz="1200" dirty="0">
+                <a:solidFill>
+                  <a:srgbClr val="FF0000"/>
+                </a:solidFill>
+                <a:latin typeface="DM Mono" panose="020B0509040201040103" pitchFamily="49" charset="0"/>
+              </a:rPr>
+              <a:t> struct user user3 = {</a:t>
+            </a:r>
+          </a:p>
+          <a:p>
+            <a:r>
+              <a:rPr lang="en" altLang="ko-Kore-KR" sz="1200" dirty="0">
+                <a:solidFill>
+                  <a:srgbClr val="FF0000"/>
+                </a:solidFill>
+                <a:latin typeface="DM Mono" panose="020B0509040201040103" pitchFamily="49" charset="0"/>
+              </a:rPr>
+              <a:t>    .name = "Alice", .age = 24</a:t>
+            </a:r>
+          </a:p>
+          <a:p>
+            <a:r>
+              <a:rPr lang="en" altLang="ko-Kore-KR" sz="1200" dirty="0">
+                <a:solidFill>
+                  <a:srgbClr val="FF0000"/>
+                </a:solidFill>
+                <a:latin typeface="DM Mono" panose="020B0509040201040103" pitchFamily="49" charset="0"/>
+              </a:rPr>
+              <a:t> };</a:t>
+            </a:r>
+          </a:p>
+          <a:p>
+            <a:endParaRPr lang="en" altLang="ko-Kore-KR" sz="1200" dirty="0">
+              <a:solidFill>
+                <a:srgbClr val="FF0000"/>
+              </a:solidFill>
+              <a:latin typeface="DM Mono" panose="020B0509040201040103" pitchFamily="49" charset="0"/>
+            </a:endParaRPr>
+          </a:p>
+          <a:p>
+            <a:r>
+              <a:rPr lang="en" altLang="ko-Kore-KR" sz="1200" dirty="0">
+                <a:solidFill>
+                  <a:srgbClr val="FF0000"/>
+                </a:solidFill>
+                <a:latin typeface="DM Mono" panose="020B0509040201040103" pitchFamily="49" charset="0"/>
+              </a:rPr>
+              <a:t> struct </a:t>
+            </a:r>
+            <a:r>
+              <a:rPr lang="en" altLang="ko-Kore-KR" sz="1200" dirty="0" err="1">
+                <a:solidFill>
+                  <a:srgbClr val="FF0000"/>
+                </a:solidFill>
+                <a:latin typeface="DM Mono" panose="020B0509040201040103" pitchFamily="49" charset="0"/>
+              </a:rPr>
+              <a:t>list_head</a:t>
+            </a:r>
+            <a:r>
+              <a:rPr lang="en" altLang="ko-Kore-KR" sz="1200" dirty="0">
+                <a:solidFill>
+                  <a:srgbClr val="FF0000"/>
+                </a:solidFill>
+                <a:latin typeface="DM Mono" panose="020B0509040201040103" pitchFamily="49" charset="0"/>
+              </a:rPr>
+              <a:t> head = { .next = NULL };</a:t>
+            </a:r>
+            <a:endParaRPr lang="ko-Kore-KR" altLang="en-US" sz="1200" dirty="0">
+              <a:solidFill>
+                <a:srgbClr val="FF0000"/>
+              </a:solidFill>
+              <a:latin typeface="DM Mono" panose="020B0509040201040103" pitchFamily="49" charset="0"/>
+            </a:endParaRPr>
+          </a:p>
+        </p:txBody>
+      </p:sp>
+      <p:sp>
+        <p:nvSpPr>
+          <p:cNvPr id="6" name="직사각형 5">
+            <a:extLst>
+              <a:ext uri="{FF2B5EF4-FFF2-40B4-BE49-F238E27FC236}">
+                <a16:creationId xmlns:a16="http://schemas.microsoft.com/office/drawing/2014/main" id="{38412DED-919A-D585-91E3-C33FD27C6A17}"/>
+              </a:ext>
+            </a:extLst>
+          </p:cNvPr>
+          <p:cNvSpPr/>
+          <p:nvPr/>
+        </p:nvSpPr>
+        <p:spPr>
+          <a:xfrm>
+            <a:off x="3974890" y="4039052"/>
+            <a:ext cx="1371601" cy="399738"/>
+          </a:xfrm>
+          <a:prstGeom prst="rect">
+            <a:avLst/>
+          </a:prstGeom>
+          <a:solidFill>
+            <a:srgbClr val="FFFF00"/>
+          </a:solidFill>
+        </p:spPr>
+        <p:style>
+          <a:lnRef idx="2">
+            <a:schemeClr val="accent4">
+              <a:shade val="15000"/>
+            </a:schemeClr>
+          </a:lnRef>
+          <a:fillRef idx="1">
+            <a:schemeClr val="accent4"/>
+          </a:fillRef>
+          <a:effectRef idx="0">
+            <a:schemeClr val="accent4"/>
+          </a:effectRef>
+          <a:fontRef idx="minor">
+            <a:schemeClr val="lt1"/>
+          </a:fontRef>
+        </p:style>
+        <p:txBody>
+          <a:bodyPr rtlCol="0" anchor="ctr"/>
+          <a:lstStyle/>
+          <a:p>
+            <a:pPr algn="ctr"/>
+            <a:r>
+              <a:rPr kumimoji="1" lang="en-US" altLang="ko-Kore-KR" sz="1400" dirty="0">
+                <a:solidFill>
+                  <a:schemeClr val="tx1"/>
+                </a:solidFill>
+                <a:latin typeface="DM Mono" panose="020B0509040201040103" pitchFamily="49" charset="0"/>
+              </a:rPr>
+              <a:t>Tom</a:t>
+            </a:r>
+            <a:endParaRPr kumimoji="1" lang="ko-Kore-KR" altLang="en-US" sz="1400" dirty="0">
+              <a:solidFill>
+                <a:schemeClr val="tx1"/>
+              </a:solidFill>
+              <a:latin typeface="DM Mono" panose="020B0509040201040103" pitchFamily="49" charset="0"/>
+            </a:endParaRPr>
+          </a:p>
+        </p:txBody>
+      </p:sp>
+      <p:sp>
+        <p:nvSpPr>
+          <p:cNvPr id="7" name="TextBox 6">
+            <a:extLst>
+              <a:ext uri="{FF2B5EF4-FFF2-40B4-BE49-F238E27FC236}">
+                <a16:creationId xmlns:a16="http://schemas.microsoft.com/office/drawing/2014/main" id="{6DCB7DF4-67C1-2F36-090A-6836A8DD135F}"/>
+              </a:ext>
+            </a:extLst>
+          </p:cNvPr>
+          <p:cNvSpPr txBox="1"/>
+          <p:nvPr/>
+        </p:nvSpPr>
+        <p:spPr>
+          <a:xfrm>
+            <a:off x="2990536" y="4085032"/>
+            <a:ext cx="984354" cy="307777"/>
+          </a:xfrm>
+          <a:prstGeom prst="rect">
+            <a:avLst/>
+          </a:prstGeom>
+          <a:noFill/>
+        </p:spPr>
+        <p:txBody>
+          <a:bodyPr wrap="square">
+            <a:spAutoFit/>
+          </a:bodyPr>
+          <a:lstStyle/>
+          <a:p>
+            <a:pPr algn="r"/>
+            <a:r>
+              <a:rPr kumimoji="1" lang="en-US" altLang="ko-Kore-KR" sz="1400" dirty="0">
+                <a:latin typeface="DM Mono" panose="020B0509040201040103" pitchFamily="49" charset="0"/>
+              </a:rPr>
+              <a:t>name</a:t>
+            </a:r>
+            <a:endParaRPr lang="ko-Kore-KR" altLang="en-US" sz="1400" dirty="0"/>
+          </a:p>
+        </p:txBody>
+      </p:sp>
+      <p:sp>
+        <p:nvSpPr>
+          <p:cNvPr id="8" name="직사각형 7">
+            <a:extLst>
+              <a:ext uri="{FF2B5EF4-FFF2-40B4-BE49-F238E27FC236}">
+                <a16:creationId xmlns:a16="http://schemas.microsoft.com/office/drawing/2014/main" id="{90427C34-9233-ACA6-EE7E-7F2559246E9B}"/>
+              </a:ext>
+            </a:extLst>
+          </p:cNvPr>
+          <p:cNvSpPr/>
+          <p:nvPr/>
+        </p:nvSpPr>
+        <p:spPr>
+          <a:xfrm>
+            <a:off x="3974890" y="4438789"/>
+            <a:ext cx="1371601" cy="399738"/>
+          </a:xfrm>
+          <a:prstGeom prst="rect">
+            <a:avLst/>
+          </a:prstGeom>
+          <a:solidFill>
+            <a:srgbClr val="FFFF00"/>
+          </a:solidFill>
+        </p:spPr>
+        <p:style>
+          <a:lnRef idx="2">
+            <a:schemeClr val="accent4">
+              <a:shade val="15000"/>
+            </a:schemeClr>
+          </a:lnRef>
+          <a:fillRef idx="1">
+            <a:schemeClr val="accent4"/>
+          </a:fillRef>
+          <a:effectRef idx="0">
+            <a:schemeClr val="accent4"/>
+          </a:effectRef>
+          <a:fontRef idx="minor">
+            <a:schemeClr val="lt1"/>
+          </a:fontRef>
+        </p:style>
+        <p:txBody>
+          <a:bodyPr rtlCol="0" anchor="ctr"/>
+          <a:lstStyle/>
+          <a:p>
+            <a:pPr algn="ctr"/>
+            <a:r>
+              <a:rPr kumimoji="1" lang="en-US" altLang="ko-Kore-KR" sz="1400" dirty="0">
+                <a:solidFill>
+                  <a:schemeClr val="tx1"/>
+                </a:solidFill>
+                <a:latin typeface="DM Mono" panose="020B0509040201040103" pitchFamily="49" charset="0"/>
+              </a:rPr>
+              <a:t>42</a:t>
+            </a:r>
+            <a:endParaRPr kumimoji="1" lang="ko-Kore-KR" altLang="en-US" sz="1400" dirty="0">
+              <a:solidFill>
+                <a:schemeClr val="tx1"/>
+              </a:solidFill>
+              <a:latin typeface="DM Mono" panose="020B0509040201040103" pitchFamily="49" charset="0"/>
+            </a:endParaRPr>
+          </a:p>
+        </p:txBody>
+      </p:sp>
+      <p:sp>
+        <p:nvSpPr>
+          <p:cNvPr id="9" name="TextBox 8">
+            <a:extLst>
+              <a:ext uri="{FF2B5EF4-FFF2-40B4-BE49-F238E27FC236}">
+                <a16:creationId xmlns:a16="http://schemas.microsoft.com/office/drawing/2014/main" id="{83B6C4D1-D53E-E23F-BF9E-5C1615636A63}"/>
+              </a:ext>
+            </a:extLst>
+          </p:cNvPr>
+          <p:cNvSpPr txBox="1"/>
+          <p:nvPr/>
+        </p:nvSpPr>
+        <p:spPr>
+          <a:xfrm>
+            <a:off x="2990536" y="4484769"/>
+            <a:ext cx="984354" cy="307777"/>
+          </a:xfrm>
+          <a:prstGeom prst="rect">
+            <a:avLst/>
+          </a:prstGeom>
+          <a:noFill/>
+        </p:spPr>
+        <p:txBody>
+          <a:bodyPr wrap="square">
+            <a:spAutoFit/>
+          </a:bodyPr>
+          <a:lstStyle/>
+          <a:p>
+            <a:pPr algn="r"/>
+            <a:r>
+              <a:rPr kumimoji="1" lang="en-US" altLang="ko-Kore-KR" sz="1400" dirty="0">
+                <a:latin typeface="DM Mono" panose="020B0509040201040103" pitchFamily="49" charset="0"/>
+              </a:rPr>
+              <a:t>age</a:t>
+            </a:r>
+            <a:endParaRPr lang="ko-Kore-KR" altLang="en-US" sz="1400" dirty="0"/>
+          </a:p>
+        </p:txBody>
+      </p:sp>
+      <p:sp>
+        <p:nvSpPr>
+          <p:cNvPr id="10" name="직사각형 9">
+            <a:extLst>
+              <a:ext uri="{FF2B5EF4-FFF2-40B4-BE49-F238E27FC236}">
+                <a16:creationId xmlns:a16="http://schemas.microsoft.com/office/drawing/2014/main" id="{E690C977-B57B-2F38-2553-228586451E1F}"/>
+              </a:ext>
+            </a:extLst>
+          </p:cNvPr>
+          <p:cNvSpPr/>
+          <p:nvPr/>
+        </p:nvSpPr>
+        <p:spPr>
+          <a:xfrm>
+            <a:off x="3974890" y="4838525"/>
+            <a:ext cx="1371601" cy="399738"/>
+          </a:xfrm>
+          <a:prstGeom prst="rect">
+            <a:avLst/>
+          </a:prstGeom>
+          <a:solidFill>
+            <a:srgbClr val="FFFF00"/>
+          </a:solidFill>
+        </p:spPr>
+        <p:style>
+          <a:lnRef idx="2">
+            <a:schemeClr val="accent4">
+              <a:shade val="15000"/>
+            </a:schemeClr>
+          </a:lnRef>
+          <a:fillRef idx="1">
+            <a:schemeClr val="accent4"/>
+          </a:fillRef>
+          <a:effectRef idx="0">
+            <a:schemeClr val="accent4"/>
+          </a:effectRef>
+          <a:fontRef idx="minor">
+            <a:schemeClr val="lt1"/>
+          </a:fontRef>
+        </p:style>
+        <p:txBody>
+          <a:bodyPr rtlCol="0" anchor="ctr"/>
+          <a:lstStyle/>
+          <a:p>
+            <a:pPr algn="ctr"/>
+            <a:r>
+              <a:rPr kumimoji="1" lang="en-US" altLang="ko-Kore-KR" sz="1400" dirty="0">
+                <a:solidFill>
+                  <a:schemeClr val="tx1"/>
+                </a:solidFill>
+                <a:latin typeface="DM Mono" panose="020B0509040201040103" pitchFamily="49" charset="0"/>
+              </a:rPr>
+              <a:t>NULL</a:t>
+            </a:r>
+            <a:endParaRPr kumimoji="1" lang="ko-Kore-KR" altLang="en-US" sz="1400" dirty="0">
+              <a:solidFill>
+                <a:schemeClr val="tx1"/>
+              </a:solidFill>
+              <a:latin typeface="DM Mono" panose="020B0509040201040103" pitchFamily="49" charset="0"/>
+            </a:endParaRPr>
+          </a:p>
+        </p:txBody>
+      </p:sp>
+      <p:sp>
+        <p:nvSpPr>
+          <p:cNvPr id="11" name="TextBox 10">
+            <a:extLst>
+              <a:ext uri="{FF2B5EF4-FFF2-40B4-BE49-F238E27FC236}">
+                <a16:creationId xmlns:a16="http://schemas.microsoft.com/office/drawing/2014/main" id="{8756970F-25F8-12C0-6634-4BA7A182AD99}"/>
+              </a:ext>
+            </a:extLst>
+          </p:cNvPr>
+          <p:cNvSpPr txBox="1"/>
+          <p:nvPr/>
+        </p:nvSpPr>
+        <p:spPr>
+          <a:xfrm>
+            <a:off x="2698230" y="4884505"/>
+            <a:ext cx="1276660" cy="307777"/>
+          </a:xfrm>
+          <a:prstGeom prst="rect">
+            <a:avLst/>
+          </a:prstGeom>
+          <a:noFill/>
+        </p:spPr>
+        <p:txBody>
+          <a:bodyPr wrap="square">
+            <a:spAutoFit/>
+          </a:bodyPr>
+          <a:lstStyle/>
+          <a:p>
+            <a:pPr algn="r"/>
+            <a:r>
+              <a:rPr kumimoji="1" lang="en-US" altLang="ko-Kore-KR" sz="1400" dirty="0" err="1">
+                <a:latin typeface="DM Mono" panose="020B0509040201040103" pitchFamily="49" charset="0"/>
+              </a:rPr>
+              <a:t>link.next</a:t>
+            </a:r>
+            <a:endParaRPr lang="ko-Kore-KR" altLang="en-US" sz="1400" dirty="0"/>
+          </a:p>
+        </p:txBody>
+      </p:sp>
+      <p:sp>
+        <p:nvSpPr>
+          <p:cNvPr id="12" name="TextBox 11">
+            <a:extLst>
+              <a:ext uri="{FF2B5EF4-FFF2-40B4-BE49-F238E27FC236}">
+                <a16:creationId xmlns:a16="http://schemas.microsoft.com/office/drawing/2014/main" id="{7B6BAB26-8B2C-DE76-5156-89B3D1DB20A4}"/>
+              </a:ext>
+            </a:extLst>
+          </p:cNvPr>
+          <p:cNvSpPr txBox="1"/>
+          <p:nvPr/>
+        </p:nvSpPr>
+        <p:spPr>
+          <a:xfrm>
+            <a:off x="4079823" y="3731275"/>
+            <a:ext cx="984354" cy="307777"/>
+          </a:xfrm>
+          <a:prstGeom prst="rect">
+            <a:avLst/>
+          </a:prstGeom>
+          <a:noFill/>
+        </p:spPr>
+        <p:txBody>
+          <a:bodyPr wrap="square">
+            <a:spAutoFit/>
+          </a:bodyPr>
+          <a:lstStyle/>
+          <a:p>
+            <a:pPr algn="ctr"/>
+            <a:r>
+              <a:rPr kumimoji="1" lang="en-US" altLang="ko-Kore-KR" sz="1400" dirty="0">
+                <a:latin typeface="DM Mono" panose="020B0509040201040103" pitchFamily="49" charset="0"/>
+              </a:rPr>
+              <a:t>user1</a:t>
+            </a:r>
+            <a:endParaRPr lang="ko-Kore-KR" altLang="en-US" sz="1400" dirty="0"/>
+          </a:p>
+        </p:txBody>
+      </p:sp>
+      <p:sp>
+        <p:nvSpPr>
+          <p:cNvPr id="13" name="직사각형 12">
+            <a:extLst>
+              <a:ext uri="{FF2B5EF4-FFF2-40B4-BE49-F238E27FC236}">
+                <a16:creationId xmlns:a16="http://schemas.microsoft.com/office/drawing/2014/main" id="{64A26A70-F0B8-74BC-774E-5728199B139F}"/>
+              </a:ext>
+            </a:extLst>
+          </p:cNvPr>
+          <p:cNvSpPr/>
+          <p:nvPr/>
+        </p:nvSpPr>
+        <p:spPr>
+          <a:xfrm>
+            <a:off x="6633143" y="4039051"/>
+            <a:ext cx="1371601" cy="399738"/>
+          </a:xfrm>
+          <a:prstGeom prst="rect">
+            <a:avLst/>
+          </a:prstGeom>
+          <a:solidFill>
+            <a:srgbClr val="FFFF00"/>
+          </a:solidFill>
+        </p:spPr>
+        <p:style>
+          <a:lnRef idx="2">
+            <a:schemeClr val="accent4">
+              <a:shade val="15000"/>
+            </a:schemeClr>
+          </a:lnRef>
+          <a:fillRef idx="1">
+            <a:schemeClr val="accent4"/>
+          </a:fillRef>
+          <a:effectRef idx="0">
+            <a:schemeClr val="accent4"/>
+          </a:effectRef>
+          <a:fontRef idx="minor">
+            <a:schemeClr val="lt1"/>
+          </a:fontRef>
+        </p:style>
+        <p:txBody>
+          <a:bodyPr rtlCol="0" anchor="ctr"/>
+          <a:lstStyle/>
+          <a:p>
+            <a:pPr algn="ctr"/>
+            <a:r>
+              <a:rPr kumimoji="1" lang="en-US" altLang="ko-Kore-KR" sz="1400" dirty="0">
+                <a:solidFill>
+                  <a:schemeClr val="tx1"/>
+                </a:solidFill>
+                <a:latin typeface="DM Mono" panose="020B0509040201040103" pitchFamily="49" charset="0"/>
+              </a:rPr>
+              <a:t>Bob</a:t>
+            </a:r>
+            <a:endParaRPr kumimoji="1" lang="ko-Kore-KR" altLang="en-US" sz="1400" dirty="0">
+              <a:solidFill>
+                <a:schemeClr val="tx1"/>
+              </a:solidFill>
+              <a:latin typeface="DM Mono" panose="020B0509040201040103" pitchFamily="49" charset="0"/>
+            </a:endParaRPr>
+          </a:p>
+        </p:txBody>
+      </p:sp>
+      <p:sp>
+        <p:nvSpPr>
+          <p:cNvPr id="15" name="직사각형 14">
+            <a:extLst>
+              <a:ext uri="{FF2B5EF4-FFF2-40B4-BE49-F238E27FC236}">
+                <a16:creationId xmlns:a16="http://schemas.microsoft.com/office/drawing/2014/main" id="{8C084474-CE84-AF92-30D6-4B2083A48131}"/>
+              </a:ext>
+            </a:extLst>
+          </p:cNvPr>
+          <p:cNvSpPr/>
+          <p:nvPr/>
+        </p:nvSpPr>
+        <p:spPr>
+          <a:xfrm>
+            <a:off x="6633143" y="4438788"/>
+            <a:ext cx="1371601" cy="399738"/>
+          </a:xfrm>
+          <a:prstGeom prst="rect">
+            <a:avLst/>
+          </a:prstGeom>
+          <a:solidFill>
+            <a:srgbClr val="FFFF00"/>
+          </a:solidFill>
+        </p:spPr>
+        <p:style>
+          <a:lnRef idx="2">
+            <a:schemeClr val="accent4">
+              <a:shade val="15000"/>
+            </a:schemeClr>
+          </a:lnRef>
+          <a:fillRef idx="1">
+            <a:schemeClr val="accent4"/>
+          </a:fillRef>
+          <a:effectRef idx="0">
+            <a:schemeClr val="accent4"/>
+          </a:effectRef>
+          <a:fontRef idx="minor">
+            <a:schemeClr val="lt1"/>
+          </a:fontRef>
+        </p:style>
+        <p:txBody>
+          <a:bodyPr rtlCol="0" anchor="ctr"/>
+          <a:lstStyle/>
+          <a:p>
+            <a:pPr algn="ctr"/>
+            <a:r>
+              <a:rPr kumimoji="1" lang="en-US" altLang="ko-Kore-KR" sz="1400" dirty="0">
+                <a:solidFill>
+                  <a:schemeClr val="tx1"/>
+                </a:solidFill>
+                <a:latin typeface="DM Mono" panose="020B0509040201040103" pitchFamily="49" charset="0"/>
+              </a:rPr>
+              <a:t>30</a:t>
+            </a:r>
+            <a:endParaRPr kumimoji="1" lang="ko-Kore-KR" altLang="en-US" sz="1400" dirty="0">
+              <a:solidFill>
+                <a:schemeClr val="tx1"/>
+              </a:solidFill>
+              <a:latin typeface="DM Mono" panose="020B0509040201040103" pitchFamily="49" charset="0"/>
+            </a:endParaRPr>
+          </a:p>
+        </p:txBody>
+      </p:sp>
+      <p:sp>
+        <p:nvSpPr>
+          <p:cNvPr id="17" name="직사각형 16">
+            <a:extLst>
+              <a:ext uri="{FF2B5EF4-FFF2-40B4-BE49-F238E27FC236}">
+                <a16:creationId xmlns:a16="http://schemas.microsoft.com/office/drawing/2014/main" id="{C49474C3-B2B0-BCDD-3451-422468E8655B}"/>
+              </a:ext>
+            </a:extLst>
+          </p:cNvPr>
+          <p:cNvSpPr/>
+          <p:nvPr/>
+        </p:nvSpPr>
+        <p:spPr>
+          <a:xfrm>
+            <a:off x="6633143" y="4838524"/>
+            <a:ext cx="1371601" cy="399738"/>
+          </a:xfrm>
+          <a:prstGeom prst="rect">
+            <a:avLst/>
+          </a:prstGeom>
+          <a:solidFill>
+            <a:srgbClr val="FFFF00"/>
+          </a:solidFill>
+        </p:spPr>
+        <p:style>
+          <a:lnRef idx="2">
+            <a:schemeClr val="accent4">
+              <a:shade val="15000"/>
+            </a:schemeClr>
+          </a:lnRef>
+          <a:fillRef idx="1">
+            <a:schemeClr val="accent4"/>
+          </a:fillRef>
+          <a:effectRef idx="0">
+            <a:schemeClr val="accent4"/>
+          </a:effectRef>
+          <a:fontRef idx="minor">
+            <a:schemeClr val="lt1"/>
+          </a:fontRef>
+        </p:style>
+        <p:txBody>
+          <a:bodyPr rtlCol="0" anchor="ctr"/>
+          <a:lstStyle/>
+          <a:p>
+            <a:pPr algn="ctr"/>
+            <a:r>
+              <a:rPr kumimoji="1" lang="en-US" altLang="ko-Kore-KR" sz="1400" dirty="0">
+                <a:solidFill>
+                  <a:schemeClr val="tx1"/>
+                </a:solidFill>
+                <a:latin typeface="DM Mono" panose="020B0509040201040103" pitchFamily="49" charset="0"/>
+              </a:rPr>
+              <a:t>NULL</a:t>
+            </a:r>
+            <a:endParaRPr kumimoji="1" lang="ko-Kore-KR" altLang="en-US" sz="1400" dirty="0">
+              <a:solidFill>
+                <a:schemeClr val="tx1"/>
+              </a:solidFill>
+              <a:latin typeface="DM Mono" panose="020B0509040201040103" pitchFamily="49" charset="0"/>
+            </a:endParaRPr>
+          </a:p>
+        </p:txBody>
+      </p:sp>
+      <p:sp>
+        <p:nvSpPr>
+          <p:cNvPr id="19" name="TextBox 18">
+            <a:extLst>
+              <a:ext uri="{FF2B5EF4-FFF2-40B4-BE49-F238E27FC236}">
+                <a16:creationId xmlns:a16="http://schemas.microsoft.com/office/drawing/2014/main" id="{C9F51F7A-61B6-2BF8-0536-7D9BFE8155B3}"/>
+              </a:ext>
+            </a:extLst>
+          </p:cNvPr>
+          <p:cNvSpPr txBox="1"/>
+          <p:nvPr/>
+        </p:nvSpPr>
+        <p:spPr>
+          <a:xfrm>
+            <a:off x="6738076" y="3731274"/>
+            <a:ext cx="984354" cy="307777"/>
+          </a:xfrm>
+          <a:prstGeom prst="rect">
+            <a:avLst/>
+          </a:prstGeom>
+          <a:noFill/>
+        </p:spPr>
+        <p:txBody>
+          <a:bodyPr wrap="square">
+            <a:spAutoFit/>
+          </a:bodyPr>
+          <a:lstStyle/>
+          <a:p>
+            <a:pPr algn="ctr"/>
+            <a:r>
+              <a:rPr kumimoji="1" lang="en-US" altLang="ko-Kore-KR" sz="1400" dirty="0">
+                <a:latin typeface="DM Mono" panose="020B0509040201040103" pitchFamily="49" charset="0"/>
+              </a:rPr>
+              <a:t>user2</a:t>
+            </a:r>
+            <a:endParaRPr lang="ko-Kore-KR" altLang="en-US" sz="1400" dirty="0"/>
+          </a:p>
+        </p:txBody>
+      </p:sp>
+      <p:sp>
+        <p:nvSpPr>
+          <p:cNvPr id="20" name="직사각형 19">
+            <a:extLst>
+              <a:ext uri="{FF2B5EF4-FFF2-40B4-BE49-F238E27FC236}">
+                <a16:creationId xmlns:a16="http://schemas.microsoft.com/office/drawing/2014/main" id="{BF8B955C-1044-1669-06D9-A4CDD4DD8680}"/>
+              </a:ext>
+            </a:extLst>
+          </p:cNvPr>
+          <p:cNvSpPr/>
+          <p:nvPr/>
+        </p:nvSpPr>
+        <p:spPr>
+          <a:xfrm>
+            <a:off x="9291396" y="4039050"/>
+            <a:ext cx="1371601" cy="399738"/>
+          </a:xfrm>
+          <a:prstGeom prst="rect">
+            <a:avLst/>
+          </a:prstGeom>
+          <a:solidFill>
+            <a:srgbClr val="FFFF00"/>
+          </a:solidFill>
+        </p:spPr>
+        <p:style>
+          <a:lnRef idx="2">
+            <a:schemeClr val="accent4">
+              <a:shade val="15000"/>
+            </a:schemeClr>
+          </a:lnRef>
+          <a:fillRef idx="1">
+            <a:schemeClr val="accent4"/>
+          </a:fillRef>
+          <a:effectRef idx="0">
+            <a:schemeClr val="accent4"/>
+          </a:effectRef>
+          <a:fontRef idx="minor">
+            <a:schemeClr val="lt1"/>
+          </a:fontRef>
+        </p:style>
+        <p:txBody>
+          <a:bodyPr rtlCol="0" anchor="ctr"/>
+          <a:lstStyle/>
+          <a:p>
+            <a:pPr algn="ctr"/>
+            <a:r>
+              <a:rPr kumimoji="1" lang="en-US" altLang="ko-Kore-KR" sz="1400" dirty="0">
+                <a:solidFill>
+                  <a:schemeClr val="tx1"/>
+                </a:solidFill>
+                <a:latin typeface="DM Mono" panose="020B0509040201040103" pitchFamily="49" charset="0"/>
+              </a:rPr>
+              <a:t>Alice</a:t>
+            </a:r>
+            <a:endParaRPr kumimoji="1" lang="ko-Kore-KR" altLang="en-US" sz="1400" dirty="0">
+              <a:solidFill>
+                <a:schemeClr val="tx1"/>
+              </a:solidFill>
+              <a:latin typeface="DM Mono" panose="020B0509040201040103" pitchFamily="49" charset="0"/>
+            </a:endParaRPr>
+          </a:p>
+        </p:txBody>
+      </p:sp>
+      <p:sp>
+        <p:nvSpPr>
+          <p:cNvPr id="22" name="직사각형 21">
+            <a:extLst>
+              <a:ext uri="{FF2B5EF4-FFF2-40B4-BE49-F238E27FC236}">
+                <a16:creationId xmlns:a16="http://schemas.microsoft.com/office/drawing/2014/main" id="{D76558C7-C703-9237-C421-28A00086F3C1}"/>
+              </a:ext>
+            </a:extLst>
+          </p:cNvPr>
+          <p:cNvSpPr/>
+          <p:nvPr/>
+        </p:nvSpPr>
+        <p:spPr>
+          <a:xfrm>
+            <a:off x="9291396" y="4438787"/>
+            <a:ext cx="1371601" cy="399738"/>
+          </a:xfrm>
+          <a:prstGeom prst="rect">
+            <a:avLst/>
+          </a:prstGeom>
+          <a:solidFill>
+            <a:srgbClr val="FFFF00"/>
+          </a:solidFill>
+        </p:spPr>
+        <p:style>
+          <a:lnRef idx="2">
+            <a:schemeClr val="accent4">
+              <a:shade val="15000"/>
+            </a:schemeClr>
+          </a:lnRef>
+          <a:fillRef idx="1">
+            <a:schemeClr val="accent4"/>
+          </a:fillRef>
+          <a:effectRef idx="0">
+            <a:schemeClr val="accent4"/>
+          </a:effectRef>
+          <a:fontRef idx="minor">
+            <a:schemeClr val="lt1"/>
+          </a:fontRef>
+        </p:style>
+        <p:txBody>
+          <a:bodyPr rtlCol="0" anchor="ctr"/>
+          <a:lstStyle/>
+          <a:p>
+            <a:pPr algn="ctr"/>
+            <a:r>
+              <a:rPr kumimoji="1" lang="en-US" altLang="ko-Kore-KR" sz="1400" dirty="0">
+                <a:solidFill>
+                  <a:schemeClr val="tx1"/>
+                </a:solidFill>
+                <a:latin typeface="DM Mono" panose="020B0509040201040103" pitchFamily="49" charset="0"/>
+              </a:rPr>
+              <a:t>24</a:t>
+            </a:r>
+            <a:endParaRPr kumimoji="1" lang="ko-Kore-KR" altLang="en-US" sz="1400" dirty="0">
+              <a:solidFill>
+                <a:schemeClr val="tx1"/>
+              </a:solidFill>
+              <a:latin typeface="DM Mono" panose="020B0509040201040103" pitchFamily="49" charset="0"/>
+            </a:endParaRPr>
+          </a:p>
+        </p:txBody>
+      </p:sp>
+      <p:sp>
+        <p:nvSpPr>
+          <p:cNvPr id="24" name="직사각형 23">
+            <a:extLst>
+              <a:ext uri="{FF2B5EF4-FFF2-40B4-BE49-F238E27FC236}">
+                <a16:creationId xmlns:a16="http://schemas.microsoft.com/office/drawing/2014/main" id="{170D24C6-4DB6-AD2F-67EE-83CACAF42A6B}"/>
+              </a:ext>
+            </a:extLst>
+          </p:cNvPr>
+          <p:cNvSpPr/>
+          <p:nvPr/>
+        </p:nvSpPr>
+        <p:spPr>
+          <a:xfrm>
+            <a:off x="9291396" y="4838523"/>
+            <a:ext cx="1371601" cy="399738"/>
+          </a:xfrm>
+          <a:prstGeom prst="rect">
+            <a:avLst/>
+          </a:prstGeom>
+          <a:solidFill>
+            <a:srgbClr val="FFFF00"/>
+          </a:solidFill>
+        </p:spPr>
+        <p:style>
+          <a:lnRef idx="2">
+            <a:schemeClr val="accent4">
+              <a:shade val="15000"/>
+            </a:schemeClr>
+          </a:lnRef>
+          <a:fillRef idx="1">
+            <a:schemeClr val="accent4"/>
+          </a:fillRef>
+          <a:effectRef idx="0">
+            <a:schemeClr val="accent4"/>
+          </a:effectRef>
+          <a:fontRef idx="minor">
+            <a:schemeClr val="lt1"/>
+          </a:fontRef>
+        </p:style>
+        <p:txBody>
+          <a:bodyPr rtlCol="0" anchor="ctr"/>
+          <a:lstStyle/>
+          <a:p>
+            <a:pPr algn="ctr"/>
+            <a:r>
+              <a:rPr kumimoji="1" lang="en-US" altLang="ko-Kore-KR" sz="1400" dirty="0">
+                <a:solidFill>
+                  <a:schemeClr val="tx1"/>
+                </a:solidFill>
+                <a:latin typeface="DM Mono" panose="020B0509040201040103" pitchFamily="49" charset="0"/>
+              </a:rPr>
+              <a:t>NULL</a:t>
+            </a:r>
+            <a:endParaRPr kumimoji="1" lang="ko-Kore-KR" altLang="en-US" sz="1400" dirty="0">
+              <a:solidFill>
+                <a:schemeClr val="tx1"/>
+              </a:solidFill>
+              <a:latin typeface="DM Mono" panose="020B0509040201040103" pitchFamily="49" charset="0"/>
+            </a:endParaRPr>
+          </a:p>
+        </p:txBody>
+      </p:sp>
+      <p:sp>
+        <p:nvSpPr>
+          <p:cNvPr id="26" name="TextBox 25">
+            <a:extLst>
+              <a:ext uri="{FF2B5EF4-FFF2-40B4-BE49-F238E27FC236}">
+                <a16:creationId xmlns:a16="http://schemas.microsoft.com/office/drawing/2014/main" id="{1A6404D4-805A-A1B1-0D5E-B1662364A766}"/>
+              </a:ext>
+            </a:extLst>
+          </p:cNvPr>
+          <p:cNvSpPr txBox="1"/>
+          <p:nvPr/>
+        </p:nvSpPr>
+        <p:spPr>
+          <a:xfrm>
+            <a:off x="9396329" y="3731273"/>
+            <a:ext cx="984354" cy="307777"/>
+          </a:xfrm>
+          <a:prstGeom prst="rect">
+            <a:avLst/>
+          </a:prstGeom>
+          <a:noFill/>
+        </p:spPr>
+        <p:txBody>
+          <a:bodyPr wrap="square">
+            <a:spAutoFit/>
+          </a:bodyPr>
+          <a:lstStyle/>
+          <a:p>
+            <a:pPr algn="ctr"/>
+            <a:r>
+              <a:rPr kumimoji="1" lang="en-US" altLang="ko-Kore-KR" sz="1400" dirty="0">
+                <a:latin typeface="DM Mono" panose="020B0509040201040103" pitchFamily="49" charset="0"/>
+              </a:rPr>
+              <a:t>user3</a:t>
+            </a:r>
+            <a:endParaRPr lang="ko-Kore-KR" altLang="en-US" sz="1400" dirty="0"/>
+          </a:p>
+        </p:txBody>
+      </p:sp>
+      <p:sp>
+        <p:nvSpPr>
+          <p:cNvPr id="27" name="직사각형 26">
+            <a:extLst>
+              <a:ext uri="{FF2B5EF4-FFF2-40B4-BE49-F238E27FC236}">
+                <a16:creationId xmlns:a16="http://schemas.microsoft.com/office/drawing/2014/main" id="{0E97A5AB-4EAC-E294-38F4-9382369BD6A4}"/>
+              </a:ext>
+            </a:extLst>
+          </p:cNvPr>
+          <p:cNvSpPr/>
+          <p:nvPr/>
+        </p:nvSpPr>
+        <p:spPr>
+          <a:xfrm>
+            <a:off x="1326629" y="4438787"/>
+            <a:ext cx="1371601" cy="399738"/>
+          </a:xfrm>
+          <a:prstGeom prst="rect">
+            <a:avLst/>
+          </a:prstGeom>
+          <a:solidFill>
+            <a:srgbClr val="FFFF00"/>
+          </a:solidFill>
+        </p:spPr>
+        <p:style>
+          <a:lnRef idx="2">
+            <a:schemeClr val="accent4">
+              <a:shade val="15000"/>
+            </a:schemeClr>
+          </a:lnRef>
+          <a:fillRef idx="1">
+            <a:schemeClr val="accent4"/>
+          </a:fillRef>
+          <a:effectRef idx="0">
+            <a:schemeClr val="accent4"/>
+          </a:effectRef>
+          <a:fontRef idx="minor">
+            <a:schemeClr val="lt1"/>
+          </a:fontRef>
+        </p:style>
+        <p:txBody>
+          <a:bodyPr rtlCol="0" anchor="ctr"/>
+          <a:lstStyle/>
+          <a:p>
+            <a:pPr algn="ctr"/>
+            <a:r>
+              <a:rPr kumimoji="1" lang="en-US" altLang="ko-Kore-KR" sz="1400" dirty="0">
+                <a:solidFill>
+                  <a:schemeClr val="tx1"/>
+                </a:solidFill>
+                <a:latin typeface="DM Mono" panose="020B0509040201040103" pitchFamily="49" charset="0"/>
+              </a:rPr>
+              <a:t>NULL</a:t>
+            </a:r>
+            <a:endParaRPr kumimoji="1" lang="ko-Kore-KR" altLang="en-US" sz="1400" dirty="0">
+              <a:solidFill>
+                <a:schemeClr val="tx1"/>
+              </a:solidFill>
+              <a:latin typeface="DM Mono" panose="020B0509040201040103" pitchFamily="49" charset="0"/>
+            </a:endParaRPr>
+          </a:p>
+        </p:txBody>
+      </p:sp>
+      <p:sp>
+        <p:nvSpPr>
+          <p:cNvPr id="28" name="TextBox 27">
+            <a:extLst>
+              <a:ext uri="{FF2B5EF4-FFF2-40B4-BE49-F238E27FC236}">
+                <a16:creationId xmlns:a16="http://schemas.microsoft.com/office/drawing/2014/main" id="{26AA044D-F540-DAE1-C813-F4ACA062165A}"/>
+              </a:ext>
+            </a:extLst>
+          </p:cNvPr>
+          <p:cNvSpPr txBox="1"/>
+          <p:nvPr/>
+        </p:nvSpPr>
+        <p:spPr>
+          <a:xfrm>
+            <a:off x="49969" y="4484767"/>
+            <a:ext cx="1276660" cy="307777"/>
+          </a:xfrm>
+          <a:prstGeom prst="rect">
+            <a:avLst/>
+          </a:prstGeom>
+          <a:noFill/>
+        </p:spPr>
+        <p:txBody>
+          <a:bodyPr wrap="square">
+            <a:spAutoFit/>
+          </a:bodyPr>
+          <a:lstStyle/>
+          <a:p>
+            <a:pPr algn="r"/>
+            <a:r>
+              <a:rPr kumimoji="1" lang="en-US" altLang="ko-Kore-KR" sz="1400" dirty="0" err="1">
+                <a:latin typeface="DM Mono" panose="020B0509040201040103" pitchFamily="49" charset="0"/>
+              </a:rPr>
+              <a:t>link.next</a:t>
+            </a:r>
+            <a:endParaRPr lang="ko-Kore-KR" altLang="en-US" sz="1400" dirty="0"/>
+          </a:p>
+        </p:txBody>
+      </p:sp>
+      <p:sp>
+        <p:nvSpPr>
+          <p:cNvPr id="29" name="TextBox 28">
+            <a:extLst>
+              <a:ext uri="{FF2B5EF4-FFF2-40B4-BE49-F238E27FC236}">
+                <a16:creationId xmlns:a16="http://schemas.microsoft.com/office/drawing/2014/main" id="{CA3B09D8-4001-B8D6-EC43-033EC24AD3C5}"/>
+              </a:ext>
+            </a:extLst>
+          </p:cNvPr>
+          <p:cNvSpPr txBox="1"/>
+          <p:nvPr/>
+        </p:nvSpPr>
+        <p:spPr>
+          <a:xfrm>
+            <a:off x="1520252" y="4087533"/>
+            <a:ext cx="984354" cy="307777"/>
+          </a:xfrm>
+          <a:prstGeom prst="rect">
+            <a:avLst/>
+          </a:prstGeom>
+          <a:noFill/>
+        </p:spPr>
+        <p:txBody>
+          <a:bodyPr wrap="square">
+            <a:spAutoFit/>
+          </a:bodyPr>
+          <a:lstStyle/>
+          <a:p>
+            <a:pPr algn="ctr"/>
+            <a:r>
+              <a:rPr kumimoji="1" lang="en-US" altLang="ko-Kore-KR" sz="1400" dirty="0">
+                <a:latin typeface="DM Mono" panose="020B0509040201040103" pitchFamily="49" charset="0"/>
+              </a:rPr>
+              <a:t>head</a:t>
+            </a:r>
+            <a:endParaRPr lang="ko-Kore-KR" altLang="en-US" sz="1400" dirty="0"/>
+          </a:p>
+        </p:txBody>
+      </p:sp>
+    </p:spTree>
+    <p:extLst>
+      <p:ext uri="{BB962C8B-B14F-4D97-AF65-F5344CB8AC3E}">
+        <p14:creationId xmlns:p14="http://schemas.microsoft.com/office/powerpoint/2010/main" val="3108529704"/>
+      </p:ext>
+    </p:extLst>
+  </p:cSld>
+  <p:clrMapOvr>
+    <a:masterClrMapping/>
+  </p:clrMapOvr>
+</p:sld>
+</file>
+
+<file path=ppt/slides/slide14.xml><?xml version="1.0" encoding="utf-8"?>
+<p:sld xmlns:a="http://schemas.openxmlformats.org/drawingml/2006/main" xmlns:r="http://schemas.openxmlformats.org/officeDocument/2006/relationships" xmlns:p="http://schemas.openxmlformats.org/presentationml/2006/main">
+  <p:cSld>
+    <p:spTree>
+      <p:nvGrpSpPr>
+        <p:cNvPr id="1" name=""/>
+        <p:cNvGrpSpPr/>
+        <p:nvPr/>
+      </p:nvGrpSpPr>
+      <p:grpSpPr>
+        <a:xfrm>
+          <a:off x="0" y="0"/>
+          <a:ext cx="0" cy="0"/>
+          <a:chOff x="0" y="0"/>
+          <a:chExt cx="0" cy="0"/>
+        </a:xfrm>
+      </p:grpSpPr>
+      <p:sp>
+        <p:nvSpPr>
+          <p:cNvPr id="5" name="TextBox 4">
+            <a:extLst>
+              <a:ext uri="{FF2B5EF4-FFF2-40B4-BE49-F238E27FC236}">
+                <a16:creationId xmlns:a16="http://schemas.microsoft.com/office/drawing/2014/main" id="{8FE4E9FE-0B80-B448-241C-3974A1BF3D5A}"/>
+              </a:ext>
+            </a:extLst>
+          </p:cNvPr>
+          <p:cNvSpPr txBox="1"/>
+          <p:nvPr/>
+        </p:nvSpPr>
+        <p:spPr>
+          <a:xfrm>
+            <a:off x="579620" y="256004"/>
+            <a:ext cx="6158456" cy="1754326"/>
+          </a:xfrm>
+          <a:prstGeom prst="rect">
+            <a:avLst/>
+          </a:prstGeom>
+          <a:noFill/>
+        </p:spPr>
+        <p:txBody>
+          <a:bodyPr wrap="square">
+            <a:spAutoFit/>
+          </a:bodyPr>
+          <a:lstStyle/>
+          <a:p>
+            <a:r>
+              <a:rPr lang="en" altLang="ko-Kore-KR" sz="1200" dirty="0">
+                <a:latin typeface="DM Mono" panose="020B0509040201040103" pitchFamily="49" charset="0"/>
+              </a:rPr>
+              <a:t>void insert(struct </a:t>
+            </a:r>
+            <a:r>
+              <a:rPr lang="en" altLang="ko-Kore-KR" sz="1200" dirty="0" err="1">
+                <a:latin typeface="DM Mono" panose="020B0509040201040103" pitchFamily="49" charset="0"/>
+              </a:rPr>
+              <a:t>list_head</a:t>
+            </a:r>
+            <a:r>
+              <a:rPr lang="en" altLang="ko-Kore-KR" sz="1200" dirty="0">
+                <a:latin typeface="DM Mono" panose="020B0509040201040103" pitchFamily="49" charset="0"/>
+              </a:rPr>
+              <a:t>* head, struct </a:t>
+            </a:r>
+            <a:r>
+              <a:rPr lang="en" altLang="ko-Kore-KR" sz="1200" dirty="0" err="1">
+                <a:latin typeface="DM Mono" panose="020B0509040201040103" pitchFamily="49" charset="0"/>
+              </a:rPr>
+              <a:t>list_head</a:t>
+            </a:r>
+            <a:r>
+              <a:rPr lang="en" altLang="ko-Kore-KR" sz="1200" dirty="0">
+                <a:latin typeface="DM Mono" panose="020B0509040201040103" pitchFamily="49" charset="0"/>
+              </a:rPr>
+              <a:t>* new)</a:t>
+            </a:r>
+          </a:p>
+          <a:p>
+            <a:r>
+              <a:rPr lang="en" altLang="ko-Kore-KR" sz="1200" dirty="0">
+                <a:latin typeface="DM Mono" panose="020B0509040201040103" pitchFamily="49" charset="0"/>
+              </a:rPr>
+              <a:t>{</a:t>
+            </a:r>
+          </a:p>
+          <a:p>
+            <a:r>
+              <a:rPr lang="en" altLang="ko-Kore-KR" sz="1200" dirty="0">
+                <a:latin typeface="DM Mono" panose="020B0509040201040103" pitchFamily="49" charset="0"/>
+              </a:rPr>
+              <a:t>    new-&gt;next = head-&gt;next;</a:t>
+            </a:r>
+          </a:p>
+          <a:p>
+            <a:r>
+              <a:rPr lang="en" altLang="ko-Kore-KR" sz="1200" dirty="0">
+                <a:latin typeface="DM Mono" panose="020B0509040201040103" pitchFamily="49" charset="0"/>
+              </a:rPr>
+              <a:t>    head-&gt;next = new;</a:t>
+            </a:r>
+          </a:p>
+          <a:p>
+            <a:r>
+              <a:rPr lang="en" altLang="ko-Kore-KR" sz="1200" dirty="0">
+                <a:latin typeface="DM Mono" panose="020B0509040201040103" pitchFamily="49" charset="0"/>
+              </a:rPr>
+              <a:t>}</a:t>
+            </a:r>
+          </a:p>
+          <a:p>
+            <a:endParaRPr lang="en-US" altLang="ko-Kore-KR" sz="1200" dirty="0">
+              <a:latin typeface="DM Mono" panose="020B0509040201040103" pitchFamily="49" charset="0"/>
+            </a:endParaRPr>
+          </a:p>
+          <a:p>
+            <a:r>
+              <a:rPr lang="en" altLang="ko-Kore-KR" sz="1200" dirty="0">
+                <a:solidFill>
+                  <a:srgbClr val="FF0000"/>
+                </a:solidFill>
+                <a:latin typeface="DM Mono" panose="020B0509040201040103" pitchFamily="49" charset="0"/>
+              </a:rPr>
+              <a:t>insert(&amp;head, &amp;user1.link);</a:t>
+            </a:r>
+          </a:p>
+          <a:p>
+            <a:r>
+              <a:rPr lang="en" altLang="ko-Kore-KR" sz="1200" dirty="0">
+                <a:latin typeface="DM Mono" panose="020B0509040201040103" pitchFamily="49" charset="0"/>
+              </a:rPr>
+              <a:t>insert(&amp;head, &amp;user2.link);</a:t>
+            </a:r>
+          </a:p>
+          <a:p>
+            <a:r>
+              <a:rPr lang="en" altLang="ko-Kore-KR" sz="1200" dirty="0">
+                <a:latin typeface="DM Mono" panose="020B0509040201040103" pitchFamily="49" charset="0"/>
+              </a:rPr>
+              <a:t>insert(&amp;head, &amp;user3.link);</a:t>
+            </a:r>
+            <a:endParaRPr lang="ko-Kore-KR" altLang="en-US" sz="1200" dirty="0">
+              <a:latin typeface="DM Mono" panose="020B0509040201040103" pitchFamily="49" charset="0"/>
+            </a:endParaRPr>
+          </a:p>
+        </p:txBody>
+      </p:sp>
+      <p:sp>
+        <p:nvSpPr>
+          <p:cNvPr id="6" name="직사각형 5">
+            <a:extLst>
+              <a:ext uri="{FF2B5EF4-FFF2-40B4-BE49-F238E27FC236}">
+                <a16:creationId xmlns:a16="http://schemas.microsoft.com/office/drawing/2014/main" id="{38412DED-919A-D585-91E3-C33FD27C6A17}"/>
+              </a:ext>
+            </a:extLst>
+          </p:cNvPr>
+          <p:cNvSpPr/>
+          <p:nvPr/>
+        </p:nvSpPr>
+        <p:spPr>
+          <a:xfrm>
+            <a:off x="3974890" y="4039052"/>
+            <a:ext cx="1371601" cy="399738"/>
+          </a:xfrm>
+          <a:prstGeom prst="rect">
+            <a:avLst/>
+          </a:prstGeom>
+          <a:solidFill>
+            <a:srgbClr val="FFFF00"/>
+          </a:solidFill>
+        </p:spPr>
+        <p:style>
+          <a:lnRef idx="2">
+            <a:schemeClr val="accent4">
+              <a:shade val="15000"/>
+            </a:schemeClr>
+          </a:lnRef>
+          <a:fillRef idx="1">
+            <a:schemeClr val="accent4"/>
+          </a:fillRef>
+          <a:effectRef idx="0">
+            <a:schemeClr val="accent4"/>
+          </a:effectRef>
+          <a:fontRef idx="minor">
+            <a:schemeClr val="lt1"/>
+          </a:fontRef>
+        </p:style>
+        <p:txBody>
+          <a:bodyPr rtlCol="0" anchor="ctr"/>
+          <a:lstStyle/>
+          <a:p>
+            <a:pPr algn="ctr"/>
+            <a:r>
+              <a:rPr kumimoji="1" lang="en-US" altLang="ko-Kore-KR" sz="1400" dirty="0">
+                <a:solidFill>
+                  <a:schemeClr val="tx1"/>
+                </a:solidFill>
+                <a:latin typeface="DM Mono" panose="020B0509040201040103" pitchFamily="49" charset="0"/>
+              </a:rPr>
+              <a:t>Tom</a:t>
+            </a:r>
+            <a:endParaRPr kumimoji="1" lang="ko-Kore-KR" altLang="en-US" sz="1400" dirty="0">
+              <a:solidFill>
+                <a:schemeClr val="tx1"/>
+              </a:solidFill>
+              <a:latin typeface="DM Mono" panose="020B0509040201040103" pitchFamily="49" charset="0"/>
+            </a:endParaRPr>
+          </a:p>
+        </p:txBody>
+      </p:sp>
+      <p:sp>
+        <p:nvSpPr>
+          <p:cNvPr id="7" name="TextBox 6">
+            <a:extLst>
+              <a:ext uri="{FF2B5EF4-FFF2-40B4-BE49-F238E27FC236}">
+                <a16:creationId xmlns:a16="http://schemas.microsoft.com/office/drawing/2014/main" id="{6DCB7DF4-67C1-2F36-090A-6836A8DD135F}"/>
+              </a:ext>
+            </a:extLst>
+          </p:cNvPr>
+          <p:cNvSpPr txBox="1"/>
+          <p:nvPr/>
+        </p:nvSpPr>
+        <p:spPr>
+          <a:xfrm>
+            <a:off x="2990536" y="4085032"/>
+            <a:ext cx="984354" cy="307777"/>
+          </a:xfrm>
+          <a:prstGeom prst="rect">
+            <a:avLst/>
+          </a:prstGeom>
+          <a:noFill/>
+        </p:spPr>
+        <p:txBody>
+          <a:bodyPr wrap="square">
+            <a:spAutoFit/>
+          </a:bodyPr>
+          <a:lstStyle/>
+          <a:p>
+            <a:pPr algn="r"/>
+            <a:r>
+              <a:rPr kumimoji="1" lang="en-US" altLang="ko-Kore-KR" sz="1400" dirty="0">
+                <a:latin typeface="DM Mono" panose="020B0509040201040103" pitchFamily="49" charset="0"/>
+              </a:rPr>
+              <a:t>name</a:t>
+            </a:r>
+            <a:endParaRPr lang="ko-Kore-KR" altLang="en-US" sz="1400" dirty="0"/>
+          </a:p>
+        </p:txBody>
+      </p:sp>
+      <p:sp>
+        <p:nvSpPr>
+          <p:cNvPr id="8" name="직사각형 7">
+            <a:extLst>
+              <a:ext uri="{FF2B5EF4-FFF2-40B4-BE49-F238E27FC236}">
+                <a16:creationId xmlns:a16="http://schemas.microsoft.com/office/drawing/2014/main" id="{90427C34-9233-ACA6-EE7E-7F2559246E9B}"/>
+              </a:ext>
+            </a:extLst>
+          </p:cNvPr>
+          <p:cNvSpPr/>
+          <p:nvPr/>
+        </p:nvSpPr>
+        <p:spPr>
+          <a:xfrm>
+            <a:off x="3974890" y="4438789"/>
+            <a:ext cx="1371601" cy="399738"/>
+          </a:xfrm>
+          <a:prstGeom prst="rect">
+            <a:avLst/>
+          </a:prstGeom>
+          <a:solidFill>
+            <a:srgbClr val="FFFF00"/>
+          </a:solidFill>
+        </p:spPr>
+        <p:style>
+          <a:lnRef idx="2">
+            <a:schemeClr val="accent4">
+              <a:shade val="15000"/>
+            </a:schemeClr>
+          </a:lnRef>
+          <a:fillRef idx="1">
+            <a:schemeClr val="accent4"/>
+          </a:fillRef>
+          <a:effectRef idx="0">
+            <a:schemeClr val="accent4"/>
+          </a:effectRef>
+          <a:fontRef idx="minor">
+            <a:schemeClr val="lt1"/>
+          </a:fontRef>
+        </p:style>
+        <p:txBody>
+          <a:bodyPr rtlCol="0" anchor="ctr"/>
+          <a:lstStyle/>
+          <a:p>
+            <a:pPr algn="ctr"/>
+            <a:r>
+              <a:rPr kumimoji="1" lang="en-US" altLang="ko-Kore-KR" sz="1400" dirty="0">
+                <a:solidFill>
+                  <a:schemeClr val="tx1"/>
+                </a:solidFill>
+                <a:latin typeface="DM Mono" panose="020B0509040201040103" pitchFamily="49" charset="0"/>
+              </a:rPr>
+              <a:t>42</a:t>
+            </a:r>
+            <a:endParaRPr kumimoji="1" lang="ko-Kore-KR" altLang="en-US" sz="1400" dirty="0">
+              <a:solidFill>
+                <a:schemeClr val="tx1"/>
+              </a:solidFill>
+              <a:latin typeface="DM Mono" panose="020B0509040201040103" pitchFamily="49" charset="0"/>
+            </a:endParaRPr>
+          </a:p>
+        </p:txBody>
+      </p:sp>
+      <p:sp>
+        <p:nvSpPr>
+          <p:cNvPr id="9" name="TextBox 8">
+            <a:extLst>
+              <a:ext uri="{FF2B5EF4-FFF2-40B4-BE49-F238E27FC236}">
+                <a16:creationId xmlns:a16="http://schemas.microsoft.com/office/drawing/2014/main" id="{83B6C4D1-D53E-E23F-BF9E-5C1615636A63}"/>
+              </a:ext>
+            </a:extLst>
+          </p:cNvPr>
+          <p:cNvSpPr txBox="1"/>
+          <p:nvPr/>
+        </p:nvSpPr>
+        <p:spPr>
+          <a:xfrm>
+            <a:off x="2990536" y="4484769"/>
+            <a:ext cx="984354" cy="307777"/>
+          </a:xfrm>
+          <a:prstGeom prst="rect">
+            <a:avLst/>
+          </a:prstGeom>
+          <a:noFill/>
+        </p:spPr>
+        <p:txBody>
+          <a:bodyPr wrap="square">
+            <a:spAutoFit/>
+          </a:bodyPr>
+          <a:lstStyle/>
+          <a:p>
+            <a:pPr algn="r"/>
+            <a:r>
+              <a:rPr kumimoji="1" lang="en-US" altLang="ko-Kore-KR" sz="1400" dirty="0">
+                <a:latin typeface="DM Mono" panose="020B0509040201040103" pitchFamily="49" charset="0"/>
+              </a:rPr>
+              <a:t>age</a:t>
+            </a:r>
+            <a:endParaRPr lang="ko-Kore-KR" altLang="en-US" sz="1400" dirty="0"/>
+          </a:p>
+        </p:txBody>
+      </p:sp>
+      <p:sp>
+        <p:nvSpPr>
+          <p:cNvPr id="10" name="직사각형 9">
+            <a:extLst>
+              <a:ext uri="{FF2B5EF4-FFF2-40B4-BE49-F238E27FC236}">
+                <a16:creationId xmlns:a16="http://schemas.microsoft.com/office/drawing/2014/main" id="{E690C977-B57B-2F38-2553-228586451E1F}"/>
+              </a:ext>
+            </a:extLst>
+          </p:cNvPr>
+          <p:cNvSpPr/>
+          <p:nvPr/>
+        </p:nvSpPr>
+        <p:spPr>
+          <a:xfrm>
+            <a:off x="3974890" y="4838525"/>
+            <a:ext cx="1371601" cy="399738"/>
+          </a:xfrm>
+          <a:prstGeom prst="rect">
+            <a:avLst/>
+          </a:prstGeom>
+          <a:solidFill>
+            <a:srgbClr val="FFFF00"/>
+          </a:solidFill>
+        </p:spPr>
+        <p:style>
+          <a:lnRef idx="2">
+            <a:schemeClr val="accent4">
+              <a:shade val="15000"/>
+            </a:schemeClr>
+          </a:lnRef>
+          <a:fillRef idx="1">
+            <a:schemeClr val="accent4"/>
+          </a:fillRef>
+          <a:effectRef idx="0">
+            <a:schemeClr val="accent4"/>
+          </a:effectRef>
+          <a:fontRef idx="minor">
+            <a:schemeClr val="lt1"/>
+          </a:fontRef>
+        </p:style>
+        <p:txBody>
+          <a:bodyPr rtlCol="0" anchor="ctr"/>
+          <a:lstStyle/>
+          <a:p>
+            <a:pPr algn="ctr"/>
+            <a:r>
+              <a:rPr kumimoji="1" lang="en-US" altLang="ko-Kore-KR" sz="1400" dirty="0">
+                <a:solidFill>
+                  <a:srgbClr val="FF0000"/>
+                </a:solidFill>
+                <a:latin typeface="DM Mono" panose="020B0509040201040103" pitchFamily="49" charset="0"/>
+              </a:rPr>
+              <a:t>NULL</a:t>
+            </a:r>
+            <a:endParaRPr kumimoji="1" lang="ko-Kore-KR" altLang="en-US" sz="1400" dirty="0">
+              <a:solidFill>
+                <a:srgbClr val="FF0000"/>
+              </a:solidFill>
+              <a:latin typeface="DM Mono" panose="020B0509040201040103" pitchFamily="49" charset="0"/>
+            </a:endParaRPr>
+          </a:p>
+        </p:txBody>
+      </p:sp>
+      <p:sp>
+        <p:nvSpPr>
+          <p:cNvPr id="11" name="TextBox 10">
+            <a:extLst>
+              <a:ext uri="{FF2B5EF4-FFF2-40B4-BE49-F238E27FC236}">
+                <a16:creationId xmlns:a16="http://schemas.microsoft.com/office/drawing/2014/main" id="{8756970F-25F8-12C0-6634-4BA7A182AD99}"/>
+              </a:ext>
+            </a:extLst>
+          </p:cNvPr>
+          <p:cNvSpPr txBox="1"/>
+          <p:nvPr/>
+        </p:nvSpPr>
+        <p:spPr>
+          <a:xfrm>
+            <a:off x="2698230" y="4884505"/>
+            <a:ext cx="1276660" cy="307777"/>
+          </a:xfrm>
+          <a:prstGeom prst="rect">
+            <a:avLst/>
+          </a:prstGeom>
+          <a:noFill/>
+        </p:spPr>
+        <p:txBody>
+          <a:bodyPr wrap="square">
+            <a:spAutoFit/>
+          </a:bodyPr>
+          <a:lstStyle/>
+          <a:p>
+            <a:pPr algn="r"/>
+            <a:r>
+              <a:rPr kumimoji="1" lang="en-US" altLang="ko-Kore-KR" sz="1400" dirty="0" err="1">
+                <a:latin typeface="DM Mono" panose="020B0509040201040103" pitchFamily="49" charset="0"/>
+              </a:rPr>
+              <a:t>link.next</a:t>
+            </a:r>
+            <a:endParaRPr lang="ko-Kore-KR" altLang="en-US" sz="1400" dirty="0"/>
+          </a:p>
+        </p:txBody>
+      </p:sp>
+      <p:sp>
+        <p:nvSpPr>
+          <p:cNvPr id="12" name="TextBox 11">
+            <a:extLst>
+              <a:ext uri="{FF2B5EF4-FFF2-40B4-BE49-F238E27FC236}">
+                <a16:creationId xmlns:a16="http://schemas.microsoft.com/office/drawing/2014/main" id="{7B6BAB26-8B2C-DE76-5156-89B3D1DB20A4}"/>
+              </a:ext>
+            </a:extLst>
+          </p:cNvPr>
+          <p:cNvSpPr txBox="1"/>
+          <p:nvPr/>
+        </p:nvSpPr>
+        <p:spPr>
+          <a:xfrm>
+            <a:off x="4079823" y="3731275"/>
+            <a:ext cx="984354" cy="307777"/>
+          </a:xfrm>
+          <a:prstGeom prst="rect">
+            <a:avLst/>
+          </a:prstGeom>
+          <a:noFill/>
+        </p:spPr>
+        <p:txBody>
+          <a:bodyPr wrap="square">
+            <a:spAutoFit/>
+          </a:bodyPr>
+          <a:lstStyle/>
+          <a:p>
+            <a:pPr algn="ctr"/>
+            <a:r>
+              <a:rPr kumimoji="1" lang="en-US" altLang="ko-Kore-KR" sz="1400" dirty="0">
+                <a:latin typeface="DM Mono" panose="020B0509040201040103" pitchFamily="49" charset="0"/>
+              </a:rPr>
+              <a:t>user1</a:t>
+            </a:r>
+            <a:endParaRPr lang="ko-Kore-KR" altLang="en-US" sz="1400" dirty="0"/>
+          </a:p>
+        </p:txBody>
+      </p:sp>
+      <p:sp>
+        <p:nvSpPr>
+          <p:cNvPr id="13" name="직사각형 12">
+            <a:extLst>
+              <a:ext uri="{FF2B5EF4-FFF2-40B4-BE49-F238E27FC236}">
+                <a16:creationId xmlns:a16="http://schemas.microsoft.com/office/drawing/2014/main" id="{64A26A70-F0B8-74BC-774E-5728199B139F}"/>
+              </a:ext>
+            </a:extLst>
+          </p:cNvPr>
+          <p:cNvSpPr/>
+          <p:nvPr/>
+        </p:nvSpPr>
+        <p:spPr>
+          <a:xfrm>
+            <a:off x="6633143" y="4039051"/>
+            <a:ext cx="1371601" cy="399738"/>
+          </a:xfrm>
+          <a:prstGeom prst="rect">
+            <a:avLst/>
+          </a:prstGeom>
+          <a:solidFill>
+            <a:srgbClr val="FFFF00"/>
+          </a:solidFill>
+        </p:spPr>
+        <p:style>
+          <a:lnRef idx="2">
+            <a:schemeClr val="accent4">
+              <a:shade val="15000"/>
+            </a:schemeClr>
+          </a:lnRef>
+          <a:fillRef idx="1">
+            <a:schemeClr val="accent4"/>
+          </a:fillRef>
+          <a:effectRef idx="0">
+            <a:schemeClr val="accent4"/>
+          </a:effectRef>
+          <a:fontRef idx="minor">
+            <a:schemeClr val="lt1"/>
+          </a:fontRef>
+        </p:style>
+        <p:txBody>
+          <a:bodyPr rtlCol="0" anchor="ctr"/>
+          <a:lstStyle/>
+          <a:p>
+            <a:pPr algn="ctr"/>
+            <a:r>
+              <a:rPr kumimoji="1" lang="en-US" altLang="ko-Kore-KR" sz="1400" dirty="0">
+                <a:solidFill>
+                  <a:schemeClr val="tx1"/>
+                </a:solidFill>
+                <a:latin typeface="DM Mono" panose="020B0509040201040103" pitchFamily="49" charset="0"/>
+              </a:rPr>
+              <a:t>Bob</a:t>
+            </a:r>
+            <a:endParaRPr kumimoji="1" lang="ko-Kore-KR" altLang="en-US" sz="1400" dirty="0">
+              <a:solidFill>
+                <a:schemeClr val="tx1"/>
+              </a:solidFill>
+              <a:latin typeface="DM Mono" panose="020B0509040201040103" pitchFamily="49" charset="0"/>
+            </a:endParaRPr>
+          </a:p>
+        </p:txBody>
+      </p:sp>
+      <p:sp>
+        <p:nvSpPr>
+          <p:cNvPr id="15" name="직사각형 14">
+            <a:extLst>
+              <a:ext uri="{FF2B5EF4-FFF2-40B4-BE49-F238E27FC236}">
+                <a16:creationId xmlns:a16="http://schemas.microsoft.com/office/drawing/2014/main" id="{8C084474-CE84-AF92-30D6-4B2083A48131}"/>
+              </a:ext>
+            </a:extLst>
+          </p:cNvPr>
+          <p:cNvSpPr/>
+          <p:nvPr/>
+        </p:nvSpPr>
+        <p:spPr>
+          <a:xfrm>
+            <a:off x="6633143" y="4438788"/>
+            <a:ext cx="1371601" cy="399738"/>
+          </a:xfrm>
+          <a:prstGeom prst="rect">
+            <a:avLst/>
+          </a:prstGeom>
+          <a:solidFill>
+            <a:srgbClr val="FFFF00"/>
+          </a:solidFill>
+        </p:spPr>
+        <p:style>
+          <a:lnRef idx="2">
+            <a:schemeClr val="accent4">
+              <a:shade val="15000"/>
+            </a:schemeClr>
+          </a:lnRef>
+          <a:fillRef idx="1">
+            <a:schemeClr val="accent4"/>
+          </a:fillRef>
+          <a:effectRef idx="0">
+            <a:schemeClr val="accent4"/>
+          </a:effectRef>
+          <a:fontRef idx="minor">
+            <a:schemeClr val="lt1"/>
+          </a:fontRef>
+        </p:style>
+        <p:txBody>
+          <a:bodyPr rtlCol="0" anchor="ctr"/>
+          <a:lstStyle/>
+          <a:p>
+            <a:pPr algn="ctr"/>
+            <a:r>
+              <a:rPr kumimoji="1" lang="en-US" altLang="ko-Kore-KR" sz="1400" dirty="0">
+                <a:solidFill>
+                  <a:schemeClr val="tx1"/>
+                </a:solidFill>
+                <a:latin typeface="DM Mono" panose="020B0509040201040103" pitchFamily="49" charset="0"/>
+              </a:rPr>
+              <a:t>30</a:t>
+            </a:r>
+            <a:endParaRPr kumimoji="1" lang="ko-Kore-KR" altLang="en-US" sz="1400" dirty="0">
+              <a:solidFill>
+                <a:schemeClr val="tx1"/>
+              </a:solidFill>
+              <a:latin typeface="DM Mono" panose="020B0509040201040103" pitchFamily="49" charset="0"/>
+            </a:endParaRPr>
+          </a:p>
+        </p:txBody>
+      </p:sp>
+      <p:sp>
+        <p:nvSpPr>
+          <p:cNvPr id="17" name="직사각형 16">
+            <a:extLst>
+              <a:ext uri="{FF2B5EF4-FFF2-40B4-BE49-F238E27FC236}">
+                <a16:creationId xmlns:a16="http://schemas.microsoft.com/office/drawing/2014/main" id="{C49474C3-B2B0-BCDD-3451-422468E8655B}"/>
+              </a:ext>
+            </a:extLst>
+          </p:cNvPr>
+          <p:cNvSpPr/>
+          <p:nvPr/>
+        </p:nvSpPr>
+        <p:spPr>
+          <a:xfrm>
+            <a:off x="6633143" y="4838524"/>
+            <a:ext cx="1371601" cy="399738"/>
+          </a:xfrm>
+          <a:prstGeom prst="rect">
+            <a:avLst/>
+          </a:prstGeom>
+          <a:solidFill>
+            <a:srgbClr val="FFFF00"/>
+          </a:solidFill>
+        </p:spPr>
+        <p:style>
+          <a:lnRef idx="2">
+            <a:schemeClr val="accent4">
+              <a:shade val="15000"/>
+            </a:schemeClr>
+          </a:lnRef>
+          <a:fillRef idx="1">
+            <a:schemeClr val="accent4"/>
+          </a:fillRef>
+          <a:effectRef idx="0">
+            <a:schemeClr val="accent4"/>
+          </a:effectRef>
+          <a:fontRef idx="minor">
+            <a:schemeClr val="lt1"/>
+          </a:fontRef>
+        </p:style>
+        <p:txBody>
+          <a:bodyPr rtlCol="0" anchor="ctr"/>
+          <a:lstStyle/>
+          <a:p>
+            <a:pPr algn="ctr"/>
+            <a:r>
+              <a:rPr kumimoji="1" lang="en-US" altLang="ko-Kore-KR" sz="1400" dirty="0">
+                <a:solidFill>
+                  <a:schemeClr val="tx1"/>
+                </a:solidFill>
+                <a:latin typeface="DM Mono" panose="020B0509040201040103" pitchFamily="49" charset="0"/>
+              </a:rPr>
+              <a:t>NULL</a:t>
+            </a:r>
+            <a:endParaRPr kumimoji="1" lang="ko-Kore-KR" altLang="en-US" sz="1400" dirty="0">
+              <a:solidFill>
+                <a:schemeClr val="tx1"/>
+              </a:solidFill>
+              <a:latin typeface="DM Mono" panose="020B0509040201040103" pitchFamily="49" charset="0"/>
+            </a:endParaRPr>
+          </a:p>
+        </p:txBody>
+      </p:sp>
+      <p:sp>
+        <p:nvSpPr>
+          <p:cNvPr id="19" name="TextBox 18">
+            <a:extLst>
+              <a:ext uri="{FF2B5EF4-FFF2-40B4-BE49-F238E27FC236}">
+                <a16:creationId xmlns:a16="http://schemas.microsoft.com/office/drawing/2014/main" id="{C9F51F7A-61B6-2BF8-0536-7D9BFE8155B3}"/>
+              </a:ext>
+            </a:extLst>
+          </p:cNvPr>
+          <p:cNvSpPr txBox="1"/>
+          <p:nvPr/>
+        </p:nvSpPr>
+        <p:spPr>
+          <a:xfrm>
+            <a:off x="6738076" y="3731274"/>
+            <a:ext cx="984354" cy="307777"/>
+          </a:xfrm>
+          <a:prstGeom prst="rect">
+            <a:avLst/>
+          </a:prstGeom>
+          <a:noFill/>
+        </p:spPr>
+        <p:txBody>
+          <a:bodyPr wrap="square">
+            <a:spAutoFit/>
+          </a:bodyPr>
+          <a:lstStyle/>
+          <a:p>
+            <a:pPr algn="ctr"/>
+            <a:r>
+              <a:rPr kumimoji="1" lang="en-US" altLang="ko-Kore-KR" sz="1400" dirty="0">
+                <a:latin typeface="DM Mono" panose="020B0509040201040103" pitchFamily="49" charset="0"/>
+              </a:rPr>
+              <a:t>user2</a:t>
+            </a:r>
+            <a:endParaRPr lang="ko-Kore-KR" altLang="en-US" sz="1400" dirty="0"/>
+          </a:p>
+        </p:txBody>
+      </p:sp>
+      <p:sp>
+        <p:nvSpPr>
+          <p:cNvPr id="20" name="직사각형 19">
+            <a:extLst>
+              <a:ext uri="{FF2B5EF4-FFF2-40B4-BE49-F238E27FC236}">
+                <a16:creationId xmlns:a16="http://schemas.microsoft.com/office/drawing/2014/main" id="{BF8B955C-1044-1669-06D9-A4CDD4DD8680}"/>
+              </a:ext>
+            </a:extLst>
+          </p:cNvPr>
+          <p:cNvSpPr/>
+          <p:nvPr/>
+        </p:nvSpPr>
+        <p:spPr>
+          <a:xfrm>
+            <a:off x="9291396" y="4039050"/>
+            <a:ext cx="1371601" cy="399738"/>
+          </a:xfrm>
+          <a:prstGeom prst="rect">
+            <a:avLst/>
+          </a:prstGeom>
+          <a:solidFill>
+            <a:srgbClr val="FFFF00"/>
+          </a:solidFill>
+        </p:spPr>
+        <p:style>
+          <a:lnRef idx="2">
+            <a:schemeClr val="accent4">
+              <a:shade val="15000"/>
+            </a:schemeClr>
+          </a:lnRef>
+          <a:fillRef idx="1">
+            <a:schemeClr val="accent4"/>
+          </a:fillRef>
+          <a:effectRef idx="0">
+            <a:schemeClr val="accent4"/>
+          </a:effectRef>
+          <a:fontRef idx="minor">
+            <a:schemeClr val="lt1"/>
+          </a:fontRef>
+        </p:style>
+        <p:txBody>
+          <a:bodyPr rtlCol="0" anchor="ctr"/>
+          <a:lstStyle/>
+          <a:p>
+            <a:pPr algn="ctr"/>
+            <a:r>
+              <a:rPr kumimoji="1" lang="en-US" altLang="ko-Kore-KR" sz="1400" dirty="0">
+                <a:solidFill>
+                  <a:schemeClr val="tx1"/>
+                </a:solidFill>
+                <a:latin typeface="DM Mono" panose="020B0509040201040103" pitchFamily="49" charset="0"/>
+              </a:rPr>
+              <a:t>Alice</a:t>
+            </a:r>
+            <a:endParaRPr kumimoji="1" lang="ko-Kore-KR" altLang="en-US" sz="1400" dirty="0">
+              <a:solidFill>
+                <a:schemeClr val="tx1"/>
+              </a:solidFill>
+              <a:latin typeface="DM Mono" panose="020B0509040201040103" pitchFamily="49" charset="0"/>
+            </a:endParaRPr>
+          </a:p>
+        </p:txBody>
+      </p:sp>
+      <p:sp>
+        <p:nvSpPr>
+          <p:cNvPr id="22" name="직사각형 21">
+            <a:extLst>
+              <a:ext uri="{FF2B5EF4-FFF2-40B4-BE49-F238E27FC236}">
+                <a16:creationId xmlns:a16="http://schemas.microsoft.com/office/drawing/2014/main" id="{D76558C7-C703-9237-C421-28A00086F3C1}"/>
+              </a:ext>
+            </a:extLst>
+          </p:cNvPr>
+          <p:cNvSpPr/>
+          <p:nvPr/>
+        </p:nvSpPr>
+        <p:spPr>
+          <a:xfrm>
+            <a:off x="9291396" y="4438787"/>
+            <a:ext cx="1371601" cy="399738"/>
+          </a:xfrm>
+          <a:prstGeom prst="rect">
+            <a:avLst/>
+          </a:prstGeom>
+          <a:solidFill>
+            <a:srgbClr val="FFFF00"/>
+          </a:solidFill>
+        </p:spPr>
+        <p:style>
+          <a:lnRef idx="2">
+            <a:schemeClr val="accent4">
+              <a:shade val="15000"/>
+            </a:schemeClr>
+          </a:lnRef>
+          <a:fillRef idx="1">
+            <a:schemeClr val="accent4"/>
+          </a:fillRef>
+          <a:effectRef idx="0">
+            <a:schemeClr val="accent4"/>
+          </a:effectRef>
+          <a:fontRef idx="minor">
+            <a:schemeClr val="lt1"/>
+          </a:fontRef>
+        </p:style>
+        <p:txBody>
+          <a:bodyPr rtlCol="0" anchor="ctr"/>
+          <a:lstStyle/>
+          <a:p>
+            <a:pPr algn="ctr"/>
+            <a:r>
+              <a:rPr kumimoji="1" lang="en-US" altLang="ko-Kore-KR" sz="1400" dirty="0">
+                <a:solidFill>
+                  <a:schemeClr val="tx1"/>
+                </a:solidFill>
+                <a:latin typeface="DM Mono" panose="020B0509040201040103" pitchFamily="49" charset="0"/>
+              </a:rPr>
+              <a:t>24</a:t>
+            </a:r>
+            <a:endParaRPr kumimoji="1" lang="ko-Kore-KR" altLang="en-US" sz="1400" dirty="0">
+              <a:solidFill>
+                <a:schemeClr val="tx1"/>
+              </a:solidFill>
+              <a:latin typeface="DM Mono" panose="020B0509040201040103" pitchFamily="49" charset="0"/>
+            </a:endParaRPr>
+          </a:p>
+        </p:txBody>
+      </p:sp>
+      <p:sp>
+        <p:nvSpPr>
+          <p:cNvPr id="24" name="직사각형 23">
+            <a:extLst>
+              <a:ext uri="{FF2B5EF4-FFF2-40B4-BE49-F238E27FC236}">
+                <a16:creationId xmlns:a16="http://schemas.microsoft.com/office/drawing/2014/main" id="{170D24C6-4DB6-AD2F-67EE-83CACAF42A6B}"/>
+              </a:ext>
+            </a:extLst>
+          </p:cNvPr>
+          <p:cNvSpPr/>
+          <p:nvPr/>
+        </p:nvSpPr>
+        <p:spPr>
+          <a:xfrm>
+            <a:off x="9291396" y="4838523"/>
+            <a:ext cx="1371601" cy="399738"/>
+          </a:xfrm>
+          <a:prstGeom prst="rect">
+            <a:avLst/>
+          </a:prstGeom>
+          <a:solidFill>
+            <a:srgbClr val="FFFF00"/>
+          </a:solidFill>
+        </p:spPr>
+        <p:style>
+          <a:lnRef idx="2">
+            <a:schemeClr val="accent4">
+              <a:shade val="15000"/>
+            </a:schemeClr>
+          </a:lnRef>
+          <a:fillRef idx="1">
+            <a:schemeClr val="accent4"/>
+          </a:fillRef>
+          <a:effectRef idx="0">
+            <a:schemeClr val="accent4"/>
+          </a:effectRef>
+          <a:fontRef idx="minor">
+            <a:schemeClr val="lt1"/>
+          </a:fontRef>
+        </p:style>
+        <p:txBody>
+          <a:bodyPr rtlCol="0" anchor="ctr"/>
+          <a:lstStyle/>
+          <a:p>
+            <a:pPr algn="ctr"/>
+            <a:r>
+              <a:rPr kumimoji="1" lang="en-US" altLang="ko-Kore-KR" sz="1400" dirty="0">
+                <a:solidFill>
+                  <a:schemeClr val="tx1"/>
+                </a:solidFill>
+                <a:latin typeface="DM Mono" panose="020B0509040201040103" pitchFamily="49" charset="0"/>
+              </a:rPr>
+              <a:t>NULL</a:t>
+            </a:r>
+            <a:endParaRPr kumimoji="1" lang="ko-Kore-KR" altLang="en-US" sz="1400" dirty="0">
+              <a:solidFill>
+                <a:schemeClr val="tx1"/>
+              </a:solidFill>
+              <a:latin typeface="DM Mono" panose="020B0509040201040103" pitchFamily="49" charset="0"/>
+            </a:endParaRPr>
+          </a:p>
+        </p:txBody>
+      </p:sp>
+      <p:sp>
+        <p:nvSpPr>
+          <p:cNvPr id="26" name="TextBox 25">
+            <a:extLst>
+              <a:ext uri="{FF2B5EF4-FFF2-40B4-BE49-F238E27FC236}">
+                <a16:creationId xmlns:a16="http://schemas.microsoft.com/office/drawing/2014/main" id="{1A6404D4-805A-A1B1-0D5E-B1662364A766}"/>
+              </a:ext>
+            </a:extLst>
+          </p:cNvPr>
+          <p:cNvSpPr txBox="1"/>
+          <p:nvPr/>
+        </p:nvSpPr>
+        <p:spPr>
+          <a:xfrm>
+            <a:off x="9396329" y="3731273"/>
+            <a:ext cx="984354" cy="307777"/>
+          </a:xfrm>
+          <a:prstGeom prst="rect">
+            <a:avLst/>
+          </a:prstGeom>
+          <a:noFill/>
+        </p:spPr>
+        <p:txBody>
+          <a:bodyPr wrap="square">
+            <a:spAutoFit/>
+          </a:bodyPr>
+          <a:lstStyle/>
+          <a:p>
+            <a:pPr algn="ctr"/>
+            <a:r>
+              <a:rPr kumimoji="1" lang="en-US" altLang="ko-Kore-KR" sz="1400" dirty="0">
+                <a:latin typeface="DM Mono" panose="020B0509040201040103" pitchFamily="49" charset="0"/>
+              </a:rPr>
+              <a:t>user3</a:t>
+            </a:r>
+            <a:endParaRPr lang="ko-Kore-KR" altLang="en-US" sz="1400" dirty="0"/>
+          </a:p>
+        </p:txBody>
+      </p:sp>
+      <p:sp>
+        <p:nvSpPr>
+          <p:cNvPr id="27" name="직사각형 26">
+            <a:extLst>
+              <a:ext uri="{FF2B5EF4-FFF2-40B4-BE49-F238E27FC236}">
+                <a16:creationId xmlns:a16="http://schemas.microsoft.com/office/drawing/2014/main" id="{0E97A5AB-4EAC-E294-38F4-9382369BD6A4}"/>
+              </a:ext>
+            </a:extLst>
+          </p:cNvPr>
+          <p:cNvSpPr/>
+          <p:nvPr/>
+        </p:nvSpPr>
+        <p:spPr>
+          <a:xfrm>
+            <a:off x="1326629" y="4438787"/>
+            <a:ext cx="1371601" cy="399738"/>
+          </a:xfrm>
+          <a:prstGeom prst="rect">
+            <a:avLst/>
+          </a:prstGeom>
+          <a:solidFill>
+            <a:srgbClr val="FFFF00"/>
+          </a:solidFill>
+        </p:spPr>
+        <p:style>
+          <a:lnRef idx="2">
+            <a:schemeClr val="accent4">
+              <a:shade val="15000"/>
+            </a:schemeClr>
+          </a:lnRef>
+          <a:fillRef idx="1">
+            <a:schemeClr val="accent4"/>
+          </a:fillRef>
+          <a:effectRef idx="0">
+            <a:schemeClr val="accent4"/>
+          </a:effectRef>
+          <a:fontRef idx="minor">
+            <a:schemeClr val="lt1"/>
+          </a:fontRef>
+        </p:style>
+        <p:txBody>
+          <a:bodyPr rtlCol="0" anchor="ctr"/>
+          <a:lstStyle/>
+          <a:p>
+            <a:pPr algn="ctr"/>
+            <a:endParaRPr kumimoji="1" lang="ko-Kore-KR" altLang="en-US" sz="1400" dirty="0">
+              <a:solidFill>
+                <a:schemeClr val="tx1"/>
+              </a:solidFill>
+              <a:latin typeface="DM Mono" panose="020B0509040201040103" pitchFamily="49" charset="0"/>
+            </a:endParaRPr>
+          </a:p>
+        </p:txBody>
+      </p:sp>
+      <p:sp>
+        <p:nvSpPr>
+          <p:cNvPr id="28" name="TextBox 27">
+            <a:extLst>
+              <a:ext uri="{FF2B5EF4-FFF2-40B4-BE49-F238E27FC236}">
+                <a16:creationId xmlns:a16="http://schemas.microsoft.com/office/drawing/2014/main" id="{26AA044D-F540-DAE1-C813-F4ACA062165A}"/>
+              </a:ext>
+            </a:extLst>
+          </p:cNvPr>
+          <p:cNvSpPr txBox="1"/>
+          <p:nvPr/>
+        </p:nvSpPr>
+        <p:spPr>
+          <a:xfrm>
+            <a:off x="49969" y="4484767"/>
+            <a:ext cx="1276660" cy="307777"/>
+          </a:xfrm>
+          <a:prstGeom prst="rect">
+            <a:avLst/>
+          </a:prstGeom>
+          <a:noFill/>
+        </p:spPr>
+        <p:txBody>
+          <a:bodyPr wrap="square">
+            <a:spAutoFit/>
+          </a:bodyPr>
+          <a:lstStyle/>
+          <a:p>
+            <a:pPr algn="r"/>
+            <a:r>
+              <a:rPr kumimoji="1" lang="en-US" altLang="ko-Kore-KR" sz="1400" dirty="0" err="1">
+                <a:latin typeface="DM Mono" panose="020B0509040201040103" pitchFamily="49" charset="0"/>
+              </a:rPr>
+              <a:t>link.next</a:t>
+            </a:r>
+            <a:endParaRPr lang="ko-Kore-KR" altLang="en-US" sz="1400" dirty="0"/>
+          </a:p>
+        </p:txBody>
+      </p:sp>
+      <p:sp>
+        <p:nvSpPr>
+          <p:cNvPr id="29" name="TextBox 28">
+            <a:extLst>
+              <a:ext uri="{FF2B5EF4-FFF2-40B4-BE49-F238E27FC236}">
+                <a16:creationId xmlns:a16="http://schemas.microsoft.com/office/drawing/2014/main" id="{CA3B09D8-4001-B8D6-EC43-033EC24AD3C5}"/>
+              </a:ext>
+            </a:extLst>
+          </p:cNvPr>
+          <p:cNvSpPr txBox="1"/>
+          <p:nvPr/>
+        </p:nvSpPr>
+        <p:spPr>
+          <a:xfrm>
+            <a:off x="1520252" y="4087533"/>
+            <a:ext cx="984354" cy="307777"/>
+          </a:xfrm>
+          <a:prstGeom prst="rect">
+            <a:avLst/>
+          </a:prstGeom>
+          <a:noFill/>
+        </p:spPr>
+        <p:txBody>
+          <a:bodyPr wrap="square">
+            <a:spAutoFit/>
+          </a:bodyPr>
+          <a:lstStyle/>
+          <a:p>
+            <a:pPr algn="ctr"/>
+            <a:r>
+              <a:rPr kumimoji="1" lang="en-US" altLang="ko-Kore-KR" sz="1400" dirty="0">
+                <a:latin typeface="DM Mono" panose="020B0509040201040103" pitchFamily="49" charset="0"/>
+              </a:rPr>
+              <a:t>head</a:t>
+            </a:r>
+            <a:endParaRPr lang="ko-Kore-KR" altLang="en-US" sz="1400" dirty="0"/>
+          </a:p>
+        </p:txBody>
+      </p:sp>
+      <p:cxnSp>
+        <p:nvCxnSpPr>
+          <p:cNvPr id="3" name="구부러진 연결선[U] 2">
+            <a:extLst>
+              <a:ext uri="{FF2B5EF4-FFF2-40B4-BE49-F238E27FC236}">
+                <a16:creationId xmlns:a16="http://schemas.microsoft.com/office/drawing/2014/main" id="{5004EAEF-7525-9FD1-47FD-CC5F69E8D999}"/>
+              </a:ext>
+            </a:extLst>
+          </p:cNvPr>
+          <p:cNvCxnSpPr>
+            <a:stCxn id="27" idx="3"/>
+            <a:endCxn id="10" idx="1"/>
+          </p:cNvCxnSpPr>
+          <p:nvPr/>
+        </p:nvCxnSpPr>
+        <p:spPr>
+          <a:xfrm>
+            <a:off x="2698230" y="4638656"/>
+            <a:ext cx="1276660" cy="399738"/>
+          </a:xfrm>
+          <a:prstGeom prst="curvedConnector3">
+            <a:avLst/>
+          </a:prstGeom>
+          <a:ln>
+            <a:tailEnd type="triangle"/>
+          </a:ln>
+        </p:spPr>
+        <p:style>
+          <a:lnRef idx="1">
+            <a:schemeClr val="dk1"/>
+          </a:lnRef>
+          <a:fillRef idx="0">
+            <a:schemeClr val="dk1"/>
+          </a:fillRef>
+          <a:effectRef idx="0">
+            <a:schemeClr val="dk1"/>
+          </a:effectRef>
+          <a:fontRef idx="minor">
+            <a:schemeClr val="tx1"/>
+          </a:fontRef>
+        </p:style>
+      </p:cxnSp>
+    </p:spTree>
+    <p:extLst>
+      <p:ext uri="{BB962C8B-B14F-4D97-AF65-F5344CB8AC3E}">
+        <p14:creationId xmlns:p14="http://schemas.microsoft.com/office/powerpoint/2010/main" val="2944637155"/>
+      </p:ext>
+    </p:extLst>
+  </p:cSld>
+  <p:clrMapOvr>
+    <a:masterClrMapping/>
+  </p:clrMapOvr>
+</p:sld>
+</file>
+
+<file path=ppt/slides/slide15.xml><?xml version="1.0" encoding="utf-8"?>
+<p:sld xmlns:a="http://schemas.openxmlformats.org/drawingml/2006/main" xmlns:r="http://schemas.openxmlformats.org/officeDocument/2006/relationships" xmlns:p="http://schemas.openxmlformats.org/presentationml/2006/main">
+  <p:cSld>
+    <p:spTree>
+      <p:nvGrpSpPr>
+        <p:cNvPr id="1" name=""/>
+        <p:cNvGrpSpPr/>
+        <p:nvPr/>
+      </p:nvGrpSpPr>
+      <p:grpSpPr>
+        <a:xfrm>
+          <a:off x="0" y="0"/>
+          <a:ext cx="0" cy="0"/>
+          <a:chOff x="0" y="0"/>
+          <a:chExt cx="0" cy="0"/>
+        </a:xfrm>
+      </p:grpSpPr>
+      <p:sp>
+        <p:nvSpPr>
+          <p:cNvPr id="5" name="TextBox 4">
+            <a:extLst>
+              <a:ext uri="{FF2B5EF4-FFF2-40B4-BE49-F238E27FC236}">
+                <a16:creationId xmlns:a16="http://schemas.microsoft.com/office/drawing/2014/main" id="{8FE4E9FE-0B80-B448-241C-3974A1BF3D5A}"/>
+              </a:ext>
+            </a:extLst>
+          </p:cNvPr>
+          <p:cNvSpPr txBox="1"/>
+          <p:nvPr/>
+        </p:nvSpPr>
+        <p:spPr>
+          <a:xfrm>
+            <a:off x="579620" y="256004"/>
+            <a:ext cx="6158456" cy="1754326"/>
+          </a:xfrm>
+          <a:prstGeom prst="rect">
+            <a:avLst/>
+          </a:prstGeom>
+          <a:noFill/>
+        </p:spPr>
+        <p:txBody>
+          <a:bodyPr wrap="square">
+            <a:spAutoFit/>
+          </a:bodyPr>
+          <a:lstStyle/>
+          <a:p>
+            <a:r>
+              <a:rPr lang="en" altLang="ko-Kore-KR" sz="1200" dirty="0">
+                <a:latin typeface="DM Mono" panose="020B0509040201040103" pitchFamily="49" charset="0"/>
+              </a:rPr>
+              <a:t>void insert(struct </a:t>
+            </a:r>
+            <a:r>
+              <a:rPr lang="en" altLang="ko-Kore-KR" sz="1200" dirty="0" err="1">
+                <a:latin typeface="DM Mono" panose="020B0509040201040103" pitchFamily="49" charset="0"/>
+              </a:rPr>
+              <a:t>list_head</a:t>
+            </a:r>
+            <a:r>
+              <a:rPr lang="en" altLang="ko-Kore-KR" sz="1200" dirty="0">
+                <a:latin typeface="DM Mono" panose="020B0509040201040103" pitchFamily="49" charset="0"/>
+              </a:rPr>
+              <a:t>* head, struct </a:t>
+            </a:r>
+            <a:r>
+              <a:rPr lang="en" altLang="ko-Kore-KR" sz="1200" dirty="0" err="1">
+                <a:latin typeface="DM Mono" panose="020B0509040201040103" pitchFamily="49" charset="0"/>
+              </a:rPr>
+              <a:t>list_head</a:t>
+            </a:r>
+            <a:r>
+              <a:rPr lang="en" altLang="ko-Kore-KR" sz="1200" dirty="0">
+                <a:latin typeface="DM Mono" panose="020B0509040201040103" pitchFamily="49" charset="0"/>
+              </a:rPr>
+              <a:t>* new)</a:t>
+            </a:r>
+          </a:p>
+          <a:p>
+            <a:r>
+              <a:rPr lang="en" altLang="ko-Kore-KR" sz="1200" dirty="0">
+                <a:latin typeface="DM Mono" panose="020B0509040201040103" pitchFamily="49" charset="0"/>
+              </a:rPr>
+              <a:t>{</a:t>
+            </a:r>
+          </a:p>
+          <a:p>
+            <a:r>
+              <a:rPr lang="en" altLang="ko-Kore-KR" sz="1200" dirty="0">
+                <a:latin typeface="DM Mono" panose="020B0509040201040103" pitchFamily="49" charset="0"/>
+              </a:rPr>
+              <a:t>    new-&gt;next = head-&gt;next;</a:t>
+            </a:r>
+          </a:p>
+          <a:p>
+            <a:r>
+              <a:rPr lang="en" altLang="ko-Kore-KR" sz="1200" dirty="0">
+                <a:latin typeface="DM Mono" panose="020B0509040201040103" pitchFamily="49" charset="0"/>
+              </a:rPr>
+              <a:t>    head-&gt;next = new;</a:t>
+            </a:r>
+          </a:p>
+          <a:p>
+            <a:r>
+              <a:rPr lang="en" altLang="ko-Kore-KR" sz="1200" dirty="0">
+                <a:latin typeface="DM Mono" panose="020B0509040201040103" pitchFamily="49" charset="0"/>
+              </a:rPr>
+              <a:t>}</a:t>
+            </a:r>
+          </a:p>
+          <a:p>
+            <a:endParaRPr lang="en-US" altLang="ko-Kore-KR" sz="1200" dirty="0">
+              <a:latin typeface="DM Mono" panose="020B0509040201040103" pitchFamily="49" charset="0"/>
+            </a:endParaRPr>
+          </a:p>
+          <a:p>
+            <a:r>
+              <a:rPr lang="en" altLang="ko-Kore-KR" sz="1200" dirty="0">
+                <a:latin typeface="DM Mono" panose="020B0509040201040103" pitchFamily="49" charset="0"/>
+              </a:rPr>
+              <a:t>insert(&amp;head, &amp;user1.link);</a:t>
+            </a:r>
+          </a:p>
+          <a:p>
+            <a:r>
+              <a:rPr lang="en" altLang="ko-Kore-KR" sz="1200" dirty="0">
+                <a:solidFill>
+                  <a:srgbClr val="FF0000"/>
+                </a:solidFill>
+                <a:latin typeface="DM Mono" panose="020B0509040201040103" pitchFamily="49" charset="0"/>
+              </a:rPr>
+              <a:t>insert(&amp;head, &amp;user2.link);</a:t>
+            </a:r>
+          </a:p>
+          <a:p>
+            <a:r>
+              <a:rPr lang="en" altLang="ko-Kore-KR" sz="1200" dirty="0">
+                <a:latin typeface="DM Mono" panose="020B0509040201040103" pitchFamily="49" charset="0"/>
+              </a:rPr>
+              <a:t>insert(&amp;head, &amp;user3.link);</a:t>
+            </a:r>
+            <a:endParaRPr lang="ko-Kore-KR" altLang="en-US" sz="1200" dirty="0">
+              <a:latin typeface="DM Mono" panose="020B0509040201040103" pitchFamily="49" charset="0"/>
+            </a:endParaRPr>
+          </a:p>
+        </p:txBody>
+      </p:sp>
+      <p:sp>
+        <p:nvSpPr>
+          <p:cNvPr id="6" name="직사각형 5">
+            <a:extLst>
+              <a:ext uri="{FF2B5EF4-FFF2-40B4-BE49-F238E27FC236}">
+                <a16:creationId xmlns:a16="http://schemas.microsoft.com/office/drawing/2014/main" id="{38412DED-919A-D585-91E3-C33FD27C6A17}"/>
+              </a:ext>
+            </a:extLst>
+          </p:cNvPr>
+          <p:cNvSpPr/>
+          <p:nvPr/>
+        </p:nvSpPr>
+        <p:spPr>
+          <a:xfrm>
+            <a:off x="3974890" y="4039052"/>
+            <a:ext cx="1371601" cy="399738"/>
+          </a:xfrm>
+          <a:prstGeom prst="rect">
+            <a:avLst/>
+          </a:prstGeom>
+          <a:solidFill>
+            <a:srgbClr val="FFFF00"/>
+          </a:solidFill>
+        </p:spPr>
+        <p:style>
+          <a:lnRef idx="2">
+            <a:schemeClr val="accent4">
+              <a:shade val="15000"/>
+            </a:schemeClr>
+          </a:lnRef>
+          <a:fillRef idx="1">
+            <a:schemeClr val="accent4"/>
+          </a:fillRef>
+          <a:effectRef idx="0">
+            <a:schemeClr val="accent4"/>
+          </a:effectRef>
+          <a:fontRef idx="minor">
+            <a:schemeClr val="lt1"/>
+          </a:fontRef>
+        </p:style>
+        <p:txBody>
+          <a:bodyPr rtlCol="0" anchor="ctr"/>
+          <a:lstStyle/>
+          <a:p>
+            <a:pPr algn="ctr"/>
+            <a:r>
+              <a:rPr kumimoji="1" lang="en-US" altLang="ko-Kore-KR" sz="1400" dirty="0">
+                <a:solidFill>
+                  <a:schemeClr val="tx1"/>
+                </a:solidFill>
+                <a:latin typeface="DM Mono" panose="020B0509040201040103" pitchFamily="49" charset="0"/>
+              </a:rPr>
+              <a:t>Tom</a:t>
+            </a:r>
+            <a:endParaRPr kumimoji="1" lang="ko-Kore-KR" altLang="en-US" sz="1400" dirty="0">
+              <a:solidFill>
+                <a:schemeClr val="tx1"/>
+              </a:solidFill>
+              <a:latin typeface="DM Mono" panose="020B0509040201040103" pitchFamily="49" charset="0"/>
+            </a:endParaRPr>
+          </a:p>
+        </p:txBody>
+      </p:sp>
+      <p:sp>
+        <p:nvSpPr>
+          <p:cNvPr id="7" name="TextBox 6">
+            <a:extLst>
+              <a:ext uri="{FF2B5EF4-FFF2-40B4-BE49-F238E27FC236}">
+                <a16:creationId xmlns:a16="http://schemas.microsoft.com/office/drawing/2014/main" id="{6DCB7DF4-67C1-2F36-090A-6836A8DD135F}"/>
+              </a:ext>
+            </a:extLst>
+          </p:cNvPr>
+          <p:cNvSpPr txBox="1"/>
+          <p:nvPr/>
+        </p:nvSpPr>
+        <p:spPr>
+          <a:xfrm>
+            <a:off x="2990536" y="4085032"/>
+            <a:ext cx="984354" cy="307777"/>
+          </a:xfrm>
+          <a:prstGeom prst="rect">
+            <a:avLst/>
+          </a:prstGeom>
+          <a:noFill/>
+        </p:spPr>
+        <p:txBody>
+          <a:bodyPr wrap="square">
+            <a:spAutoFit/>
+          </a:bodyPr>
+          <a:lstStyle/>
+          <a:p>
+            <a:pPr algn="r"/>
+            <a:r>
+              <a:rPr kumimoji="1" lang="en-US" altLang="ko-Kore-KR" sz="1400" dirty="0">
+                <a:latin typeface="DM Mono" panose="020B0509040201040103" pitchFamily="49" charset="0"/>
+              </a:rPr>
+              <a:t>name</a:t>
+            </a:r>
+            <a:endParaRPr lang="ko-Kore-KR" altLang="en-US" sz="1400" dirty="0"/>
+          </a:p>
+        </p:txBody>
+      </p:sp>
+      <p:sp>
+        <p:nvSpPr>
+          <p:cNvPr id="8" name="직사각형 7">
+            <a:extLst>
+              <a:ext uri="{FF2B5EF4-FFF2-40B4-BE49-F238E27FC236}">
+                <a16:creationId xmlns:a16="http://schemas.microsoft.com/office/drawing/2014/main" id="{90427C34-9233-ACA6-EE7E-7F2559246E9B}"/>
+              </a:ext>
+            </a:extLst>
+          </p:cNvPr>
+          <p:cNvSpPr/>
+          <p:nvPr/>
+        </p:nvSpPr>
+        <p:spPr>
+          <a:xfrm>
+            <a:off x="3974890" y="4438789"/>
+            <a:ext cx="1371601" cy="399738"/>
+          </a:xfrm>
+          <a:prstGeom prst="rect">
+            <a:avLst/>
+          </a:prstGeom>
+          <a:solidFill>
+            <a:srgbClr val="FFFF00"/>
+          </a:solidFill>
+        </p:spPr>
+        <p:style>
+          <a:lnRef idx="2">
+            <a:schemeClr val="accent4">
+              <a:shade val="15000"/>
+            </a:schemeClr>
+          </a:lnRef>
+          <a:fillRef idx="1">
+            <a:schemeClr val="accent4"/>
+          </a:fillRef>
+          <a:effectRef idx="0">
+            <a:schemeClr val="accent4"/>
+          </a:effectRef>
+          <a:fontRef idx="minor">
+            <a:schemeClr val="lt1"/>
+          </a:fontRef>
+        </p:style>
+        <p:txBody>
+          <a:bodyPr rtlCol="0" anchor="ctr"/>
+          <a:lstStyle/>
+          <a:p>
+            <a:pPr algn="ctr"/>
+            <a:r>
+              <a:rPr kumimoji="1" lang="en-US" altLang="ko-Kore-KR" sz="1400" dirty="0">
+                <a:solidFill>
+                  <a:schemeClr val="tx1"/>
+                </a:solidFill>
+                <a:latin typeface="DM Mono" panose="020B0509040201040103" pitchFamily="49" charset="0"/>
+              </a:rPr>
+              <a:t>42</a:t>
+            </a:r>
+            <a:endParaRPr kumimoji="1" lang="ko-Kore-KR" altLang="en-US" sz="1400" dirty="0">
+              <a:solidFill>
+                <a:schemeClr val="tx1"/>
+              </a:solidFill>
+              <a:latin typeface="DM Mono" panose="020B0509040201040103" pitchFamily="49" charset="0"/>
+            </a:endParaRPr>
+          </a:p>
+        </p:txBody>
+      </p:sp>
+      <p:sp>
+        <p:nvSpPr>
+          <p:cNvPr id="9" name="TextBox 8">
+            <a:extLst>
+              <a:ext uri="{FF2B5EF4-FFF2-40B4-BE49-F238E27FC236}">
+                <a16:creationId xmlns:a16="http://schemas.microsoft.com/office/drawing/2014/main" id="{83B6C4D1-D53E-E23F-BF9E-5C1615636A63}"/>
+              </a:ext>
+            </a:extLst>
+          </p:cNvPr>
+          <p:cNvSpPr txBox="1"/>
+          <p:nvPr/>
+        </p:nvSpPr>
+        <p:spPr>
+          <a:xfrm>
+            <a:off x="2990536" y="4484769"/>
+            <a:ext cx="984354" cy="307777"/>
+          </a:xfrm>
+          <a:prstGeom prst="rect">
+            <a:avLst/>
+          </a:prstGeom>
+          <a:noFill/>
+        </p:spPr>
+        <p:txBody>
+          <a:bodyPr wrap="square">
+            <a:spAutoFit/>
+          </a:bodyPr>
+          <a:lstStyle/>
+          <a:p>
+            <a:pPr algn="r"/>
+            <a:r>
+              <a:rPr kumimoji="1" lang="en-US" altLang="ko-Kore-KR" sz="1400" dirty="0">
+                <a:latin typeface="DM Mono" panose="020B0509040201040103" pitchFamily="49" charset="0"/>
+              </a:rPr>
+              <a:t>age</a:t>
+            </a:r>
+            <a:endParaRPr lang="ko-Kore-KR" altLang="en-US" sz="1400" dirty="0"/>
+          </a:p>
+        </p:txBody>
+      </p:sp>
+      <p:sp>
+        <p:nvSpPr>
+          <p:cNvPr id="10" name="직사각형 9">
+            <a:extLst>
+              <a:ext uri="{FF2B5EF4-FFF2-40B4-BE49-F238E27FC236}">
+                <a16:creationId xmlns:a16="http://schemas.microsoft.com/office/drawing/2014/main" id="{E690C977-B57B-2F38-2553-228586451E1F}"/>
+              </a:ext>
+            </a:extLst>
+          </p:cNvPr>
+          <p:cNvSpPr/>
+          <p:nvPr/>
+        </p:nvSpPr>
+        <p:spPr>
+          <a:xfrm>
+            <a:off x="3974890" y="4838525"/>
+            <a:ext cx="1371601" cy="399738"/>
+          </a:xfrm>
+          <a:prstGeom prst="rect">
+            <a:avLst/>
+          </a:prstGeom>
+          <a:solidFill>
+            <a:srgbClr val="FFFF00"/>
+          </a:solidFill>
+        </p:spPr>
+        <p:style>
+          <a:lnRef idx="2">
+            <a:schemeClr val="accent4">
+              <a:shade val="15000"/>
+            </a:schemeClr>
+          </a:lnRef>
+          <a:fillRef idx="1">
+            <a:schemeClr val="accent4"/>
+          </a:fillRef>
+          <a:effectRef idx="0">
+            <a:schemeClr val="accent4"/>
+          </a:effectRef>
+          <a:fontRef idx="minor">
+            <a:schemeClr val="lt1"/>
+          </a:fontRef>
+        </p:style>
+        <p:txBody>
+          <a:bodyPr rtlCol="0" anchor="ctr"/>
+          <a:lstStyle/>
+          <a:p>
+            <a:pPr algn="ctr"/>
+            <a:r>
+              <a:rPr kumimoji="1" lang="en-US" altLang="ko-Kore-KR" sz="1400" dirty="0">
+                <a:solidFill>
+                  <a:srgbClr val="FF0000"/>
+                </a:solidFill>
+                <a:latin typeface="DM Mono" panose="020B0509040201040103" pitchFamily="49" charset="0"/>
+              </a:rPr>
+              <a:t>NULL</a:t>
+            </a:r>
+            <a:endParaRPr kumimoji="1" lang="ko-Kore-KR" altLang="en-US" sz="1400" dirty="0">
+              <a:solidFill>
+                <a:srgbClr val="FF0000"/>
+              </a:solidFill>
+              <a:latin typeface="DM Mono" panose="020B0509040201040103" pitchFamily="49" charset="0"/>
+            </a:endParaRPr>
+          </a:p>
+        </p:txBody>
+      </p:sp>
+      <p:sp>
+        <p:nvSpPr>
+          <p:cNvPr id="11" name="TextBox 10">
+            <a:extLst>
+              <a:ext uri="{FF2B5EF4-FFF2-40B4-BE49-F238E27FC236}">
+                <a16:creationId xmlns:a16="http://schemas.microsoft.com/office/drawing/2014/main" id="{8756970F-25F8-12C0-6634-4BA7A182AD99}"/>
+              </a:ext>
+            </a:extLst>
+          </p:cNvPr>
+          <p:cNvSpPr txBox="1"/>
+          <p:nvPr/>
+        </p:nvSpPr>
+        <p:spPr>
+          <a:xfrm>
+            <a:off x="2698230" y="4884505"/>
+            <a:ext cx="1276660" cy="307777"/>
+          </a:xfrm>
+          <a:prstGeom prst="rect">
+            <a:avLst/>
+          </a:prstGeom>
+          <a:noFill/>
+        </p:spPr>
+        <p:txBody>
+          <a:bodyPr wrap="square">
+            <a:spAutoFit/>
+          </a:bodyPr>
+          <a:lstStyle/>
+          <a:p>
+            <a:pPr algn="r"/>
+            <a:r>
+              <a:rPr kumimoji="1" lang="en-US" altLang="ko-Kore-KR" sz="1400" dirty="0" err="1">
+                <a:latin typeface="DM Mono" panose="020B0509040201040103" pitchFamily="49" charset="0"/>
+              </a:rPr>
+              <a:t>link.next</a:t>
+            </a:r>
+            <a:endParaRPr lang="ko-Kore-KR" altLang="en-US" sz="1400" dirty="0"/>
+          </a:p>
+        </p:txBody>
+      </p:sp>
+      <p:sp>
+        <p:nvSpPr>
+          <p:cNvPr id="12" name="TextBox 11">
+            <a:extLst>
+              <a:ext uri="{FF2B5EF4-FFF2-40B4-BE49-F238E27FC236}">
+                <a16:creationId xmlns:a16="http://schemas.microsoft.com/office/drawing/2014/main" id="{7B6BAB26-8B2C-DE76-5156-89B3D1DB20A4}"/>
+              </a:ext>
+            </a:extLst>
+          </p:cNvPr>
+          <p:cNvSpPr txBox="1"/>
+          <p:nvPr/>
+        </p:nvSpPr>
+        <p:spPr>
+          <a:xfrm>
+            <a:off x="4079823" y="3731275"/>
+            <a:ext cx="984354" cy="307777"/>
+          </a:xfrm>
+          <a:prstGeom prst="rect">
+            <a:avLst/>
+          </a:prstGeom>
+          <a:noFill/>
+        </p:spPr>
+        <p:txBody>
+          <a:bodyPr wrap="square">
+            <a:spAutoFit/>
+          </a:bodyPr>
+          <a:lstStyle/>
+          <a:p>
+            <a:pPr algn="ctr"/>
+            <a:r>
+              <a:rPr kumimoji="1" lang="en-US" altLang="ko-Kore-KR" sz="1400" dirty="0">
+                <a:latin typeface="DM Mono" panose="020B0509040201040103" pitchFamily="49" charset="0"/>
+              </a:rPr>
+              <a:t>user1</a:t>
+            </a:r>
+            <a:endParaRPr lang="ko-Kore-KR" altLang="en-US" sz="1400" dirty="0"/>
+          </a:p>
+        </p:txBody>
+      </p:sp>
+      <p:sp>
+        <p:nvSpPr>
+          <p:cNvPr id="13" name="직사각형 12">
+            <a:extLst>
+              <a:ext uri="{FF2B5EF4-FFF2-40B4-BE49-F238E27FC236}">
+                <a16:creationId xmlns:a16="http://schemas.microsoft.com/office/drawing/2014/main" id="{64A26A70-F0B8-74BC-774E-5728199B139F}"/>
+              </a:ext>
+            </a:extLst>
+          </p:cNvPr>
+          <p:cNvSpPr/>
+          <p:nvPr/>
+        </p:nvSpPr>
+        <p:spPr>
+          <a:xfrm>
+            <a:off x="6633143" y="4039051"/>
+            <a:ext cx="1371601" cy="399738"/>
+          </a:xfrm>
+          <a:prstGeom prst="rect">
+            <a:avLst/>
+          </a:prstGeom>
+          <a:solidFill>
+            <a:srgbClr val="FFFF00"/>
+          </a:solidFill>
+        </p:spPr>
+        <p:style>
+          <a:lnRef idx="2">
+            <a:schemeClr val="accent4">
+              <a:shade val="15000"/>
+            </a:schemeClr>
+          </a:lnRef>
+          <a:fillRef idx="1">
+            <a:schemeClr val="accent4"/>
+          </a:fillRef>
+          <a:effectRef idx="0">
+            <a:schemeClr val="accent4"/>
+          </a:effectRef>
+          <a:fontRef idx="minor">
+            <a:schemeClr val="lt1"/>
+          </a:fontRef>
+        </p:style>
+        <p:txBody>
+          <a:bodyPr rtlCol="0" anchor="ctr"/>
+          <a:lstStyle/>
+          <a:p>
+            <a:pPr algn="ctr"/>
+            <a:r>
+              <a:rPr kumimoji="1" lang="en-US" altLang="ko-Kore-KR" sz="1400" dirty="0">
+                <a:solidFill>
+                  <a:schemeClr val="tx1"/>
+                </a:solidFill>
+                <a:latin typeface="DM Mono" panose="020B0509040201040103" pitchFamily="49" charset="0"/>
+              </a:rPr>
+              <a:t>Bob</a:t>
+            </a:r>
+            <a:endParaRPr kumimoji="1" lang="ko-Kore-KR" altLang="en-US" sz="1400" dirty="0">
+              <a:solidFill>
+                <a:schemeClr val="tx1"/>
+              </a:solidFill>
+              <a:latin typeface="DM Mono" panose="020B0509040201040103" pitchFamily="49" charset="0"/>
+            </a:endParaRPr>
+          </a:p>
+        </p:txBody>
+      </p:sp>
+      <p:sp>
+        <p:nvSpPr>
+          <p:cNvPr id="15" name="직사각형 14">
+            <a:extLst>
+              <a:ext uri="{FF2B5EF4-FFF2-40B4-BE49-F238E27FC236}">
+                <a16:creationId xmlns:a16="http://schemas.microsoft.com/office/drawing/2014/main" id="{8C084474-CE84-AF92-30D6-4B2083A48131}"/>
+              </a:ext>
+            </a:extLst>
+          </p:cNvPr>
+          <p:cNvSpPr/>
+          <p:nvPr/>
+        </p:nvSpPr>
+        <p:spPr>
+          <a:xfrm>
+            <a:off x="6633143" y="4438788"/>
+            <a:ext cx="1371601" cy="399738"/>
+          </a:xfrm>
+          <a:prstGeom prst="rect">
+            <a:avLst/>
+          </a:prstGeom>
+          <a:solidFill>
+            <a:srgbClr val="FFFF00"/>
+          </a:solidFill>
+        </p:spPr>
+        <p:style>
+          <a:lnRef idx="2">
+            <a:schemeClr val="accent4">
+              <a:shade val="15000"/>
+            </a:schemeClr>
+          </a:lnRef>
+          <a:fillRef idx="1">
+            <a:schemeClr val="accent4"/>
+          </a:fillRef>
+          <a:effectRef idx="0">
+            <a:schemeClr val="accent4"/>
+          </a:effectRef>
+          <a:fontRef idx="minor">
+            <a:schemeClr val="lt1"/>
+          </a:fontRef>
+        </p:style>
+        <p:txBody>
+          <a:bodyPr rtlCol="0" anchor="ctr"/>
+          <a:lstStyle/>
+          <a:p>
+            <a:pPr algn="ctr"/>
+            <a:r>
+              <a:rPr kumimoji="1" lang="en-US" altLang="ko-Kore-KR" sz="1400" dirty="0">
+                <a:solidFill>
+                  <a:schemeClr val="tx1"/>
+                </a:solidFill>
+                <a:latin typeface="DM Mono" panose="020B0509040201040103" pitchFamily="49" charset="0"/>
+              </a:rPr>
+              <a:t>30</a:t>
+            </a:r>
+            <a:endParaRPr kumimoji="1" lang="ko-Kore-KR" altLang="en-US" sz="1400" dirty="0">
+              <a:solidFill>
+                <a:schemeClr val="tx1"/>
+              </a:solidFill>
+              <a:latin typeface="DM Mono" panose="020B0509040201040103" pitchFamily="49" charset="0"/>
+            </a:endParaRPr>
+          </a:p>
+        </p:txBody>
+      </p:sp>
+      <p:sp>
+        <p:nvSpPr>
+          <p:cNvPr id="17" name="직사각형 16">
+            <a:extLst>
+              <a:ext uri="{FF2B5EF4-FFF2-40B4-BE49-F238E27FC236}">
+                <a16:creationId xmlns:a16="http://schemas.microsoft.com/office/drawing/2014/main" id="{C49474C3-B2B0-BCDD-3451-422468E8655B}"/>
+              </a:ext>
+            </a:extLst>
+          </p:cNvPr>
+          <p:cNvSpPr/>
+          <p:nvPr/>
+        </p:nvSpPr>
+        <p:spPr>
+          <a:xfrm>
+            <a:off x="6633143" y="4838524"/>
+            <a:ext cx="1371601" cy="399738"/>
+          </a:xfrm>
+          <a:prstGeom prst="rect">
+            <a:avLst/>
+          </a:prstGeom>
+          <a:solidFill>
+            <a:srgbClr val="FFFF00"/>
+          </a:solidFill>
+        </p:spPr>
+        <p:style>
+          <a:lnRef idx="2">
+            <a:schemeClr val="accent4">
+              <a:shade val="15000"/>
+            </a:schemeClr>
+          </a:lnRef>
+          <a:fillRef idx="1">
+            <a:schemeClr val="accent4"/>
+          </a:fillRef>
+          <a:effectRef idx="0">
+            <a:schemeClr val="accent4"/>
+          </a:effectRef>
+          <a:fontRef idx="minor">
+            <a:schemeClr val="lt1"/>
+          </a:fontRef>
+        </p:style>
+        <p:txBody>
+          <a:bodyPr rtlCol="0" anchor="ctr"/>
+          <a:lstStyle/>
+          <a:p>
+            <a:pPr algn="ctr"/>
+            <a:endParaRPr kumimoji="1" lang="ko-Kore-KR" altLang="en-US" sz="1400" dirty="0">
+              <a:solidFill>
+                <a:schemeClr val="tx1"/>
+              </a:solidFill>
+              <a:latin typeface="DM Mono" panose="020B0509040201040103" pitchFamily="49" charset="0"/>
+            </a:endParaRPr>
+          </a:p>
+        </p:txBody>
+      </p:sp>
+      <p:sp>
+        <p:nvSpPr>
+          <p:cNvPr id="19" name="TextBox 18">
+            <a:extLst>
+              <a:ext uri="{FF2B5EF4-FFF2-40B4-BE49-F238E27FC236}">
+                <a16:creationId xmlns:a16="http://schemas.microsoft.com/office/drawing/2014/main" id="{C9F51F7A-61B6-2BF8-0536-7D9BFE8155B3}"/>
+              </a:ext>
+            </a:extLst>
+          </p:cNvPr>
+          <p:cNvSpPr txBox="1"/>
+          <p:nvPr/>
+        </p:nvSpPr>
+        <p:spPr>
+          <a:xfrm>
+            <a:off x="6738076" y="3731274"/>
+            <a:ext cx="984354" cy="307777"/>
+          </a:xfrm>
+          <a:prstGeom prst="rect">
+            <a:avLst/>
+          </a:prstGeom>
+          <a:noFill/>
+        </p:spPr>
+        <p:txBody>
+          <a:bodyPr wrap="square">
+            <a:spAutoFit/>
+          </a:bodyPr>
+          <a:lstStyle/>
+          <a:p>
+            <a:pPr algn="ctr"/>
+            <a:r>
+              <a:rPr kumimoji="1" lang="en-US" altLang="ko-Kore-KR" sz="1400" dirty="0">
+                <a:latin typeface="DM Mono" panose="020B0509040201040103" pitchFamily="49" charset="0"/>
+              </a:rPr>
+              <a:t>user2</a:t>
+            </a:r>
+            <a:endParaRPr lang="ko-Kore-KR" altLang="en-US" sz="1400" dirty="0"/>
+          </a:p>
+        </p:txBody>
+      </p:sp>
+      <p:sp>
+        <p:nvSpPr>
+          <p:cNvPr id="20" name="직사각형 19">
+            <a:extLst>
+              <a:ext uri="{FF2B5EF4-FFF2-40B4-BE49-F238E27FC236}">
+                <a16:creationId xmlns:a16="http://schemas.microsoft.com/office/drawing/2014/main" id="{BF8B955C-1044-1669-06D9-A4CDD4DD8680}"/>
+              </a:ext>
+            </a:extLst>
+          </p:cNvPr>
+          <p:cNvSpPr/>
+          <p:nvPr/>
+        </p:nvSpPr>
+        <p:spPr>
+          <a:xfrm>
+            <a:off x="9291396" y="4039050"/>
+            <a:ext cx="1371601" cy="399738"/>
+          </a:xfrm>
+          <a:prstGeom prst="rect">
+            <a:avLst/>
+          </a:prstGeom>
+          <a:solidFill>
+            <a:srgbClr val="FFFF00"/>
+          </a:solidFill>
+        </p:spPr>
+        <p:style>
+          <a:lnRef idx="2">
+            <a:schemeClr val="accent4">
+              <a:shade val="15000"/>
+            </a:schemeClr>
+          </a:lnRef>
+          <a:fillRef idx="1">
+            <a:schemeClr val="accent4"/>
+          </a:fillRef>
+          <a:effectRef idx="0">
+            <a:schemeClr val="accent4"/>
+          </a:effectRef>
+          <a:fontRef idx="minor">
+            <a:schemeClr val="lt1"/>
+          </a:fontRef>
+        </p:style>
+        <p:txBody>
+          <a:bodyPr rtlCol="0" anchor="ctr"/>
+          <a:lstStyle/>
+          <a:p>
+            <a:pPr algn="ctr"/>
+            <a:r>
+              <a:rPr kumimoji="1" lang="en-US" altLang="ko-Kore-KR" sz="1400" dirty="0">
+                <a:solidFill>
+                  <a:schemeClr val="tx1"/>
+                </a:solidFill>
+                <a:latin typeface="DM Mono" panose="020B0509040201040103" pitchFamily="49" charset="0"/>
+              </a:rPr>
+              <a:t>Alice</a:t>
+            </a:r>
+            <a:endParaRPr kumimoji="1" lang="ko-Kore-KR" altLang="en-US" sz="1400" dirty="0">
+              <a:solidFill>
+                <a:schemeClr val="tx1"/>
+              </a:solidFill>
+              <a:latin typeface="DM Mono" panose="020B0509040201040103" pitchFamily="49" charset="0"/>
+            </a:endParaRPr>
+          </a:p>
+        </p:txBody>
+      </p:sp>
+      <p:sp>
+        <p:nvSpPr>
+          <p:cNvPr id="22" name="직사각형 21">
+            <a:extLst>
+              <a:ext uri="{FF2B5EF4-FFF2-40B4-BE49-F238E27FC236}">
+                <a16:creationId xmlns:a16="http://schemas.microsoft.com/office/drawing/2014/main" id="{D76558C7-C703-9237-C421-28A00086F3C1}"/>
+              </a:ext>
+            </a:extLst>
+          </p:cNvPr>
+          <p:cNvSpPr/>
+          <p:nvPr/>
+        </p:nvSpPr>
+        <p:spPr>
+          <a:xfrm>
+            <a:off x="9291396" y="4438787"/>
+            <a:ext cx="1371601" cy="399738"/>
+          </a:xfrm>
+          <a:prstGeom prst="rect">
+            <a:avLst/>
+          </a:prstGeom>
+          <a:solidFill>
+            <a:srgbClr val="FFFF00"/>
+          </a:solidFill>
+        </p:spPr>
+        <p:style>
+          <a:lnRef idx="2">
+            <a:schemeClr val="accent4">
+              <a:shade val="15000"/>
+            </a:schemeClr>
+          </a:lnRef>
+          <a:fillRef idx="1">
+            <a:schemeClr val="accent4"/>
+          </a:fillRef>
+          <a:effectRef idx="0">
+            <a:schemeClr val="accent4"/>
+          </a:effectRef>
+          <a:fontRef idx="minor">
+            <a:schemeClr val="lt1"/>
+          </a:fontRef>
+        </p:style>
+        <p:txBody>
+          <a:bodyPr rtlCol="0" anchor="ctr"/>
+          <a:lstStyle/>
+          <a:p>
+            <a:pPr algn="ctr"/>
+            <a:r>
+              <a:rPr kumimoji="1" lang="en-US" altLang="ko-Kore-KR" sz="1400" dirty="0">
+                <a:solidFill>
+                  <a:schemeClr val="tx1"/>
+                </a:solidFill>
+                <a:latin typeface="DM Mono" panose="020B0509040201040103" pitchFamily="49" charset="0"/>
+              </a:rPr>
+              <a:t>24</a:t>
+            </a:r>
+            <a:endParaRPr kumimoji="1" lang="ko-Kore-KR" altLang="en-US" sz="1400" dirty="0">
+              <a:solidFill>
+                <a:schemeClr val="tx1"/>
+              </a:solidFill>
+              <a:latin typeface="DM Mono" panose="020B0509040201040103" pitchFamily="49" charset="0"/>
+            </a:endParaRPr>
+          </a:p>
+        </p:txBody>
+      </p:sp>
+      <p:sp>
+        <p:nvSpPr>
+          <p:cNvPr id="24" name="직사각형 23">
+            <a:extLst>
+              <a:ext uri="{FF2B5EF4-FFF2-40B4-BE49-F238E27FC236}">
+                <a16:creationId xmlns:a16="http://schemas.microsoft.com/office/drawing/2014/main" id="{170D24C6-4DB6-AD2F-67EE-83CACAF42A6B}"/>
+              </a:ext>
+            </a:extLst>
+          </p:cNvPr>
+          <p:cNvSpPr/>
+          <p:nvPr/>
+        </p:nvSpPr>
+        <p:spPr>
+          <a:xfrm>
+            <a:off x="9291396" y="4838523"/>
+            <a:ext cx="1371601" cy="399738"/>
+          </a:xfrm>
+          <a:prstGeom prst="rect">
+            <a:avLst/>
+          </a:prstGeom>
+          <a:solidFill>
+            <a:srgbClr val="FFFF00"/>
+          </a:solidFill>
+        </p:spPr>
+        <p:style>
+          <a:lnRef idx="2">
+            <a:schemeClr val="accent4">
+              <a:shade val="15000"/>
+            </a:schemeClr>
+          </a:lnRef>
+          <a:fillRef idx="1">
+            <a:schemeClr val="accent4"/>
+          </a:fillRef>
+          <a:effectRef idx="0">
+            <a:schemeClr val="accent4"/>
+          </a:effectRef>
+          <a:fontRef idx="minor">
+            <a:schemeClr val="lt1"/>
+          </a:fontRef>
+        </p:style>
+        <p:txBody>
+          <a:bodyPr rtlCol="0" anchor="ctr"/>
+          <a:lstStyle/>
+          <a:p>
+            <a:pPr algn="ctr"/>
+            <a:r>
+              <a:rPr kumimoji="1" lang="en-US" altLang="ko-Kore-KR" sz="1400" dirty="0">
+                <a:solidFill>
+                  <a:schemeClr val="tx1"/>
+                </a:solidFill>
+                <a:latin typeface="DM Mono" panose="020B0509040201040103" pitchFamily="49" charset="0"/>
+              </a:rPr>
+              <a:t>NULL</a:t>
+            </a:r>
+            <a:endParaRPr kumimoji="1" lang="ko-Kore-KR" altLang="en-US" sz="1400" dirty="0">
+              <a:solidFill>
+                <a:schemeClr val="tx1"/>
+              </a:solidFill>
+              <a:latin typeface="DM Mono" panose="020B0509040201040103" pitchFamily="49" charset="0"/>
+            </a:endParaRPr>
+          </a:p>
+        </p:txBody>
+      </p:sp>
+      <p:sp>
+        <p:nvSpPr>
+          <p:cNvPr id="26" name="TextBox 25">
+            <a:extLst>
+              <a:ext uri="{FF2B5EF4-FFF2-40B4-BE49-F238E27FC236}">
+                <a16:creationId xmlns:a16="http://schemas.microsoft.com/office/drawing/2014/main" id="{1A6404D4-805A-A1B1-0D5E-B1662364A766}"/>
+              </a:ext>
+            </a:extLst>
+          </p:cNvPr>
+          <p:cNvSpPr txBox="1"/>
+          <p:nvPr/>
+        </p:nvSpPr>
+        <p:spPr>
+          <a:xfrm>
+            <a:off x="9396329" y="3731273"/>
+            <a:ext cx="984354" cy="307777"/>
+          </a:xfrm>
+          <a:prstGeom prst="rect">
+            <a:avLst/>
+          </a:prstGeom>
+          <a:noFill/>
+        </p:spPr>
+        <p:txBody>
+          <a:bodyPr wrap="square">
+            <a:spAutoFit/>
+          </a:bodyPr>
+          <a:lstStyle/>
+          <a:p>
+            <a:pPr algn="ctr"/>
+            <a:r>
+              <a:rPr kumimoji="1" lang="en-US" altLang="ko-Kore-KR" sz="1400" dirty="0">
+                <a:latin typeface="DM Mono" panose="020B0509040201040103" pitchFamily="49" charset="0"/>
+              </a:rPr>
+              <a:t>user3</a:t>
+            </a:r>
+            <a:endParaRPr lang="ko-Kore-KR" altLang="en-US" sz="1400" dirty="0"/>
+          </a:p>
+        </p:txBody>
+      </p:sp>
+      <p:sp>
+        <p:nvSpPr>
+          <p:cNvPr id="27" name="직사각형 26">
+            <a:extLst>
+              <a:ext uri="{FF2B5EF4-FFF2-40B4-BE49-F238E27FC236}">
+                <a16:creationId xmlns:a16="http://schemas.microsoft.com/office/drawing/2014/main" id="{0E97A5AB-4EAC-E294-38F4-9382369BD6A4}"/>
+              </a:ext>
+            </a:extLst>
+          </p:cNvPr>
+          <p:cNvSpPr/>
+          <p:nvPr/>
+        </p:nvSpPr>
+        <p:spPr>
+          <a:xfrm>
+            <a:off x="5803691" y="1534898"/>
+            <a:ext cx="1371601" cy="399738"/>
+          </a:xfrm>
+          <a:prstGeom prst="rect">
+            <a:avLst/>
+          </a:prstGeom>
+          <a:solidFill>
+            <a:srgbClr val="FFFF00"/>
+          </a:solidFill>
+        </p:spPr>
+        <p:style>
+          <a:lnRef idx="2">
+            <a:schemeClr val="accent4">
+              <a:shade val="15000"/>
+            </a:schemeClr>
+          </a:lnRef>
+          <a:fillRef idx="1">
+            <a:schemeClr val="accent4"/>
+          </a:fillRef>
+          <a:effectRef idx="0">
+            <a:schemeClr val="accent4"/>
+          </a:effectRef>
+          <a:fontRef idx="minor">
+            <a:schemeClr val="lt1"/>
+          </a:fontRef>
+        </p:style>
+        <p:txBody>
+          <a:bodyPr rtlCol="0" anchor="ctr"/>
+          <a:lstStyle/>
+          <a:p>
+            <a:pPr algn="ctr"/>
+            <a:endParaRPr kumimoji="1" lang="ko-Kore-KR" altLang="en-US" sz="1400" dirty="0">
+              <a:solidFill>
+                <a:schemeClr val="tx1"/>
+              </a:solidFill>
+              <a:latin typeface="DM Mono" panose="020B0509040201040103" pitchFamily="49" charset="0"/>
+            </a:endParaRPr>
+          </a:p>
+        </p:txBody>
+      </p:sp>
+      <p:sp>
+        <p:nvSpPr>
+          <p:cNvPr id="28" name="TextBox 27">
+            <a:extLst>
+              <a:ext uri="{FF2B5EF4-FFF2-40B4-BE49-F238E27FC236}">
+                <a16:creationId xmlns:a16="http://schemas.microsoft.com/office/drawing/2014/main" id="{26AA044D-F540-DAE1-C813-F4ACA062165A}"/>
+              </a:ext>
+            </a:extLst>
+          </p:cNvPr>
+          <p:cNvSpPr txBox="1"/>
+          <p:nvPr/>
+        </p:nvSpPr>
+        <p:spPr>
+          <a:xfrm>
+            <a:off x="4527031" y="1580878"/>
+            <a:ext cx="1276660" cy="307777"/>
+          </a:xfrm>
+          <a:prstGeom prst="rect">
+            <a:avLst/>
+          </a:prstGeom>
+          <a:noFill/>
+        </p:spPr>
+        <p:txBody>
+          <a:bodyPr wrap="square">
+            <a:spAutoFit/>
+          </a:bodyPr>
+          <a:lstStyle/>
+          <a:p>
+            <a:pPr algn="r"/>
+            <a:r>
+              <a:rPr kumimoji="1" lang="en-US" altLang="ko-Kore-KR" sz="1400" dirty="0" err="1">
+                <a:latin typeface="DM Mono" panose="020B0509040201040103" pitchFamily="49" charset="0"/>
+              </a:rPr>
+              <a:t>link.next</a:t>
+            </a:r>
+            <a:endParaRPr lang="ko-Kore-KR" altLang="en-US" sz="1400" dirty="0"/>
+          </a:p>
+        </p:txBody>
+      </p:sp>
+      <p:sp>
+        <p:nvSpPr>
+          <p:cNvPr id="29" name="TextBox 28">
+            <a:extLst>
+              <a:ext uri="{FF2B5EF4-FFF2-40B4-BE49-F238E27FC236}">
+                <a16:creationId xmlns:a16="http://schemas.microsoft.com/office/drawing/2014/main" id="{CA3B09D8-4001-B8D6-EC43-033EC24AD3C5}"/>
+              </a:ext>
+            </a:extLst>
+          </p:cNvPr>
+          <p:cNvSpPr txBox="1"/>
+          <p:nvPr/>
+        </p:nvSpPr>
+        <p:spPr>
+          <a:xfrm>
+            <a:off x="5997314" y="1183644"/>
+            <a:ext cx="984354" cy="307777"/>
+          </a:xfrm>
+          <a:prstGeom prst="rect">
+            <a:avLst/>
+          </a:prstGeom>
+          <a:noFill/>
+        </p:spPr>
+        <p:txBody>
+          <a:bodyPr wrap="square">
+            <a:spAutoFit/>
+          </a:bodyPr>
+          <a:lstStyle/>
+          <a:p>
+            <a:pPr algn="ctr"/>
+            <a:r>
+              <a:rPr kumimoji="1" lang="en-US" altLang="ko-Kore-KR" sz="1400" dirty="0">
+                <a:latin typeface="DM Mono" panose="020B0509040201040103" pitchFamily="49" charset="0"/>
+              </a:rPr>
+              <a:t>head</a:t>
+            </a:r>
+            <a:endParaRPr lang="ko-Kore-KR" altLang="en-US" sz="1400" dirty="0"/>
+          </a:p>
+        </p:txBody>
+      </p:sp>
+      <p:cxnSp>
+        <p:nvCxnSpPr>
+          <p:cNvPr id="3" name="구부러진 연결선[U] 2">
+            <a:extLst>
+              <a:ext uri="{FF2B5EF4-FFF2-40B4-BE49-F238E27FC236}">
+                <a16:creationId xmlns:a16="http://schemas.microsoft.com/office/drawing/2014/main" id="{5004EAEF-7525-9FD1-47FD-CC5F69E8D999}"/>
+              </a:ext>
+            </a:extLst>
+          </p:cNvPr>
+          <p:cNvCxnSpPr>
+            <a:cxnSpLocks/>
+            <a:stCxn id="27" idx="3"/>
+            <a:endCxn id="17" idx="1"/>
+          </p:cNvCxnSpPr>
+          <p:nvPr/>
+        </p:nvCxnSpPr>
+        <p:spPr>
+          <a:xfrm flipH="1">
+            <a:off x="6633143" y="1734767"/>
+            <a:ext cx="542149" cy="3303626"/>
+          </a:xfrm>
+          <a:prstGeom prst="curvedConnector5">
+            <a:avLst>
+              <a:gd name="adj1" fmla="val -42166"/>
+              <a:gd name="adj2" fmla="val 50000"/>
+              <a:gd name="adj3" fmla="val 142166"/>
+            </a:avLst>
+          </a:prstGeom>
+          <a:ln>
+            <a:tailEnd type="triangle"/>
+          </a:ln>
+        </p:spPr>
+        <p:style>
+          <a:lnRef idx="1">
+            <a:schemeClr val="dk1"/>
+          </a:lnRef>
+          <a:fillRef idx="0">
+            <a:schemeClr val="dk1"/>
+          </a:fillRef>
+          <a:effectRef idx="0">
+            <a:schemeClr val="dk1"/>
+          </a:effectRef>
+          <a:fontRef idx="minor">
+            <a:schemeClr val="tx1"/>
+          </a:fontRef>
+        </p:style>
+      </p:cxnSp>
+      <p:cxnSp>
+        <p:nvCxnSpPr>
+          <p:cNvPr id="2" name="구부러진 연결선[U] 1">
+            <a:extLst>
+              <a:ext uri="{FF2B5EF4-FFF2-40B4-BE49-F238E27FC236}">
+                <a16:creationId xmlns:a16="http://schemas.microsoft.com/office/drawing/2014/main" id="{01B2201E-DEBC-4EA4-61CF-02C051BBA8B5}"/>
+              </a:ext>
+            </a:extLst>
+          </p:cNvPr>
+          <p:cNvCxnSpPr>
+            <a:cxnSpLocks/>
+            <a:stCxn id="17" idx="1"/>
+            <a:endCxn id="10" idx="3"/>
+          </p:cNvCxnSpPr>
+          <p:nvPr/>
+        </p:nvCxnSpPr>
+        <p:spPr>
+          <a:xfrm rot="10800000" flipV="1">
+            <a:off x="5346491" y="5038392"/>
+            <a:ext cx="1286652" cy="1"/>
+          </a:xfrm>
+          <a:prstGeom prst="curvedConnector3">
+            <a:avLst/>
+          </a:prstGeom>
+          <a:ln>
+            <a:tailEnd type="triangle"/>
+          </a:ln>
+        </p:spPr>
+        <p:style>
+          <a:lnRef idx="1">
+            <a:schemeClr val="dk1"/>
+          </a:lnRef>
+          <a:fillRef idx="0">
+            <a:schemeClr val="dk1"/>
+          </a:fillRef>
+          <a:effectRef idx="0">
+            <a:schemeClr val="dk1"/>
+          </a:effectRef>
+          <a:fontRef idx="minor">
+            <a:schemeClr val="tx1"/>
+          </a:fontRef>
+        </p:style>
+      </p:cxnSp>
+    </p:spTree>
+    <p:extLst>
+      <p:ext uri="{BB962C8B-B14F-4D97-AF65-F5344CB8AC3E}">
+        <p14:creationId xmlns:p14="http://schemas.microsoft.com/office/powerpoint/2010/main" val="818079718"/>
+      </p:ext>
+    </p:extLst>
+  </p:cSld>
+  <p:clrMapOvr>
+    <a:masterClrMapping/>
+  </p:clrMapOvr>
+</p:sld>
+</file>
+
+<file path=ppt/slides/slide16.xml><?xml version="1.0" encoding="utf-8"?>
+<p:sld xmlns:a="http://schemas.openxmlformats.org/drawingml/2006/main" xmlns:r="http://schemas.openxmlformats.org/officeDocument/2006/relationships" xmlns:p="http://schemas.openxmlformats.org/presentationml/2006/main">
+  <p:cSld>
+    <p:spTree>
+      <p:nvGrpSpPr>
+        <p:cNvPr id="1" name=""/>
+        <p:cNvGrpSpPr/>
+        <p:nvPr/>
+      </p:nvGrpSpPr>
+      <p:grpSpPr>
+        <a:xfrm>
+          <a:off x="0" y="0"/>
+          <a:ext cx="0" cy="0"/>
+          <a:chOff x="0" y="0"/>
+          <a:chExt cx="0" cy="0"/>
+        </a:xfrm>
+      </p:grpSpPr>
+      <p:sp>
+        <p:nvSpPr>
+          <p:cNvPr id="5" name="TextBox 4">
+            <a:extLst>
+              <a:ext uri="{FF2B5EF4-FFF2-40B4-BE49-F238E27FC236}">
+                <a16:creationId xmlns:a16="http://schemas.microsoft.com/office/drawing/2014/main" id="{8FE4E9FE-0B80-B448-241C-3974A1BF3D5A}"/>
+              </a:ext>
+            </a:extLst>
+          </p:cNvPr>
+          <p:cNvSpPr txBox="1"/>
+          <p:nvPr/>
+        </p:nvSpPr>
+        <p:spPr>
+          <a:xfrm>
+            <a:off x="579620" y="256004"/>
+            <a:ext cx="6158456" cy="1754326"/>
+          </a:xfrm>
+          <a:prstGeom prst="rect">
+            <a:avLst/>
+          </a:prstGeom>
+          <a:noFill/>
+        </p:spPr>
+        <p:txBody>
+          <a:bodyPr wrap="square">
+            <a:spAutoFit/>
+          </a:bodyPr>
+          <a:lstStyle/>
+          <a:p>
+            <a:r>
+              <a:rPr lang="en" altLang="ko-Kore-KR" sz="1200" dirty="0">
+                <a:latin typeface="DM Mono" panose="020B0509040201040103" pitchFamily="49" charset="0"/>
+              </a:rPr>
+              <a:t>void insert(struct </a:t>
+            </a:r>
+            <a:r>
+              <a:rPr lang="en" altLang="ko-Kore-KR" sz="1200" dirty="0" err="1">
+                <a:latin typeface="DM Mono" panose="020B0509040201040103" pitchFamily="49" charset="0"/>
+              </a:rPr>
+              <a:t>list_head</a:t>
+            </a:r>
+            <a:r>
+              <a:rPr lang="en" altLang="ko-Kore-KR" sz="1200" dirty="0">
+                <a:latin typeface="DM Mono" panose="020B0509040201040103" pitchFamily="49" charset="0"/>
+              </a:rPr>
+              <a:t>* head, struct </a:t>
+            </a:r>
+            <a:r>
+              <a:rPr lang="en" altLang="ko-Kore-KR" sz="1200" dirty="0" err="1">
+                <a:latin typeface="DM Mono" panose="020B0509040201040103" pitchFamily="49" charset="0"/>
+              </a:rPr>
+              <a:t>list_head</a:t>
+            </a:r>
+            <a:r>
+              <a:rPr lang="en" altLang="ko-Kore-KR" sz="1200" dirty="0">
+                <a:latin typeface="DM Mono" panose="020B0509040201040103" pitchFamily="49" charset="0"/>
+              </a:rPr>
+              <a:t>* new)</a:t>
+            </a:r>
+          </a:p>
+          <a:p>
+            <a:r>
+              <a:rPr lang="en" altLang="ko-Kore-KR" sz="1200" dirty="0">
+                <a:latin typeface="DM Mono" panose="020B0509040201040103" pitchFamily="49" charset="0"/>
+              </a:rPr>
+              <a:t>{</a:t>
+            </a:r>
+          </a:p>
+          <a:p>
+            <a:r>
+              <a:rPr lang="en" altLang="ko-Kore-KR" sz="1200" dirty="0">
+                <a:latin typeface="DM Mono" panose="020B0509040201040103" pitchFamily="49" charset="0"/>
+              </a:rPr>
+              <a:t>    new-&gt;next = head-&gt;next;</a:t>
+            </a:r>
+          </a:p>
+          <a:p>
+            <a:r>
+              <a:rPr lang="en" altLang="ko-Kore-KR" sz="1200" dirty="0">
+                <a:latin typeface="DM Mono" panose="020B0509040201040103" pitchFamily="49" charset="0"/>
+              </a:rPr>
+              <a:t>    head-&gt;next = new;</a:t>
+            </a:r>
+          </a:p>
+          <a:p>
+            <a:r>
+              <a:rPr lang="en" altLang="ko-Kore-KR" sz="1200" dirty="0">
+                <a:latin typeface="DM Mono" panose="020B0509040201040103" pitchFamily="49" charset="0"/>
+              </a:rPr>
+              <a:t>}</a:t>
+            </a:r>
+          </a:p>
+          <a:p>
+            <a:endParaRPr lang="en-US" altLang="ko-Kore-KR" sz="1200" dirty="0">
+              <a:latin typeface="DM Mono" panose="020B0509040201040103" pitchFamily="49" charset="0"/>
+            </a:endParaRPr>
+          </a:p>
+          <a:p>
+            <a:r>
+              <a:rPr lang="en" altLang="ko-Kore-KR" sz="1200" dirty="0">
+                <a:latin typeface="DM Mono" panose="020B0509040201040103" pitchFamily="49" charset="0"/>
+              </a:rPr>
+              <a:t>insert(&amp;head, &amp;user1.link);</a:t>
+            </a:r>
+          </a:p>
+          <a:p>
+            <a:r>
+              <a:rPr lang="en" altLang="ko-Kore-KR" sz="1200" dirty="0">
+                <a:latin typeface="DM Mono" panose="020B0509040201040103" pitchFamily="49" charset="0"/>
+              </a:rPr>
+              <a:t>insert(&amp;head, &amp;user2.link);</a:t>
+            </a:r>
+          </a:p>
+          <a:p>
+            <a:r>
+              <a:rPr lang="en" altLang="ko-Kore-KR" sz="1200" dirty="0">
+                <a:solidFill>
+                  <a:srgbClr val="FF0000"/>
+                </a:solidFill>
+                <a:latin typeface="DM Mono" panose="020B0509040201040103" pitchFamily="49" charset="0"/>
+              </a:rPr>
+              <a:t>insert(&amp;head, &amp;user3.link);</a:t>
+            </a:r>
+            <a:endParaRPr lang="ko-Kore-KR" altLang="en-US" sz="1200" dirty="0">
+              <a:solidFill>
+                <a:srgbClr val="FF0000"/>
+              </a:solidFill>
+              <a:latin typeface="DM Mono" panose="020B0509040201040103" pitchFamily="49" charset="0"/>
+            </a:endParaRPr>
+          </a:p>
+        </p:txBody>
+      </p:sp>
+      <p:sp>
+        <p:nvSpPr>
+          <p:cNvPr id="6" name="직사각형 5">
+            <a:extLst>
+              <a:ext uri="{FF2B5EF4-FFF2-40B4-BE49-F238E27FC236}">
+                <a16:creationId xmlns:a16="http://schemas.microsoft.com/office/drawing/2014/main" id="{38412DED-919A-D585-91E3-C33FD27C6A17}"/>
+              </a:ext>
+            </a:extLst>
+          </p:cNvPr>
+          <p:cNvSpPr/>
+          <p:nvPr/>
+        </p:nvSpPr>
+        <p:spPr>
+          <a:xfrm>
+            <a:off x="3974890" y="4039052"/>
+            <a:ext cx="1371601" cy="399738"/>
+          </a:xfrm>
+          <a:prstGeom prst="rect">
+            <a:avLst/>
+          </a:prstGeom>
+          <a:solidFill>
+            <a:srgbClr val="FFFF00"/>
+          </a:solidFill>
+        </p:spPr>
+        <p:style>
+          <a:lnRef idx="2">
+            <a:schemeClr val="accent4">
+              <a:shade val="15000"/>
+            </a:schemeClr>
+          </a:lnRef>
+          <a:fillRef idx="1">
+            <a:schemeClr val="accent4"/>
+          </a:fillRef>
+          <a:effectRef idx="0">
+            <a:schemeClr val="accent4"/>
+          </a:effectRef>
+          <a:fontRef idx="minor">
+            <a:schemeClr val="lt1"/>
+          </a:fontRef>
+        </p:style>
+        <p:txBody>
+          <a:bodyPr rtlCol="0" anchor="ctr"/>
+          <a:lstStyle/>
+          <a:p>
+            <a:pPr algn="ctr"/>
+            <a:r>
+              <a:rPr kumimoji="1" lang="en-US" altLang="ko-Kore-KR" sz="1400" dirty="0">
+                <a:solidFill>
+                  <a:schemeClr val="tx1"/>
+                </a:solidFill>
+                <a:latin typeface="DM Mono" panose="020B0509040201040103" pitchFamily="49" charset="0"/>
+              </a:rPr>
+              <a:t>Tom</a:t>
+            </a:r>
+            <a:endParaRPr kumimoji="1" lang="ko-Kore-KR" altLang="en-US" sz="1400" dirty="0">
+              <a:solidFill>
+                <a:schemeClr val="tx1"/>
+              </a:solidFill>
+              <a:latin typeface="DM Mono" panose="020B0509040201040103" pitchFamily="49" charset="0"/>
+            </a:endParaRPr>
+          </a:p>
+        </p:txBody>
+      </p:sp>
+      <p:sp>
+        <p:nvSpPr>
+          <p:cNvPr id="7" name="TextBox 6">
+            <a:extLst>
+              <a:ext uri="{FF2B5EF4-FFF2-40B4-BE49-F238E27FC236}">
+                <a16:creationId xmlns:a16="http://schemas.microsoft.com/office/drawing/2014/main" id="{6DCB7DF4-67C1-2F36-090A-6836A8DD135F}"/>
+              </a:ext>
+            </a:extLst>
+          </p:cNvPr>
+          <p:cNvSpPr txBox="1"/>
+          <p:nvPr/>
+        </p:nvSpPr>
+        <p:spPr>
+          <a:xfrm>
+            <a:off x="2990536" y="4085032"/>
+            <a:ext cx="984354" cy="307777"/>
+          </a:xfrm>
+          <a:prstGeom prst="rect">
+            <a:avLst/>
+          </a:prstGeom>
+          <a:noFill/>
+        </p:spPr>
+        <p:txBody>
+          <a:bodyPr wrap="square">
+            <a:spAutoFit/>
+          </a:bodyPr>
+          <a:lstStyle/>
+          <a:p>
+            <a:pPr algn="r"/>
+            <a:r>
+              <a:rPr kumimoji="1" lang="en-US" altLang="ko-Kore-KR" sz="1400" dirty="0">
+                <a:latin typeface="DM Mono" panose="020B0509040201040103" pitchFamily="49" charset="0"/>
+              </a:rPr>
+              <a:t>name</a:t>
+            </a:r>
+            <a:endParaRPr lang="ko-Kore-KR" altLang="en-US" sz="1400" dirty="0"/>
+          </a:p>
+        </p:txBody>
+      </p:sp>
+      <p:sp>
+        <p:nvSpPr>
+          <p:cNvPr id="8" name="직사각형 7">
+            <a:extLst>
+              <a:ext uri="{FF2B5EF4-FFF2-40B4-BE49-F238E27FC236}">
+                <a16:creationId xmlns:a16="http://schemas.microsoft.com/office/drawing/2014/main" id="{90427C34-9233-ACA6-EE7E-7F2559246E9B}"/>
+              </a:ext>
+            </a:extLst>
+          </p:cNvPr>
+          <p:cNvSpPr/>
+          <p:nvPr/>
+        </p:nvSpPr>
+        <p:spPr>
+          <a:xfrm>
+            <a:off x="3974890" y="4438789"/>
+            <a:ext cx="1371601" cy="399738"/>
+          </a:xfrm>
+          <a:prstGeom prst="rect">
+            <a:avLst/>
+          </a:prstGeom>
+          <a:solidFill>
+            <a:srgbClr val="FFFF00"/>
+          </a:solidFill>
+        </p:spPr>
+        <p:style>
+          <a:lnRef idx="2">
+            <a:schemeClr val="accent4">
+              <a:shade val="15000"/>
+            </a:schemeClr>
+          </a:lnRef>
+          <a:fillRef idx="1">
+            <a:schemeClr val="accent4"/>
+          </a:fillRef>
+          <a:effectRef idx="0">
+            <a:schemeClr val="accent4"/>
+          </a:effectRef>
+          <a:fontRef idx="minor">
+            <a:schemeClr val="lt1"/>
+          </a:fontRef>
+        </p:style>
+        <p:txBody>
+          <a:bodyPr rtlCol="0" anchor="ctr"/>
+          <a:lstStyle/>
+          <a:p>
+            <a:pPr algn="ctr"/>
+            <a:r>
+              <a:rPr kumimoji="1" lang="en-US" altLang="ko-Kore-KR" sz="1400" dirty="0">
+                <a:solidFill>
+                  <a:schemeClr val="tx1"/>
+                </a:solidFill>
+                <a:latin typeface="DM Mono" panose="020B0509040201040103" pitchFamily="49" charset="0"/>
+              </a:rPr>
+              <a:t>42</a:t>
+            </a:r>
+            <a:endParaRPr kumimoji="1" lang="ko-Kore-KR" altLang="en-US" sz="1400" dirty="0">
+              <a:solidFill>
+                <a:schemeClr val="tx1"/>
+              </a:solidFill>
+              <a:latin typeface="DM Mono" panose="020B0509040201040103" pitchFamily="49" charset="0"/>
+            </a:endParaRPr>
+          </a:p>
+        </p:txBody>
+      </p:sp>
+      <p:sp>
+        <p:nvSpPr>
+          <p:cNvPr id="9" name="TextBox 8">
+            <a:extLst>
+              <a:ext uri="{FF2B5EF4-FFF2-40B4-BE49-F238E27FC236}">
+                <a16:creationId xmlns:a16="http://schemas.microsoft.com/office/drawing/2014/main" id="{83B6C4D1-D53E-E23F-BF9E-5C1615636A63}"/>
+              </a:ext>
+            </a:extLst>
+          </p:cNvPr>
+          <p:cNvSpPr txBox="1"/>
+          <p:nvPr/>
+        </p:nvSpPr>
+        <p:spPr>
+          <a:xfrm>
+            <a:off x="2990536" y="4484769"/>
+            <a:ext cx="984354" cy="307777"/>
+          </a:xfrm>
+          <a:prstGeom prst="rect">
+            <a:avLst/>
+          </a:prstGeom>
+          <a:noFill/>
+        </p:spPr>
+        <p:txBody>
+          <a:bodyPr wrap="square">
+            <a:spAutoFit/>
+          </a:bodyPr>
+          <a:lstStyle/>
+          <a:p>
+            <a:pPr algn="r"/>
+            <a:r>
+              <a:rPr kumimoji="1" lang="en-US" altLang="ko-Kore-KR" sz="1400" dirty="0">
+                <a:latin typeface="DM Mono" panose="020B0509040201040103" pitchFamily="49" charset="0"/>
+              </a:rPr>
+              <a:t>age</a:t>
+            </a:r>
+            <a:endParaRPr lang="ko-Kore-KR" altLang="en-US" sz="1400" dirty="0"/>
+          </a:p>
+        </p:txBody>
+      </p:sp>
+      <p:sp>
+        <p:nvSpPr>
+          <p:cNvPr id="10" name="직사각형 9">
+            <a:extLst>
+              <a:ext uri="{FF2B5EF4-FFF2-40B4-BE49-F238E27FC236}">
+                <a16:creationId xmlns:a16="http://schemas.microsoft.com/office/drawing/2014/main" id="{E690C977-B57B-2F38-2553-228586451E1F}"/>
+              </a:ext>
+            </a:extLst>
+          </p:cNvPr>
+          <p:cNvSpPr/>
+          <p:nvPr/>
+        </p:nvSpPr>
+        <p:spPr>
+          <a:xfrm>
+            <a:off x="3974890" y="4838525"/>
+            <a:ext cx="1371601" cy="399738"/>
+          </a:xfrm>
+          <a:prstGeom prst="rect">
+            <a:avLst/>
+          </a:prstGeom>
+          <a:solidFill>
+            <a:srgbClr val="FFFF00"/>
+          </a:solidFill>
+        </p:spPr>
+        <p:style>
+          <a:lnRef idx="2">
+            <a:schemeClr val="accent4">
+              <a:shade val="15000"/>
+            </a:schemeClr>
+          </a:lnRef>
+          <a:fillRef idx="1">
+            <a:schemeClr val="accent4"/>
+          </a:fillRef>
+          <a:effectRef idx="0">
+            <a:schemeClr val="accent4"/>
+          </a:effectRef>
+          <a:fontRef idx="minor">
+            <a:schemeClr val="lt1"/>
+          </a:fontRef>
+        </p:style>
+        <p:txBody>
+          <a:bodyPr rtlCol="0" anchor="ctr"/>
+          <a:lstStyle/>
+          <a:p>
+            <a:pPr algn="ctr"/>
+            <a:r>
+              <a:rPr kumimoji="1" lang="en-US" altLang="ko-Kore-KR" sz="1400" dirty="0">
+                <a:solidFill>
+                  <a:srgbClr val="FF0000"/>
+                </a:solidFill>
+                <a:latin typeface="DM Mono" panose="020B0509040201040103" pitchFamily="49" charset="0"/>
+              </a:rPr>
+              <a:t>NULL</a:t>
+            </a:r>
+            <a:endParaRPr kumimoji="1" lang="ko-Kore-KR" altLang="en-US" sz="1400" dirty="0">
+              <a:solidFill>
+                <a:srgbClr val="FF0000"/>
+              </a:solidFill>
+              <a:latin typeface="DM Mono" panose="020B0509040201040103" pitchFamily="49" charset="0"/>
+            </a:endParaRPr>
+          </a:p>
+        </p:txBody>
+      </p:sp>
+      <p:sp>
+        <p:nvSpPr>
+          <p:cNvPr id="11" name="TextBox 10">
+            <a:extLst>
+              <a:ext uri="{FF2B5EF4-FFF2-40B4-BE49-F238E27FC236}">
+                <a16:creationId xmlns:a16="http://schemas.microsoft.com/office/drawing/2014/main" id="{8756970F-25F8-12C0-6634-4BA7A182AD99}"/>
+              </a:ext>
+            </a:extLst>
+          </p:cNvPr>
+          <p:cNvSpPr txBox="1"/>
+          <p:nvPr/>
+        </p:nvSpPr>
+        <p:spPr>
+          <a:xfrm>
+            <a:off x="2698230" y="4884505"/>
+            <a:ext cx="1276660" cy="307777"/>
+          </a:xfrm>
+          <a:prstGeom prst="rect">
+            <a:avLst/>
+          </a:prstGeom>
+          <a:noFill/>
+        </p:spPr>
+        <p:txBody>
+          <a:bodyPr wrap="square">
+            <a:spAutoFit/>
+          </a:bodyPr>
+          <a:lstStyle/>
+          <a:p>
+            <a:pPr algn="r"/>
+            <a:r>
+              <a:rPr kumimoji="1" lang="en-US" altLang="ko-Kore-KR" sz="1400" dirty="0" err="1">
+                <a:latin typeface="DM Mono" panose="020B0509040201040103" pitchFamily="49" charset="0"/>
+              </a:rPr>
+              <a:t>link.next</a:t>
+            </a:r>
+            <a:endParaRPr lang="ko-Kore-KR" altLang="en-US" sz="1400" dirty="0"/>
+          </a:p>
+        </p:txBody>
+      </p:sp>
+      <p:sp>
+        <p:nvSpPr>
+          <p:cNvPr id="12" name="TextBox 11">
+            <a:extLst>
+              <a:ext uri="{FF2B5EF4-FFF2-40B4-BE49-F238E27FC236}">
+                <a16:creationId xmlns:a16="http://schemas.microsoft.com/office/drawing/2014/main" id="{7B6BAB26-8B2C-DE76-5156-89B3D1DB20A4}"/>
+              </a:ext>
+            </a:extLst>
+          </p:cNvPr>
+          <p:cNvSpPr txBox="1"/>
+          <p:nvPr/>
+        </p:nvSpPr>
+        <p:spPr>
+          <a:xfrm>
+            <a:off x="4079823" y="3731275"/>
+            <a:ext cx="984354" cy="307777"/>
+          </a:xfrm>
+          <a:prstGeom prst="rect">
+            <a:avLst/>
+          </a:prstGeom>
+          <a:noFill/>
+        </p:spPr>
+        <p:txBody>
+          <a:bodyPr wrap="square">
+            <a:spAutoFit/>
+          </a:bodyPr>
+          <a:lstStyle/>
+          <a:p>
+            <a:pPr algn="ctr"/>
+            <a:r>
+              <a:rPr kumimoji="1" lang="en-US" altLang="ko-Kore-KR" sz="1400" dirty="0">
+                <a:latin typeface="DM Mono" panose="020B0509040201040103" pitchFamily="49" charset="0"/>
+              </a:rPr>
+              <a:t>user1</a:t>
+            </a:r>
+            <a:endParaRPr lang="ko-Kore-KR" altLang="en-US" sz="1400" dirty="0"/>
+          </a:p>
+        </p:txBody>
+      </p:sp>
+      <p:sp>
+        <p:nvSpPr>
+          <p:cNvPr id="13" name="직사각형 12">
+            <a:extLst>
+              <a:ext uri="{FF2B5EF4-FFF2-40B4-BE49-F238E27FC236}">
+                <a16:creationId xmlns:a16="http://schemas.microsoft.com/office/drawing/2014/main" id="{64A26A70-F0B8-74BC-774E-5728199B139F}"/>
+              </a:ext>
+            </a:extLst>
+          </p:cNvPr>
+          <p:cNvSpPr/>
+          <p:nvPr/>
+        </p:nvSpPr>
+        <p:spPr>
+          <a:xfrm>
+            <a:off x="6633143" y="4039051"/>
+            <a:ext cx="1371601" cy="399738"/>
+          </a:xfrm>
+          <a:prstGeom prst="rect">
+            <a:avLst/>
+          </a:prstGeom>
+          <a:solidFill>
+            <a:srgbClr val="FFFF00"/>
+          </a:solidFill>
+        </p:spPr>
+        <p:style>
+          <a:lnRef idx="2">
+            <a:schemeClr val="accent4">
+              <a:shade val="15000"/>
+            </a:schemeClr>
+          </a:lnRef>
+          <a:fillRef idx="1">
+            <a:schemeClr val="accent4"/>
+          </a:fillRef>
+          <a:effectRef idx="0">
+            <a:schemeClr val="accent4"/>
+          </a:effectRef>
+          <a:fontRef idx="minor">
+            <a:schemeClr val="lt1"/>
+          </a:fontRef>
+        </p:style>
+        <p:txBody>
+          <a:bodyPr rtlCol="0" anchor="ctr"/>
+          <a:lstStyle/>
+          <a:p>
+            <a:pPr algn="ctr"/>
+            <a:r>
+              <a:rPr kumimoji="1" lang="en-US" altLang="ko-Kore-KR" sz="1400" dirty="0">
+                <a:solidFill>
+                  <a:schemeClr val="tx1"/>
+                </a:solidFill>
+                <a:latin typeface="DM Mono" panose="020B0509040201040103" pitchFamily="49" charset="0"/>
+              </a:rPr>
+              <a:t>Bob</a:t>
+            </a:r>
+            <a:endParaRPr kumimoji="1" lang="ko-Kore-KR" altLang="en-US" sz="1400" dirty="0">
+              <a:solidFill>
+                <a:schemeClr val="tx1"/>
+              </a:solidFill>
+              <a:latin typeface="DM Mono" panose="020B0509040201040103" pitchFamily="49" charset="0"/>
+            </a:endParaRPr>
+          </a:p>
+        </p:txBody>
+      </p:sp>
+      <p:sp>
+        <p:nvSpPr>
+          <p:cNvPr id="15" name="직사각형 14">
+            <a:extLst>
+              <a:ext uri="{FF2B5EF4-FFF2-40B4-BE49-F238E27FC236}">
+                <a16:creationId xmlns:a16="http://schemas.microsoft.com/office/drawing/2014/main" id="{8C084474-CE84-AF92-30D6-4B2083A48131}"/>
+              </a:ext>
+            </a:extLst>
+          </p:cNvPr>
+          <p:cNvSpPr/>
+          <p:nvPr/>
+        </p:nvSpPr>
+        <p:spPr>
+          <a:xfrm>
+            <a:off x="6633143" y="4438788"/>
+            <a:ext cx="1371601" cy="399738"/>
+          </a:xfrm>
+          <a:prstGeom prst="rect">
+            <a:avLst/>
+          </a:prstGeom>
+          <a:solidFill>
+            <a:srgbClr val="FFFF00"/>
+          </a:solidFill>
+        </p:spPr>
+        <p:style>
+          <a:lnRef idx="2">
+            <a:schemeClr val="accent4">
+              <a:shade val="15000"/>
+            </a:schemeClr>
+          </a:lnRef>
+          <a:fillRef idx="1">
+            <a:schemeClr val="accent4"/>
+          </a:fillRef>
+          <a:effectRef idx="0">
+            <a:schemeClr val="accent4"/>
+          </a:effectRef>
+          <a:fontRef idx="minor">
+            <a:schemeClr val="lt1"/>
+          </a:fontRef>
+        </p:style>
+        <p:txBody>
+          <a:bodyPr rtlCol="0" anchor="ctr"/>
+          <a:lstStyle/>
+          <a:p>
+            <a:pPr algn="ctr"/>
+            <a:r>
+              <a:rPr kumimoji="1" lang="en-US" altLang="ko-Kore-KR" sz="1400" dirty="0">
+                <a:solidFill>
+                  <a:schemeClr val="tx1"/>
+                </a:solidFill>
+                <a:latin typeface="DM Mono" panose="020B0509040201040103" pitchFamily="49" charset="0"/>
+              </a:rPr>
+              <a:t>30</a:t>
+            </a:r>
+            <a:endParaRPr kumimoji="1" lang="ko-Kore-KR" altLang="en-US" sz="1400" dirty="0">
+              <a:solidFill>
+                <a:schemeClr val="tx1"/>
+              </a:solidFill>
+              <a:latin typeface="DM Mono" panose="020B0509040201040103" pitchFamily="49" charset="0"/>
+            </a:endParaRPr>
+          </a:p>
+        </p:txBody>
+      </p:sp>
+      <p:sp>
+        <p:nvSpPr>
+          <p:cNvPr id="17" name="직사각형 16">
+            <a:extLst>
+              <a:ext uri="{FF2B5EF4-FFF2-40B4-BE49-F238E27FC236}">
+                <a16:creationId xmlns:a16="http://schemas.microsoft.com/office/drawing/2014/main" id="{C49474C3-B2B0-BCDD-3451-422468E8655B}"/>
+              </a:ext>
+            </a:extLst>
+          </p:cNvPr>
+          <p:cNvSpPr/>
+          <p:nvPr/>
+        </p:nvSpPr>
+        <p:spPr>
+          <a:xfrm>
+            <a:off x="6633143" y="4838524"/>
+            <a:ext cx="1371601" cy="399738"/>
+          </a:xfrm>
+          <a:prstGeom prst="rect">
+            <a:avLst/>
+          </a:prstGeom>
+          <a:solidFill>
+            <a:srgbClr val="FFFF00"/>
+          </a:solidFill>
+        </p:spPr>
+        <p:style>
+          <a:lnRef idx="2">
+            <a:schemeClr val="accent4">
+              <a:shade val="15000"/>
+            </a:schemeClr>
+          </a:lnRef>
+          <a:fillRef idx="1">
+            <a:schemeClr val="accent4"/>
+          </a:fillRef>
+          <a:effectRef idx="0">
+            <a:schemeClr val="accent4"/>
+          </a:effectRef>
+          <a:fontRef idx="minor">
+            <a:schemeClr val="lt1"/>
+          </a:fontRef>
+        </p:style>
+        <p:txBody>
+          <a:bodyPr rtlCol="0" anchor="ctr"/>
+          <a:lstStyle/>
+          <a:p>
+            <a:pPr algn="ctr"/>
+            <a:endParaRPr kumimoji="1" lang="ko-Kore-KR" altLang="en-US" sz="1400" dirty="0">
+              <a:solidFill>
+                <a:schemeClr val="tx1"/>
+              </a:solidFill>
+              <a:latin typeface="DM Mono" panose="020B0509040201040103" pitchFamily="49" charset="0"/>
+            </a:endParaRPr>
+          </a:p>
+        </p:txBody>
+      </p:sp>
+      <p:sp>
+        <p:nvSpPr>
+          <p:cNvPr id="19" name="TextBox 18">
+            <a:extLst>
+              <a:ext uri="{FF2B5EF4-FFF2-40B4-BE49-F238E27FC236}">
+                <a16:creationId xmlns:a16="http://schemas.microsoft.com/office/drawing/2014/main" id="{C9F51F7A-61B6-2BF8-0536-7D9BFE8155B3}"/>
+              </a:ext>
+            </a:extLst>
+          </p:cNvPr>
+          <p:cNvSpPr txBox="1"/>
+          <p:nvPr/>
+        </p:nvSpPr>
+        <p:spPr>
+          <a:xfrm>
+            <a:off x="6738076" y="3731274"/>
+            <a:ext cx="984354" cy="307777"/>
+          </a:xfrm>
+          <a:prstGeom prst="rect">
+            <a:avLst/>
+          </a:prstGeom>
+          <a:noFill/>
+        </p:spPr>
+        <p:txBody>
+          <a:bodyPr wrap="square">
+            <a:spAutoFit/>
+          </a:bodyPr>
+          <a:lstStyle/>
+          <a:p>
+            <a:pPr algn="ctr"/>
+            <a:r>
+              <a:rPr kumimoji="1" lang="en-US" altLang="ko-Kore-KR" sz="1400" dirty="0">
+                <a:latin typeface="DM Mono" panose="020B0509040201040103" pitchFamily="49" charset="0"/>
+              </a:rPr>
+              <a:t>user2</a:t>
+            </a:r>
+            <a:endParaRPr lang="ko-Kore-KR" altLang="en-US" sz="1400" dirty="0"/>
+          </a:p>
+        </p:txBody>
+      </p:sp>
+      <p:sp>
+        <p:nvSpPr>
+          <p:cNvPr id="20" name="직사각형 19">
+            <a:extLst>
+              <a:ext uri="{FF2B5EF4-FFF2-40B4-BE49-F238E27FC236}">
+                <a16:creationId xmlns:a16="http://schemas.microsoft.com/office/drawing/2014/main" id="{BF8B955C-1044-1669-06D9-A4CDD4DD8680}"/>
+              </a:ext>
+            </a:extLst>
+          </p:cNvPr>
+          <p:cNvSpPr/>
+          <p:nvPr/>
+        </p:nvSpPr>
+        <p:spPr>
+          <a:xfrm>
+            <a:off x="9291396" y="4039050"/>
+            <a:ext cx="1371601" cy="399738"/>
+          </a:xfrm>
+          <a:prstGeom prst="rect">
+            <a:avLst/>
+          </a:prstGeom>
+          <a:solidFill>
+            <a:srgbClr val="FFFF00"/>
+          </a:solidFill>
+        </p:spPr>
+        <p:style>
+          <a:lnRef idx="2">
+            <a:schemeClr val="accent4">
+              <a:shade val="15000"/>
+            </a:schemeClr>
+          </a:lnRef>
+          <a:fillRef idx="1">
+            <a:schemeClr val="accent4"/>
+          </a:fillRef>
+          <a:effectRef idx="0">
+            <a:schemeClr val="accent4"/>
+          </a:effectRef>
+          <a:fontRef idx="minor">
+            <a:schemeClr val="lt1"/>
+          </a:fontRef>
+        </p:style>
+        <p:txBody>
+          <a:bodyPr rtlCol="0" anchor="ctr"/>
+          <a:lstStyle/>
+          <a:p>
+            <a:pPr algn="ctr"/>
+            <a:r>
+              <a:rPr kumimoji="1" lang="en-US" altLang="ko-Kore-KR" sz="1400" dirty="0">
+                <a:solidFill>
+                  <a:schemeClr val="tx1"/>
+                </a:solidFill>
+                <a:latin typeface="DM Mono" panose="020B0509040201040103" pitchFamily="49" charset="0"/>
+              </a:rPr>
+              <a:t>Alice</a:t>
+            </a:r>
+            <a:endParaRPr kumimoji="1" lang="ko-Kore-KR" altLang="en-US" sz="1400" dirty="0">
+              <a:solidFill>
+                <a:schemeClr val="tx1"/>
+              </a:solidFill>
+              <a:latin typeface="DM Mono" panose="020B0509040201040103" pitchFamily="49" charset="0"/>
+            </a:endParaRPr>
+          </a:p>
+        </p:txBody>
+      </p:sp>
+      <p:sp>
+        <p:nvSpPr>
+          <p:cNvPr id="22" name="직사각형 21">
+            <a:extLst>
+              <a:ext uri="{FF2B5EF4-FFF2-40B4-BE49-F238E27FC236}">
+                <a16:creationId xmlns:a16="http://schemas.microsoft.com/office/drawing/2014/main" id="{D76558C7-C703-9237-C421-28A00086F3C1}"/>
+              </a:ext>
+            </a:extLst>
+          </p:cNvPr>
+          <p:cNvSpPr/>
+          <p:nvPr/>
+        </p:nvSpPr>
+        <p:spPr>
+          <a:xfrm>
+            <a:off x="9291396" y="4438787"/>
+            <a:ext cx="1371601" cy="399738"/>
+          </a:xfrm>
+          <a:prstGeom prst="rect">
+            <a:avLst/>
+          </a:prstGeom>
+          <a:solidFill>
+            <a:srgbClr val="FFFF00"/>
+          </a:solidFill>
+        </p:spPr>
+        <p:style>
+          <a:lnRef idx="2">
+            <a:schemeClr val="accent4">
+              <a:shade val="15000"/>
+            </a:schemeClr>
+          </a:lnRef>
+          <a:fillRef idx="1">
+            <a:schemeClr val="accent4"/>
+          </a:fillRef>
+          <a:effectRef idx="0">
+            <a:schemeClr val="accent4"/>
+          </a:effectRef>
+          <a:fontRef idx="minor">
+            <a:schemeClr val="lt1"/>
+          </a:fontRef>
+        </p:style>
+        <p:txBody>
+          <a:bodyPr rtlCol="0" anchor="ctr"/>
+          <a:lstStyle/>
+          <a:p>
+            <a:pPr algn="ctr"/>
+            <a:r>
+              <a:rPr kumimoji="1" lang="en-US" altLang="ko-Kore-KR" sz="1400" dirty="0">
+                <a:solidFill>
+                  <a:schemeClr val="tx1"/>
+                </a:solidFill>
+                <a:latin typeface="DM Mono" panose="020B0509040201040103" pitchFamily="49" charset="0"/>
+              </a:rPr>
+              <a:t>24</a:t>
+            </a:r>
+            <a:endParaRPr kumimoji="1" lang="ko-Kore-KR" altLang="en-US" sz="1400" dirty="0">
+              <a:solidFill>
+                <a:schemeClr val="tx1"/>
+              </a:solidFill>
+              <a:latin typeface="DM Mono" panose="020B0509040201040103" pitchFamily="49" charset="0"/>
+            </a:endParaRPr>
+          </a:p>
+        </p:txBody>
+      </p:sp>
+      <p:sp>
+        <p:nvSpPr>
+          <p:cNvPr id="24" name="직사각형 23">
+            <a:extLst>
+              <a:ext uri="{FF2B5EF4-FFF2-40B4-BE49-F238E27FC236}">
+                <a16:creationId xmlns:a16="http://schemas.microsoft.com/office/drawing/2014/main" id="{170D24C6-4DB6-AD2F-67EE-83CACAF42A6B}"/>
+              </a:ext>
+            </a:extLst>
+          </p:cNvPr>
+          <p:cNvSpPr/>
+          <p:nvPr/>
+        </p:nvSpPr>
+        <p:spPr>
+          <a:xfrm>
+            <a:off x="9291396" y="4838523"/>
+            <a:ext cx="1371601" cy="399738"/>
+          </a:xfrm>
+          <a:prstGeom prst="rect">
+            <a:avLst/>
+          </a:prstGeom>
+          <a:solidFill>
+            <a:srgbClr val="FFFF00"/>
+          </a:solidFill>
+        </p:spPr>
+        <p:style>
+          <a:lnRef idx="2">
+            <a:schemeClr val="accent4">
+              <a:shade val="15000"/>
+            </a:schemeClr>
+          </a:lnRef>
+          <a:fillRef idx="1">
+            <a:schemeClr val="accent4"/>
+          </a:fillRef>
+          <a:effectRef idx="0">
+            <a:schemeClr val="accent4"/>
+          </a:effectRef>
+          <a:fontRef idx="minor">
+            <a:schemeClr val="lt1"/>
+          </a:fontRef>
+        </p:style>
+        <p:txBody>
+          <a:bodyPr rtlCol="0" anchor="ctr"/>
+          <a:lstStyle/>
+          <a:p>
+            <a:pPr algn="ctr"/>
+            <a:endParaRPr kumimoji="1" lang="ko-Kore-KR" altLang="en-US" sz="1400" dirty="0">
+              <a:solidFill>
+                <a:schemeClr val="tx1"/>
+              </a:solidFill>
+              <a:latin typeface="DM Mono" panose="020B0509040201040103" pitchFamily="49" charset="0"/>
+            </a:endParaRPr>
+          </a:p>
+        </p:txBody>
+      </p:sp>
+      <p:sp>
+        <p:nvSpPr>
+          <p:cNvPr id="26" name="TextBox 25">
+            <a:extLst>
+              <a:ext uri="{FF2B5EF4-FFF2-40B4-BE49-F238E27FC236}">
+                <a16:creationId xmlns:a16="http://schemas.microsoft.com/office/drawing/2014/main" id="{1A6404D4-805A-A1B1-0D5E-B1662364A766}"/>
+              </a:ext>
+            </a:extLst>
+          </p:cNvPr>
+          <p:cNvSpPr txBox="1"/>
+          <p:nvPr/>
+        </p:nvSpPr>
+        <p:spPr>
+          <a:xfrm>
+            <a:off x="9396329" y="3731273"/>
+            <a:ext cx="984354" cy="307777"/>
+          </a:xfrm>
+          <a:prstGeom prst="rect">
+            <a:avLst/>
+          </a:prstGeom>
+          <a:noFill/>
+        </p:spPr>
+        <p:txBody>
+          <a:bodyPr wrap="square">
+            <a:spAutoFit/>
+          </a:bodyPr>
+          <a:lstStyle/>
+          <a:p>
+            <a:pPr algn="ctr"/>
+            <a:r>
+              <a:rPr kumimoji="1" lang="en-US" altLang="ko-Kore-KR" sz="1400" dirty="0">
+                <a:latin typeface="DM Mono" panose="020B0509040201040103" pitchFamily="49" charset="0"/>
+              </a:rPr>
+              <a:t>user3</a:t>
+            </a:r>
+            <a:endParaRPr lang="ko-Kore-KR" altLang="en-US" sz="1400" dirty="0"/>
+          </a:p>
+        </p:txBody>
+      </p:sp>
+      <p:sp>
+        <p:nvSpPr>
+          <p:cNvPr id="27" name="직사각형 26">
+            <a:extLst>
+              <a:ext uri="{FF2B5EF4-FFF2-40B4-BE49-F238E27FC236}">
+                <a16:creationId xmlns:a16="http://schemas.microsoft.com/office/drawing/2014/main" id="{0E97A5AB-4EAC-E294-38F4-9382369BD6A4}"/>
+              </a:ext>
+            </a:extLst>
+          </p:cNvPr>
+          <p:cNvSpPr/>
+          <p:nvPr/>
+        </p:nvSpPr>
+        <p:spPr>
+          <a:xfrm>
+            <a:off x="5803691" y="1534898"/>
+            <a:ext cx="1371601" cy="399738"/>
+          </a:xfrm>
+          <a:prstGeom prst="rect">
+            <a:avLst/>
+          </a:prstGeom>
+          <a:solidFill>
+            <a:srgbClr val="FFFF00"/>
+          </a:solidFill>
+        </p:spPr>
+        <p:style>
+          <a:lnRef idx="2">
+            <a:schemeClr val="accent4">
+              <a:shade val="15000"/>
+            </a:schemeClr>
+          </a:lnRef>
+          <a:fillRef idx="1">
+            <a:schemeClr val="accent4"/>
+          </a:fillRef>
+          <a:effectRef idx="0">
+            <a:schemeClr val="accent4"/>
+          </a:effectRef>
+          <a:fontRef idx="minor">
+            <a:schemeClr val="lt1"/>
+          </a:fontRef>
+        </p:style>
+        <p:txBody>
+          <a:bodyPr rtlCol="0" anchor="ctr"/>
+          <a:lstStyle/>
+          <a:p>
+            <a:pPr algn="ctr"/>
+            <a:endParaRPr kumimoji="1" lang="ko-Kore-KR" altLang="en-US" sz="1400" dirty="0">
+              <a:solidFill>
+                <a:schemeClr val="tx1"/>
+              </a:solidFill>
+              <a:latin typeface="DM Mono" panose="020B0509040201040103" pitchFamily="49" charset="0"/>
+            </a:endParaRPr>
+          </a:p>
+        </p:txBody>
+      </p:sp>
+      <p:sp>
+        <p:nvSpPr>
+          <p:cNvPr id="28" name="TextBox 27">
+            <a:extLst>
+              <a:ext uri="{FF2B5EF4-FFF2-40B4-BE49-F238E27FC236}">
+                <a16:creationId xmlns:a16="http://schemas.microsoft.com/office/drawing/2014/main" id="{26AA044D-F540-DAE1-C813-F4ACA062165A}"/>
+              </a:ext>
+            </a:extLst>
+          </p:cNvPr>
+          <p:cNvSpPr txBox="1"/>
+          <p:nvPr/>
+        </p:nvSpPr>
+        <p:spPr>
+          <a:xfrm>
+            <a:off x="4527031" y="1580878"/>
+            <a:ext cx="1276660" cy="307777"/>
+          </a:xfrm>
+          <a:prstGeom prst="rect">
+            <a:avLst/>
+          </a:prstGeom>
+          <a:noFill/>
+        </p:spPr>
+        <p:txBody>
+          <a:bodyPr wrap="square">
+            <a:spAutoFit/>
+          </a:bodyPr>
+          <a:lstStyle/>
+          <a:p>
+            <a:pPr algn="r"/>
+            <a:r>
+              <a:rPr kumimoji="1" lang="en-US" altLang="ko-Kore-KR" sz="1400" dirty="0" err="1">
+                <a:latin typeface="DM Mono" panose="020B0509040201040103" pitchFamily="49" charset="0"/>
+              </a:rPr>
+              <a:t>link.next</a:t>
+            </a:r>
+            <a:endParaRPr lang="ko-Kore-KR" altLang="en-US" sz="1400" dirty="0"/>
+          </a:p>
+        </p:txBody>
+      </p:sp>
+      <p:sp>
+        <p:nvSpPr>
+          <p:cNvPr id="29" name="TextBox 28">
+            <a:extLst>
+              <a:ext uri="{FF2B5EF4-FFF2-40B4-BE49-F238E27FC236}">
+                <a16:creationId xmlns:a16="http://schemas.microsoft.com/office/drawing/2014/main" id="{CA3B09D8-4001-B8D6-EC43-033EC24AD3C5}"/>
+              </a:ext>
+            </a:extLst>
+          </p:cNvPr>
+          <p:cNvSpPr txBox="1"/>
+          <p:nvPr/>
+        </p:nvSpPr>
+        <p:spPr>
+          <a:xfrm>
+            <a:off x="5997314" y="1183644"/>
+            <a:ext cx="984354" cy="307777"/>
+          </a:xfrm>
+          <a:prstGeom prst="rect">
+            <a:avLst/>
+          </a:prstGeom>
+          <a:noFill/>
+        </p:spPr>
+        <p:txBody>
+          <a:bodyPr wrap="square">
+            <a:spAutoFit/>
+          </a:bodyPr>
+          <a:lstStyle/>
+          <a:p>
+            <a:pPr algn="ctr"/>
+            <a:r>
+              <a:rPr kumimoji="1" lang="en-US" altLang="ko-Kore-KR" sz="1400" dirty="0">
+                <a:latin typeface="DM Mono" panose="020B0509040201040103" pitchFamily="49" charset="0"/>
+              </a:rPr>
+              <a:t>head</a:t>
+            </a:r>
+            <a:endParaRPr lang="ko-Kore-KR" altLang="en-US" sz="1400" dirty="0"/>
+          </a:p>
+        </p:txBody>
+      </p:sp>
+      <p:cxnSp>
+        <p:nvCxnSpPr>
+          <p:cNvPr id="3" name="구부러진 연결선[U] 2">
+            <a:extLst>
+              <a:ext uri="{FF2B5EF4-FFF2-40B4-BE49-F238E27FC236}">
+                <a16:creationId xmlns:a16="http://schemas.microsoft.com/office/drawing/2014/main" id="{5004EAEF-7525-9FD1-47FD-CC5F69E8D999}"/>
+              </a:ext>
+            </a:extLst>
+          </p:cNvPr>
+          <p:cNvCxnSpPr>
+            <a:cxnSpLocks/>
+            <a:stCxn id="27" idx="3"/>
+            <a:endCxn id="24" idx="1"/>
+          </p:cNvCxnSpPr>
+          <p:nvPr/>
+        </p:nvCxnSpPr>
+        <p:spPr>
+          <a:xfrm>
+            <a:off x="7175292" y="1734767"/>
+            <a:ext cx="2116104" cy="3303625"/>
+          </a:xfrm>
+          <a:prstGeom prst="curvedConnector3">
+            <a:avLst>
+              <a:gd name="adj1" fmla="val 50000"/>
+            </a:avLst>
+          </a:prstGeom>
+          <a:ln>
+            <a:tailEnd type="triangle"/>
+          </a:ln>
+        </p:spPr>
+        <p:style>
+          <a:lnRef idx="1">
+            <a:schemeClr val="dk1"/>
+          </a:lnRef>
+          <a:fillRef idx="0">
+            <a:schemeClr val="dk1"/>
+          </a:fillRef>
+          <a:effectRef idx="0">
+            <a:schemeClr val="dk1"/>
+          </a:effectRef>
+          <a:fontRef idx="minor">
+            <a:schemeClr val="tx1"/>
+          </a:fontRef>
+        </p:style>
+      </p:cxnSp>
+      <p:cxnSp>
+        <p:nvCxnSpPr>
+          <p:cNvPr id="2" name="구부러진 연결선[U] 1">
+            <a:extLst>
+              <a:ext uri="{FF2B5EF4-FFF2-40B4-BE49-F238E27FC236}">
+                <a16:creationId xmlns:a16="http://schemas.microsoft.com/office/drawing/2014/main" id="{01B2201E-DEBC-4EA4-61CF-02C051BBA8B5}"/>
+              </a:ext>
+            </a:extLst>
+          </p:cNvPr>
+          <p:cNvCxnSpPr>
+            <a:cxnSpLocks/>
+            <a:stCxn id="17" idx="1"/>
+            <a:endCxn id="10" idx="3"/>
+          </p:cNvCxnSpPr>
+          <p:nvPr/>
+        </p:nvCxnSpPr>
+        <p:spPr>
+          <a:xfrm rot="10800000" flipV="1">
+            <a:off x="5346491" y="5038392"/>
+            <a:ext cx="1286652" cy="1"/>
+          </a:xfrm>
+          <a:prstGeom prst="curvedConnector3">
+            <a:avLst/>
+          </a:prstGeom>
+          <a:ln>
+            <a:tailEnd type="triangle"/>
+          </a:ln>
+        </p:spPr>
+        <p:style>
+          <a:lnRef idx="1">
+            <a:schemeClr val="dk1"/>
+          </a:lnRef>
+          <a:fillRef idx="0">
+            <a:schemeClr val="dk1"/>
+          </a:fillRef>
+          <a:effectRef idx="0">
+            <a:schemeClr val="dk1"/>
+          </a:effectRef>
+          <a:fontRef idx="minor">
+            <a:schemeClr val="tx1"/>
+          </a:fontRef>
+        </p:style>
+      </p:cxnSp>
+      <p:cxnSp>
+        <p:nvCxnSpPr>
+          <p:cNvPr id="4" name="구부러진 연결선[U] 3">
+            <a:extLst>
+              <a:ext uri="{FF2B5EF4-FFF2-40B4-BE49-F238E27FC236}">
+                <a16:creationId xmlns:a16="http://schemas.microsoft.com/office/drawing/2014/main" id="{7E0B2F1F-1BD5-A2B7-F081-9A93912D9972}"/>
+              </a:ext>
+            </a:extLst>
+          </p:cNvPr>
+          <p:cNvCxnSpPr>
+            <a:cxnSpLocks/>
+            <a:stCxn id="24" idx="1"/>
+            <a:endCxn id="17" idx="3"/>
+          </p:cNvCxnSpPr>
+          <p:nvPr/>
+        </p:nvCxnSpPr>
+        <p:spPr>
+          <a:xfrm rot="10800000" flipV="1">
+            <a:off x="8004744" y="5038391"/>
+            <a:ext cx="1286652" cy="1"/>
+          </a:xfrm>
+          <a:prstGeom prst="curvedConnector3">
+            <a:avLst>
+              <a:gd name="adj1" fmla="val 50000"/>
+            </a:avLst>
+          </a:prstGeom>
+          <a:ln>
+            <a:tailEnd type="triangle"/>
+          </a:ln>
+        </p:spPr>
+        <p:style>
+          <a:lnRef idx="1">
+            <a:schemeClr val="dk1"/>
+          </a:lnRef>
+          <a:fillRef idx="0">
+            <a:schemeClr val="dk1"/>
+          </a:fillRef>
+          <a:effectRef idx="0">
+            <a:schemeClr val="dk1"/>
+          </a:effectRef>
+          <a:fontRef idx="minor">
+            <a:schemeClr val="tx1"/>
+          </a:fontRef>
+        </p:style>
+      </p:cxnSp>
+    </p:spTree>
+    <p:extLst>
+      <p:ext uri="{BB962C8B-B14F-4D97-AF65-F5344CB8AC3E}">
+        <p14:creationId xmlns:p14="http://schemas.microsoft.com/office/powerpoint/2010/main" val="3119238659"/>
       </p:ext>
     </p:extLst>
   </p:cSld>
@@ -19056,6 +24220,29 @@
         </a:fontRef>
       </a:style>
     </a:spDef>
+    <a:lnDef>
+      <a:spPr>
+        <a:ln>
+          <a:tailEnd type="triangle"/>
+        </a:ln>
+      </a:spPr>
+      <a:bodyPr/>
+      <a:lstStyle/>
+      <a:style>
+        <a:lnRef idx="1">
+          <a:schemeClr val="dk1"/>
+        </a:lnRef>
+        <a:fillRef idx="0">
+          <a:schemeClr val="dk1"/>
+        </a:fillRef>
+        <a:effectRef idx="0">
+          <a:schemeClr val="dk1"/>
+        </a:effectRef>
+        <a:fontRef idx="minor">
+          <a:schemeClr val="tx1"/>
+        </a:fontRef>
+      </a:style>
+    </a:lnDef>
   </a:objectDefaults>
   <a:extraClrSchemeLst/>
   <a:extLst>
@@ -19064,4 +24251,299 @@
     </a:ext>
   </a:extLst>
 </a:theme>
+</file>
+
+<file path=ppt/theme/theme2.xml><?xml version="1.0" encoding="utf-8"?>
+<a:theme xmlns:a="http://schemas.openxmlformats.org/drawingml/2006/main" name="Office 테마">
+  <a:themeElements>
+    <a:clrScheme name="Office">
+      <a:dk1>
+        <a:sysClr val="windowText" lastClr="000000"/>
+      </a:dk1>
+      <a:lt1>
+        <a:sysClr val="window" lastClr="FFFFFF"/>
+      </a:lt1>
+      <a:dk2>
+        <a:srgbClr val="44546A"/>
+      </a:dk2>
+      <a:lt2>
+        <a:srgbClr val="E7E6E6"/>
+      </a:lt2>
+      <a:accent1>
+        <a:srgbClr val="4472C4"/>
+      </a:accent1>
+      <a:accent2>
+        <a:srgbClr val="ED7D31"/>
+      </a:accent2>
+      <a:accent3>
+        <a:srgbClr val="A5A5A5"/>
+      </a:accent3>
+      <a:accent4>
+        <a:srgbClr val="FFC000"/>
+      </a:accent4>
+      <a:accent5>
+        <a:srgbClr val="5B9BD5"/>
+      </a:accent5>
+      <a:accent6>
+        <a:srgbClr val="70AD47"/>
+      </a:accent6>
+      <a:hlink>
+        <a:srgbClr val="0563C1"/>
+      </a:hlink>
+      <a:folHlink>
+        <a:srgbClr val="954F72"/>
+      </a:folHlink>
+    </a:clrScheme>
+    <a:fontScheme name="Office">
+      <a:majorFont>
+        <a:latin typeface="Calibri Light" panose="020F0302020204030204"/>
+        <a:ea typeface=""/>
+        <a:cs typeface=""/>
+        <a:font script="Jpan" typeface="游ゴシック Light"/>
+        <a:font script="Hang" typeface="맑은 고딕"/>
+        <a:font script="Hans" typeface="等线 Light"/>
+        <a:font script="Hant" typeface="新細明體"/>
+        <a:font script="Arab" typeface="Times New Roman"/>
+        <a:font script="Hebr" typeface="Times New Roman"/>
+        <a:font script="Thai" typeface="Angsana New"/>
+        <a:font script="Ethi" typeface="Nyala"/>
+        <a:font script="Beng" typeface="Vrinda"/>
+        <a:font script="Gujr" typeface="Shruti"/>
+        <a:font script="Khmr" typeface="MoolBoran"/>
+        <a:font script="Knda" typeface="Tunga"/>
+        <a:font script="Guru" typeface="Raavi"/>
+        <a:font script="Cans" typeface="Euphemia"/>
+        <a:font script="Cher" typeface="Plantagenet Cherokee"/>
+        <a:font script="Yiii" typeface="Microsoft Yi Baiti"/>
+        <a:font script="Tibt" typeface="Microsoft Himalaya"/>
+        <a:font script="Thaa" typeface="MV Boli"/>
+        <a:font script="Deva" typeface="Mangal"/>
+        <a:font script="Telu" typeface="Gautami"/>
+        <a:font script="Taml" typeface="Latha"/>
+        <a:font script="Syrc" typeface="Estrangelo Edessa"/>
+        <a:font script="Orya" typeface="Kalinga"/>
+        <a:font script="Mlym" typeface="Kartika"/>
+        <a:font script="Laoo" typeface="DokChampa"/>
+        <a:font script="Sinh" typeface="Iskoola Pota"/>
+        <a:font script="Mong" typeface="Mongolian Baiti"/>
+        <a:font script="Viet" typeface="Times New Roman"/>
+        <a:font script="Uigh" typeface="Microsoft Uighur"/>
+        <a:font script="Geor" typeface="Sylfaen"/>
+        <a:font script="Armn" typeface="Arial"/>
+        <a:font script="Bugi" typeface="Leelawadee UI"/>
+        <a:font script="Bopo" typeface="Microsoft JhengHei"/>
+        <a:font script="Java" typeface="Javanese Text"/>
+        <a:font script="Lisu" typeface="Segoe UI"/>
+        <a:font script="Mymr" typeface="Myanmar Text"/>
+        <a:font script="Nkoo" typeface="Ebrima"/>
+        <a:font script="Olck" typeface="Nirmala UI"/>
+        <a:font script="Osma" typeface="Ebrima"/>
+        <a:font script="Phag" typeface="Phagspa"/>
+        <a:font script="Syrn" typeface="Estrangelo Edessa"/>
+        <a:font script="Syrj" typeface="Estrangelo Edessa"/>
+        <a:font script="Syre" typeface="Estrangelo Edessa"/>
+        <a:font script="Sora" typeface="Nirmala UI"/>
+        <a:font script="Tale" typeface="Microsoft Tai Le"/>
+        <a:font script="Talu" typeface="Microsoft New Tai Lue"/>
+        <a:font script="Tfng" typeface="Ebrima"/>
+      </a:majorFont>
+      <a:minorFont>
+        <a:latin typeface="Calibri" panose="020F0502020204030204"/>
+        <a:ea typeface=""/>
+        <a:cs typeface=""/>
+        <a:font script="Jpan" typeface="游ゴシック"/>
+        <a:font script="Hang" typeface="맑은 고딕"/>
+        <a:font script="Hans" typeface="等线"/>
+        <a:font script="Hant" typeface="新細明體"/>
+        <a:font script="Arab" typeface="Arial"/>
+        <a:font script="Hebr" typeface="Arial"/>
+        <a:font script="Thai" typeface="Cordia New"/>
+        <a:font script="Ethi" typeface="Nyala"/>
+        <a:font script="Beng" typeface="Vrinda"/>
+        <a:font script="Gujr" typeface="Shruti"/>
+        <a:font script="Khmr" typeface="DaunPenh"/>
+        <a:font script="Knda" typeface="Tunga"/>
+        <a:font script="Guru" typeface="Raavi"/>
+        <a:font script="Cans" typeface="Euphemia"/>
+        <a:font script="Cher" typeface="Plantagenet Cherokee"/>
+        <a:font script="Yiii" typeface="Microsoft Yi Baiti"/>
+        <a:font script="Tibt" typeface="Microsoft Himalaya"/>
+        <a:font script="Thaa" typeface="MV Boli"/>
+        <a:font script="Deva" typeface="Mangal"/>
+        <a:font script="Telu" typeface="Gautami"/>
+        <a:font script="Taml" typeface="Latha"/>
+        <a:font script="Syrc" typeface="Estrangelo Edessa"/>
+        <a:font script="Orya" typeface="Kalinga"/>
+        <a:font script="Mlym" typeface="Kartika"/>
+        <a:font script="Laoo" typeface="DokChampa"/>
+        <a:font script="Sinh" typeface="Iskoola Pota"/>
+        <a:font script="Mong" typeface="Mongolian Baiti"/>
+        <a:font script="Viet" typeface="Arial"/>
+        <a:font script="Uigh" typeface="Microsoft Uighur"/>
+        <a:font script="Geor" typeface="Sylfaen"/>
+        <a:font script="Armn" typeface="Arial"/>
+        <a:font script="Bugi" typeface="Leelawadee UI"/>
+        <a:font script="Bopo" typeface="Microsoft JhengHei"/>
+        <a:font script="Java" typeface="Javanese Text"/>
+        <a:font script="Lisu" typeface="Segoe UI"/>
+        <a:font script="Mymr" typeface="Myanmar Text"/>
+        <a:font script="Nkoo" typeface="Ebrima"/>
+        <a:font script="Olck" typeface="Nirmala UI"/>
+        <a:font script="Osma" typeface="Ebrima"/>
+        <a:font script="Phag" typeface="Phagspa"/>
+        <a:font script="Syrn" typeface="Estrangelo Edessa"/>
+        <a:font script="Syrj" typeface="Estrangelo Edessa"/>
+        <a:font script="Syre" typeface="Estrangelo Edessa"/>
+        <a:font script="Sora" typeface="Nirmala UI"/>
+        <a:font script="Tale" typeface="Microsoft Tai Le"/>
+        <a:font script="Talu" typeface="Microsoft New Tai Lue"/>
+        <a:font script="Tfng" typeface="Ebrima"/>
+      </a:minorFont>
+    </a:fontScheme>
+    <a:fmtScheme name="Office">
+      <a:fillStyleLst>
+        <a:solidFill>
+          <a:schemeClr val="phClr"/>
+        </a:solidFill>
+        <a:gradFill rotWithShape="1">
+          <a:gsLst>
+            <a:gs pos="0">
+              <a:schemeClr val="phClr">
+                <a:lumMod val="110000"/>
+                <a:satMod val="105000"/>
+                <a:tint val="67000"/>
+              </a:schemeClr>
+            </a:gs>
+            <a:gs pos="50000">
+              <a:schemeClr val="phClr">
+                <a:lumMod val="105000"/>
+                <a:satMod val="103000"/>
+                <a:tint val="73000"/>
+              </a:schemeClr>
+            </a:gs>
+            <a:gs pos="100000">
+              <a:schemeClr val="phClr">
+                <a:lumMod val="105000"/>
+                <a:satMod val="109000"/>
+                <a:tint val="81000"/>
+              </a:schemeClr>
+            </a:gs>
+          </a:gsLst>
+          <a:lin ang="5400000" scaled="0"/>
+        </a:gradFill>
+        <a:gradFill rotWithShape="1">
+          <a:gsLst>
+            <a:gs pos="0">
+              <a:schemeClr val="phClr">
+                <a:satMod val="103000"/>
+                <a:lumMod val="102000"/>
+                <a:tint val="94000"/>
+              </a:schemeClr>
+            </a:gs>
+            <a:gs pos="50000">
+              <a:schemeClr val="phClr">
+                <a:satMod val="110000"/>
+                <a:lumMod val="100000"/>
+                <a:shade val="100000"/>
+              </a:schemeClr>
+            </a:gs>
+            <a:gs pos="100000">
+              <a:schemeClr val="phClr">
+                <a:lumMod val="99000"/>
+                <a:satMod val="120000"/>
+                <a:shade val="78000"/>
+              </a:schemeClr>
+            </a:gs>
+          </a:gsLst>
+          <a:lin ang="5400000" scaled="0"/>
+        </a:gradFill>
+      </a:fillStyleLst>
+      <a:lnStyleLst>
+        <a:ln w="6350" cap="flat" cmpd="sng" algn="ctr">
+          <a:solidFill>
+            <a:schemeClr val="phClr"/>
+          </a:solidFill>
+          <a:prstDash val="solid"/>
+          <a:miter lim="800000"/>
+        </a:ln>
+        <a:ln w="12700" cap="flat" cmpd="sng" algn="ctr">
+          <a:solidFill>
+            <a:schemeClr val="phClr"/>
+          </a:solidFill>
+          <a:prstDash val="solid"/>
+          <a:miter lim="800000"/>
+        </a:ln>
+        <a:ln w="19050" cap="flat" cmpd="sng" algn="ctr">
+          <a:solidFill>
+            <a:schemeClr val="phClr"/>
+          </a:solidFill>
+          <a:prstDash val="solid"/>
+          <a:miter lim="800000"/>
+        </a:ln>
+      </a:lnStyleLst>
+      <a:effectStyleLst>
+        <a:effectStyle>
+          <a:effectLst/>
+        </a:effectStyle>
+        <a:effectStyle>
+          <a:effectLst/>
+        </a:effectStyle>
+        <a:effectStyle>
+          <a:effectLst>
+            <a:outerShdw blurRad="57150" dist="19050" dir="5400000" algn="ctr" rotWithShape="0">
+              <a:srgbClr val="000000">
+                <a:alpha val="63000"/>
+              </a:srgbClr>
+            </a:outerShdw>
+          </a:effectLst>
+        </a:effectStyle>
+      </a:effectStyleLst>
+      <a:bgFillStyleLst>
+        <a:solidFill>
+          <a:schemeClr val="phClr"/>
+        </a:solidFill>
+        <a:solidFill>
+          <a:schemeClr val="phClr">
+            <a:tint val="95000"/>
+            <a:satMod val="170000"/>
+          </a:schemeClr>
+        </a:solidFill>
+        <a:gradFill rotWithShape="1">
+          <a:gsLst>
+            <a:gs pos="0">
+              <a:schemeClr val="phClr">
+                <a:tint val="93000"/>
+                <a:satMod val="150000"/>
+                <a:shade val="98000"/>
+                <a:lumMod val="102000"/>
+              </a:schemeClr>
+            </a:gs>
+            <a:gs pos="50000">
+              <a:schemeClr val="phClr">
+                <a:tint val="98000"/>
+                <a:satMod val="130000"/>
+                <a:shade val="90000"/>
+                <a:lumMod val="103000"/>
+              </a:schemeClr>
+            </a:gs>
+            <a:gs pos="100000">
+              <a:schemeClr val="phClr">
+                <a:shade val="63000"/>
+                <a:satMod val="120000"/>
+              </a:schemeClr>
+            </a:gs>
+          </a:gsLst>
+          <a:lin ang="5400000" scaled="0"/>
+        </a:gradFill>
+      </a:bgFillStyleLst>
+    </a:fmtScheme>
+  </a:themeElements>
+  <a:objectDefaults/>
+  <a:extraClrSchemeLst/>
+  <a:extLst>
+    <a:ext uri="{05A4C25C-085E-4340-85A3-A5531E510DB2}">
+      <thm15:themeFamily xmlns:thm15="http://schemas.microsoft.com/office/thememl/2012/main" name="Office Theme" id="{62F939B6-93AF-4DB8-9C6B-D6C7DFDC589F}" vid="{4A3C46E8-61CC-4603-A589-7422A47A8E4A}"/>
+    </a:ext>
+  </a:extLst>
+</a:theme>
 </file>
--- a/cert_c.pptx
+++ b/cert_c.pptx
@@ -5,7 +5,7 @@
     <p:sldMasterId id="2147483648" r:id="rId1"/>
   </p:sldMasterIdLst>
   <p:notesMasterIdLst>
-    <p:notesMasterId r:id="rId18"/>
+    <p:notesMasterId r:id="rId19"/>
   </p:notesMasterIdLst>
   <p:sldIdLst>
     <p:sldId id="256" r:id="rId2"/>
@@ -24,6 +24,7 @@
     <p:sldId id="269" r:id="rId15"/>
     <p:sldId id="270" r:id="rId16"/>
     <p:sldId id="271" r:id="rId17"/>
+    <p:sldId id="272" r:id="rId18"/>
   </p:sldIdLst>
   <p:sldSz cx="12192000" cy="6858000"/>
   <p:notesSz cx="6858000" cy="9144000"/>
@@ -14772,6 +14773,705 @@
     <p:extLst>
       <p:ext uri="{BB962C8B-B14F-4D97-AF65-F5344CB8AC3E}">
         <p14:creationId xmlns:p14="http://schemas.microsoft.com/office/powerpoint/2010/main" val="3119238659"/>
+      </p:ext>
+    </p:extLst>
+  </p:cSld>
+  <p:clrMapOvr>
+    <a:masterClrMapping/>
+  </p:clrMapOvr>
+</p:sld>
+</file>
+
+<file path=ppt/slides/slide17.xml><?xml version="1.0" encoding="utf-8"?>
+<p:sld xmlns:a="http://schemas.openxmlformats.org/drawingml/2006/main" xmlns:r="http://schemas.openxmlformats.org/officeDocument/2006/relationships" xmlns:p="http://schemas.openxmlformats.org/presentationml/2006/main">
+  <p:cSld>
+    <p:spTree>
+      <p:nvGrpSpPr>
+        <p:cNvPr id="1" name=""/>
+        <p:cNvGrpSpPr/>
+        <p:nvPr/>
+      </p:nvGrpSpPr>
+      <p:grpSpPr>
+        <a:xfrm>
+          <a:off x="0" y="0"/>
+          <a:ext cx="0" cy="0"/>
+          <a:chOff x="0" y="0"/>
+          <a:chExt cx="0" cy="0"/>
+        </a:xfrm>
+      </p:grpSpPr>
+      <p:sp>
+        <p:nvSpPr>
+          <p:cNvPr id="4" name="직사각형 3">
+            <a:extLst>
+              <a:ext uri="{FF2B5EF4-FFF2-40B4-BE49-F238E27FC236}">
+                <a16:creationId xmlns:a16="http://schemas.microsoft.com/office/drawing/2014/main" id="{9D5D9110-D913-CD4B-1F96-EECCF9FB0D4B}"/>
+              </a:ext>
+            </a:extLst>
+          </p:cNvPr>
+          <p:cNvSpPr/>
+          <p:nvPr/>
+        </p:nvSpPr>
+        <p:spPr>
+          <a:xfrm>
+            <a:off x="4789355" y="2794868"/>
+            <a:ext cx="1371601" cy="399738"/>
+          </a:xfrm>
+          <a:prstGeom prst="rect">
+            <a:avLst/>
+          </a:prstGeom>
+          <a:solidFill>
+            <a:srgbClr val="FFFF00"/>
+          </a:solidFill>
+        </p:spPr>
+        <p:style>
+          <a:lnRef idx="2">
+            <a:schemeClr val="accent4">
+              <a:shade val="15000"/>
+            </a:schemeClr>
+          </a:lnRef>
+          <a:fillRef idx="1">
+            <a:schemeClr val="accent4"/>
+          </a:fillRef>
+          <a:effectRef idx="0">
+            <a:schemeClr val="accent4"/>
+          </a:effectRef>
+          <a:fontRef idx="minor">
+            <a:schemeClr val="lt1"/>
+          </a:fontRef>
+        </p:style>
+        <p:txBody>
+          <a:bodyPr rtlCol="0" anchor="ctr"/>
+          <a:lstStyle/>
+          <a:p>
+            <a:pPr algn="ctr"/>
+            <a:r>
+              <a:rPr kumimoji="1" lang="en-US" altLang="ko-Kore-KR" sz="1400" dirty="0">
+                <a:solidFill>
+                  <a:schemeClr val="tx1"/>
+                </a:solidFill>
+                <a:latin typeface="DM Mono" panose="020B0509040201040103" pitchFamily="49" charset="0"/>
+              </a:rPr>
+              <a:t>Tom</a:t>
+            </a:r>
+            <a:endParaRPr kumimoji="1" lang="ko-Kore-KR" altLang="en-US" sz="1400" dirty="0">
+              <a:solidFill>
+                <a:schemeClr val="tx1"/>
+              </a:solidFill>
+              <a:latin typeface="DM Mono" panose="020B0509040201040103" pitchFamily="49" charset="0"/>
+            </a:endParaRPr>
+          </a:p>
+        </p:txBody>
+      </p:sp>
+      <p:sp>
+        <p:nvSpPr>
+          <p:cNvPr id="5" name="TextBox 4">
+            <a:extLst>
+              <a:ext uri="{FF2B5EF4-FFF2-40B4-BE49-F238E27FC236}">
+                <a16:creationId xmlns:a16="http://schemas.microsoft.com/office/drawing/2014/main" id="{1FB1C639-5EAE-59A8-BF8F-0F2AE67ADB50}"/>
+              </a:ext>
+            </a:extLst>
+          </p:cNvPr>
+          <p:cNvSpPr txBox="1"/>
+          <p:nvPr/>
+        </p:nvSpPr>
+        <p:spPr>
+          <a:xfrm>
+            <a:off x="3805001" y="2840848"/>
+            <a:ext cx="984354" cy="307777"/>
+          </a:xfrm>
+          <a:prstGeom prst="rect">
+            <a:avLst/>
+          </a:prstGeom>
+          <a:noFill/>
+        </p:spPr>
+        <p:txBody>
+          <a:bodyPr wrap="square">
+            <a:spAutoFit/>
+          </a:bodyPr>
+          <a:lstStyle/>
+          <a:p>
+            <a:pPr algn="r"/>
+            <a:r>
+              <a:rPr kumimoji="1" lang="en-US" altLang="ko-Kore-KR" sz="1400" dirty="0">
+                <a:latin typeface="DM Mono" panose="020B0509040201040103" pitchFamily="49" charset="0"/>
+              </a:rPr>
+              <a:t>name</a:t>
+            </a:r>
+            <a:endParaRPr lang="ko-Kore-KR" altLang="en-US" sz="1400" dirty="0"/>
+          </a:p>
+        </p:txBody>
+      </p:sp>
+      <p:sp>
+        <p:nvSpPr>
+          <p:cNvPr id="6" name="직사각형 5">
+            <a:extLst>
+              <a:ext uri="{FF2B5EF4-FFF2-40B4-BE49-F238E27FC236}">
+                <a16:creationId xmlns:a16="http://schemas.microsoft.com/office/drawing/2014/main" id="{B40A54CF-9A18-7AA8-31F4-1D3236B78325}"/>
+              </a:ext>
+            </a:extLst>
+          </p:cNvPr>
+          <p:cNvSpPr/>
+          <p:nvPr/>
+        </p:nvSpPr>
+        <p:spPr>
+          <a:xfrm>
+            <a:off x="4789355" y="3194605"/>
+            <a:ext cx="1371601" cy="399738"/>
+          </a:xfrm>
+          <a:prstGeom prst="rect">
+            <a:avLst/>
+          </a:prstGeom>
+          <a:solidFill>
+            <a:srgbClr val="FFFF00"/>
+          </a:solidFill>
+        </p:spPr>
+        <p:style>
+          <a:lnRef idx="2">
+            <a:schemeClr val="accent4">
+              <a:shade val="15000"/>
+            </a:schemeClr>
+          </a:lnRef>
+          <a:fillRef idx="1">
+            <a:schemeClr val="accent4"/>
+          </a:fillRef>
+          <a:effectRef idx="0">
+            <a:schemeClr val="accent4"/>
+          </a:effectRef>
+          <a:fontRef idx="minor">
+            <a:schemeClr val="lt1"/>
+          </a:fontRef>
+        </p:style>
+        <p:txBody>
+          <a:bodyPr rtlCol="0" anchor="ctr"/>
+          <a:lstStyle/>
+          <a:p>
+            <a:pPr algn="ctr"/>
+            <a:r>
+              <a:rPr kumimoji="1" lang="en-US" altLang="ko-Kore-KR" sz="1400" dirty="0">
+                <a:solidFill>
+                  <a:schemeClr val="tx1"/>
+                </a:solidFill>
+                <a:latin typeface="DM Mono" panose="020B0509040201040103" pitchFamily="49" charset="0"/>
+              </a:rPr>
+              <a:t>42</a:t>
+            </a:r>
+            <a:endParaRPr kumimoji="1" lang="ko-Kore-KR" altLang="en-US" sz="1400" dirty="0">
+              <a:solidFill>
+                <a:schemeClr val="tx1"/>
+              </a:solidFill>
+              <a:latin typeface="DM Mono" panose="020B0509040201040103" pitchFamily="49" charset="0"/>
+            </a:endParaRPr>
+          </a:p>
+        </p:txBody>
+      </p:sp>
+      <p:sp>
+        <p:nvSpPr>
+          <p:cNvPr id="7" name="TextBox 6">
+            <a:extLst>
+              <a:ext uri="{FF2B5EF4-FFF2-40B4-BE49-F238E27FC236}">
+                <a16:creationId xmlns:a16="http://schemas.microsoft.com/office/drawing/2014/main" id="{A285983F-CF43-ACAD-D348-D65E939C6685}"/>
+              </a:ext>
+            </a:extLst>
+          </p:cNvPr>
+          <p:cNvSpPr txBox="1"/>
+          <p:nvPr/>
+        </p:nvSpPr>
+        <p:spPr>
+          <a:xfrm>
+            <a:off x="3805001" y="3240585"/>
+            <a:ext cx="984354" cy="307777"/>
+          </a:xfrm>
+          <a:prstGeom prst="rect">
+            <a:avLst/>
+          </a:prstGeom>
+          <a:noFill/>
+        </p:spPr>
+        <p:txBody>
+          <a:bodyPr wrap="square">
+            <a:spAutoFit/>
+          </a:bodyPr>
+          <a:lstStyle/>
+          <a:p>
+            <a:pPr algn="r"/>
+            <a:r>
+              <a:rPr kumimoji="1" lang="en-US" altLang="ko-Kore-KR" sz="1400" dirty="0">
+                <a:latin typeface="DM Mono" panose="020B0509040201040103" pitchFamily="49" charset="0"/>
+              </a:rPr>
+              <a:t>age</a:t>
+            </a:r>
+            <a:endParaRPr lang="ko-Kore-KR" altLang="en-US" sz="1400" dirty="0"/>
+          </a:p>
+        </p:txBody>
+      </p:sp>
+      <p:sp>
+        <p:nvSpPr>
+          <p:cNvPr id="8" name="직사각형 7">
+            <a:extLst>
+              <a:ext uri="{FF2B5EF4-FFF2-40B4-BE49-F238E27FC236}">
+                <a16:creationId xmlns:a16="http://schemas.microsoft.com/office/drawing/2014/main" id="{9B8AC0E4-D75B-E597-5CEE-FDCEF5005B18}"/>
+              </a:ext>
+            </a:extLst>
+          </p:cNvPr>
+          <p:cNvSpPr/>
+          <p:nvPr/>
+        </p:nvSpPr>
+        <p:spPr>
+          <a:xfrm>
+            <a:off x="4789355" y="3594341"/>
+            <a:ext cx="1371601" cy="399738"/>
+          </a:xfrm>
+          <a:prstGeom prst="rect">
+            <a:avLst/>
+          </a:prstGeom>
+          <a:solidFill>
+            <a:srgbClr val="FFFF00"/>
+          </a:solidFill>
+        </p:spPr>
+        <p:style>
+          <a:lnRef idx="2">
+            <a:schemeClr val="accent4">
+              <a:shade val="15000"/>
+            </a:schemeClr>
+          </a:lnRef>
+          <a:fillRef idx="1">
+            <a:schemeClr val="accent4"/>
+          </a:fillRef>
+          <a:effectRef idx="0">
+            <a:schemeClr val="accent4"/>
+          </a:effectRef>
+          <a:fontRef idx="minor">
+            <a:schemeClr val="lt1"/>
+          </a:fontRef>
+        </p:style>
+        <p:txBody>
+          <a:bodyPr rtlCol="0" anchor="ctr"/>
+          <a:lstStyle/>
+          <a:p>
+            <a:pPr algn="ctr"/>
+            <a:endParaRPr kumimoji="1" lang="ko-Kore-KR" altLang="en-US" sz="1400" dirty="0">
+              <a:solidFill>
+                <a:srgbClr val="FF0000"/>
+              </a:solidFill>
+              <a:latin typeface="DM Mono" panose="020B0509040201040103" pitchFamily="49" charset="0"/>
+            </a:endParaRPr>
+          </a:p>
+        </p:txBody>
+      </p:sp>
+      <p:sp>
+        <p:nvSpPr>
+          <p:cNvPr id="9" name="TextBox 8">
+            <a:extLst>
+              <a:ext uri="{FF2B5EF4-FFF2-40B4-BE49-F238E27FC236}">
+                <a16:creationId xmlns:a16="http://schemas.microsoft.com/office/drawing/2014/main" id="{313A2604-82A1-F6A1-A228-38BC94E41176}"/>
+              </a:ext>
+            </a:extLst>
+          </p:cNvPr>
+          <p:cNvSpPr txBox="1"/>
+          <p:nvPr/>
+        </p:nvSpPr>
+        <p:spPr>
+          <a:xfrm>
+            <a:off x="3512695" y="3640321"/>
+            <a:ext cx="1276660" cy="307777"/>
+          </a:xfrm>
+          <a:prstGeom prst="rect">
+            <a:avLst/>
+          </a:prstGeom>
+          <a:noFill/>
+        </p:spPr>
+        <p:txBody>
+          <a:bodyPr wrap="square">
+            <a:spAutoFit/>
+          </a:bodyPr>
+          <a:lstStyle/>
+          <a:p>
+            <a:pPr algn="r"/>
+            <a:r>
+              <a:rPr kumimoji="1" lang="en-US" altLang="ko-Kore-KR" sz="1400" dirty="0" err="1">
+                <a:latin typeface="DM Mono" panose="020B0509040201040103" pitchFamily="49" charset="0"/>
+              </a:rPr>
+              <a:t>link.next</a:t>
+            </a:r>
+            <a:endParaRPr lang="ko-Kore-KR" altLang="en-US" sz="1400" dirty="0"/>
+          </a:p>
+        </p:txBody>
+      </p:sp>
+      <p:sp>
+        <p:nvSpPr>
+          <p:cNvPr id="10" name="TextBox 9">
+            <a:extLst>
+              <a:ext uri="{FF2B5EF4-FFF2-40B4-BE49-F238E27FC236}">
+                <a16:creationId xmlns:a16="http://schemas.microsoft.com/office/drawing/2014/main" id="{CE259C61-A5B0-6BEC-6A62-1B9B9B069640}"/>
+              </a:ext>
+            </a:extLst>
+          </p:cNvPr>
+          <p:cNvSpPr txBox="1"/>
+          <p:nvPr/>
+        </p:nvSpPr>
+        <p:spPr>
+          <a:xfrm>
+            <a:off x="4894288" y="2487091"/>
+            <a:ext cx="984354" cy="307777"/>
+          </a:xfrm>
+          <a:prstGeom prst="rect">
+            <a:avLst/>
+          </a:prstGeom>
+          <a:noFill/>
+        </p:spPr>
+        <p:txBody>
+          <a:bodyPr wrap="square">
+            <a:spAutoFit/>
+          </a:bodyPr>
+          <a:lstStyle/>
+          <a:p>
+            <a:pPr algn="ctr"/>
+            <a:r>
+              <a:rPr kumimoji="1" lang="en-US" altLang="ko-Kore-KR" sz="1400" dirty="0">
+                <a:latin typeface="DM Mono" panose="020B0509040201040103" pitchFamily="49" charset="0"/>
+              </a:rPr>
+              <a:t>user1</a:t>
+            </a:r>
+            <a:endParaRPr lang="ko-Kore-KR" altLang="en-US" sz="1400" dirty="0"/>
+          </a:p>
+        </p:txBody>
+      </p:sp>
+      <p:sp>
+        <p:nvSpPr>
+          <p:cNvPr id="11" name="직사각형 10">
+            <a:extLst>
+              <a:ext uri="{FF2B5EF4-FFF2-40B4-BE49-F238E27FC236}">
+                <a16:creationId xmlns:a16="http://schemas.microsoft.com/office/drawing/2014/main" id="{595D9B48-3059-8079-24EF-0B0E7FD17613}"/>
+              </a:ext>
+            </a:extLst>
+          </p:cNvPr>
+          <p:cNvSpPr/>
+          <p:nvPr/>
+        </p:nvSpPr>
+        <p:spPr>
+          <a:xfrm>
+            <a:off x="2720713" y="4882702"/>
+            <a:ext cx="1371601" cy="399738"/>
+          </a:xfrm>
+          <a:prstGeom prst="rect">
+            <a:avLst/>
+          </a:prstGeom>
+          <a:solidFill>
+            <a:srgbClr val="FFFF00"/>
+          </a:solidFill>
+        </p:spPr>
+        <p:style>
+          <a:lnRef idx="2">
+            <a:schemeClr val="accent4">
+              <a:shade val="15000"/>
+            </a:schemeClr>
+          </a:lnRef>
+          <a:fillRef idx="1">
+            <a:schemeClr val="accent4"/>
+          </a:fillRef>
+          <a:effectRef idx="0">
+            <a:schemeClr val="accent4"/>
+          </a:effectRef>
+          <a:fontRef idx="minor">
+            <a:schemeClr val="lt1"/>
+          </a:fontRef>
+        </p:style>
+        <p:txBody>
+          <a:bodyPr rtlCol="0" anchor="ctr"/>
+          <a:lstStyle/>
+          <a:p>
+            <a:pPr algn="ctr"/>
+            <a:endParaRPr kumimoji="1" lang="ko-Kore-KR" altLang="en-US" sz="1400" dirty="0">
+              <a:solidFill>
+                <a:schemeClr val="tx1"/>
+              </a:solidFill>
+              <a:latin typeface="DM Mono" panose="020B0509040201040103" pitchFamily="49" charset="0"/>
+            </a:endParaRPr>
+          </a:p>
+        </p:txBody>
+      </p:sp>
+      <p:sp>
+        <p:nvSpPr>
+          <p:cNvPr id="12" name="TextBox 11">
+            <a:extLst>
+              <a:ext uri="{FF2B5EF4-FFF2-40B4-BE49-F238E27FC236}">
+                <a16:creationId xmlns:a16="http://schemas.microsoft.com/office/drawing/2014/main" id="{5DF9F2FA-2D82-CB79-1726-4E8DB29EF9C7}"/>
+              </a:ext>
+            </a:extLst>
+          </p:cNvPr>
+          <p:cNvSpPr txBox="1"/>
+          <p:nvPr/>
+        </p:nvSpPr>
+        <p:spPr>
+          <a:xfrm>
+            <a:off x="1444053" y="4928682"/>
+            <a:ext cx="1276660" cy="307777"/>
+          </a:xfrm>
+          <a:prstGeom prst="rect">
+            <a:avLst/>
+          </a:prstGeom>
+          <a:noFill/>
+        </p:spPr>
+        <p:txBody>
+          <a:bodyPr wrap="square">
+            <a:spAutoFit/>
+          </a:bodyPr>
+          <a:lstStyle/>
+          <a:p>
+            <a:pPr algn="r"/>
+            <a:r>
+              <a:rPr kumimoji="1" lang="en-US" altLang="ko-Kore-KR" sz="1400" dirty="0" err="1">
+                <a:latin typeface="DM Mono" panose="020B0509040201040103" pitchFamily="49" charset="0"/>
+              </a:rPr>
+              <a:t>link.next</a:t>
+            </a:r>
+            <a:endParaRPr lang="ko-Kore-KR" altLang="en-US" sz="1400" dirty="0"/>
+          </a:p>
+        </p:txBody>
+      </p:sp>
+      <p:sp>
+        <p:nvSpPr>
+          <p:cNvPr id="13" name="TextBox 12">
+            <a:extLst>
+              <a:ext uri="{FF2B5EF4-FFF2-40B4-BE49-F238E27FC236}">
+                <a16:creationId xmlns:a16="http://schemas.microsoft.com/office/drawing/2014/main" id="{9B940E70-405B-30C0-CF99-10D769FD1AF8}"/>
+              </a:ext>
+            </a:extLst>
+          </p:cNvPr>
+          <p:cNvSpPr txBox="1"/>
+          <p:nvPr/>
+        </p:nvSpPr>
+        <p:spPr>
+          <a:xfrm>
+            <a:off x="2914336" y="4531448"/>
+            <a:ext cx="984354" cy="307777"/>
+          </a:xfrm>
+          <a:prstGeom prst="rect">
+            <a:avLst/>
+          </a:prstGeom>
+          <a:noFill/>
+        </p:spPr>
+        <p:txBody>
+          <a:bodyPr wrap="square">
+            <a:spAutoFit/>
+          </a:bodyPr>
+          <a:lstStyle/>
+          <a:p>
+            <a:pPr algn="ctr"/>
+            <a:r>
+              <a:rPr kumimoji="1" lang="en-US" altLang="ko-Kore-KR" sz="1400" dirty="0">
+                <a:latin typeface="DM Mono" panose="020B0509040201040103" pitchFamily="49" charset="0"/>
+              </a:rPr>
+              <a:t>current</a:t>
+            </a:r>
+            <a:endParaRPr lang="ko-Kore-KR" altLang="en-US" sz="1400" dirty="0"/>
+          </a:p>
+        </p:txBody>
+      </p:sp>
+      <p:cxnSp>
+        <p:nvCxnSpPr>
+          <p:cNvPr id="15" name="구부러진 연결선[U] 14">
+            <a:extLst>
+              <a:ext uri="{FF2B5EF4-FFF2-40B4-BE49-F238E27FC236}">
+                <a16:creationId xmlns:a16="http://schemas.microsoft.com/office/drawing/2014/main" id="{24EDA995-DC54-FAA2-CD15-179ECB3D4490}"/>
+              </a:ext>
+            </a:extLst>
+          </p:cNvPr>
+          <p:cNvCxnSpPr>
+            <a:cxnSpLocks/>
+            <a:stCxn id="11" idx="2"/>
+            <a:endCxn id="8" idx="3"/>
+          </p:cNvCxnSpPr>
+          <p:nvPr/>
+        </p:nvCxnSpPr>
+        <p:spPr>
+          <a:xfrm rot="5400000" flipH="1" flipV="1">
+            <a:off x="4039620" y="3161104"/>
+            <a:ext cx="1488230" cy="2754442"/>
+          </a:xfrm>
+          <a:prstGeom prst="curvedConnector4">
+            <a:avLst>
+              <a:gd name="adj1" fmla="val -15361"/>
+              <a:gd name="adj2" fmla="val 108299"/>
+            </a:avLst>
+          </a:prstGeom>
+          <a:ln>
+            <a:tailEnd type="triangle"/>
+          </a:ln>
+        </p:spPr>
+        <p:style>
+          <a:lnRef idx="1">
+            <a:schemeClr val="dk1"/>
+          </a:lnRef>
+          <a:fillRef idx="0">
+            <a:schemeClr val="dk1"/>
+          </a:fillRef>
+          <a:effectRef idx="0">
+            <a:schemeClr val="dk1"/>
+          </a:effectRef>
+          <a:fontRef idx="minor">
+            <a:schemeClr val="tx1"/>
+          </a:fontRef>
+        </p:style>
+      </p:cxnSp>
+      <p:sp>
+        <p:nvSpPr>
+          <p:cNvPr id="18" name="TextBox 17">
+            <a:extLst>
+              <a:ext uri="{FF2B5EF4-FFF2-40B4-BE49-F238E27FC236}">
+                <a16:creationId xmlns:a16="http://schemas.microsoft.com/office/drawing/2014/main" id="{F5007BCE-3692-06F0-A1CD-E9A6C7977D1F}"/>
+              </a:ext>
+            </a:extLst>
+          </p:cNvPr>
+          <p:cNvSpPr txBox="1"/>
+          <p:nvPr/>
+        </p:nvSpPr>
+        <p:spPr>
+          <a:xfrm>
+            <a:off x="6744323" y="3440452"/>
+            <a:ext cx="984354" cy="307777"/>
+          </a:xfrm>
+          <a:prstGeom prst="rect">
+            <a:avLst/>
+          </a:prstGeom>
+          <a:noFill/>
+        </p:spPr>
+        <p:txBody>
+          <a:bodyPr wrap="square">
+            <a:spAutoFit/>
+          </a:bodyPr>
+          <a:lstStyle/>
+          <a:p>
+            <a:r>
+              <a:rPr lang="en-US" altLang="ko-Kore-KR" sz="1400" dirty="0"/>
+              <a:t>Offset: 30</a:t>
+            </a:r>
+            <a:endParaRPr lang="ko-Kore-KR" altLang="en-US" sz="1400" dirty="0"/>
+          </a:p>
+        </p:txBody>
+      </p:sp>
+      <p:cxnSp>
+        <p:nvCxnSpPr>
+          <p:cNvPr id="20" name="직선 화살표 연결선 19">
+            <a:extLst>
+              <a:ext uri="{FF2B5EF4-FFF2-40B4-BE49-F238E27FC236}">
+                <a16:creationId xmlns:a16="http://schemas.microsoft.com/office/drawing/2014/main" id="{FBE4F0A8-6646-2A40-38BD-DB74D33A910C}"/>
+              </a:ext>
+            </a:extLst>
+          </p:cNvPr>
+          <p:cNvCxnSpPr>
+            <a:stCxn id="18" idx="1"/>
+          </p:cNvCxnSpPr>
+          <p:nvPr/>
+        </p:nvCxnSpPr>
+        <p:spPr>
+          <a:xfrm flipH="1">
+            <a:off x="6172196" y="3594341"/>
+            <a:ext cx="572127" cy="0"/>
+          </a:xfrm>
+          <a:prstGeom prst="straightConnector1">
+            <a:avLst/>
+          </a:prstGeom>
+          <a:ln>
+            <a:tailEnd type="triangle"/>
+          </a:ln>
+        </p:spPr>
+        <p:style>
+          <a:lnRef idx="1">
+            <a:schemeClr val="dk1"/>
+          </a:lnRef>
+          <a:fillRef idx="0">
+            <a:schemeClr val="dk1"/>
+          </a:fillRef>
+          <a:effectRef idx="0">
+            <a:schemeClr val="dk1"/>
+          </a:effectRef>
+          <a:fontRef idx="minor">
+            <a:schemeClr val="tx1"/>
+          </a:fontRef>
+        </p:style>
+      </p:cxnSp>
+      <p:sp>
+        <p:nvSpPr>
+          <p:cNvPr id="21" name="TextBox 20">
+            <a:extLst>
+              <a:ext uri="{FF2B5EF4-FFF2-40B4-BE49-F238E27FC236}">
+                <a16:creationId xmlns:a16="http://schemas.microsoft.com/office/drawing/2014/main" id="{ECBE93E8-D74F-D453-44A1-E808A8688098}"/>
+              </a:ext>
+            </a:extLst>
+          </p:cNvPr>
+          <p:cNvSpPr txBox="1"/>
+          <p:nvPr/>
+        </p:nvSpPr>
+        <p:spPr>
+          <a:xfrm>
+            <a:off x="6744322" y="2640979"/>
+            <a:ext cx="1705133" cy="307777"/>
+          </a:xfrm>
+          <a:prstGeom prst="rect">
+            <a:avLst/>
+          </a:prstGeom>
+          <a:noFill/>
+        </p:spPr>
+        <p:txBody>
+          <a:bodyPr wrap="square">
+            <a:spAutoFit/>
+          </a:bodyPr>
+          <a:lstStyle/>
+          <a:p>
+            <a:r>
+              <a:rPr lang="en-US" altLang="ko-Kore-KR" sz="1400" dirty="0"/>
+              <a:t>Current - Offset</a:t>
+            </a:r>
+            <a:endParaRPr lang="ko-Kore-KR" altLang="en-US" sz="1400" dirty="0"/>
+          </a:p>
+        </p:txBody>
+      </p:sp>
+      <p:cxnSp>
+        <p:nvCxnSpPr>
+          <p:cNvPr id="22" name="직선 화살표 연결선 21">
+            <a:extLst>
+              <a:ext uri="{FF2B5EF4-FFF2-40B4-BE49-F238E27FC236}">
+                <a16:creationId xmlns:a16="http://schemas.microsoft.com/office/drawing/2014/main" id="{3A09ADB8-9941-3DC4-EB3F-E94BF03C92A3}"/>
+              </a:ext>
+            </a:extLst>
+          </p:cNvPr>
+          <p:cNvCxnSpPr>
+            <a:cxnSpLocks/>
+            <a:stCxn id="21" idx="1"/>
+          </p:cNvCxnSpPr>
+          <p:nvPr/>
+        </p:nvCxnSpPr>
+        <p:spPr>
+          <a:xfrm flipH="1">
+            <a:off x="6172196" y="2794868"/>
+            <a:ext cx="572126" cy="0"/>
+          </a:xfrm>
+          <a:prstGeom prst="straightConnector1">
+            <a:avLst/>
+          </a:prstGeom>
+          <a:ln>
+            <a:tailEnd type="triangle"/>
+          </a:ln>
+        </p:spPr>
+        <p:style>
+          <a:lnRef idx="1">
+            <a:schemeClr val="dk1"/>
+          </a:lnRef>
+          <a:fillRef idx="0">
+            <a:schemeClr val="dk1"/>
+          </a:fillRef>
+          <a:effectRef idx="0">
+            <a:schemeClr val="dk1"/>
+          </a:effectRef>
+          <a:fontRef idx="minor">
+            <a:schemeClr val="tx1"/>
+          </a:fontRef>
+        </p:style>
+      </p:cxnSp>
+    </p:spTree>
+    <p:extLst>
+      <p:ext uri="{BB962C8B-B14F-4D97-AF65-F5344CB8AC3E}">
+        <p14:creationId xmlns:p14="http://schemas.microsoft.com/office/powerpoint/2010/main" val="6908187"/>
       </p:ext>
     </p:extLst>
   </p:cSld>

--- a/cert_c.pptx
+++ b/cert_c.pptx
@@ -15327,8 +15327,8 @@
         </p:nvSpPr>
         <p:spPr>
           <a:xfrm>
-            <a:off x="6744323" y="3440452"/>
-            <a:ext cx="984354" cy="307777"/>
+            <a:off x="6744322" y="3440452"/>
+            <a:ext cx="2909343" cy="307777"/>
           </a:xfrm>
           <a:prstGeom prst="rect">
             <a:avLst/>
@@ -15343,7 +15343,23 @@
           <a:p>
             <a:r>
               <a:rPr lang="en-US" altLang="ko-Kore-KR" sz="1400" dirty="0"/>
-              <a:t>Offset: 30</a:t>
+              <a:t>130</a:t>
+            </a:r>
+            <a:r>
+              <a:rPr lang="ko-Kore-KR" altLang="en-US" sz="1400" dirty="0"/>
+              <a:t>번지</a:t>
+            </a:r>
+            <a:r>
+              <a:rPr lang="en-US" altLang="ko-Kore-KR" sz="1400" dirty="0"/>
+              <a:t>,</a:t>
+            </a:r>
+            <a:r>
+              <a:rPr lang="ko-KR" altLang="en-US" sz="1400" dirty="0"/>
+              <a:t> </a:t>
+            </a:r>
+            <a:r>
+              <a:rPr lang="en-US" altLang="ko-Kore-KR" sz="1400" dirty="0"/>
+              <a:t> Offset: 30</a:t>
             </a:r>
             <a:endParaRPr lang="ko-Kore-KR" altLang="en-US" sz="1400" dirty="0"/>
           </a:p>
@@ -15359,6 +15375,7 @@
             </a:extLst>
           </p:cNvPr>
           <p:cNvCxnSpPr>
+            <a:cxnSpLocks/>
             <a:stCxn id="18" idx="1"/>
           </p:cNvCxnSpPr>
           <p:nvPr/>
@@ -15366,7 +15383,7 @@
         <p:spPr>
           <a:xfrm flipH="1">
             <a:off x="6172196" y="3594341"/>
-            <a:ext cx="572127" cy="0"/>
+            <a:ext cx="572126" cy="0"/>
           </a:xfrm>
           <a:prstGeom prst="straightConnector1">
             <a:avLst/>
@@ -15405,7 +15422,7 @@
         <p:spPr>
           <a:xfrm>
             <a:off x="6744322" y="2640979"/>
-            <a:ext cx="1705133" cy="307777"/>
+            <a:ext cx="1705133" cy="523220"/>
           </a:xfrm>
           <a:prstGeom prst="rect">
             <a:avLst/>
@@ -15419,8 +15436,40 @@
           <a:lstStyle/>
           <a:p>
             <a:r>
+              <a:rPr lang="en-US" altLang="ko-KR" sz="1400" dirty="0"/>
+              <a:t>130</a:t>
+            </a:r>
+            <a:r>
+              <a:rPr lang="ko-KR" altLang="en-US" sz="1400" dirty="0"/>
+              <a:t>번지</a:t>
+            </a:r>
+            <a:r>
               <a:rPr lang="en-US" altLang="ko-Kore-KR" sz="1400" dirty="0"/>
-              <a:t>Current - Offset</a:t>
+              <a:t> – Offset</a:t>
+            </a:r>
+            <a:r>
+              <a:rPr lang="en-US" altLang="ko-KR" sz="1400" dirty="0"/>
+              <a:t>(30)</a:t>
+            </a:r>
+            <a:r>
+              <a:rPr lang="ko-KR" altLang="en-US" sz="1400" dirty="0"/>
+              <a:t> </a:t>
+            </a:r>
+            <a:r>
+              <a:rPr lang="en-US" altLang="ko-KR" sz="1400" dirty="0"/>
+              <a:t>=&gt;</a:t>
+            </a:r>
+            <a:r>
+              <a:rPr lang="ko-KR" altLang="en-US" sz="1400" dirty="0"/>
+              <a:t> </a:t>
+            </a:r>
+            <a:r>
+              <a:rPr lang="en-US" altLang="ko-KR" sz="1400" dirty="0"/>
+              <a:t>100</a:t>
+            </a:r>
+            <a:r>
+              <a:rPr lang="ko-KR" altLang="en-US" sz="1400" dirty="0"/>
+              <a:t>번지</a:t>
             </a:r>
             <a:endParaRPr lang="ko-Kore-KR" altLang="en-US" sz="1400" dirty="0"/>
           </a:p>
@@ -15442,9 +15491,9 @@
           <p:nvPr/>
         </p:nvCxnSpPr>
         <p:spPr>
-          <a:xfrm flipH="1">
+          <a:xfrm flipH="1" flipV="1">
             <a:off x="6172196" y="2794868"/>
-            <a:ext cx="572126" cy="0"/>
+            <a:ext cx="572126" cy="107721"/>
           </a:xfrm>
           <a:prstGeom prst="straightConnector1">
             <a:avLst/>

--- a/cert_c.pptx
+++ b/cert_c.pptx
@@ -213,7 +213,7 @@
           <a:p>
             <a:fld id="{5C0B0A32-463F-EB44-B7A8-479C53E18F71}" type="datetimeFigureOut">
               <a:rPr kumimoji="1" lang="ko-Kore-KR" altLang="en-US" smtClean="0"/>
-              <a:t>2023. 7. 27.</a:t>
+              <a:t>2023. 7. 28.</a:t>
             </a:fld>
             <a:endParaRPr kumimoji="1" lang="ko-Kore-KR" altLang="en-US"/>
           </a:p>
@@ -714,7 +714,7 @@
           <a:p>
             <a:fld id="{0793EE22-6819-6240-9E24-EAF88CC20399}" type="datetimeFigureOut">
               <a:rPr kumimoji="1" lang="ko-Kore-KR" altLang="en-US" smtClean="0"/>
-              <a:t>2023. 7. 27.</a:t>
+              <a:t>2023. 7. 28.</a:t>
             </a:fld>
             <a:endParaRPr kumimoji="1" lang="ko-Kore-KR" altLang="en-US"/>
           </a:p>
@@ -914,7 +914,7 @@
           <a:p>
             <a:fld id="{0793EE22-6819-6240-9E24-EAF88CC20399}" type="datetimeFigureOut">
               <a:rPr kumimoji="1" lang="ko-Kore-KR" altLang="en-US" smtClean="0"/>
-              <a:t>2023. 7. 27.</a:t>
+              <a:t>2023. 7. 28.</a:t>
             </a:fld>
             <a:endParaRPr kumimoji="1" lang="ko-Kore-KR" altLang="en-US"/>
           </a:p>
@@ -1124,7 +1124,7 @@
           <a:p>
             <a:fld id="{0793EE22-6819-6240-9E24-EAF88CC20399}" type="datetimeFigureOut">
               <a:rPr kumimoji="1" lang="ko-Kore-KR" altLang="en-US" smtClean="0"/>
-              <a:t>2023. 7. 27.</a:t>
+              <a:t>2023. 7. 28.</a:t>
             </a:fld>
             <a:endParaRPr kumimoji="1" lang="ko-Kore-KR" altLang="en-US"/>
           </a:p>
@@ -1324,7 +1324,7 @@
           <a:p>
             <a:fld id="{0793EE22-6819-6240-9E24-EAF88CC20399}" type="datetimeFigureOut">
               <a:rPr kumimoji="1" lang="ko-Kore-KR" altLang="en-US" smtClean="0"/>
-              <a:t>2023. 7. 27.</a:t>
+              <a:t>2023. 7. 28.</a:t>
             </a:fld>
             <a:endParaRPr kumimoji="1" lang="ko-Kore-KR" altLang="en-US"/>
           </a:p>
@@ -1600,7 +1600,7 @@
           <a:p>
             <a:fld id="{0793EE22-6819-6240-9E24-EAF88CC20399}" type="datetimeFigureOut">
               <a:rPr kumimoji="1" lang="ko-Kore-KR" altLang="en-US" smtClean="0"/>
-              <a:t>2023. 7. 27.</a:t>
+              <a:t>2023. 7. 28.</a:t>
             </a:fld>
             <a:endParaRPr kumimoji="1" lang="ko-Kore-KR" altLang="en-US"/>
           </a:p>
@@ -1868,7 +1868,7 @@
           <a:p>
             <a:fld id="{0793EE22-6819-6240-9E24-EAF88CC20399}" type="datetimeFigureOut">
               <a:rPr kumimoji="1" lang="ko-Kore-KR" altLang="en-US" smtClean="0"/>
-              <a:t>2023. 7. 27.</a:t>
+              <a:t>2023. 7. 28.</a:t>
             </a:fld>
             <a:endParaRPr kumimoji="1" lang="ko-Kore-KR" altLang="en-US"/>
           </a:p>
@@ -2283,7 +2283,7 @@
           <a:p>
             <a:fld id="{0793EE22-6819-6240-9E24-EAF88CC20399}" type="datetimeFigureOut">
               <a:rPr kumimoji="1" lang="ko-Kore-KR" altLang="en-US" smtClean="0"/>
-              <a:t>2023. 7. 27.</a:t>
+              <a:t>2023. 7. 28.</a:t>
             </a:fld>
             <a:endParaRPr kumimoji="1" lang="ko-Kore-KR" altLang="en-US"/>
           </a:p>
@@ -2425,7 +2425,7 @@
           <a:p>
             <a:fld id="{0793EE22-6819-6240-9E24-EAF88CC20399}" type="datetimeFigureOut">
               <a:rPr kumimoji="1" lang="ko-Kore-KR" altLang="en-US" smtClean="0"/>
-              <a:t>2023. 7. 27.</a:t>
+              <a:t>2023. 7. 28.</a:t>
             </a:fld>
             <a:endParaRPr kumimoji="1" lang="ko-Kore-KR" altLang="en-US"/>
           </a:p>
@@ -2538,7 +2538,7 @@
           <a:p>
             <a:fld id="{0793EE22-6819-6240-9E24-EAF88CC20399}" type="datetimeFigureOut">
               <a:rPr kumimoji="1" lang="ko-Kore-KR" altLang="en-US" smtClean="0"/>
-              <a:t>2023. 7. 27.</a:t>
+              <a:t>2023. 7. 28.</a:t>
             </a:fld>
             <a:endParaRPr kumimoji="1" lang="ko-Kore-KR" altLang="en-US"/>
           </a:p>
@@ -2851,7 +2851,7 @@
           <a:p>
             <a:fld id="{0793EE22-6819-6240-9E24-EAF88CC20399}" type="datetimeFigureOut">
               <a:rPr kumimoji="1" lang="ko-Kore-KR" altLang="en-US" smtClean="0"/>
-              <a:t>2023. 7. 27.</a:t>
+              <a:t>2023. 7. 28.</a:t>
             </a:fld>
             <a:endParaRPr kumimoji="1" lang="ko-Kore-KR" altLang="en-US"/>
           </a:p>
@@ -3140,7 +3140,7 @@
           <a:p>
             <a:fld id="{0793EE22-6819-6240-9E24-EAF88CC20399}" type="datetimeFigureOut">
               <a:rPr kumimoji="1" lang="ko-Kore-KR" altLang="en-US" smtClean="0"/>
-              <a:t>2023. 7. 27.</a:t>
+              <a:t>2023. 7. 28.</a:t>
             </a:fld>
             <a:endParaRPr kumimoji="1" lang="ko-Kore-KR" altLang="en-US"/>
           </a:p>
@@ -3383,7 +3383,7 @@
           <a:p>
             <a:fld id="{0793EE22-6819-6240-9E24-EAF88CC20399}" type="datetimeFigureOut">
               <a:rPr kumimoji="1" lang="ko-Kore-KR" altLang="en-US" smtClean="0"/>
-              <a:t>2023. 7. 27.</a:t>
+              <a:t>2023. 7. 28.</a:t>
             </a:fld>
             <a:endParaRPr kumimoji="1" lang="ko-Kore-KR" altLang="en-US"/>
           </a:p>
@@ -14648,18 +14648,18 @@
           <p:cNvCxnSpPr>
             <a:cxnSpLocks/>
             <a:stCxn id="27" idx="3"/>
-            <a:endCxn id="24" idx="1"/>
+            <a:endCxn id="24" idx="3"/>
           </p:cNvCxnSpPr>
           <p:nvPr/>
         </p:nvCxnSpPr>
         <p:spPr>
           <a:xfrm>
             <a:off x="7175292" y="1734767"/>
-            <a:ext cx="2116104" cy="3303625"/>
+            <a:ext cx="3487705" cy="3303625"/>
           </a:xfrm>
           <a:prstGeom prst="curvedConnector3">
             <a:avLst>
-              <a:gd name="adj1" fmla="val 50000"/>
+              <a:gd name="adj1" fmla="val 114147"/>
             </a:avLst>
           </a:prstGeom>
           <a:ln>
@@ -15421,7 +15421,7 @@
         </p:nvSpPr>
         <p:spPr>
           <a:xfrm>
-            <a:off x="6744322" y="2640979"/>
+            <a:off x="7230260" y="2625405"/>
             <a:ext cx="1705133" cy="523220"/>
           </a:xfrm>
           <a:prstGeom prst="rect">
@@ -15492,8 +15492,8 @@
         </p:nvCxnSpPr>
         <p:spPr>
           <a:xfrm flipH="1" flipV="1">
-            <a:off x="6172196" y="2794868"/>
-            <a:ext cx="572126" cy="107721"/>
+            <a:off x="6160956" y="2794868"/>
+            <a:ext cx="1069304" cy="92147"/>
           </a:xfrm>
           <a:prstGeom prst="straightConnector1">
             <a:avLst/>
